--- a/Competition.pptx
+++ b/Competition.pptx
@@ -111,6 +111,11 @@
       </a:defRPr>
     </a:lvl9pPr>
   </p:defaultTextStyle>
+  <p:extLst>
+    <p:ext uri="{EFAFB233-063F-42B5-8137-9DF3F51BA10A}">
+      <p15:sldGuideLst xmlns:p15="http://schemas.microsoft.com/office/powerpoint/2012/main"/>
+    </p:ext>
+  </p:extLst>
 </p:presentation>
 </file>
 
@@ -196,7 +201,7 @@
           <a:p>
             <a:fld id="{D933B57D-9886-9E4E-8A2F-8AF6B85A30F2}" type="datetimeFigureOut">
               <a:rPr lang="en-US" smtClean="0"/>
-              <a:t>3/25/24</a:t>
+              <a:t>3/26/24</a:t>
             </a:fld>
             <a:endParaRPr lang="en-US"/>
           </a:p>
@@ -595,45 +600,159 @@
           <a:lstStyle/>
           <a:p>
             <a:r>
-              <a:rPr lang="en-US" dirty="0"/>
-              <a:t>How do we define a violent crime?</a:t>
-            </a:r>
-          </a:p>
-          <a:p>
-            <a:r>
-              <a:rPr lang="en-US" dirty="0"/>
-              <a:t>FBI website + Chicago Crime Gov</a:t>
-            </a:r>
-          </a:p>
-          <a:p>
-            <a:endParaRPr lang="en-US" dirty="0"/>
-          </a:p>
-          <a:p>
-            <a:r>
-              <a:rPr lang="en-US" dirty="0"/>
-              <a:t>How we aggregate the data?</a:t>
-            </a:r>
-          </a:p>
-          <a:p>
-            <a:endParaRPr lang="en-US" dirty="0"/>
-          </a:p>
-          <a:p>
-            <a:r>
-              <a:rPr lang="en-US" dirty="0"/>
-              <a:t>Seasonality</a:t>
-            </a:r>
-          </a:p>
-          <a:p>
-            <a:endParaRPr lang="en-US" dirty="0"/>
-          </a:p>
-          <a:p>
-            <a:r>
-              <a:rPr lang="en-US" dirty="0"/>
-              <a:t>Unemployment</a:t>
-            </a:r>
-          </a:p>
-          <a:p>
-            <a:endParaRPr lang="en-US" dirty="0"/>
+              <a:rPr lang="en-US" dirty="0">
+                <a:effectLst/>
+                <a:latin typeface="Helvetica Neue" panose="02000503000000020004" pitchFamily="2" charset="0"/>
+              </a:rPr>
+              <a:t>Since our goal is to predict and reduce the violent crime rate in Chicago, our efforts was focused on understanding those factors that influence, especially in vulnerable periods. Then, we make some decisions about the data.</a:t>
+            </a:r>
+          </a:p>
+          <a:p>
+            <a:br>
+              <a:rPr lang="en-US" dirty="0">
+                <a:effectLst/>
+                <a:latin typeface="Helvetica Neue" panose="02000503000000020004" pitchFamily="2" charset="0"/>
+              </a:rPr>
+            </a:br>
+            <a:endParaRPr lang="en-US" dirty="0">
+              <a:effectLst/>
+              <a:latin typeface="Helvetica Neue" panose="02000503000000020004" pitchFamily="2" charset="0"/>
+            </a:endParaRPr>
+          </a:p>
+          <a:p>
+            <a:r>
+              <a:rPr lang="en-US" dirty="0">
+                <a:effectLst/>
+                <a:latin typeface="Helvetica Neue" panose="02000503000000020004" pitchFamily="2" charset="0"/>
+              </a:rPr>
+              <a:t>Our first step was ensuring the date consistency across our datasets. We “standardized” our data to cover the period from 2010 to 2024. This decision allows us to work with the most relevant and recent data, capturing the current dynamics of crime and environmental factors</a:t>
+            </a:r>
+          </a:p>
+          <a:p>
+            <a:br>
+              <a:rPr lang="en-US" dirty="0">
+                <a:effectLst/>
+                <a:latin typeface="Helvetica Neue" panose="02000503000000020004" pitchFamily="2" charset="0"/>
+              </a:rPr>
+            </a:br>
+            <a:endParaRPr lang="en-US" dirty="0">
+              <a:effectLst/>
+              <a:latin typeface="Helvetica Neue" panose="02000503000000020004" pitchFamily="2" charset="0"/>
+            </a:endParaRPr>
+          </a:p>
+          <a:p>
+            <a:r>
+              <a:rPr lang="en-US" dirty="0">
+                <a:effectLst/>
+                <a:latin typeface="Helvetica Neue" panose="02000503000000020004" pitchFamily="2" charset="0"/>
+              </a:rPr>
+              <a:t>Recognizing the potential influence of socio-economic factors on crime rates, we integrated monthly unemployment data for Chicago. This addition enriches our analysis, enabling us to explore the interplay between economic conditions and crime.</a:t>
+            </a:r>
+          </a:p>
+          <a:p>
+            <a:br>
+              <a:rPr lang="en-US" dirty="0">
+                <a:effectLst/>
+                <a:latin typeface="Helvetica Neue" panose="02000503000000020004" pitchFamily="2" charset="0"/>
+              </a:rPr>
+            </a:br>
+            <a:endParaRPr lang="en-US" dirty="0">
+              <a:effectLst/>
+              <a:latin typeface="Helvetica Neue" panose="02000503000000020004" pitchFamily="2" charset="0"/>
+            </a:endParaRPr>
+          </a:p>
+          <a:p>
+            <a:r>
+              <a:rPr lang="en-US" dirty="0">
+                <a:effectLst/>
+                <a:latin typeface="Helvetica Neue" panose="02000503000000020004" pitchFamily="2" charset="0"/>
+              </a:rPr>
+              <a:t>Definition of violent crime, we adopted the FBI and Chicago's definitions of violent crime. This categorization includes crimes such as HOMICIDE, KIDNAPPING, BATTERY, and ASSAULT, among others. It ensures our study precisely targets the most detrimental crime types to public safety.</a:t>
+            </a:r>
+          </a:p>
+          <a:p>
+            <a:br>
+              <a:rPr lang="en-US" dirty="0">
+                <a:effectLst/>
+                <a:latin typeface="Helvetica Neue" panose="02000503000000020004" pitchFamily="2" charset="0"/>
+              </a:rPr>
+            </a:br>
+            <a:endParaRPr lang="en-US" dirty="0">
+              <a:effectLst/>
+              <a:latin typeface="Helvetica Neue" panose="02000503000000020004" pitchFamily="2" charset="0"/>
+            </a:endParaRPr>
+          </a:p>
+          <a:p>
+            <a:r>
+              <a:rPr lang="en-US" dirty="0">
+                <a:effectLst/>
+                <a:latin typeface="Helvetica Neue" panose="02000503000000020004" pitchFamily="2" charset="0"/>
+              </a:rPr>
+              <a:t>Our dataset is meticulously structured to count violent crimes by the hour, incorporating variables like the presence of a full moon, daylight status, weather conditions, and socio-economic indicators. This detailed structuring is pivotal for identifying patterns and correlations.</a:t>
+            </a:r>
+          </a:p>
+          <a:p>
+            <a:br>
+              <a:rPr lang="en-US" dirty="0">
+                <a:effectLst/>
+                <a:latin typeface="Helvetica Neue" panose="02000503000000020004" pitchFamily="2" charset="0"/>
+              </a:rPr>
+            </a:br>
+            <a:endParaRPr lang="en-US" dirty="0">
+              <a:effectLst/>
+              <a:latin typeface="Helvetica Neue" panose="02000503000000020004" pitchFamily="2" charset="0"/>
+            </a:endParaRPr>
+          </a:p>
+          <a:p>
+            <a:r>
+              <a:rPr lang="en-US" dirty="0">
+                <a:effectLst/>
+                <a:latin typeface="Helvetica Neue" panose="02000503000000020004" pitchFamily="2" charset="0"/>
+              </a:rPr>
+              <a:t>This thorough preparation enhances our analysis, allowing for a nuanced exploration of when violent crimes occur and their potential triggers. It lays a solid foundation for predictive modeling</a:t>
+            </a:r>
+          </a:p>
+          <a:p>
+            <a:br>
+              <a:rPr lang="en-US" dirty="0">
+                <a:effectLst/>
+                <a:latin typeface="Helvetica Neue" panose="02000503000000020004" pitchFamily="2" charset="0"/>
+              </a:rPr>
+            </a:br>
+            <a:endParaRPr lang="en-US" dirty="0">
+              <a:effectLst/>
+              <a:latin typeface="Helvetica Neue" panose="02000503000000020004" pitchFamily="2" charset="0"/>
+            </a:endParaRPr>
+          </a:p>
+          <a:p>
+            <a:r>
+              <a:rPr lang="en-US" dirty="0">
+                <a:effectLst/>
+                <a:latin typeface="Helvetica Neue" panose="02000503000000020004" pitchFamily="2" charset="0"/>
+              </a:rPr>
+              <a:t>However, our focus on timing over location means we've excluded detailed location data. While this decision narrows the scope of our predictions, it aligns with our objective to identify when, rather than where, crimes are most likely to happen within the district we're studying.</a:t>
+            </a:r>
+          </a:p>
+          <a:p>
+            <a:br>
+              <a:rPr lang="en-US" dirty="0">
+                <a:effectLst/>
+                <a:latin typeface="Helvetica Neue" panose="02000503000000020004" pitchFamily="2" charset="0"/>
+              </a:rPr>
+            </a:br>
+            <a:endParaRPr lang="en-US" dirty="0">
+              <a:effectLst/>
+              <a:latin typeface="Helvetica Neue" panose="02000503000000020004" pitchFamily="2" charset="0"/>
+            </a:endParaRPr>
+          </a:p>
+          <a:p>
+            <a:r>
+              <a:rPr lang="en-US" dirty="0">
+                <a:effectLst/>
+                <a:latin typeface="Helvetica Neue" panose="02000503000000020004" pitchFamily="2" charset="0"/>
+              </a:rPr>
+              <a:t>In summary, our data preparation phase was guided by the principle of making informed trade-offs to best meet our project's goals. Despite certain limitations, our dataset stands as a robust platform for understanding and predicting violent crime trends in Chicago</a:t>
+            </a:r>
           </a:p>
           <a:p>
             <a:endParaRPr lang="en-US" dirty="0"/>
@@ -823,7 +942,7 @@
           <a:p>
             <a:fld id="{4A190857-DC5A-9047-8358-DC37F93EF74D}" type="datetimeFigureOut">
               <a:rPr lang="en-US" smtClean="0"/>
-              <a:t>3/25/24</a:t>
+              <a:t>3/26/24</a:t>
             </a:fld>
             <a:endParaRPr lang="en-US"/>
           </a:p>
@@ -1021,7 +1140,7 @@
           <a:p>
             <a:fld id="{4A190857-DC5A-9047-8358-DC37F93EF74D}" type="datetimeFigureOut">
               <a:rPr lang="en-US" smtClean="0"/>
-              <a:t>3/25/24</a:t>
+              <a:t>3/26/24</a:t>
             </a:fld>
             <a:endParaRPr lang="en-US"/>
           </a:p>
@@ -1229,7 +1348,7 @@
           <a:p>
             <a:fld id="{4A190857-DC5A-9047-8358-DC37F93EF74D}" type="datetimeFigureOut">
               <a:rPr lang="en-US" smtClean="0"/>
-              <a:t>3/25/24</a:t>
+              <a:t>3/26/24</a:t>
             </a:fld>
             <a:endParaRPr lang="en-US"/>
           </a:p>
@@ -1427,7 +1546,7 @@
           <a:p>
             <a:fld id="{4A190857-DC5A-9047-8358-DC37F93EF74D}" type="datetimeFigureOut">
               <a:rPr lang="en-US" smtClean="0"/>
-              <a:t>3/25/24</a:t>
+              <a:t>3/26/24</a:t>
             </a:fld>
             <a:endParaRPr lang="en-US"/>
           </a:p>
@@ -1702,7 +1821,7 @@
           <a:p>
             <a:fld id="{4A190857-DC5A-9047-8358-DC37F93EF74D}" type="datetimeFigureOut">
               <a:rPr lang="en-US" smtClean="0"/>
-              <a:t>3/25/24</a:t>
+              <a:t>3/26/24</a:t>
             </a:fld>
             <a:endParaRPr lang="en-US"/>
           </a:p>
@@ -1967,7 +2086,7 @@
           <a:p>
             <a:fld id="{4A190857-DC5A-9047-8358-DC37F93EF74D}" type="datetimeFigureOut">
               <a:rPr lang="en-US" smtClean="0"/>
-              <a:t>3/25/24</a:t>
+              <a:t>3/26/24</a:t>
             </a:fld>
             <a:endParaRPr lang="en-US"/>
           </a:p>
@@ -2379,7 +2498,7 @@
           <a:p>
             <a:fld id="{4A190857-DC5A-9047-8358-DC37F93EF74D}" type="datetimeFigureOut">
               <a:rPr lang="en-US" smtClean="0"/>
-              <a:t>3/25/24</a:t>
+              <a:t>3/26/24</a:t>
             </a:fld>
             <a:endParaRPr lang="en-US"/>
           </a:p>
@@ -2520,7 +2639,7 @@
           <a:p>
             <a:fld id="{4A190857-DC5A-9047-8358-DC37F93EF74D}" type="datetimeFigureOut">
               <a:rPr lang="en-US" smtClean="0"/>
-              <a:t>3/25/24</a:t>
+              <a:t>3/26/24</a:t>
             </a:fld>
             <a:endParaRPr lang="en-US"/>
           </a:p>
@@ -2633,7 +2752,7 @@
           <a:p>
             <a:fld id="{4A190857-DC5A-9047-8358-DC37F93EF74D}" type="datetimeFigureOut">
               <a:rPr lang="en-US" smtClean="0"/>
-              <a:t>3/25/24</a:t>
+              <a:t>3/26/24</a:t>
             </a:fld>
             <a:endParaRPr lang="en-US"/>
           </a:p>
@@ -2944,7 +3063,7 @@
           <a:p>
             <a:fld id="{4A190857-DC5A-9047-8358-DC37F93EF74D}" type="datetimeFigureOut">
               <a:rPr lang="en-US" smtClean="0"/>
-              <a:t>3/25/24</a:t>
+              <a:t>3/26/24</a:t>
             </a:fld>
             <a:endParaRPr lang="en-US"/>
           </a:p>
@@ -3232,7 +3351,7 @@
           <a:p>
             <a:fld id="{4A190857-DC5A-9047-8358-DC37F93EF74D}" type="datetimeFigureOut">
               <a:rPr lang="en-US" smtClean="0"/>
-              <a:t>3/25/24</a:t>
+              <a:t>3/26/24</a:t>
             </a:fld>
             <a:endParaRPr lang="en-US"/>
           </a:p>
@@ -3473,7 +3592,7 @@
           <a:p>
             <a:fld id="{4A190857-DC5A-9047-8358-DC37F93EF74D}" type="datetimeFigureOut">
               <a:rPr lang="en-US" smtClean="0"/>
-              <a:t>3/25/24</a:t>
+              <a:t>3/26/24</a:t>
             </a:fld>
             <a:endParaRPr lang="en-US"/>
           </a:p>

--- a/Competition.pptx
+++ b/Competition.pptx
@@ -4139,9 +4139,16 @@
             <p:ph type="ctrTitle"/>
           </p:nvPr>
         </p:nvSpPr>
-        <p:spPr/>
-        <p:txBody>
-          <a:bodyPr/>
+        <p:spPr>
+          <a:xfrm>
+            <a:off x="1524000" y="0"/>
+            <a:ext cx="9144000" cy="915619"/>
+          </a:xfrm>
+        </p:spPr>
+        <p:txBody>
+          <a:bodyPr>
+            <a:normAutofit fontScale="90000"/>
+          </a:bodyPr>
           <a:lstStyle/>
           <a:p>
             <a:r>
@@ -4167,7 +4174,12 @@
             <p:ph type="subTitle" idx="1"/>
           </p:nvPr>
         </p:nvSpPr>
-        <p:spPr/>
+        <p:spPr>
+          <a:xfrm>
+            <a:off x="1524000" y="915619"/>
+            <a:ext cx="9144000" cy="757311"/>
+          </a:xfrm>
+        </p:spPr>
         <p:txBody>
           <a:bodyPr>
             <a:normAutofit/>
@@ -4184,6 +4196,66 @@
           </a:p>
         </p:txBody>
       </p:sp>
+      <p:pic>
+        <p:nvPicPr>
+          <p:cNvPr id="5" name="Picture 4" descr="A screenshot of a graph&#10;&#10;Description automatically generated">
+            <a:extLst>
+              <a:ext uri="{FF2B5EF4-FFF2-40B4-BE49-F238E27FC236}">
+                <a16:creationId xmlns:a16="http://schemas.microsoft.com/office/drawing/2014/main" id="{B456A8D5-A7E9-5291-7E12-9C223398161D}"/>
+              </a:ext>
+            </a:extLst>
+          </p:cNvPr>
+          <p:cNvPicPr>
+            <a:picLocks noChangeAspect="1"/>
+          </p:cNvPicPr>
+          <p:nvPr/>
+        </p:nvPicPr>
+        <p:blipFill>
+          <a:blip r:embed="rId3"/>
+          <a:stretch>
+            <a:fillRect/>
+          </a:stretch>
+        </p:blipFill>
+        <p:spPr>
+          <a:xfrm>
+            <a:off x="3479951" y="2705244"/>
+            <a:ext cx="5232098" cy="4204646"/>
+          </a:xfrm>
+          <a:prstGeom prst="rect">
+            <a:avLst/>
+          </a:prstGeom>
+        </p:spPr>
+      </p:pic>
+      <p:pic>
+        <p:nvPicPr>
+          <p:cNvPr id="7" name="Picture 6" descr="A screenshot of a computer&#10;&#10;Description automatically generated">
+            <a:extLst>
+              <a:ext uri="{FF2B5EF4-FFF2-40B4-BE49-F238E27FC236}">
+                <a16:creationId xmlns:a16="http://schemas.microsoft.com/office/drawing/2014/main" id="{B9B6E030-E96B-71DE-B434-2F92611A30BB}"/>
+              </a:ext>
+            </a:extLst>
+          </p:cNvPr>
+          <p:cNvPicPr>
+            <a:picLocks noChangeAspect="1"/>
+          </p:cNvPicPr>
+          <p:nvPr/>
+        </p:nvPicPr>
+        <p:blipFill>
+          <a:blip r:embed="rId4"/>
+          <a:stretch>
+            <a:fillRect/>
+          </a:stretch>
+        </p:blipFill>
+        <p:spPr>
+          <a:xfrm>
+            <a:off x="2209800" y="1672930"/>
+            <a:ext cx="7772400" cy="1032314"/>
+          </a:xfrm>
+          <a:prstGeom prst="rect">
+            <a:avLst/>
+          </a:prstGeom>
+        </p:spPr>
+      </p:pic>
     </p:spTree>
     <p:extLst>
       <p:ext uri="{BB962C8B-B14F-4D97-AF65-F5344CB8AC3E}">

--- a/Competition.pptx
+++ b/Competition.pptx
@@ -5,14 +5,19 @@
     <p:sldMasterId id="2147483648" r:id="rId1"/>
   </p:sldMasterIdLst>
   <p:notesMasterIdLst>
-    <p:notesMasterId r:id="rId7"/>
+    <p:notesMasterId r:id="rId12"/>
   </p:notesMasterIdLst>
   <p:sldIdLst>
     <p:sldId id="256" r:id="rId2"/>
     <p:sldId id="257" r:id="rId3"/>
     <p:sldId id="258" r:id="rId4"/>
-    <p:sldId id="259" r:id="rId5"/>
-    <p:sldId id="260" r:id="rId6"/>
+    <p:sldId id="265" r:id="rId5"/>
+    <p:sldId id="261" r:id="rId6"/>
+    <p:sldId id="262" r:id="rId7"/>
+    <p:sldId id="263" r:id="rId8"/>
+    <p:sldId id="264" r:id="rId9"/>
+    <p:sldId id="259" r:id="rId10"/>
+    <p:sldId id="260" r:id="rId11"/>
   </p:sldIdLst>
   <p:sldSz cx="12192000" cy="6858000"/>
   <p:notesSz cx="6858000" cy="9144000"/>
@@ -111,6 +116,11 @@
       </a:defRPr>
     </a:lvl9pPr>
   </p:defaultTextStyle>
+  <p:extLst>
+    <p:ext uri="{EFAFB233-063F-42B5-8137-9DF3F51BA10A}">
+      <p15:sldGuideLst xmlns:p15="http://schemas.microsoft.com/office/powerpoint/2012/main"/>
+    </p:ext>
+  </p:extLst>
 </p:presentation>
 </file>
 
@@ -196,7 +206,7 @@
           <a:p>
             <a:fld id="{D933B57D-9886-9E4E-8A2F-8AF6B85A30F2}" type="datetimeFigureOut">
               <a:rPr lang="en-US" smtClean="0"/>
-              <a:t>3/25/24</a:t>
+              <a:t>3/25/2024</a:t>
             </a:fld>
             <a:endParaRPr lang="en-US"/>
           </a:p>
@@ -676,6 +686,528 @@
 </p:notes>
 </file>
 
+<file path=ppt/notesSlides/notesSlide3.xml><?xml version="1.0" encoding="utf-8"?>
+<p:notes xmlns:a="http://schemas.openxmlformats.org/drawingml/2006/main" xmlns:r="http://schemas.openxmlformats.org/officeDocument/2006/relationships" xmlns:p="http://schemas.openxmlformats.org/presentationml/2006/main">
+  <p:cSld>
+    <p:spTree>
+      <p:nvGrpSpPr>
+        <p:cNvPr id="1" name=""/>
+        <p:cNvGrpSpPr/>
+        <p:nvPr/>
+      </p:nvGrpSpPr>
+      <p:grpSpPr>
+        <a:xfrm>
+          <a:off x="0" y="0"/>
+          <a:ext cx="0" cy="0"/>
+          <a:chOff x="0" y="0"/>
+          <a:chExt cx="0" cy="0"/>
+        </a:xfrm>
+      </p:grpSpPr>
+      <p:sp>
+        <p:nvSpPr>
+          <p:cNvPr id="2" name="Slide Image Placeholder 1"/>
+          <p:cNvSpPr>
+            <a:spLocks noGrp="1" noRot="1" noChangeAspect="1"/>
+          </p:cNvSpPr>
+          <p:nvPr>
+            <p:ph type="sldImg"/>
+          </p:nvPr>
+        </p:nvSpPr>
+        <p:spPr/>
+      </p:sp>
+      <p:sp>
+        <p:nvSpPr>
+          <p:cNvPr id="3" name="Notes Placeholder 2"/>
+          <p:cNvSpPr>
+            <a:spLocks noGrp="1"/>
+          </p:cNvSpPr>
+          <p:nvPr>
+            <p:ph type="body" idx="1"/>
+          </p:nvPr>
+        </p:nvSpPr>
+        <p:spPr/>
+        <p:txBody>
+          <a:bodyPr/>
+          <a:lstStyle/>
+          <a:p>
+            <a:r>
+              <a:rPr lang="en-US" dirty="0"/>
+              <a:t>Note how we used lasso regression to select weather and holiday covariates (mention X covariate matrix includes things like holiday)</a:t>
+            </a:r>
+          </a:p>
+          <a:p>
+            <a:r>
+              <a:rPr lang="en-US" dirty="0"/>
+              <a:t>We used an autoregressive plot to select autoregressive lag variables</a:t>
+            </a:r>
+          </a:p>
+        </p:txBody>
+      </p:sp>
+      <p:sp>
+        <p:nvSpPr>
+          <p:cNvPr id="4" name="Slide Number Placeholder 3"/>
+          <p:cNvSpPr>
+            <a:spLocks noGrp="1"/>
+          </p:cNvSpPr>
+          <p:nvPr>
+            <p:ph type="sldNum" sz="quarter" idx="5"/>
+          </p:nvPr>
+        </p:nvSpPr>
+        <p:spPr/>
+        <p:txBody>
+          <a:bodyPr/>
+          <a:lstStyle/>
+          <a:p>
+            <a:fld id="{0B93D871-53A9-FC49-873F-B58142E6B2A9}" type="slidenum">
+              <a:rPr lang="en-US" smtClean="0"/>
+              <a:t>3</a:t>
+            </a:fld>
+            <a:endParaRPr lang="en-US"/>
+          </a:p>
+        </p:txBody>
+      </p:sp>
+    </p:spTree>
+    <p:extLst>
+      <p:ext uri="{BB962C8B-B14F-4D97-AF65-F5344CB8AC3E}">
+        <p14:creationId xmlns:p14="http://schemas.microsoft.com/office/powerpoint/2010/main" val="1156151808"/>
+      </p:ext>
+    </p:extLst>
+  </p:cSld>
+  <p:clrMapOvr>
+    <a:masterClrMapping/>
+  </p:clrMapOvr>
+</p:notes>
+</file>
+
+<file path=ppt/notesSlides/notesSlide4.xml><?xml version="1.0" encoding="utf-8"?>
+<p:notes xmlns:a="http://schemas.openxmlformats.org/drawingml/2006/main" xmlns:r="http://schemas.openxmlformats.org/officeDocument/2006/relationships" xmlns:p="http://schemas.openxmlformats.org/presentationml/2006/main">
+  <p:cSld>
+    <p:spTree>
+      <p:nvGrpSpPr>
+        <p:cNvPr id="1" name=""/>
+        <p:cNvGrpSpPr/>
+        <p:nvPr/>
+      </p:nvGrpSpPr>
+      <p:grpSpPr>
+        <a:xfrm>
+          <a:off x="0" y="0"/>
+          <a:ext cx="0" cy="0"/>
+          <a:chOff x="0" y="0"/>
+          <a:chExt cx="0" cy="0"/>
+        </a:xfrm>
+      </p:grpSpPr>
+      <p:sp>
+        <p:nvSpPr>
+          <p:cNvPr id="2" name="Slide Image Placeholder 1"/>
+          <p:cNvSpPr>
+            <a:spLocks noGrp="1" noRot="1" noChangeAspect="1"/>
+          </p:cNvSpPr>
+          <p:nvPr>
+            <p:ph type="sldImg"/>
+          </p:nvPr>
+        </p:nvSpPr>
+        <p:spPr/>
+      </p:sp>
+      <p:sp>
+        <p:nvSpPr>
+          <p:cNvPr id="3" name="Notes Placeholder 2"/>
+          <p:cNvSpPr>
+            <a:spLocks noGrp="1"/>
+          </p:cNvSpPr>
+          <p:nvPr>
+            <p:ph type="body" idx="1"/>
+          </p:nvPr>
+        </p:nvSpPr>
+        <p:spPr/>
+        <p:txBody>
+          <a:bodyPr/>
+          <a:lstStyle/>
+          <a:p>
+            <a:r>
+              <a:rPr lang="en-US" dirty="0"/>
+              <a:t>Note how we used lasso regression to select weather and holiday covariates (mention X covariate matrix includes things like holiday)</a:t>
+            </a:r>
+          </a:p>
+          <a:p>
+            <a:r>
+              <a:rPr lang="en-US" dirty="0"/>
+              <a:t>We used an autoregressive plot to select autoregressive lag variables</a:t>
+            </a:r>
+          </a:p>
+        </p:txBody>
+      </p:sp>
+      <p:sp>
+        <p:nvSpPr>
+          <p:cNvPr id="4" name="Slide Number Placeholder 3"/>
+          <p:cNvSpPr>
+            <a:spLocks noGrp="1"/>
+          </p:cNvSpPr>
+          <p:nvPr>
+            <p:ph type="sldNum" sz="quarter" idx="5"/>
+          </p:nvPr>
+        </p:nvSpPr>
+        <p:spPr/>
+        <p:txBody>
+          <a:bodyPr/>
+          <a:lstStyle/>
+          <a:p>
+            <a:fld id="{0B93D871-53A9-FC49-873F-B58142E6B2A9}" type="slidenum">
+              <a:rPr lang="en-US" smtClean="0"/>
+              <a:t>4</a:t>
+            </a:fld>
+            <a:endParaRPr lang="en-US"/>
+          </a:p>
+        </p:txBody>
+      </p:sp>
+    </p:spTree>
+    <p:extLst>
+      <p:ext uri="{BB962C8B-B14F-4D97-AF65-F5344CB8AC3E}">
+        <p14:creationId xmlns:p14="http://schemas.microsoft.com/office/powerpoint/2010/main" val="2879007132"/>
+      </p:ext>
+    </p:extLst>
+  </p:cSld>
+  <p:clrMapOvr>
+    <a:masterClrMapping/>
+  </p:clrMapOvr>
+</p:notes>
+</file>
+
+<file path=ppt/notesSlides/notesSlide5.xml><?xml version="1.0" encoding="utf-8"?>
+<p:notes xmlns:a="http://schemas.openxmlformats.org/drawingml/2006/main" xmlns:r="http://schemas.openxmlformats.org/officeDocument/2006/relationships" xmlns:p="http://schemas.openxmlformats.org/presentationml/2006/main">
+  <p:cSld>
+    <p:spTree>
+      <p:nvGrpSpPr>
+        <p:cNvPr id="1" name=""/>
+        <p:cNvGrpSpPr/>
+        <p:nvPr/>
+      </p:nvGrpSpPr>
+      <p:grpSpPr>
+        <a:xfrm>
+          <a:off x="0" y="0"/>
+          <a:ext cx="0" cy="0"/>
+          <a:chOff x="0" y="0"/>
+          <a:chExt cx="0" cy="0"/>
+        </a:xfrm>
+      </p:grpSpPr>
+      <p:sp>
+        <p:nvSpPr>
+          <p:cNvPr id="2" name="Slide Image Placeholder 1"/>
+          <p:cNvSpPr>
+            <a:spLocks noGrp="1" noRot="1" noChangeAspect="1"/>
+          </p:cNvSpPr>
+          <p:nvPr>
+            <p:ph type="sldImg"/>
+          </p:nvPr>
+        </p:nvSpPr>
+        <p:spPr/>
+      </p:sp>
+      <p:sp>
+        <p:nvSpPr>
+          <p:cNvPr id="3" name="Notes Placeholder 2"/>
+          <p:cNvSpPr>
+            <a:spLocks noGrp="1"/>
+          </p:cNvSpPr>
+          <p:nvPr>
+            <p:ph type="body" idx="1"/>
+          </p:nvPr>
+        </p:nvSpPr>
+        <p:spPr/>
+        <p:txBody>
+          <a:bodyPr/>
+          <a:lstStyle/>
+          <a:p>
+            <a:endParaRPr lang="en-US" dirty="0"/>
+          </a:p>
+        </p:txBody>
+      </p:sp>
+      <p:sp>
+        <p:nvSpPr>
+          <p:cNvPr id="4" name="Slide Number Placeholder 3"/>
+          <p:cNvSpPr>
+            <a:spLocks noGrp="1"/>
+          </p:cNvSpPr>
+          <p:nvPr>
+            <p:ph type="sldNum" sz="quarter" idx="5"/>
+          </p:nvPr>
+        </p:nvSpPr>
+        <p:spPr/>
+        <p:txBody>
+          <a:bodyPr/>
+          <a:lstStyle/>
+          <a:p>
+            <a:fld id="{0B93D871-53A9-FC49-873F-B58142E6B2A9}" type="slidenum">
+              <a:rPr lang="en-US" smtClean="0"/>
+              <a:t>5</a:t>
+            </a:fld>
+            <a:endParaRPr lang="en-US"/>
+          </a:p>
+        </p:txBody>
+      </p:sp>
+    </p:spTree>
+    <p:extLst>
+      <p:ext uri="{BB962C8B-B14F-4D97-AF65-F5344CB8AC3E}">
+        <p14:creationId xmlns:p14="http://schemas.microsoft.com/office/powerpoint/2010/main" val="1412192918"/>
+      </p:ext>
+    </p:extLst>
+  </p:cSld>
+  <p:clrMapOvr>
+    <a:masterClrMapping/>
+  </p:clrMapOvr>
+</p:notes>
+</file>
+
+<file path=ppt/notesSlides/notesSlide6.xml><?xml version="1.0" encoding="utf-8"?>
+<p:notes xmlns:a="http://schemas.openxmlformats.org/drawingml/2006/main" xmlns:r="http://schemas.openxmlformats.org/officeDocument/2006/relationships" xmlns:p="http://schemas.openxmlformats.org/presentationml/2006/main">
+  <p:cSld>
+    <p:spTree>
+      <p:nvGrpSpPr>
+        <p:cNvPr id="1" name=""/>
+        <p:cNvGrpSpPr/>
+        <p:nvPr/>
+      </p:nvGrpSpPr>
+      <p:grpSpPr>
+        <a:xfrm>
+          <a:off x="0" y="0"/>
+          <a:ext cx="0" cy="0"/>
+          <a:chOff x="0" y="0"/>
+          <a:chExt cx="0" cy="0"/>
+        </a:xfrm>
+      </p:grpSpPr>
+      <p:sp>
+        <p:nvSpPr>
+          <p:cNvPr id="2" name="Slide Image Placeholder 1"/>
+          <p:cNvSpPr>
+            <a:spLocks noGrp="1" noRot="1" noChangeAspect="1"/>
+          </p:cNvSpPr>
+          <p:nvPr>
+            <p:ph type="sldImg"/>
+          </p:nvPr>
+        </p:nvSpPr>
+        <p:spPr/>
+      </p:sp>
+      <p:sp>
+        <p:nvSpPr>
+          <p:cNvPr id="3" name="Notes Placeholder 2"/>
+          <p:cNvSpPr>
+            <a:spLocks noGrp="1"/>
+          </p:cNvSpPr>
+          <p:nvPr>
+            <p:ph type="body" idx="1"/>
+          </p:nvPr>
+        </p:nvSpPr>
+        <p:spPr/>
+        <p:txBody>
+          <a:bodyPr/>
+          <a:lstStyle/>
+          <a:p>
+            <a:endParaRPr lang="en-US" dirty="0"/>
+          </a:p>
+        </p:txBody>
+      </p:sp>
+      <p:sp>
+        <p:nvSpPr>
+          <p:cNvPr id="4" name="Slide Number Placeholder 3"/>
+          <p:cNvSpPr>
+            <a:spLocks noGrp="1"/>
+          </p:cNvSpPr>
+          <p:nvPr>
+            <p:ph type="sldNum" sz="quarter" idx="5"/>
+          </p:nvPr>
+        </p:nvSpPr>
+        <p:spPr/>
+        <p:txBody>
+          <a:bodyPr/>
+          <a:lstStyle/>
+          <a:p>
+            <a:fld id="{0B93D871-53A9-FC49-873F-B58142E6B2A9}" type="slidenum">
+              <a:rPr lang="en-US" smtClean="0"/>
+              <a:t>6</a:t>
+            </a:fld>
+            <a:endParaRPr lang="en-US"/>
+          </a:p>
+        </p:txBody>
+      </p:sp>
+    </p:spTree>
+    <p:extLst>
+      <p:ext uri="{BB962C8B-B14F-4D97-AF65-F5344CB8AC3E}">
+        <p14:creationId xmlns:p14="http://schemas.microsoft.com/office/powerpoint/2010/main" val="1866436509"/>
+      </p:ext>
+    </p:extLst>
+  </p:cSld>
+  <p:clrMapOvr>
+    <a:masterClrMapping/>
+  </p:clrMapOvr>
+</p:notes>
+</file>
+
+<file path=ppt/notesSlides/notesSlide7.xml><?xml version="1.0" encoding="utf-8"?>
+<p:notes xmlns:a="http://schemas.openxmlformats.org/drawingml/2006/main" xmlns:r="http://schemas.openxmlformats.org/officeDocument/2006/relationships" xmlns:p="http://schemas.openxmlformats.org/presentationml/2006/main">
+  <p:cSld>
+    <p:spTree>
+      <p:nvGrpSpPr>
+        <p:cNvPr id="1" name=""/>
+        <p:cNvGrpSpPr/>
+        <p:nvPr/>
+      </p:nvGrpSpPr>
+      <p:grpSpPr>
+        <a:xfrm>
+          <a:off x="0" y="0"/>
+          <a:ext cx="0" cy="0"/>
+          <a:chOff x="0" y="0"/>
+          <a:chExt cx="0" cy="0"/>
+        </a:xfrm>
+      </p:grpSpPr>
+      <p:sp>
+        <p:nvSpPr>
+          <p:cNvPr id="2" name="Slide Image Placeholder 1"/>
+          <p:cNvSpPr>
+            <a:spLocks noGrp="1" noRot="1" noChangeAspect="1"/>
+          </p:cNvSpPr>
+          <p:nvPr>
+            <p:ph type="sldImg"/>
+          </p:nvPr>
+        </p:nvSpPr>
+        <p:spPr/>
+      </p:sp>
+      <p:sp>
+        <p:nvSpPr>
+          <p:cNvPr id="3" name="Notes Placeholder 2"/>
+          <p:cNvSpPr>
+            <a:spLocks noGrp="1"/>
+          </p:cNvSpPr>
+          <p:nvPr>
+            <p:ph type="body" idx="1"/>
+          </p:nvPr>
+        </p:nvSpPr>
+        <p:spPr/>
+        <p:txBody>
+          <a:bodyPr/>
+          <a:lstStyle/>
+          <a:p>
+            <a:endParaRPr lang="en-US" dirty="0"/>
+          </a:p>
+        </p:txBody>
+      </p:sp>
+      <p:sp>
+        <p:nvSpPr>
+          <p:cNvPr id="4" name="Slide Number Placeholder 3"/>
+          <p:cNvSpPr>
+            <a:spLocks noGrp="1"/>
+          </p:cNvSpPr>
+          <p:nvPr>
+            <p:ph type="sldNum" sz="quarter" idx="5"/>
+          </p:nvPr>
+        </p:nvSpPr>
+        <p:spPr/>
+        <p:txBody>
+          <a:bodyPr/>
+          <a:lstStyle/>
+          <a:p>
+            <a:fld id="{0B93D871-53A9-FC49-873F-B58142E6B2A9}" type="slidenum">
+              <a:rPr lang="en-US" smtClean="0"/>
+              <a:t>7</a:t>
+            </a:fld>
+            <a:endParaRPr lang="en-US"/>
+          </a:p>
+        </p:txBody>
+      </p:sp>
+    </p:spTree>
+    <p:extLst>
+      <p:ext uri="{BB962C8B-B14F-4D97-AF65-F5344CB8AC3E}">
+        <p14:creationId xmlns:p14="http://schemas.microsoft.com/office/powerpoint/2010/main" val="2273831069"/>
+      </p:ext>
+    </p:extLst>
+  </p:cSld>
+  <p:clrMapOvr>
+    <a:masterClrMapping/>
+  </p:clrMapOvr>
+</p:notes>
+</file>
+
+<file path=ppt/notesSlides/notesSlide8.xml><?xml version="1.0" encoding="utf-8"?>
+<p:notes xmlns:a="http://schemas.openxmlformats.org/drawingml/2006/main" xmlns:r="http://schemas.openxmlformats.org/officeDocument/2006/relationships" xmlns:p="http://schemas.openxmlformats.org/presentationml/2006/main">
+  <p:cSld>
+    <p:spTree>
+      <p:nvGrpSpPr>
+        <p:cNvPr id="1" name=""/>
+        <p:cNvGrpSpPr/>
+        <p:nvPr/>
+      </p:nvGrpSpPr>
+      <p:grpSpPr>
+        <a:xfrm>
+          <a:off x="0" y="0"/>
+          <a:ext cx="0" cy="0"/>
+          <a:chOff x="0" y="0"/>
+          <a:chExt cx="0" cy="0"/>
+        </a:xfrm>
+      </p:grpSpPr>
+      <p:sp>
+        <p:nvSpPr>
+          <p:cNvPr id="2" name="Slide Image Placeholder 1"/>
+          <p:cNvSpPr>
+            <a:spLocks noGrp="1" noRot="1" noChangeAspect="1"/>
+          </p:cNvSpPr>
+          <p:nvPr>
+            <p:ph type="sldImg"/>
+          </p:nvPr>
+        </p:nvSpPr>
+        <p:spPr/>
+      </p:sp>
+      <p:sp>
+        <p:nvSpPr>
+          <p:cNvPr id="3" name="Notes Placeholder 2"/>
+          <p:cNvSpPr>
+            <a:spLocks noGrp="1"/>
+          </p:cNvSpPr>
+          <p:nvPr>
+            <p:ph type="body" idx="1"/>
+          </p:nvPr>
+        </p:nvSpPr>
+        <p:spPr/>
+        <p:txBody>
+          <a:bodyPr/>
+          <a:lstStyle/>
+          <a:p>
+            <a:endParaRPr lang="en-US" dirty="0"/>
+          </a:p>
+        </p:txBody>
+      </p:sp>
+      <p:sp>
+        <p:nvSpPr>
+          <p:cNvPr id="4" name="Slide Number Placeholder 3"/>
+          <p:cNvSpPr>
+            <a:spLocks noGrp="1"/>
+          </p:cNvSpPr>
+          <p:nvPr>
+            <p:ph type="sldNum" sz="quarter" idx="5"/>
+          </p:nvPr>
+        </p:nvSpPr>
+        <p:spPr/>
+        <p:txBody>
+          <a:bodyPr/>
+          <a:lstStyle/>
+          <a:p>
+            <a:fld id="{0B93D871-53A9-FC49-873F-B58142E6B2A9}" type="slidenum">
+              <a:rPr lang="en-US" smtClean="0"/>
+              <a:t>8</a:t>
+            </a:fld>
+            <a:endParaRPr lang="en-US"/>
+          </a:p>
+        </p:txBody>
+      </p:sp>
+    </p:spTree>
+    <p:extLst>
+      <p:ext uri="{BB962C8B-B14F-4D97-AF65-F5344CB8AC3E}">
+        <p14:creationId xmlns:p14="http://schemas.microsoft.com/office/powerpoint/2010/main" val="1761624129"/>
+      </p:ext>
+    </p:extLst>
+  </p:cSld>
+  <p:clrMapOvr>
+    <a:masterClrMapping/>
+  </p:clrMapOvr>
+</p:notes>
+</file>
+
 <file path=ppt/slideLayouts/slideLayout1.xml><?xml version="1.0" encoding="utf-8"?>
 <p:sldLayout xmlns:a="http://schemas.openxmlformats.org/drawingml/2006/main" xmlns:r="http://schemas.openxmlformats.org/officeDocument/2006/relationships" xmlns:p="http://schemas.openxmlformats.org/presentationml/2006/main" type="title" preserve="1">
   <p:cSld name="Title Slide">
@@ -823,7 +1355,7 @@
           <a:p>
             <a:fld id="{4A190857-DC5A-9047-8358-DC37F93EF74D}" type="datetimeFigureOut">
               <a:rPr lang="en-US" smtClean="0"/>
-              <a:t>3/25/24</a:t>
+              <a:t>3/25/2024</a:t>
             </a:fld>
             <a:endParaRPr lang="en-US"/>
           </a:p>
@@ -1021,7 +1553,7 @@
           <a:p>
             <a:fld id="{4A190857-DC5A-9047-8358-DC37F93EF74D}" type="datetimeFigureOut">
               <a:rPr lang="en-US" smtClean="0"/>
-              <a:t>3/25/24</a:t>
+              <a:t>3/25/2024</a:t>
             </a:fld>
             <a:endParaRPr lang="en-US"/>
           </a:p>
@@ -1229,7 +1761,7 @@
           <a:p>
             <a:fld id="{4A190857-DC5A-9047-8358-DC37F93EF74D}" type="datetimeFigureOut">
               <a:rPr lang="en-US" smtClean="0"/>
-              <a:t>3/25/24</a:t>
+              <a:t>3/25/2024</a:t>
             </a:fld>
             <a:endParaRPr lang="en-US"/>
           </a:p>
@@ -1427,7 +1959,7 @@
           <a:p>
             <a:fld id="{4A190857-DC5A-9047-8358-DC37F93EF74D}" type="datetimeFigureOut">
               <a:rPr lang="en-US" smtClean="0"/>
-              <a:t>3/25/24</a:t>
+              <a:t>3/25/2024</a:t>
             </a:fld>
             <a:endParaRPr lang="en-US"/>
           </a:p>
@@ -1702,7 +2234,7 @@
           <a:p>
             <a:fld id="{4A190857-DC5A-9047-8358-DC37F93EF74D}" type="datetimeFigureOut">
               <a:rPr lang="en-US" smtClean="0"/>
-              <a:t>3/25/24</a:t>
+              <a:t>3/25/2024</a:t>
             </a:fld>
             <a:endParaRPr lang="en-US"/>
           </a:p>
@@ -1967,7 +2499,7 @@
           <a:p>
             <a:fld id="{4A190857-DC5A-9047-8358-DC37F93EF74D}" type="datetimeFigureOut">
               <a:rPr lang="en-US" smtClean="0"/>
-              <a:t>3/25/24</a:t>
+              <a:t>3/25/2024</a:t>
             </a:fld>
             <a:endParaRPr lang="en-US"/>
           </a:p>
@@ -2379,7 +2911,7 @@
           <a:p>
             <a:fld id="{4A190857-DC5A-9047-8358-DC37F93EF74D}" type="datetimeFigureOut">
               <a:rPr lang="en-US" smtClean="0"/>
-              <a:t>3/25/24</a:t>
+              <a:t>3/25/2024</a:t>
             </a:fld>
             <a:endParaRPr lang="en-US"/>
           </a:p>
@@ -2520,7 +3052,7 @@
           <a:p>
             <a:fld id="{4A190857-DC5A-9047-8358-DC37F93EF74D}" type="datetimeFigureOut">
               <a:rPr lang="en-US" smtClean="0"/>
-              <a:t>3/25/24</a:t>
+              <a:t>3/25/2024</a:t>
             </a:fld>
             <a:endParaRPr lang="en-US"/>
           </a:p>
@@ -2633,7 +3165,7 @@
           <a:p>
             <a:fld id="{4A190857-DC5A-9047-8358-DC37F93EF74D}" type="datetimeFigureOut">
               <a:rPr lang="en-US" smtClean="0"/>
-              <a:t>3/25/24</a:t>
+              <a:t>3/25/2024</a:t>
             </a:fld>
             <a:endParaRPr lang="en-US"/>
           </a:p>
@@ -2944,7 +3476,7 @@
           <a:p>
             <a:fld id="{4A190857-DC5A-9047-8358-DC37F93EF74D}" type="datetimeFigureOut">
               <a:rPr lang="en-US" smtClean="0"/>
-              <a:t>3/25/24</a:t>
+              <a:t>3/25/2024</a:t>
             </a:fld>
             <a:endParaRPr lang="en-US"/>
           </a:p>
@@ -3232,7 +3764,7 @@
           <a:p>
             <a:fld id="{4A190857-DC5A-9047-8358-DC37F93EF74D}" type="datetimeFigureOut">
               <a:rPr lang="en-US" smtClean="0"/>
-              <a:t>3/25/24</a:t>
+              <a:t>3/25/2024</a:t>
             </a:fld>
             <a:endParaRPr lang="en-US"/>
           </a:p>
@@ -3473,7 +4005,7 @@
           <a:p>
             <a:fld id="{4A190857-DC5A-9047-8358-DC37F93EF74D}" type="datetimeFigureOut">
               <a:rPr lang="en-US" smtClean="0"/>
-              <a:t>3/25/24</a:t>
+              <a:t>3/25/2024</a:t>
             </a:fld>
             <a:endParaRPr lang="en-US"/>
           </a:p>
@@ -3987,6 +4519,132 @@
 </p:sld>
 </file>
 
+<file path=ppt/slides/slide10.xml><?xml version="1.0" encoding="utf-8"?>
+<p:sld xmlns:a="http://schemas.openxmlformats.org/drawingml/2006/main" xmlns:r="http://schemas.openxmlformats.org/officeDocument/2006/relationships" xmlns:p="http://schemas.openxmlformats.org/presentationml/2006/main">
+  <p:cSld>
+    <p:spTree>
+      <p:nvGrpSpPr>
+        <p:cNvPr id="1" name=""/>
+        <p:cNvGrpSpPr/>
+        <p:nvPr/>
+      </p:nvGrpSpPr>
+      <p:grpSpPr>
+        <a:xfrm>
+          <a:off x="0" y="0"/>
+          <a:ext cx="0" cy="0"/>
+          <a:chOff x="0" y="0"/>
+          <a:chExt cx="0" cy="0"/>
+        </a:xfrm>
+      </p:grpSpPr>
+      <p:sp>
+        <p:nvSpPr>
+          <p:cNvPr id="2" name="Title 1">
+            <a:extLst>
+              <a:ext uri="{FF2B5EF4-FFF2-40B4-BE49-F238E27FC236}">
+                <a16:creationId xmlns:a16="http://schemas.microsoft.com/office/drawing/2014/main" id="{9F6C1502-DDA4-4194-0B16-DC36D7632194}"/>
+              </a:ext>
+            </a:extLst>
+          </p:cNvPr>
+          <p:cNvSpPr>
+            <a:spLocks noGrp="1"/>
+          </p:cNvSpPr>
+          <p:nvPr>
+            <p:ph type="ctrTitle"/>
+          </p:nvPr>
+        </p:nvSpPr>
+        <p:spPr/>
+        <p:txBody>
+          <a:bodyPr/>
+          <a:lstStyle/>
+          <a:p>
+            <a:r>
+              <a:rPr lang="en-US" dirty="0"/>
+              <a:t>SLIDE 5</a:t>
+            </a:r>
+          </a:p>
+        </p:txBody>
+      </p:sp>
+      <p:sp>
+        <p:nvSpPr>
+          <p:cNvPr id="3" name="Subtitle 2">
+            <a:extLst>
+              <a:ext uri="{FF2B5EF4-FFF2-40B4-BE49-F238E27FC236}">
+                <a16:creationId xmlns:a16="http://schemas.microsoft.com/office/drawing/2014/main" id="{D9DE4C28-59E7-E7D3-4B20-4FD0304518B7}"/>
+              </a:ext>
+            </a:extLst>
+          </p:cNvPr>
+          <p:cNvSpPr>
+            <a:spLocks noGrp="1"/>
+          </p:cNvSpPr>
+          <p:nvPr>
+            <p:ph type="subTitle" idx="1"/>
+          </p:nvPr>
+        </p:nvSpPr>
+        <p:spPr/>
+        <p:txBody>
+          <a:bodyPr>
+            <a:normAutofit/>
+          </a:bodyPr>
+          <a:lstStyle/>
+          <a:p>
+            <a:r>
+              <a:rPr lang="en-US" dirty="0"/>
+              <a:t>includes a summary and conclusions that directly relate to the problem you have been</a:t>
+            </a:r>
+          </a:p>
+          <a:p>
+            <a:r>
+              <a:rPr lang="en-US" dirty="0"/>
+              <a:t>given.</a:t>
+            </a:r>
+          </a:p>
+        </p:txBody>
+      </p:sp>
+      <p:sp>
+        <p:nvSpPr>
+          <p:cNvPr id="4" name="TextBox 3">
+            <a:extLst>
+              <a:ext uri="{FF2B5EF4-FFF2-40B4-BE49-F238E27FC236}">
+                <a16:creationId xmlns:a16="http://schemas.microsoft.com/office/drawing/2014/main" id="{FC6C21BF-CF50-1E2E-B435-251254187385}"/>
+              </a:ext>
+            </a:extLst>
+          </p:cNvPr>
+          <p:cNvSpPr txBox="1"/>
+          <p:nvPr/>
+        </p:nvSpPr>
+        <p:spPr>
+          <a:xfrm>
+            <a:off x="7373815" y="3118338"/>
+            <a:ext cx="184731" cy="369332"/>
+          </a:xfrm>
+          <a:prstGeom prst="rect">
+            <a:avLst/>
+          </a:prstGeom>
+          <a:noFill/>
+        </p:spPr>
+        <p:txBody>
+          <a:bodyPr wrap="none" rtlCol="0">
+            <a:spAutoFit/>
+          </a:bodyPr>
+          <a:lstStyle/>
+          <a:p>
+            <a:endParaRPr lang="en-US" dirty="0"/>
+          </a:p>
+        </p:txBody>
+      </p:sp>
+    </p:spTree>
+    <p:extLst>
+      <p:ext uri="{BB962C8B-B14F-4D97-AF65-F5344CB8AC3E}">
+        <p14:creationId xmlns:p14="http://schemas.microsoft.com/office/powerpoint/2010/main" val="38514445"/>
+      </p:ext>
+    </p:extLst>
+  </p:cSld>
+  <p:clrMapOvr>
+    <a:masterClrMapping/>
+  </p:clrMapOvr>
+</p:sld>
+</file>
+
 <file path=ppt/slides/slide2.xml><?xml version="1.0" encoding="utf-8"?>
 <p:sld xmlns:a="http://schemas.openxmlformats.org/drawingml/2006/main" xmlns:r="http://schemas.openxmlformats.org/officeDocument/2006/relationships" xmlns:p="http://schemas.openxmlformats.org/presentationml/2006/main">
   <p:cSld>
@@ -4111,35 +4769,12 @@
             <p:ph type="ctrTitle"/>
           </p:nvPr>
         </p:nvSpPr>
-        <p:spPr/>
-        <p:txBody>
-          <a:bodyPr/>
-          <a:lstStyle/>
-          <a:p>
-            <a:r>
-              <a:rPr lang="en-US" dirty="0"/>
-              <a:t>SLIDE 3</a:t>
-            </a:r>
-          </a:p>
-        </p:txBody>
-      </p:sp>
-      <p:sp>
-        <p:nvSpPr>
-          <p:cNvPr id="3" name="Subtitle 2">
-            <a:extLst>
-              <a:ext uri="{FF2B5EF4-FFF2-40B4-BE49-F238E27FC236}">
-                <a16:creationId xmlns:a16="http://schemas.microsoft.com/office/drawing/2014/main" id="{D9DE4C28-59E7-E7D3-4B20-4FD0304518B7}"/>
-              </a:ext>
-            </a:extLst>
-          </p:cNvPr>
-          <p:cNvSpPr>
-            <a:spLocks noGrp="1"/>
-          </p:cNvSpPr>
-          <p:nvPr>
-            <p:ph type="subTitle" idx="1"/>
-          </p:nvPr>
-        </p:nvSpPr>
-        <p:spPr/>
+        <p:spPr>
+          <a:xfrm>
+            <a:off x="1174865" y="1041722"/>
+            <a:ext cx="10005753" cy="790186"/>
+          </a:xfrm>
+        </p:spPr>
         <p:txBody>
           <a:bodyPr>
             <a:normAutofit/>
@@ -4147,14 +4782,8 @@
           <a:lstStyle/>
           <a:p>
             <a:r>
-              <a:rPr lang="en-US" dirty="0"/>
-              <a:t>describe the modeling and/or summarizing efforts that were taken, along with useful</a:t>
-            </a:r>
-          </a:p>
-          <a:p>
-            <a:r>
-              <a:rPr lang="en-US" dirty="0"/>
-              <a:t>figures or relevant model results.</a:t>
+              <a:rPr lang="en-US" sz="3600" dirty="0"/>
+              <a:t>The Modeling Process</a:t>
             </a:r>
           </a:p>
         </p:txBody>
@@ -4188,6 +4817,222 @@
           <a:lstStyle/>
           <a:p>
             <a:endParaRPr lang="en-US" dirty="0"/>
+          </a:p>
+        </p:txBody>
+      </p:sp>
+      <p:sp>
+        <p:nvSpPr>
+          <p:cNvPr id="8" name="Rectangle: Rounded Corners 7">
+            <a:extLst>
+              <a:ext uri="{FF2B5EF4-FFF2-40B4-BE49-F238E27FC236}">
+                <a16:creationId xmlns:a16="http://schemas.microsoft.com/office/drawing/2014/main" id="{70464E3D-424E-E5B3-8001-82253363C24B}"/>
+              </a:ext>
+            </a:extLst>
+          </p:cNvPr>
+          <p:cNvSpPr/>
+          <p:nvPr/>
+        </p:nvSpPr>
+        <p:spPr>
+          <a:xfrm>
+            <a:off x="922712" y="2019440"/>
+            <a:ext cx="2199190" cy="1279003"/>
+          </a:xfrm>
+          <a:prstGeom prst="roundRect">
+            <a:avLst/>
+          </a:prstGeom>
+          <a:solidFill>
+            <a:srgbClr val="104760">
+              <a:alpha val="89804"/>
+            </a:srgbClr>
+          </a:solidFill>
+        </p:spPr>
+        <p:style>
+          <a:lnRef idx="2">
+            <a:schemeClr val="accent1">
+              <a:shade val="15000"/>
+            </a:schemeClr>
+          </a:lnRef>
+          <a:fillRef idx="1">
+            <a:schemeClr val="accent1"/>
+          </a:fillRef>
+          <a:effectRef idx="0">
+            <a:schemeClr val="accent1"/>
+          </a:effectRef>
+          <a:fontRef idx="minor">
+            <a:schemeClr val="lt1"/>
+          </a:fontRef>
+        </p:style>
+        <p:txBody>
+          <a:bodyPr rtlCol="0" anchor="ctr"/>
+          <a:lstStyle/>
+          <a:p>
+            <a:pPr algn="ctr"/>
+            <a:r>
+              <a:rPr lang="en-US" dirty="0"/>
+              <a:t>EDA</a:t>
+            </a:r>
+          </a:p>
+        </p:txBody>
+      </p:sp>
+      <p:sp>
+        <p:nvSpPr>
+          <p:cNvPr id="29" name="Rectangle: Rounded Corners 28">
+            <a:extLst>
+              <a:ext uri="{FF2B5EF4-FFF2-40B4-BE49-F238E27FC236}">
+                <a16:creationId xmlns:a16="http://schemas.microsoft.com/office/drawing/2014/main" id="{0CDDD66C-C444-9D32-DA9A-C7141E79DF04}"/>
+              </a:ext>
+            </a:extLst>
+          </p:cNvPr>
+          <p:cNvSpPr/>
+          <p:nvPr/>
+        </p:nvSpPr>
+        <p:spPr>
+          <a:xfrm>
+            <a:off x="3755911" y="2019436"/>
+            <a:ext cx="2199190" cy="1279003"/>
+          </a:xfrm>
+          <a:prstGeom prst="roundRect">
+            <a:avLst/>
+          </a:prstGeom>
+          <a:solidFill>
+            <a:srgbClr val="104760">
+              <a:alpha val="89804"/>
+            </a:srgbClr>
+          </a:solidFill>
+        </p:spPr>
+        <p:style>
+          <a:lnRef idx="2">
+            <a:schemeClr val="accent1">
+              <a:shade val="15000"/>
+            </a:schemeClr>
+          </a:lnRef>
+          <a:fillRef idx="1">
+            <a:schemeClr val="accent1"/>
+          </a:fillRef>
+          <a:effectRef idx="0">
+            <a:schemeClr val="accent1"/>
+          </a:effectRef>
+          <a:fontRef idx="minor">
+            <a:schemeClr val="lt1"/>
+          </a:fontRef>
+        </p:style>
+        <p:txBody>
+          <a:bodyPr rtlCol="0" anchor="ctr"/>
+          <a:lstStyle/>
+          <a:p>
+            <a:pPr algn="ctr"/>
+            <a:r>
+              <a:rPr lang="en-US" dirty="0"/>
+              <a:t>Lasso Variable Selection</a:t>
+            </a:r>
+          </a:p>
+        </p:txBody>
+      </p:sp>
+      <p:sp>
+        <p:nvSpPr>
+          <p:cNvPr id="30" name="Rectangle: Rounded Corners 29">
+            <a:extLst>
+              <a:ext uri="{FF2B5EF4-FFF2-40B4-BE49-F238E27FC236}">
+                <a16:creationId xmlns:a16="http://schemas.microsoft.com/office/drawing/2014/main" id="{ABE5897D-2A23-E2CD-841F-F055AD80AD01}"/>
+              </a:ext>
+            </a:extLst>
+          </p:cNvPr>
+          <p:cNvSpPr/>
+          <p:nvPr/>
+        </p:nvSpPr>
+        <p:spPr>
+          <a:xfrm>
+            <a:off x="6589110" y="2019435"/>
+            <a:ext cx="2199190" cy="1279003"/>
+          </a:xfrm>
+          <a:prstGeom prst="roundRect">
+            <a:avLst/>
+          </a:prstGeom>
+          <a:solidFill>
+            <a:srgbClr val="104760">
+              <a:alpha val="89804"/>
+            </a:srgbClr>
+          </a:solidFill>
+        </p:spPr>
+        <p:style>
+          <a:lnRef idx="2">
+            <a:schemeClr val="accent1">
+              <a:shade val="15000"/>
+            </a:schemeClr>
+          </a:lnRef>
+          <a:fillRef idx="1">
+            <a:schemeClr val="accent1"/>
+          </a:fillRef>
+          <a:effectRef idx="0">
+            <a:schemeClr val="accent1"/>
+          </a:effectRef>
+          <a:fontRef idx="minor">
+            <a:schemeClr val="lt1"/>
+          </a:fontRef>
+        </p:style>
+        <p:txBody>
+          <a:bodyPr rtlCol="0" anchor="ctr"/>
+          <a:lstStyle/>
+          <a:p>
+            <a:pPr algn="ctr"/>
+            <a:r>
+              <a:rPr lang="en-US" dirty="0"/>
+              <a:t>Model Identification</a:t>
+            </a:r>
+          </a:p>
+        </p:txBody>
+      </p:sp>
+      <p:sp>
+        <p:nvSpPr>
+          <p:cNvPr id="31" name="Rectangle: Rounded Corners 30">
+            <a:extLst>
+              <a:ext uri="{FF2B5EF4-FFF2-40B4-BE49-F238E27FC236}">
+                <a16:creationId xmlns:a16="http://schemas.microsoft.com/office/drawing/2014/main" id="{D00E3DD3-57C4-C052-29F1-71E807E33710}"/>
+              </a:ext>
+            </a:extLst>
+          </p:cNvPr>
+          <p:cNvSpPr/>
+          <p:nvPr/>
+        </p:nvSpPr>
+        <p:spPr>
+          <a:xfrm>
+            <a:off x="9292150" y="2019437"/>
+            <a:ext cx="2199190" cy="1279003"/>
+          </a:xfrm>
+          <a:prstGeom prst="roundRect">
+            <a:avLst/>
+          </a:prstGeom>
+          <a:solidFill>
+            <a:srgbClr val="104760">
+              <a:alpha val="89804"/>
+            </a:srgbClr>
+          </a:solidFill>
+        </p:spPr>
+        <p:style>
+          <a:lnRef idx="2">
+            <a:schemeClr val="accent1">
+              <a:shade val="15000"/>
+            </a:schemeClr>
+          </a:lnRef>
+          <a:fillRef idx="1">
+            <a:schemeClr val="accent1"/>
+          </a:fillRef>
+          <a:effectRef idx="0">
+            <a:schemeClr val="accent1"/>
+          </a:effectRef>
+          <a:fontRef idx="minor">
+            <a:schemeClr val="lt1"/>
+          </a:fontRef>
+        </p:style>
+        <p:txBody>
+          <a:bodyPr rtlCol="0" anchor="ctr"/>
+          <a:lstStyle/>
+          <a:p>
+            <a:pPr algn="ctr"/>
+            <a:r>
+              <a:rPr lang="en-US" dirty="0"/>
+              <a:t>Bayesian Estimation</a:t>
+            </a:r>
           </a:p>
         </p:txBody>
       </p:sp>
@@ -4237,35 +5082,12 @@
             <p:ph type="ctrTitle"/>
           </p:nvPr>
         </p:nvSpPr>
-        <p:spPr/>
-        <p:txBody>
-          <a:bodyPr/>
-          <a:lstStyle/>
-          <a:p>
-            <a:r>
-              <a:rPr lang="en-US" dirty="0"/>
-              <a:t>SLIDE 4</a:t>
-            </a:r>
-          </a:p>
-        </p:txBody>
-      </p:sp>
-      <p:sp>
-        <p:nvSpPr>
-          <p:cNvPr id="3" name="Subtitle 2">
-            <a:extLst>
-              <a:ext uri="{FF2B5EF4-FFF2-40B4-BE49-F238E27FC236}">
-                <a16:creationId xmlns:a16="http://schemas.microsoft.com/office/drawing/2014/main" id="{D9DE4C28-59E7-E7D3-4B20-4FD0304518B7}"/>
-              </a:ext>
-            </a:extLst>
-          </p:cNvPr>
-          <p:cNvSpPr>
-            <a:spLocks noGrp="1"/>
-          </p:cNvSpPr>
-          <p:nvPr>
-            <p:ph type="subTitle" idx="1"/>
-          </p:nvPr>
-        </p:nvSpPr>
-        <p:spPr/>
+        <p:spPr>
+          <a:xfrm>
+            <a:off x="1174865" y="0"/>
+            <a:ext cx="10005753" cy="1831908"/>
+          </a:xfrm>
+        </p:spPr>
         <p:txBody>
           <a:bodyPr>
             <a:normAutofit/>
@@ -4273,21 +5095,1369 @@
           <a:lstStyle/>
           <a:p>
             <a:r>
-              <a:rPr lang="en-US" dirty="0"/>
-              <a:t>describe the modeling and/or summarizing efforts that were taken, along with useful</a:t>
+              <a:rPr lang="en-US" sz="3600" dirty="0"/>
+              <a:t>Bayesian Autoregressive Zero-Inflated Poisson Regression</a:t>
             </a:r>
-          </a:p>
-          <a:p>
-            <a:r>
-              <a:rPr lang="en-US" dirty="0"/>
-              <a:t>figures or relevant model results.</a:t>
-            </a:r>
-          </a:p>
-          <a:p>
-            <a:endParaRPr lang="en-US" dirty="0"/>
           </a:p>
         </p:txBody>
       </p:sp>
+      <mc:AlternateContent xmlns:mc="http://schemas.openxmlformats.org/markup-compatibility/2006">
+        <mc:Choice xmlns:a14="http://schemas.microsoft.com/office/drawing/2010/main" Requires="a14">
+          <p:sp>
+            <p:nvSpPr>
+              <p:cNvPr id="3" name="Subtitle 2">
+                <a:extLst>
+                  <a:ext uri="{FF2B5EF4-FFF2-40B4-BE49-F238E27FC236}">
+                    <a16:creationId xmlns:a16="http://schemas.microsoft.com/office/drawing/2014/main" id="{D9DE4C28-59E7-E7D3-4B20-4FD0304518B7}"/>
+                  </a:ext>
+                </a:extLst>
+              </p:cNvPr>
+              <p:cNvSpPr>
+                <a:spLocks noGrp="1"/>
+              </p:cNvSpPr>
+              <p:nvPr>
+                <p:ph type="subTitle" idx="1"/>
+              </p:nvPr>
+            </p:nvSpPr>
+            <p:spPr>
+              <a:xfrm>
+                <a:off x="922712" y="2019438"/>
+                <a:ext cx="10598727" cy="4065477"/>
+              </a:xfrm>
+            </p:spPr>
+            <p:txBody>
+              <a:bodyPr>
+                <a:normAutofit/>
+              </a:bodyPr>
+              <a:lstStyle/>
+              <a:p>
+                <a:pPr/>
+                <a14:m>
+                  <m:oMathPara xmlns:m="http://schemas.openxmlformats.org/officeDocument/2006/math">
+                    <m:oMathParaPr>
+                      <m:jc m:val="centerGroup"/>
+                    </m:oMathParaPr>
+                    <m:oMath xmlns:m="http://schemas.openxmlformats.org/officeDocument/2006/math">
+                      <m:sSub>
+                        <m:sSubPr>
+                          <m:ctrlPr>
+                            <a:rPr lang="en-US" b="0" i="1" smtClean="0">
+                              <a:latin typeface="Cambria Math" panose="02040503050406030204" pitchFamily="18" charset="0"/>
+                            </a:rPr>
+                          </m:ctrlPr>
+                        </m:sSubPr>
+                        <m:e>
+                          <m:r>
+                            <a:rPr lang="en-US" b="0" i="1" smtClean="0">
+                              <a:latin typeface="Cambria Math" panose="02040503050406030204" pitchFamily="18" charset="0"/>
+                            </a:rPr>
+                            <m:t>𝑌</m:t>
+                          </m:r>
+                        </m:e>
+                        <m:sub>
+                          <m:r>
+                            <a:rPr lang="en-US" b="0" i="1" smtClean="0">
+                              <a:latin typeface="Cambria Math" panose="02040503050406030204" pitchFamily="18" charset="0"/>
+                            </a:rPr>
+                            <m:t>h𝑑𝑚𝑦</m:t>
+                          </m:r>
+                        </m:sub>
+                      </m:sSub>
+                      <m:r>
+                        <a:rPr lang="en-US" b="0" i="1" smtClean="0">
+                          <a:latin typeface="Cambria Math" panose="02040503050406030204" pitchFamily="18" charset="0"/>
+                        </a:rPr>
+                        <m:t>~</m:t>
+                      </m:r>
+                      <m:r>
+                        <a:rPr lang="en-US" b="0" i="1" smtClean="0">
+                          <a:latin typeface="Cambria Math" panose="02040503050406030204" pitchFamily="18" charset="0"/>
+                        </a:rPr>
+                        <m:t>𝑍𝐼𝑃</m:t>
+                      </m:r>
+                      <m:d>
+                        <m:dPr>
+                          <m:ctrlPr>
+                            <a:rPr lang="en-US" b="0" i="1" smtClean="0">
+                              <a:latin typeface="Cambria Math" panose="02040503050406030204" pitchFamily="18" charset="0"/>
+                            </a:rPr>
+                          </m:ctrlPr>
+                        </m:dPr>
+                        <m:e>
+                          <m:sSub>
+                            <m:sSubPr>
+                              <m:ctrlPr>
+                                <a:rPr lang="en-US" b="0" i="1" smtClean="0">
+                                  <a:latin typeface="Cambria Math" panose="02040503050406030204" pitchFamily="18" charset="0"/>
+                                </a:rPr>
+                              </m:ctrlPr>
+                            </m:sSubPr>
+                            <m:e>
+                              <m:r>
+                                <a:rPr lang="en-US" b="0" i="1" smtClean="0">
+                                  <a:latin typeface="Cambria Math" panose="02040503050406030204" pitchFamily="18" charset="0"/>
+                                </a:rPr>
+                                <m:t>𝜆</m:t>
+                              </m:r>
+                            </m:e>
+                            <m:sub>
+                              <m:r>
+                                <a:rPr lang="en-US" b="0" i="1" smtClean="0">
+                                  <a:latin typeface="Cambria Math" panose="02040503050406030204" pitchFamily="18" charset="0"/>
+                                </a:rPr>
+                                <m:t>h𝑑𝑚𝑦</m:t>
+                              </m:r>
+                            </m:sub>
+                          </m:sSub>
+                          <m:r>
+                            <a:rPr lang="en-US" b="0" i="1" smtClean="0">
+                              <a:latin typeface="Cambria Math" panose="02040503050406030204" pitchFamily="18" charset="0"/>
+                            </a:rPr>
+                            <m:t>,</m:t>
+                          </m:r>
+                          <m:r>
+                            <a:rPr lang="en-US" b="0" i="1" smtClean="0">
+                              <a:latin typeface="Cambria Math" panose="02040503050406030204" pitchFamily="18" charset="0"/>
+                            </a:rPr>
+                            <m:t>𝜋</m:t>
+                          </m:r>
+                        </m:e>
+                      </m:d>
+                    </m:oMath>
+                  </m:oMathPara>
+                </a14:m>
+                <a:endParaRPr lang="en-US" b="0" dirty="0"/>
+              </a:p>
+              <a:p>
+                <a:pPr>
+                  <a:lnSpc>
+                    <a:spcPct val="150000"/>
+                  </a:lnSpc>
+                </a:pPr>
+                <a14:m>
+                  <m:oMath xmlns:m="http://schemas.openxmlformats.org/officeDocument/2006/math">
+                    <m:sSub>
+                      <m:sSubPr>
+                        <m:ctrlPr>
+                          <a:rPr lang="en-US" b="0" i="1" smtClean="0">
+                            <a:latin typeface="Cambria Math" panose="02040503050406030204" pitchFamily="18" charset="0"/>
+                          </a:rPr>
+                        </m:ctrlPr>
+                      </m:sSubPr>
+                      <m:e>
+                        <m:r>
+                          <a:rPr lang="en-US" b="0" i="1" smtClean="0">
+                            <a:latin typeface="Cambria Math" panose="02040503050406030204" pitchFamily="18" charset="0"/>
+                          </a:rPr>
+                          <m:t>𝜆</m:t>
+                        </m:r>
+                      </m:e>
+                      <m:sub>
+                        <m:r>
+                          <a:rPr lang="en-US" b="0" i="1" smtClean="0">
+                            <a:latin typeface="Cambria Math" panose="02040503050406030204" pitchFamily="18" charset="0"/>
+                          </a:rPr>
+                          <m:t>h𝑑𝑚𝑦</m:t>
+                        </m:r>
+                        <m:r>
+                          <a:rPr lang="en-US" b="0" i="1" smtClean="0">
+                            <a:latin typeface="Cambria Math" panose="02040503050406030204" pitchFamily="18" charset="0"/>
+                          </a:rPr>
+                          <m:t> </m:t>
+                        </m:r>
+                      </m:sub>
+                    </m:sSub>
+                    <m:r>
+                      <a:rPr lang="en-US" b="0" i="1" smtClean="0">
+                        <a:latin typeface="Cambria Math" panose="02040503050406030204" pitchFamily="18" charset="0"/>
+                      </a:rPr>
+                      <m:t>=</m:t>
+                    </m:r>
+                    <m:r>
+                      <a:rPr lang="en-US" b="0" i="0" smtClean="0">
+                        <a:latin typeface="Cambria Math" panose="02040503050406030204" pitchFamily="18" charset="0"/>
+                      </a:rPr>
+                      <m:t> </m:t>
+                    </m:r>
+                    <m:r>
+                      <m:rPr>
+                        <m:sty m:val="p"/>
+                      </m:rPr>
+                      <a:rPr lang="en-US" b="0" i="0" smtClean="0">
+                        <a:latin typeface="Cambria Math" panose="02040503050406030204" pitchFamily="18" charset="0"/>
+                      </a:rPr>
+                      <m:t>exp</m:t>
+                    </m:r>
+                    <m:r>
+                      <a:rPr lang="en-US" b="0" i="1" smtClean="0">
+                        <a:latin typeface="Cambria Math" panose="02040503050406030204" pitchFamily="18" charset="0"/>
+                      </a:rPr>
+                      <m:t>⁡{</m:t>
+                    </m:r>
+                    <m:sSub>
+                      <m:sSubPr>
+                        <m:ctrlPr>
+                          <a:rPr lang="en-US" b="0" i="1" smtClean="0">
+                            <a:latin typeface="Cambria Math" panose="02040503050406030204" pitchFamily="18" charset="0"/>
+                          </a:rPr>
+                        </m:ctrlPr>
+                      </m:sSubPr>
+                      <m:e>
+                        <m:r>
+                          <a:rPr lang="en-US" b="0" i="1" smtClean="0">
+                            <a:latin typeface="Cambria Math" panose="02040503050406030204" pitchFamily="18" charset="0"/>
+                          </a:rPr>
+                          <m:t>𝛽</m:t>
+                        </m:r>
+                      </m:e>
+                      <m:sub>
+                        <m:r>
+                          <a:rPr lang="en-US" b="0" i="1" smtClean="0">
+                            <a:latin typeface="Cambria Math" panose="02040503050406030204" pitchFamily="18" charset="0"/>
+                          </a:rPr>
+                          <m:t>0</m:t>
+                        </m:r>
+                      </m:sub>
+                    </m:sSub>
+                    <m:r>
+                      <a:rPr lang="en-US" b="0" i="1" smtClean="0">
+                        <a:latin typeface="Cambria Math" panose="02040503050406030204" pitchFamily="18" charset="0"/>
+                      </a:rPr>
+                      <m:t>+</m:t>
+                    </m:r>
+                    <m:sSub>
+                      <m:sSubPr>
+                        <m:ctrlPr>
+                          <a:rPr lang="en-US" b="0" i="1" smtClean="0">
+                            <a:latin typeface="Cambria Math" panose="02040503050406030204" pitchFamily="18" charset="0"/>
+                          </a:rPr>
+                        </m:ctrlPr>
+                      </m:sSubPr>
+                      <m:e>
+                        <m:r>
+                          <a:rPr lang="en-US" b="0" i="1" smtClean="0">
+                            <a:latin typeface="Cambria Math" panose="02040503050406030204" pitchFamily="18" charset="0"/>
+                          </a:rPr>
+                          <m:t>𝛽</m:t>
+                        </m:r>
+                      </m:e>
+                      <m:sub>
+                        <m:r>
+                          <a:rPr lang="en-US" b="0" i="1" smtClean="0">
+                            <a:latin typeface="Cambria Math" panose="02040503050406030204" pitchFamily="18" charset="0"/>
+                          </a:rPr>
+                          <m:t>1</m:t>
+                        </m:r>
+                      </m:sub>
+                    </m:sSub>
+                    <m:r>
+                      <a:rPr lang="en-US" b="0" i="1" smtClean="0">
+                        <a:latin typeface="Cambria Math" panose="02040503050406030204" pitchFamily="18" charset="0"/>
+                      </a:rPr>
+                      <m:t>𝐹𝑢𝑙𝑙𝑀𝑜𝑜</m:t>
+                    </m:r>
+                    <m:sSub>
+                      <m:sSubPr>
+                        <m:ctrlPr>
+                          <a:rPr lang="en-US" b="0" i="1" smtClean="0">
+                            <a:latin typeface="Cambria Math" panose="02040503050406030204" pitchFamily="18" charset="0"/>
+                          </a:rPr>
+                        </m:ctrlPr>
+                      </m:sSubPr>
+                      <m:e>
+                        <m:r>
+                          <a:rPr lang="en-US" b="0" i="1" smtClean="0">
+                            <a:latin typeface="Cambria Math" panose="02040503050406030204" pitchFamily="18" charset="0"/>
+                          </a:rPr>
+                          <m:t>𝑛</m:t>
+                        </m:r>
+                      </m:e>
+                      <m:sub>
+                        <m:r>
+                          <a:rPr lang="en-US" b="0" i="1" smtClean="0">
+                            <a:latin typeface="Cambria Math" panose="02040503050406030204" pitchFamily="18" charset="0"/>
+                          </a:rPr>
+                          <m:t>𝑑𝑚𝑦</m:t>
+                        </m:r>
+                      </m:sub>
+                    </m:sSub>
+                    <m:r>
+                      <a:rPr lang="en-US" b="0" i="1" smtClean="0">
+                        <a:latin typeface="Cambria Math" panose="02040503050406030204" pitchFamily="18" charset="0"/>
+                      </a:rPr>
+                      <m:t>+</m:t>
+                    </m:r>
+                    <m:sSub>
+                      <m:sSubPr>
+                        <m:ctrlPr>
+                          <a:rPr lang="en-US" b="0" i="1" smtClean="0">
+                            <a:latin typeface="Cambria Math" panose="02040503050406030204" pitchFamily="18" charset="0"/>
+                          </a:rPr>
+                        </m:ctrlPr>
+                      </m:sSubPr>
+                      <m:e>
+                        <m:r>
+                          <a:rPr lang="en-US" b="0" i="1" smtClean="0">
+                            <a:latin typeface="Cambria Math" panose="02040503050406030204" pitchFamily="18" charset="0"/>
+                          </a:rPr>
+                          <m:t>𝛽</m:t>
+                        </m:r>
+                      </m:e>
+                      <m:sub>
+                        <m:r>
+                          <a:rPr lang="en-US" b="0" i="1" smtClean="0">
+                            <a:latin typeface="Cambria Math" panose="02040503050406030204" pitchFamily="18" charset="0"/>
+                          </a:rPr>
+                          <m:t>2</m:t>
+                        </m:r>
+                      </m:sub>
+                    </m:sSub>
+                    <m:r>
+                      <a:rPr lang="en-US" b="0" i="1" smtClean="0">
+                        <a:latin typeface="Cambria Math" panose="02040503050406030204" pitchFamily="18" charset="0"/>
+                      </a:rPr>
+                      <m:t>𝑈𝑛𝑒𝑚𝑝𝑙𝑜𝑦𝑚𝑒𝑛</m:t>
+                    </m:r>
+                    <m:sSub>
+                      <m:sSubPr>
+                        <m:ctrlPr>
+                          <a:rPr lang="en-US" b="0" i="1" smtClean="0">
+                            <a:latin typeface="Cambria Math" panose="02040503050406030204" pitchFamily="18" charset="0"/>
+                          </a:rPr>
+                        </m:ctrlPr>
+                      </m:sSubPr>
+                      <m:e>
+                        <m:r>
+                          <a:rPr lang="en-US" b="0" i="1" smtClean="0">
+                            <a:latin typeface="Cambria Math" panose="02040503050406030204" pitchFamily="18" charset="0"/>
+                          </a:rPr>
+                          <m:t>𝑡</m:t>
+                        </m:r>
+                      </m:e>
+                      <m:sub>
+                        <m:r>
+                          <a:rPr lang="en-US" b="0" i="1" smtClean="0">
+                            <a:latin typeface="Cambria Math" panose="02040503050406030204" pitchFamily="18" charset="0"/>
+                          </a:rPr>
+                          <m:t>𝑚𝑦</m:t>
+                        </m:r>
+                      </m:sub>
+                    </m:sSub>
+                    <m:r>
+                      <a:rPr lang="en-US" b="0" i="1" smtClean="0">
+                        <a:latin typeface="Cambria Math" panose="02040503050406030204" pitchFamily="18" charset="0"/>
+                      </a:rPr>
+                      <m:t>+</m:t>
+                    </m:r>
+                    <m:sSub>
+                      <m:sSubPr>
+                        <m:ctrlPr>
+                          <a:rPr lang="en-US" b="0" i="1" smtClean="0">
+                            <a:latin typeface="Cambria Math" panose="02040503050406030204" pitchFamily="18" charset="0"/>
+                          </a:rPr>
+                        </m:ctrlPr>
+                      </m:sSubPr>
+                      <m:e>
+                        <m:r>
+                          <a:rPr lang="en-US" b="0" i="1" smtClean="0">
+                            <a:latin typeface="Cambria Math" panose="02040503050406030204" pitchFamily="18" charset="0"/>
+                          </a:rPr>
+                          <m:t>𝑋</m:t>
+                        </m:r>
+                      </m:e>
+                      <m:sub>
+                        <m:r>
+                          <a:rPr lang="en-US" b="0" i="1" smtClean="0">
+                            <a:latin typeface="Cambria Math" panose="02040503050406030204" pitchFamily="18" charset="0"/>
+                          </a:rPr>
+                          <m:t>h𝑑𝑚𝑦</m:t>
+                        </m:r>
+                      </m:sub>
+                    </m:sSub>
+                    <m:r>
+                      <m:rPr>
+                        <m:sty m:val="p"/>
+                      </m:rPr>
+                      <a:rPr lang="en-US" b="0" i="1" smtClean="0">
+                        <a:latin typeface="Cambria Math" panose="02040503050406030204" pitchFamily="18" charset="0"/>
+                      </a:rPr>
+                      <m:t>γ</m:t>
+                    </m:r>
+                    <m:r>
+                      <a:rPr lang="en-US" b="0" i="0" smtClean="0">
+                        <a:latin typeface="Cambria Math" panose="02040503050406030204" pitchFamily="18" charset="0"/>
+                      </a:rPr>
+                      <m:t>+</m:t>
+                    </m:r>
+                    <m:sSub>
+                      <m:sSubPr>
+                        <m:ctrlPr>
+                          <a:rPr lang="en-US" b="0" i="1" smtClean="0">
+                            <a:latin typeface="Cambria Math" panose="02040503050406030204" pitchFamily="18" charset="0"/>
+                          </a:rPr>
+                        </m:ctrlPr>
+                      </m:sSubPr>
+                      <m:e>
+                        <m:r>
+                          <m:rPr>
+                            <m:sty m:val="p"/>
+                          </m:rPr>
+                          <a:rPr lang="en-US" b="0" i="0" smtClean="0">
+                            <a:latin typeface="Cambria Math" panose="02040503050406030204" pitchFamily="18" charset="0"/>
+                          </a:rPr>
+                          <m:t>Weather</m:t>
+                        </m:r>
+                      </m:e>
+                      <m:sub>
+                        <m:r>
+                          <m:rPr>
+                            <m:sty m:val="p"/>
+                          </m:rPr>
+                          <a:rPr lang="en-US" b="0" i="0" smtClean="0">
+                            <a:latin typeface="Cambria Math" panose="02040503050406030204" pitchFamily="18" charset="0"/>
+                          </a:rPr>
+                          <m:t>hdmy</m:t>
+                        </m:r>
+                      </m:sub>
+                    </m:sSub>
+                    <m:r>
+                      <m:rPr>
+                        <m:sty m:val="p"/>
+                      </m:rPr>
+                      <a:rPr lang="en-US" b="0" i="1" smtClean="0">
+                        <a:latin typeface="Cambria Math" panose="02040503050406030204" pitchFamily="18" charset="0"/>
+                      </a:rPr>
+                      <m:t>Ω</m:t>
+                    </m:r>
+                    <m:r>
+                      <a:rPr lang="en-US" b="0" i="1" smtClean="0">
+                        <a:latin typeface="Cambria Math" panose="02040503050406030204" pitchFamily="18" charset="0"/>
+                      </a:rPr>
+                      <m:t>+</m:t>
+                    </m:r>
+                    <m:nary>
+                      <m:naryPr>
+                        <m:chr m:val="∑"/>
+                        <m:ctrlPr>
+                          <a:rPr lang="en-US" b="0" i="1" smtClean="0">
+                            <a:latin typeface="Cambria Math" panose="02040503050406030204" pitchFamily="18" charset="0"/>
+                          </a:rPr>
+                        </m:ctrlPr>
+                      </m:naryPr>
+                      <m:sub>
+                        <m:r>
+                          <m:rPr>
+                            <m:brk m:alnAt="23"/>
+                          </m:rPr>
+                          <a:rPr lang="en-US" b="0" i="1" smtClean="0">
+                            <a:latin typeface="Cambria Math" panose="02040503050406030204" pitchFamily="18" charset="0"/>
+                          </a:rPr>
+                          <m:t>𝑖</m:t>
+                        </m:r>
+                        <m:r>
+                          <a:rPr lang="en-US" b="0" i="1" smtClean="0">
+                            <a:latin typeface="Cambria Math" panose="02040503050406030204" pitchFamily="18" charset="0"/>
+                          </a:rPr>
+                          <m:t>=1</m:t>
+                        </m:r>
+                      </m:sub>
+                      <m:sup>
+                        <m:r>
+                          <a:rPr lang="en-US" b="0" i="1" smtClean="0">
+                            <a:latin typeface="Cambria Math" panose="02040503050406030204" pitchFamily="18" charset="0"/>
+                          </a:rPr>
+                          <m:t>23</m:t>
+                        </m:r>
+                      </m:sup>
+                      <m:e>
+                        <m:sSub>
+                          <m:sSubPr>
+                            <m:ctrlPr>
+                              <a:rPr lang="en-US" i="1">
+                                <a:latin typeface="Cambria Math" panose="02040503050406030204" pitchFamily="18" charset="0"/>
+                              </a:rPr>
+                            </m:ctrlPr>
+                          </m:sSubPr>
+                          <m:e>
+                            <m:r>
+                              <a:rPr lang="en-US" i="1">
+                                <a:latin typeface="Cambria Math" panose="02040503050406030204" pitchFamily="18" charset="0"/>
+                              </a:rPr>
+                              <m:t>𝜂</m:t>
+                            </m:r>
+                          </m:e>
+                          <m:sub>
+                            <m:r>
+                              <a:rPr lang="en-US" i="1">
+                                <a:latin typeface="Cambria Math" panose="02040503050406030204" pitchFamily="18" charset="0"/>
+                              </a:rPr>
+                              <m:t>𝑖</m:t>
+                            </m:r>
+                          </m:sub>
+                        </m:sSub>
+                        <m:r>
+                          <a:rPr lang="en-US" i="1">
+                            <a:latin typeface="Cambria Math" panose="02040503050406030204" pitchFamily="18" charset="0"/>
+                          </a:rPr>
+                          <m:t>𝟙</m:t>
+                        </m:r>
+                        <m:d>
+                          <m:dPr>
+                            <m:ctrlPr>
+                              <a:rPr lang="en-US" i="1">
+                                <a:latin typeface="Cambria Math" panose="02040503050406030204" pitchFamily="18" charset="0"/>
+                              </a:rPr>
+                            </m:ctrlPr>
+                          </m:dPr>
+                          <m:e>
+                            <m:r>
+                              <a:rPr lang="en-US" i="1">
+                                <a:latin typeface="Cambria Math" panose="02040503050406030204" pitchFamily="18" charset="0"/>
+                              </a:rPr>
+                              <m:t>𝐻𝑜𝑢</m:t>
+                            </m:r>
+                            <m:sSub>
+                              <m:sSubPr>
+                                <m:ctrlPr>
+                                  <a:rPr lang="en-US" i="1">
+                                    <a:latin typeface="Cambria Math" panose="02040503050406030204" pitchFamily="18" charset="0"/>
+                                  </a:rPr>
+                                </m:ctrlPr>
+                              </m:sSubPr>
+                              <m:e>
+                                <m:r>
+                                  <a:rPr lang="en-US" i="1">
+                                    <a:latin typeface="Cambria Math" panose="02040503050406030204" pitchFamily="18" charset="0"/>
+                                  </a:rPr>
+                                  <m:t>𝑟</m:t>
+                                </m:r>
+                              </m:e>
+                              <m:sub>
+                                <m:r>
+                                  <a:rPr lang="en-US" i="1">
+                                    <a:latin typeface="Cambria Math" panose="02040503050406030204" pitchFamily="18" charset="0"/>
+                                  </a:rPr>
+                                  <m:t>h</m:t>
+                                </m:r>
+                              </m:sub>
+                            </m:sSub>
+                            <m:r>
+                              <a:rPr lang="en-US" i="1">
+                                <a:latin typeface="Cambria Math" panose="02040503050406030204" pitchFamily="18" charset="0"/>
+                              </a:rPr>
+                              <m:t>=</m:t>
+                            </m:r>
+                            <m:r>
+                              <a:rPr lang="en-US" i="1">
+                                <a:latin typeface="Cambria Math" panose="02040503050406030204" pitchFamily="18" charset="0"/>
+                              </a:rPr>
+                              <m:t>𝑖</m:t>
+                            </m:r>
+                          </m:e>
+                        </m:d>
+                      </m:e>
+                    </m:nary>
+                    <m:r>
+                      <a:rPr lang="en-US" b="0" i="1" smtClean="0">
+                        <a:latin typeface="Cambria Math" panose="02040503050406030204" pitchFamily="18" charset="0"/>
+                      </a:rPr>
+                      <m:t>+</m:t>
+                    </m:r>
+                    <m:nary>
+                      <m:naryPr>
+                        <m:chr m:val="∑"/>
+                        <m:ctrlPr>
+                          <a:rPr lang="en-US" i="1" smtClean="0">
+                            <a:latin typeface="Cambria Math" panose="02040503050406030204" pitchFamily="18" charset="0"/>
+                          </a:rPr>
+                        </m:ctrlPr>
+                      </m:naryPr>
+                      <m:sub>
+                        <m:r>
+                          <m:rPr>
+                            <m:brk m:alnAt="23"/>
+                          </m:rPr>
+                          <a:rPr lang="en-US" i="1">
+                            <a:latin typeface="Cambria Math" panose="02040503050406030204" pitchFamily="18" charset="0"/>
+                          </a:rPr>
+                          <m:t>𝑖</m:t>
+                        </m:r>
+                        <m:r>
+                          <a:rPr lang="en-US" i="1">
+                            <a:latin typeface="Cambria Math" panose="02040503050406030204" pitchFamily="18" charset="0"/>
+                          </a:rPr>
+                          <m:t>=1</m:t>
+                        </m:r>
+                      </m:sub>
+                      <m:sup>
+                        <m:r>
+                          <a:rPr lang="en-US" b="0" i="1" smtClean="0">
+                            <a:latin typeface="Cambria Math" panose="02040503050406030204" pitchFamily="18" charset="0"/>
+                          </a:rPr>
+                          <m:t>6</m:t>
+                        </m:r>
+                      </m:sup>
+                      <m:e>
+                        <m:sSub>
+                          <m:sSubPr>
+                            <m:ctrlPr>
+                              <a:rPr lang="en-US" i="1">
+                                <a:latin typeface="Cambria Math" panose="02040503050406030204" pitchFamily="18" charset="0"/>
+                              </a:rPr>
+                            </m:ctrlPr>
+                          </m:sSubPr>
+                          <m:e>
+                            <m:r>
+                              <a:rPr lang="en-US" i="1">
+                                <a:latin typeface="Cambria Math" panose="02040503050406030204" pitchFamily="18" charset="0"/>
+                              </a:rPr>
+                              <m:t>𝛿</m:t>
+                            </m:r>
+                          </m:e>
+                          <m:sub>
+                            <m:r>
+                              <a:rPr lang="en-US" i="1">
+                                <a:latin typeface="Cambria Math" panose="02040503050406030204" pitchFamily="18" charset="0"/>
+                              </a:rPr>
+                              <m:t>𝑖</m:t>
+                            </m:r>
+                          </m:sub>
+                        </m:sSub>
+                        <m:r>
+                          <a:rPr lang="en-US" i="1">
+                            <a:latin typeface="Cambria Math" panose="02040503050406030204" pitchFamily="18" charset="0"/>
+                          </a:rPr>
+                          <m:t>𝟙</m:t>
+                        </m:r>
+                        <m:d>
+                          <m:dPr>
+                            <m:ctrlPr>
+                              <a:rPr lang="en-US" i="1">
+                                <a:latin typeface="Cambria Math" panose="02040503050406030204" pitchFamily="18" charset="0"/>
+                              </a:rPr>
+                            </m:ctrlPr>
+                          </m:dPr>
+                          <m:e>
+                            <m:r>
+                              <a:rPr lang="en-US" i="1">
+                                <a:latin typeface="Cambria Math" panose="02040503050406030204" pitchFamily="18" charset="0"/>
+                              </a:rPr>
+                              <m:t>𝐷𝑎</m:t>
+                            </m:r>
+                            <m:sSub>
+                              <m:sSubPr>
+                                <m:ctrlPr>
+                                  <a:rPr lang="en-US" i="1">
+                                    <a:latin typeface="Cambria Math" panose="02040503050406030204" pitchFamily="18" charset="0"/>
+                                  </a:rPr>
+                                </m:ctrlPr>
+                              </m:sSubPr>
+                              <m:e>
+                                <m:r>
+                                  <a:rPr lang="en-US" i="1">
+                                    <a:latin typeface="Cambria Math" panose="02040503050406030204" pitchFamily="18" charset="0"/>
+                                  </a:rPr>
+                                  <m:t>𝑦</m:t>
+                                </m:r>
+                              </m:e>
+                              <m:sub>
+                                <m:r>
+                                  <a:rPr lang="en-US" i="1">
+                                    <a:latin typeface="Cambria Math" panose="02040503050406030204" pitchFamily="18" charset="0"/>
+                                  </a:rPr>
+                                  <m:t>𝑑</m:t>
+                                </m:r>
+                              </m:sub>
+                            </m:sSub>
+                            <m:r>
+                              <a:rPr lang="en-US" b="0" i="1" smtClean="0">
+                                <a:latin typeface="Cambria Math" panose="02040503050406030204" pitchFamily="18" charset="0"/>
+                              </a:rPr>
+                              <m:t>=</m:t>
+                            </m:r>
+                            <m:r>
+                              <a:rPr lang="en-US" b="0" i="1" smtClean="0">
+                                <a:latin typeface="Cambria Math" panose="02040503050406030204" pitchFamily="18" charset="0"/>
+                              </a:rPr>
+                              <m:t>𝑖</m:t>
+                            </m:r>
+                          </m:e>
+                        </m:d>
+                      </m:e>
+                    </m:nary>
+                    <m:r>
+                      <a:rPr lang="en-US" b="0" i="1" smtClean="0">
+                        <a:latin typeface="Cambria Math" panose="02040503050406030204" pitchFamily="18" charset="0"/>
+                      </a:rPr>
+                      <m:t>+</m:t>
+                    </m:r>
+                  </m:oMath>
+                </a14:m>
+                <a:r>
+                  <a:rPr lang="en-US" dirty="0"/>
+                  <a:t> </a:t>
+                </a:r>
+                <a14:m>
+                  <m:oMath xmlns:m="http://schemas.openxmlformats.org/officeDocument/2006/math">
+                    <m:nary>
+                      <m:naryPr>
+                        <m:chr m:val="∑"/>
+                        <m:ctrlPr>
+                          <a:rPr lang="en-US" i="1" smtClean="0">
+                            <a:latin typeface="Cambria Math" panose="02040503050406030204" pitchFamily="18" charset="0"/>
+                          </a:rPr>
+                        </m:ctrlPr>
+                      </m:naryPr>
+                      <m:sub>
+                        <m:r>
+                          <m:rPr>
+                            <m:brk m:alnAt="23"/>
+                          </m:rPr>
+                          <a:rPr lang="en-US" i="1">
+                            <a:latin typeface="Cambria Math" panose="02040503050406030204" pitchFamily="18" charset="0"/>
+                          </a:rPr>
+                          <m:t>𝑖</m:t>
+                        </m:r>
+                        <m:r>
+                          <a:rPr lang="en-US" i="1">
+                            <a:latin typeface="Cambria Math" panose="02040503050406030204" pitchFamily="18" charset="0"/>
+                          </a:rPr>
+                          <m:t>=1</m:t>
+                        </m:r>
+                      </m:sub>
+                      <m:sup>
+                        <m:r>
+                          <a:rPr lang="en-US" b="0" i="1" smtClean="0">
+                            <a:latin typeface="Cambria Math" panose="02040503050406030204" pitchFamily="18" charset="0"/>
+                          </a:rPr>
+                          <m:t>11</m:t>
+                        </m:r>
+                      </m:sup>
+                      <m:e>
+                        <m:sSub>
+                          <m:sSubPr>
+                            <m:ctrlPr>
+                              <a:rPr lang="en-US" i="1">
+                                <a:latin typeface="Cambria Math" panose="02040503050406030204" pitchFamily="18" charset="0"/>
+                              </a:rPr>
+                            </m:ctrlPr>
+                          </m:sSubPr>
+                          <m:e>
+                            <m:r>
+                              <a:rPr lang="en-US" i="1">
+                                <a:latin typeface="Cambria Math" panose="02040503050406030204" pitchFamily="18" charset="0"/>
+                              </a:rPr>
+                              <m:t>𝜇</m:t>
+                            </m:r>
+                          </m:e>
+                          <m:sub>
+                            <m:r>
+                              <a:rPr lang="en-US" i="1">
+                                <a:latin typeface="Cambria Math" panose="02040503050406030204" pitchFamily="18" charset="0"/>
+                              </a:rPr>
+                              <m:t>𝑖</m:t>
+                            </m:r>
+                          </m:sub>
+                        </m:sSub>
+                        <m:r>
+                          <a:rPr lang="en-US" i="1">
+                            <a:latin typeface="Cambria Math" panose="02040503050406030204" pitchFamily="18" charset="0"/>
+                          </a:rPr>
+                          <m:t>𝟙</m:t>
+                        </m:r>
+                        <m:d>
+                          <m:dPr>
+                            <m:ctrlPr>
+                              <a:rPr lang="en-US" i="1">
+                                <a:latin typeface="Cambria Math" panose="02040503050406030204" pitchFamily="18" charset="0"/>
+                              </a:rPr>
+                            </m:ctrlPr>
+                          </m:dPr>
+                          <m:e>
+                            <m:r>
+                              <a:rPr lang="en-US" i="1">
+                                <a:latin typeface="Cambria Math" panose="02040503050406030204" pitchFamily="18" charset="0"/>
+                              </a:rPr>
+                              <m:t>𝑀𝑜𝑛𝑡</m:t>
+                            </m:r>
+                            <m:sSub>
+                              <m:sSubPr>
+                                <m:ctrlPr>
+                                  <a:rPr lang="en-US" i="1">
+                                    <a:latin typeface="Cambria Math" panose="02040503050406030204" pitchFamily="18" charset="0"/>
+                                  </a:rPr>
+                                </m:ctrlPr>
+                              </m:sSubPr>
+                              <m:e>
+                                <m:r>
+                                  <a:rPr lang="en-US" i="1">
+                                    <a:latin typeface="Cambria Math" panose="02040503050406030204" pitchFamily="18" charset="0"/>
+                                  </a:rPr>
+                                  <m:t>h</m:t>
+                                </m:r>
+                              </m:e>
+                              <m:sub>
+                                <m:r>
+                                  <a:rPr lang="en-US" i="1">
+                                    <a:latin typeface="Cambria Math" panose="02040503050406030204" pitchFamily="18" charset="0"/>
+                                  </a:rPr>
+                                  <m:t>𝑚</m:t>
+                                </m:r>
+                              </m:sub>
+                            </m:sSub>
+                            <m:r>
+                              <a:rPr lang="en-US" i="1">
+                                <a:latin typeface="Cambria Math" panose="02040503050406030204" pitchFamily="18" charset="0"/>
+                              </a:rPr>
+                              <m:t>=</m:t>
+                            </m:r>
+                            <m:r>
+                              <a:rPr lang="en-US" i="1">
+                                <a:latin typeface="Cambria Math" panose="02040503050406030204" pitchFamily="18" charset="0"/>
+                              </a:rPr>
+                              <m:t>𝑖</m:t>
+                            </m:r>
+                          </m:e>
+                        </m:d>
+                        <m:r>
+                          <m:rPr>
+                            <m:nor/>
+                          </m:rPr>
+                          <a:rPr lang="en-US" dirty="0"/>
+                          <m:t> </m:t>
+                        </m:r>
+                      </m:e>
+                    </m:nary>
+                    <m:r>
+                      <a:rPr lang="en-US" b="0" i="1" smtClean="0">
+                        <a:latin typeface="Cambria Math" panose="02040503050406030204" pitchFamily="18" charset="0"/>
+                      </a:rPr>
+                      <m:t>+</m:t>
+                    </m:r>
+                    <m:nary>
+                      <m:naryPr>
+                        <m:chr m:val="∑"/>
+                        <m:ctrlPr>
+                          <a:rPr lang="en-US" b="0" i="1" smtClean="0">
+                            <a:latin typeface="Cambria Math" panose="02040503050406030204" pitchFamily="18" charset="0"/>
+                          </a:rPr>
+                        </m:ctrlPr>
+                      </m:naryPr>
+                      <m:sub>
+                        <m:r>
+                          <m:rPr>
+                            <m:brk m:alnAt="23"/>
+                          </m:rPr>
+                          <a:rPr lang="en-US" b="0" i="1" smtClean="0">
+                            <a:latin typeface="Cambria Math" panose="02040503050406030204" pitchFamily="18" charset="0"/>
+                          </a:rPr>
+                          <m:t>𝑖</m:t>
+                        </m:r>
+                        <m:r>
+                          <a:rPr lang="en-US" b="0" i="1" smtClean="0">
+                            <a:latin typeface="Cambria Math" panose="02040503050406030204" pitchFamily="18" charset="0"/>
+                          </a:rPr>
+                          <m:t>=1</m:t>
+                        </m:r>
+                      </m:sub>
+                      <m:sup>
+                        <m:r>
+                          <a:rPr lang="en-US" b="0" i="1" smtClean="0">
+                            <a:latin typeface="Cambria Math" panose="02040503050406030204" pitchFamily="18" charset="0"/>
+                          </a:rPr>
+                          <m:t>23</m:t>
+                        </m:r>
+                      </m:sup>
+                      <m:e>
+                        <m:nary>
+                          <m:naryPr>
+                            <m:chr m:val="∑"/>
+                            <m:ctrlPr>
+                              <a:rPr lang="en-US" b="0" i="1" smtClean="0">
+                                <a:latin typeface="Cambria Math" panose="02040503050406030204" pitchFamily="18" charset="0"/>
+                              </a:rPr>
+                            </m:ctrlPr>
+                          </m:naryPr>
+                          <m:sub>
+                            <m:r>
+                              <m:rPr>
+                                <m:brk m:alnAt="23"/>
+                              </m:rPr>
+                              <a:rPr lang="en-US" b="0" i="1" smtClean="0">
+                                <a:latin typeface="Cambria Math" panose="02040503050406030204" pitchFamily="18" charset="0"/>
+                              </a:rPr>
+                              <m:t>𝑗</m:t>
+                            </m:r>
+                            <m:r>
+                              <a:rPr lang="en-US" b="0" i="1" smtClean="0">
+                                <a:latin typeface="Cambria Math" panose="02040503050406030204" pitchFamily="18" charset="0"/>
+                              </a:rPr>
+                              <m:t>=1</m:t>
+                            </m:r>
+                          </m:sub>
+                          <m:sup>
+                            <m:r>
+                              <a:rPr lang="en-US" b="0" i="1" smtClean="0">
+                                <a:latin typeface="Cambria Math" panose="02040503050406030204" pitchFamily="18" charset="0"/>
+                              </a:rPr>
+                              <m:t>6</m:t>
+                            </m:r>
+                          </m:sup>
+                          <m:e>
+                            <m:sSub>
+                              <m:sSubPr>
+                                <m:ctrlPr>
+                                  <a:rPr lang="en-US" i="1">
+                                    <a:latin typeface="Cambria Math" panose="02040503050406030204" pitchFamily="18" charset="0"/>
+                                  </a:rPr>
+                                </m:ctrlPr>
+                              </m:sSubPr>
+                              <m:e>
+                                <m:r>
+                                  <a:rPr lang="en-US" i="1">
+                                    <a:latin typeface="Cambria Math" panose="02040503050406030204" pitchFamily="18" charset="0"/>
+                                  </a:rPr>
+                                  <m:t>𝜉</m:t>
+                                </m:r>
+                              </m:e>
+                              <m:sub>
+                                <m:r>
+                                  <a:rPr lang="en-US" i="1">
+                                    <a:latin typeface="Cambria Math" panose="02040503050406030204" pitchFamily="18" charset="0"/>
+                                  </a:rPr>
+                                  <m:t>6</m:t>
+                                </m:r>
+                                <m:d>
+                                  <m:dPr>
+                                    <m:ctrlPr>
+                                      <a:rPr lang="en-US" i="1">
+                                        <a:latin typeface="Cambria Math" panose="02040503050406030204" pitchFamily="18" charset="0"/>
+                                      </a:rPr>
+                                    </m:ctrlPr>
+                                  </m:dPr>
+                                  <m:e>
+                                    <m:r>
+                                      <a:rPr lang="en-US" b="0" i="1" smtClean="0">
+                                        <a:latin typeface="Cambria Math" panose="02040503050406030204" pitchFamily="18" charset="0"/>
+                                      </a:rPr>
+                                      <m:t>𝑖</m:t>
+                                    </m:r>
+                                    <m:r>
+                                      <a:rPr lang="en-US" i="1">
+                                        <a:latin typeface="Cambria Math" panose="02040503050406030204" pitchFamily="18" charset="0"/>
+                                      </a:rPr>
+                                      <m:t>−1</m:t>
+                                    </m:r>
+                                  </m:e>
+                                </m:d>
+                                <m:r>
+                                  <a:rPr lang="en-US" b="0" i="1" smtClean="0">
+                                    <a:latin typeface="Cambria Math" panose="02040503050406030204" pitchFamily="18" charset="0"/>
+                                  </a:rPr>
+                                  <m:t>+</m:t>
+                                </m:r>
+                                <m:r>
+                                  <a:rPr lang="en-US" b="0" i="1" smtClean="0">
+                                    <a:latin typeface="Cambria Math" panose="02040503050406030204" pitchFamily="18" charset="0"/>
+                                  </a:rPr>
+                                  <m:t>𝑗</m:t>
+                                </m:r>
+                              </m:sub>
+                            </m:sSub>
+                            <m:r>
+                              <m:rPr>
+                                <m:nor/>
+                              </m:rPr>
+                              <a:rPr lang="en-US" dirty="0"/>
+                              <m:t> </m:t>
+                            </m:r>
+                            <m:r>
+                              <a:rPr lang="en-US" i="1">
+                                <a:latin typeface="Cambria Math" panose="02040503050406030204" pitchFamily="18" charset="0"/>
+                              </a:rPr>
+                              <m:t>𝟙</m:t>
+                            </m:r>
+                            <m:d>
+                              <m:dPr>
+                                <m:ctrlPr>
+                                  <a:rPr lang="en-US" i="1">
+                                    <a:latin typeface="Cambria Math" panose="02040503050406030204" pitchFamily="18" charset="0"/>
+                                  </a:rPr>
+                                </m:ctrlPr>
+                              </m:dPr>
+                              <m:e>
+                                <m:r>
+                                  <a:rPr lang="en-US" i="1">
+                                    <a:latin typeface="Cambria Math" panose="02040503050406030204" pitchFamily="18" charset="0"/>
+                                  </a:rPr>
+                                  <m:t>𝐻𝑜𝑢</m:t>
+                                </m:r>
+                                <m:sSub>
+                                  <m:sSubPr>
+                                    <m:ctrlPr>
+                                      <a:rPr lang="en-US" i="1">
+                                        <a:latin typeface="Cambria Math" panose="02040503050406030204" pitchFamily="18" charset="0"/>
+                                      </a:rPr>
+                                    </m:ctrlPr>
+                                  </m:sSubPr>
+                                  <m:e>
+                                    <m:r>
+                                      <a:rPr lang="en-US" i="1">
+                                        <a:latin typeface="Cambria Math" panose="02040503050406030204" pitchFamily="18" charset="0"/>
+                                      </a:rPr>
+                                      <m:t>𝑟</m:t>
+                                    </m:r>
+                                  </m:e>
+                                  <m:sub>
+                                    <m:r>
+                                      <a:rPr lang="en-US" i="1">
+                                        <a:latin typeface="Cambria Math" panose="02040503050406030204" pitchFamily="18" charset="0"/>
+                                      </a:rPr>
+                                      <m:t>h</m:t>
+                                    </m:r>
+                                  </m:sub>
+                                </m:sSub>
+                                <m:r>
+                                  <a:rPr lang="en-US" i="1">
+                                    <a:latin typeface="Cambria Math" panose="02040503050406030204" pitchFamily="18" charset="0"/>
+                                  </a:rPr>
+                                  <m:t>=</m:t>
+                                </m:r>
+                                <m:r>
+                                  <a:rPr lang="en-US" i="1">
+                                    <a:latin typeface="Cambria Math" panose="02040503050406030204" pitchFamily="18" charset="0"/>
+                                  </a:rPr>
+                                  <m:t>𝑖</m:t>
+                                </m:r>
+                              </m:e>
+                            </m:d>
+                            <m:r>
+                              <m:rPr>
+                                <m:nor/>
+                              </m:rPr>
+                              <a:rPr lang="en-US" dirty="0"/>
+                              <m:t> </m:t>
+                            </m:r>
+                            <m:r>
+                              <a:rPr lang="en-US" i="1">
+                                <a:latin typeface="Cambria Math" panose="02040503050406030204" pitchFamily="18" charset="0"/>
+                              </a:rPr>
+                              <m:t>𝟙</m:t>
+                            </m:r>
+                            <m:d>
+                              <m:dPr>
+                                <m:ctrlPr>
+                                  <a:rPr lang="en-US" i="1">
+                                    <a:latin typeface="Cambria Math" panose="02040503050406030204" pitchFamily="18" charset="0"/>
+                                  </a:rPr>
+                                </m:ctrlPr>
+                              </m:dPr>
+                              <m:e>
+                                <m:r>
+                                  <a:rPr lang="en-US" i="1">
+                                    <a:latin typeface="Cambria Math" panose="02040503050406030204" pitchFamily="18" charset="0"/>
+                                  </a:rPr>
+                                  <m:t>𝐷𝑎</m:t>
+                                </m:r>
+                                <m:sSub>
+                                  <m:sSubPr>
+                                    <m:ctrlPr>
+                                      <a:rPr lang="en-US" i="1">
+                                        <a:latin typeface="Cambria Math" panose="02040503050406030204" pitchFamily="18" charset="0"/>
+                                      </a:rPr>
+                                    </m:ctrlPr>
+                                  </m:sSubPr>
+                                  <m:e>
+                                    <m:r>
+                                      <a:rPr lang="en-US" i="1">
+                                        <a:latin typeface="Cambria Math" panose="02040503050406030204" pitchFamily="18" charset="0"/>
+                                      </a:rPr>
+                                      <m:t>𝑦</m:t>
+                                    </m:r>
+                                  </m:e>
+                                  <m:sub>
+                                    <m:r>
+                                      <a:rPr lang="en-US" i="1">
+                                        <a:latin typeface="Cambria Math" panose="02040503050406030204" pitchFamily="18" charset="0"/>
+                                      </a:rPr>
+                                      <m:t>𝑑</m:t>
+                                    </m:r>
+                                  </m:sub>
+                                </m:sSub>
+                                <m:r>
+                                  <a:rPr lang="en-US" i="1">
+                                    <a:latin typeface="Cambria Math" panose="02040503050406030204" pitchFamily="18" charset="0"/>
+                                  </a:rPr>
+                                  <m:t>=</m:t>
+                                </m:r>
+                                <m:r>
+                                  <a:rPr lang="en-US" i="1">
+                                    <a:latin typeface="Cambria Math" panose="02040503050406030204" pitchFamily="18" charset="0"/>
+                                  </a:rPr>
+                                  <m:t>𝑗</m:t>
+                                </m:r>
+                              </m:e>
+                            </m:d>
+                          </m:e>
+                        </m:nary>
+                      </m:e>
+                    </m:nary>
+                    <m:r>
+                      <a:rPr lang="en-US" b="0" i="1" smtClean="0">
+                        <a:latin typeface="Cambria Math" panose="02040503050406030204" pitchFamily="18" charset="0"/>
+                      </a:rPr>
+                      <m:t>+</m:t>
+                    </m:r>
+                    <m:nary>
+                      <m:naryPr>
+                        <m:chr m:val="∑"/>
+                        <m:limLoc m:val="subSup"/>
+                        <m:ctrlPr>
+                          <a:rPr lang="en-US" i="1">
+                            <a:latin typeface="Cambria Math" panose="02040503050406030204" pitchFamily="18" charset="0"/>
+                          </a:rPr>
+                        </m:ctrlPr>
+                      </m:naryPr>
+                      <m:sub>
+                        <m:r>
+                          <m:rPr>
+                            <m:brk m:alnAt="25"/>
+                          </m:rPr>
+                          <a:rPr lang="en-US" i="1">
+                            <a:latin typeface="Cambria Math" panose="02040503050406030204" pitchFamily="18" charset="0"/>
+                          </a:rPr>
+                          <m:t>𝑖</m:t>
+                        </m:r>
+                        <m:r>
+                          <a:rPr lang="en-US" i="1">
+                            <a:latin typeface="Cambria Math" panose="02040503050406030204" pitchFamily="18" charset="0"/>
+                          </a:rPr>
+                          <m:t>=1</m:t>
+                        </m:r>
+                      </m:sub>
+                      <m:sup>
+                        <m:r>
+                          <a:rPr lang="en-US" i="1">
+                            <a:latin typeface="Cambria Math" panose="02040503050406030204" pitchFamily="18" charset="0"/>
+                          </a:rPr>
+                          <m:t>24</m:t>
+                        </m:r>
+                      </m:sup>
+                      <m:e>
+                        <m:sSub>
+                          <m:sSubPr>
+                            <m:ctrlPr>
+                              <a:rPr lang="en-US" i="1">
+                                <a:latin typeface="Cambria Math" panose="02040503050406030204" pitchFamily="18" charset="0"/>
+                              </a:rPr>
+                            </m:ctrlPr>
+                          </m:sSubPr>
+                          <m:e>
+                            <m:r>
+                              <a:rPr lang="en-US" i="1">
+                                <a:latin typeface="Cambria Math" panose="02040503050406030204" pitchFamily="18" charset="0"/>
+                              </a:rPr>
+                              <m:t>𝜓</m:t>
+                            </m:r>
+                          </m:e>
+                          <m:sub>
+                            <m:r>
+                              <m:rPr>
+                                <m:sty m:val="p"/>
+                              </m:rPr>
+                              <a:rPr lang="en-US">
+                                <a:latin typeface="Cambria Math" panose="02040503050406030204" pitchFamily="18" charset="0"/>
+                              </a:rPr>
+                              <m:t>i</m:t>
+                            </m:r>
+                          </m:sub>
+                        </m:sSub>
+                        <m:d>
+                          <m:dPr>
+                            <m:ctrlPr>
+                              <a:rPr lang="en-US" i="1">
+                                <a:latin typeface="Cambria Math" panose="02040503050406030204" pitchFamily="18" charset="0"/>
+                              </a:rPr>
+                            </m:ctrlPr>
+                          </m:dPr>
+                          <m:e>
+                            <m:sSub>
+                              <m:sSubPr>
+                                <m:ctrlPr>
+                                  <a:rPr lang="en-US" i="1">
+                                    <a:latin typeface="Cambria Math" panose="02040503050406030204" pitchFamily="18" charset="0"/>
+                                  </a:rPr>
+                                </m:ctrlPr>
+                              </m:sSubPr>
+                              <m:e>
+                                <m:r>
+                                  <a:rPr lang="en-US" i="1">
+                                    <a:latin typeface="Cambria Math" panose="02040503050406030204" pitchFamily="18" charset="0"/>
+                                  </a:rPr>
+                                  <m:t>𝑌</m:t>
+                                </m:r>
+                              </m:e>
+                              <m:sub>
+                                <m:r>
+                                  <a:rPr lang="en-US" i="1">
+                                    <a:latin typeface="Cambria Math" panose="02040503050406030204" pitchFamily="18" charset="0"/>
+                                  </a:rPr>
+                                  <m:t>h𝑑𝑚𝑦</m:t>
+                                </m:r>
+                              </m:sub>
+                            </m:sSub>
+                            <m:r>
+                              <a:rPr lang="en-US" i="1">
+                                <a:latin typeface="Cambria Math" panose="02040503050406030204" pitchFamily="18" charset="0"/>
+                              </a:rPr>
+                              <m:t>−</m:t>
+                            </m:r>
+                            <m:sSub>
+                              <m:sSubPr>
+                                <m:ctrlPr>
+                                  <a:rPr lang="en-US" i="1">
+                                    <a:latin typeface="Cambria Math" panose="02040503050406030204" pitchFamily="18" charset="0"/>
+                                  </a:rPr>
+                                </m:ctrlPr>
+                              </m:sSubPr>
+                              <m:e>
+                                <m:r>
+                                  <a:rPr lang="en-US" i="1">
+                                    <a:latin typeface="Cambria Math" panose="02040503050406030204" pitchFamily="18" charset="0"/>
+                                  </a:rPr>
+                                  <m:t>𝑌</m:t>
+                                </m:r>
+                              </m:e>
+                              <m:sub>
+                                <m:d>
+                                  <m:dPr>
+                                    <m:ctrlPr>
+                                      <a:rPr lang="en-US" i="1">
+                                        <a:latin typeface="Cambria Math" panose="02040503050406030204" pitchFamily="18" charset="0"/>
+                                      </a:rPr>
+                                    </m:ctrlPr>
+                                  </m:dPr>
+                                  <m:e>
+                                    <m:r>
+                                      <a:rPr lang="en-US" i="1">
+                                        <a:latin typeface="Cambria Math" panose="02040503050406030204" pitchFamily="18" charset="0"/>
+                                      </a:rPr>
+                                      <m:t>h</m:t>
+                                    </m:r>
+                                    <m:r>
+                                      <a:rPr lang="en-US" i="1">
+                                        <a:latin typeface="Cambria Math" panose="02040503050406030204" pitchFamily="18" charset="0"/>
+                                      </a:rPr>
+                                      <m:t>−</m:t>
+                                    </m:r>
+                                    <m:r>
+                                      <a:rPr lang="en-US" i="1">
+                                        <a:latin typeface="Cambria Math" panose="02040503050406030204" pitchFamily="18" charset="0"/>
+                                      </a:rPr>
+                                      <m:t>𝑖</m:t>
+                                    </m:r>
+                                  </m:e>
+                                </m:d>
+                                <m:r>
+                                  <a:rPr lang="en-US" i="1">
+                                    <a:latin typeface="Cambria Math" panose="02040503050406030204" pitchFamily="18" charset="0"/>
+                                  </a:rPr>
+                                  <m:t>𝑑𝑚𝑦</m:t>
+                                </m:r>
+                              </m:sub>
+                            </m:sSub>
+                          </m:e>
+                        </m:d>
+                      </m:e>
+                    </m:nary>
+                    <m:r>
+                      <a:rPr lang="en-US" i="1">
+                        <a:latin typeface="Cambria Math" panose="02040503050406030204" pitchFamily="18" charset="0"/>
+                      </a:rPr>
+                      <m:t>+</m:t>
+                    </m:r>
+                    <m:sSub>
+                      <m:sSubPr>
+                        <m:ctrlPr>
+                          <a:rPr lang="en-US" i="1">
+                            <a:latin typeface="Cambria Math" panose="02040503050406030204" pitchFamily="18" charset="0"/>
+                          </a:rPr>
+                        </m:ctrlPr>
+                      </m:sSubPr>
+                      <m:e>
+                        <m:r>
+                          <a:rPr lang="en-US" i="1">
+                            <a:latin typeface="Cambria Math" panose="02040503050406030204" pitchFamily="18" charset="0"/>
+                          </a:rPr>
+                          <m:t>𝜖</m:t>
+                        </m:r>
+                      </m:e>
+                      <m:sub>
+                        <m:r>
+                          <a:rPr lang="en-US" i="1">
+                            <a:latin typeface="Cambria Math" panose="02040503050406030204" pitchFamily="18" charset="0"/>
+                          </a:rPr>
+                          <m:t>h𝑑𝑚𝑦</m:t>
+                        </m:r>
+                      </m:sub>
+                    </m:sSub>
+                    <m:r>
+                      <a:rPr lang="en-US" i="1">
+                        <a:latin typeface="Cambria Math" panose="02040503050406030204" pitchFamily="18" charset="0"/>
+                      </a:rPr>
+                      <m:t>}</m:t>
+                    </m:r>
+                  </m:oMath>
+                </a14:m>
+                <a:endParaRPr lang="en-US" b="0" dirty="0"/>
+              </a:p>
+            </p:txBody>
+          </p:sp>
+        </mc:Choice>
+        <mc:Fallback>
+          <p:sp>
+            <p:nvSpPr>
+              <p:cNvPr id="3" name="Subtitle 2">
+                <a:extLst>
+                  <a:ext uri="{FF2B5EF4-FFF2-40B4-BE49-F238E27FC236}">
+                    <a16:creationId xmlns:a16="http://schemas.microsoft.com/office/drawing/2014/main" id="{D9DE4C28-59E7-E7D3-4B20-4FD0304518B7}"/>
+                  </a:ext>
+                </a:extLst>
+              </p:cNvPr>
+              <p:cNvSpPr>
+                <a:spLocks noGrp="1" noRot="1" noChangeAspect="1" noMove="1" noResize="1" noEditPoints="1" noAdjustHandles="1" noChangeArrowheads="1" noChangeShapeType="1" noTextEdit="1"/>
+              </p:cNvSpPr>
+              <p:nvPr>
+                <p:ph type="subTitle" idx="1"/>
+              </p:nvPr>
+            </p:nvSpPr>
+            <p:spPr>
+              <a:xfrm>
+                <a:off x="922712" y="2019438"/>
+                <a:ext cx="10598727" cy="4065477"/>
+              </a:xfrm>
+              <a:blipFill>
+                <a:blip r:embed="rId3"/>
+                <a:stretch>
+                  <a:fillRect/>
+                </a:stretch>
+              </a:blipFill>
+            </p:spPr>
+            <p:txBody>
+              <a:bodyPr/>
+              <a:lstStyle/>
+              <a:p>
+                <a:r>
+                  <a:rPr lang="en-US">
+                    <a:noFill/>
+                  </a:rPr>
+                  <a:t> </a:t>
+                </a:r>
+              </a:p>
+            </p:txBody>
+          </p:sp>
+        </mc:Fallback>
+      </mc:AlternateContent>
       <p:sp>
         <p:nvSpPr>
           <p:cNvPr id="4" name="TextBox 3">
@@ -4323,7 +6493,7 @@
     </p:spTree>
     <p:extLst>
       <p:ext uri="{BB962C8B-B14F-4D97-AF65-F5344CB8AC3E}">
-        <p14:creationId xmlns:p14="http://schemas.microsoft.com/office/powerpoint/2010/main" val="275691449"/>
+        <p14:creationId xmlns:p14="http://schemas.microsoft.com/office/powerpoint/2010/main" val="4233201861"/>
       </p:ext>
     </p:extLst>
   </p:cSld>
@@ -4366,6 +6536,7023 @@
             <p:ph type="ctrTitle"/>
           </p:nvPr>
         </p:nvSpPr>
+        <p:spPr>
+          <a:xfrm>
+            <a:off x="1174865" y="0"/>
+            <a:ext cx="10005753" cy="1831908"/>
+          </a:xfrm>
+        </p:spPr>
+        <p:txBody>
+          <a:bodyPr>
+            <a:normAutofit/>
+          </a:bodyPr>
+          <a:lstStyle/>
+          <a:p>
+            <a:r>
+              <a:rPr lang="en-US" sz="3600" dirty="0"/>
+              <a:t>Bayesian Autoregressive Zero-Inflated Poisson Regression</a:t>
+            </a:r>
+          </a:p>
+        </p:txBody>
+      </p:sp>
+      <mc:AlternateContent xmlns:mc="http://schemas.openxmlformats.org/markup-compatibility/2006">
+        <mc:Choice xmlns:a14="http://schemas.microsoft.com/office/drawing/2010/main" Requires="a14">
+          <p:sp>
+            <p:nvSpPr>
+              <p:cNvPr id="3" name="Subtitle 2">
+                <a:extLst>
+                  <a:ext uri="{FF2B5EF4-FFF2-40B4-BE49-F238E27FC236}">
+                    <a16:creationId xmlns:a16="http://schemas.microsoft.com/office/drawing/2014/main" id="{D9DE4C28-59E7-E7D3-4B20-4FD0304518B7}"/>
+                  </a:ext>
+                </a:extLst>
+              </p:cNvPr>
+              <p:cNvSpPr>
+                <a:spLocks noGrp="1"/>
+              </p:cNvSpPr>
+              <p:nvPr>
+                <p:ph type="subTitle" idx="1"/>
+              </p:nvPr>
+            </p:nvSpPr>
+            <p:spPr>
+              <a:xfrm>
+                <a:off x="922712" y="2019438"/>
+                <a:ext cx="10598727" cy="4065477"/>
+              </a:xfrm>
+            </p:spPr>
+            <p:txBody>
+              <a:bodyPr>
+                <a:normAutofit/>
+              </a:bodyPr>
+              <a:lstStyle/>
+              <a:p>
+                <a:pPr/>
+                <a14:m>
+                  <m:oMathPara xmlns:m="http://schemas.openxmlformats.org/officeDocument/2006/math">
+                    <m:oMathParaPr>
+                      <m:jc m:val="centerGroup"/>
+                    </m:oMathParaPr>
+                    <m:oMath xmlns:m="http://schemas.openxmlformats.org/officeDocument/2006/math">
+                      <m:sSub>
+                        <m:sSubPr>
+                          <m:ctrlPr>
+                            <a:rPr lang="en-US" b="0" i="1" smtClean="0">
+                              <a:latin typeface="Cambria Math" panose="02040503050406030204" pitchFamily="18" charset="0"/>
+                            </a:rPr>
+                          </m:ctrlPr>
+                        </m:sSubPr>
+                        <m:e>
+                          <m:r>
+                            <a:rPr lang="en-US" b="0" i="1" smtClean="0">
+                              <a:latin typeface="Cambria Math" panose="02040503050406030204" pitchFamily="18" charset="0"/>
+                            </a:rPr>
+                            <m:t>𝑌</m:t>
+                          </m:r>
+                        </m:e>
+                        <m:sub>
+                          <m:r>
+                            <a:rPr lang="en-US" b="0" i="1" smtClean="0">
+                              <a:latin typeface="Cambria Math" panose="02040503050406030204" pitchFamily="18" charset="0"/>
+                            </a:rPr>
+                            <m:t>h𝑑𝑚𝑦</m:t>
+                          </m:r>
+                        </m:sub>
+                      </m:sSub>
+                      <m:r>
+                        <a:rPr lang="en-US" b="0" i="1" smtClean="0">
+                          <a:latin typeface="Cambria Math" panose="02040503050406030204" pitchFamily="18" charset="0"/>
+                        </a:rPr>
+                        <m:t>~</m:t>
+                      </m:r>
+                      <m:r>
+                        <a:rPr lang="en-US" b="0" i="1" smtClean="0">
+                          <a:latin typeface="Cambria Math" panose="02040503050406030204" pitchFamily="18" charset="0"/>
+                        </a:rPr>
+                        <m:t>𝑍𝐼𝑃</m:t>
+                      </m:r>
+                      <m:d>
+                        <m:dPr>
+                          <m:ctrlPr>
+                            <a:rPr lang="en-US" b="0" i="1" smtClean="0">
+                              <a:latin typeface="Cambria Math" panose="02040503050406030204" pitchFamily="18" charset="0"/>
+                            </a:rPr>
+                          </m:ctrlPr>
+                        </m:dPr>
+                        <m:e>
+                          <m:sSub>
+                            <m:sSubPr>
+                              <m:ctrlPr>
+                                <a:rPr lang="en-US" b="0" i="1" smtClean="0">
+                                  <a:latin typeface="Cambria Math" panose="02040503050406030204" pitchFamily="18" charset="0"/>
+                                </a:rPr>
+                              </m:ctrlPr>
+                            </m:sSubPr>
+                            <m:e>
+                              <m:r>
+                                <a:rPr lang="en-US" b="0" i="1" smtClean="0">
+                                  <a:latin typeface="Cambria Math" panose="02040503050406030204" pitchFamily="18" charset="0"/>
+                                </a:rPr>
+                                <m:t>𝜆</m:t>
+                              </m:r>
+                            </m:e>
+                            <m:sub>
+                              <m:r>
+                                <a:rPr lang="en-US" b="0" i="1" smtClean="0">
+                                  <a:latin typeface="Cambria Math" panose="02040503050406030204" pitchFamily="18" charset="0"/>
+                                </a:rPr>
+                                <m:t>h𝑑𝑚𝑦</m:t>
+                              </m:r>
+                            </m:sub>
+                          </m:sSub>
+                          <m:r>
+                            <a:rPr lang="en-US" b="0" i="1" smtClean="0">
+                              <a:latin typeface="Cambria Math" panose="02040503050406030204" pitchFamily="18" charset="0"/>
+                            </a:rPr>
+                            <m:t>,</m:t>
+                          </m:r>
+                          <m:r>
+                            <a:rPr lang="en-US" b="0" i="1" smtClean="0">
+                              <a:latin typeface="Cambria Math" panose="02040503050406030204" pitchFamily="18" charset="0"/>
+                            </a:rPr>
+                            <m:t>𝜋</m:t>
+                          </m:r>
+                        </m:e>
+                      </m:d>
+                    </m:oMath>
+                  </m:oMathPara>
+                </a14:m>
+                <a:endParaRPr lang="en-US" b="0" dirty="0"/>
+              </a:p>
+              <a:p>
+                <a:pPr>
+                  <a:lnSpc>
+                    <a:spcPct val="150000"/>
+                  </a:lnSpc>
+                </a:pPr>
+                <a14:m>
+                  <m:oMath xmlns:m="http://schemas.openxmlformats.org/officeDocument/2006/math">
+                    <m:sSub>
+                      <m:sSubPr>
+                        <m:ctrlPr>
+                          <a:rPr lang="en-US" b="0" i="1" smtClean="0">
+                            <a:latin typeface="Cambria Math" panose="02040503050406030204" pitchFamily="18" charset="0"/>
+                          </a:rPr>
+                        </m:ctrlPr>
+                      </m:sSubPr>
+                      <m:e>
+                        <m:r>
+                          <a:rPr lang="en-US" b="0" i="1" smtClean="0">
+                            <a:latin typeface="Cambria Math" panose="02040503050406030204" pitchFamily="18" charset="0"/>
+                          </a:rPr>
+                          <m:t>𝜆</m:t>
+                        </m:r>
+                      </m:e>
+                      <m:sub>
+                        <m:r>
+                          <a:rPr lang="en-US" b="0" i="1" smtClean="0">
+                            <a:highlight>
+                              <a:srgbClr val="FFFF00"/>
+                            </a:highlight>
+                            <a:latin typeface="Cambria Math" panose="02040503050406030204" pitchFamily="18" charset="0"/>
+                          </a:rPr>
+                          <m:t>h𝑑𝑚𝑦</m:t>
+                        </m:r>
+                        <m:r>
+                          <a:rPr lang="en-US" b="0" i="1" smtClean="0">
+                            <a:highlight>
+                              <a:srgbClr val="FFFF00"/>
+                            </a:highlight>
+                            <a:latin typeface="Cambria Math" panose="02040503050406030204" pitchFamily="18" charset="0"/>
+                          </a:rPr>
+                          <m:t> </m:t>
+                        </m:r>
+                      </m:sub>
+                    </m:sSub>
+                    <m:r>
+                      <a:rPr lang="en-US" b="0" i="1" smtClean="0">
+                        <a:latin typeface="Cambria Math" panose="02040503050406030204" pitchFamily="18" charset="0"/>
+                      </a:rPr>
+                      <m:t>=</m:t>
+                    </m:r>
+                    <m:r>
+                      <a:rPr lang="en-US" b="0" i="0" smtClean="0">
+                        <a:latin typeface="Cambria Math" panose="02040503050406030204" pitchFamily="18" charset="0"/>
+                      </a:rPr>
+                      <m:t> </m:t>
+                    </m:r>
+                    <m:r>
+                      <m:rPr>
+                        <m:sty m:val="p"/>
+                      </m:rPr>
+                      <a:rPr lang="en-US" b="0" i="0" smtClean="0">
+                        <a:latin typeface="Cambria Math" panose="02040503050406030204" pitchFamily="18" charset="0"/>
+                      </a:rPr>
+                      <m:t>exp</m:t>
+                    </m:r>
+                    <m:r>
+                      <a:rPr lang="en-US" b="0" i="1" smtClean="0">
+                        <a:latin typeface="Cambria Math" panose="02040503050406030204" pitchFamily="18" charset="0"/>
+                      </a:rPr>
+                      <m:t>⁡{</m:t>
+                    </m:r>
+                    <m:sSub>
+                      <m:sSubPr>
+                        <m:ctrlPr>
+                          <a:rPr lang="en-US" b="0" i="1" smtClean="0">
+                            <a:latin typeface="Cambria Math" panose="02040503050406030204" pitchFamily="18" charset="0"/>
+                          </a:rPr>
+                        </m:ctrlPr>
+                      </m:sSubPr>
+                      <m:e>
+                        <m:r>
+                          <a:rPr lang="en-US" b="0" i="1" smtClean="0">
+                            <a:latin typeface="Cambria Math" panose="02040503050406030204" pitchFamily="18" charset="0"/>
+                          </a:rPr>
+                          <m:t>𝛽</m:t>
+                        </m:r>
+                      </m:e>
+                      <m:sub>
+                        <m:r>
+                          <a:rPr lang="en-US" b="0" i="1" smtClean="0">
+                            <a:latin typeface="Cambria Math" panose="02040503050406030204" pitchFamily="18" charset="0"/>
+                          </a:rPr>
+                          <m:t>0</m:t>
+                        </m:r>
+                      </m:sub>
+                    </m:sSub>
+                    <m:r>
+                      <a:rPr lang="en-US" b="0" i="1" smtClean="0">
+                        <a:latin typeface="Cambria Math" panose="02040503050406030204" pitchFamily="18" charset="0"/>
+                      </a:rPr>
+                      <m:t>+</m:t>
+                    </m:r>
+                    <m:sSub>
+                      <m:sSubPr>
+                        <m:ctrlPr>
+                          <a:rPr lang="en-US" b="0" i="1" smtClean="0">
+                            <a:latin typeface="Cambria Math" panose="02040503050406030204" pitchFamily="18" charset="0"/>
+                          </a:rPr>
+                        </m:ctrlPr>
+                      </m:sSubPr>
+                      <m:e>
+                        <m:r>
+                          <a:rPr lang="en-US" b="0" i="1" smtClean="0">
+                            <a:latin typeface="Cambria Math" panose="02040503050406030204" pitchFamily="18" charset="0"/>
+                          </a:rPr>
+                          <m:t>𝛽</m:t>
+                        </m:r>
+                      </m:e>
+                      <m:sub>
+                        <m:r>
+                          <a:rPr lang="en-US" b="0" i="1" smtClean="0">
+                            <a:latin typeface="Cambria Math" panose="02040503050406030204" pitchFamily="18" charset="0"/>
+                          </a:rPr>
+                          <m:t>1</m:t>
+                        </m:r>
+                      </m:sub>
+                    </m:sSub>
+                    <m:r>
+                      <a:rPr lang="en-US" b="0" i="1" smtClean="0">
+                        <a:latin typeface="Cambria Math" panose="02040503050406030204" pitchFamily="18" charset="0"/>
+                      </a:rPr>
+                      <m:t>𝐹𝑢𝑙𝑙𝑀𝑜𝑜</m:t>
+                    </m:r>
+                    <m:sSub>
+                      <m:sSubPr>
+                        <m:ctrlPr>
+                          <a:rPr lang="en-US" b="0" i="1" smtClean="0">
+                            <a:latin typeface="Cambria Math" panose="02040503050406030204" pitchFamily="18" charset="0"/>
+                          </a:rPr>
+                        </m:ctrlPr>
+                      </m:sSubPr>
+                      <m:e>
+                        <m:r>
+                          <a:rPr lang="en-US" b="0" i="1" smtClean="0">
+                            <a:latin typeface="Cambria Math" panose="02040503050406030204" pitchFamily="18" charset="0"/>
+                          </a:rPr>
+                          <m:t>𝑛</m:t>
+                        </m:r>
+                      </m:e>
+                      <m:sub>
+                        <m:r>
+                          <a:rPr lang="en-US" b="0" i="1" smtClean="0">
+                            <a:latin typeface="Cambria Math" panose="02040503050406030204" pitchFamily="18" charset="0"/>
+                          </a:rPr>
+                          <m:t>𝑑𝑚𝑦</m:t>
+                        </m:r>
+                      </m:sub>
+                    </m:sSub>
+                    <m:r>
+                      <a:rPr lang="en-US" b="0" i="1" smtClean="0">
+                        <a:latin typeface="Cambria Math" panose="02040503050406030204" pitchFamily="18" charset="0"/>
+                      </a:rPr>
+                      <m:t>+</m:t>
+                    </m:r>
+                    <m:sSub>
+                      <m:sSubPr>
+                        <m:ctrlPr>
+                          <a:rPr lang="en-US" b="0" i="1" smtClean="0">
+                            <a:latin typeface="Cambria Math" panose="02040503050406030204" pitchFamily="18" charset="0"/>
+                          </a:rPr>
+                        </m:ctrlPr>
+                      </m:sSubPr>
+                      <m:e>
+                        <m:r>
+                          <a:rPr lang="en-US" b="0" i="1" smtClean="0">
+                            <a:latin typeface="Cambria Math" panose="02040503050406030204" pitchFamily="18" charset="0"/>
+                          </a:rPr>
+                          <m:t>𝛽</m:t>
+                        </m:r>
+                      </m:e>
+                      <m:sub>
+                        <m:r>
+                          <a:rPr lang="en-US" b="0" i="1" smtClean="0">
+                            <a:latin typeface="Cambria Math" panose="02040503050406030204" pitchFamily="18" charset="0"/>
+                          </a:rPr>
+                          <m:t>2</m:t>
+                        </m:r>
+                      </m:sub>
+                    </m:sSub>
+                    <m:r>
+                      <a:rPr lang="en-US" b="0" i="1" smtClean="0">
+                        <a:latin typeface="Cambria Math" panose="02040503050406030204" pitchFamily="18" charset="0"/>
+                      </a:rPr>
+                      <m:t>𝑈𝑛𝑒𝑚𝑝𝑙𝑜𝑦𝑚𝑒𝑛</m:t>
+                    </m:r>
+                    <m:sSub>
+                      <m:sSubPr>
+                        <m:ctrlPr>
+                          <a:rPr lang="en-US" b="0" i="1" smtClean="0">
+                            <a:latin typeface="Cambria Math" panose="02040503050406030204" pitchFamily="18" charset="0"/>
+                          </a:rPr>
+                        </m:ctrlPr>
+                      </m:sSubPr>
+                      <m:e>
+                        <m:r>
+                          <a:rPr lang="en-US" b="0" i="1" smtClean="0">
+                            <a:latin typeface="Cambria Math" panose="02040503050406030204" pitchFamily="18" charset="0"/>
+                          </a:rPr>
+                          <m:t>𝑡</m:t>
+                        </m:r>
+                      </m:e>
+                      <m:sub>
+                        <m:r>
+                          <a:rPr lang="en-US" b="0" i="1" smtClean="0">
+                            <a:latin typeface="Cambria Math" panose="02040503050406030204" pitchFamily="18" charset="0"/>
+                          </a:rPr>
+                          <m:t>𝑚𝑦</m:t>
+                        </m:r>
+                      </m:sub>
+                    </m:sSub>
+                    <m:r>
+                      <a:rPr lang="en-US" b="0" i="1" smtClean="0">
+                        <a:latin typeface="Cambria Math" panose="02040503050406030204" pitchFamily="18" charset="0"/>
+                      </a:rPr>
+                      <m:t>+</m:t>
+                    </m:r>
+                    <m:sSub>
+                      <m:sSubPr>
+                        <m:ctrlPr>
+                          <a:rPr lang="en-US" b="0" i="1" smtClean="0">
+                            <a:latin typeface="Cambria Math" panose="02040503050406030204" pitchFamily="18" charset="0"/>
+                          </a:rPr>
+                        </m:ctrlPr>
+                      </m:sSubPr>
+                      <m:e>
+                        <m:r>
+                          <a:rPr lang="en-US" b="0" i="1" smtClean="0">
+                            <a:latin typeface="Cambria Math" panose="02040503050406030204" pitchFamily="18" charset="0"/>
+                          </a:rPr>
+                          <m:t>𝑋</m:t>
+                        </m:r>
+                      </m:e>
+                      <m:sub>
+                        <m:r>
+                          <a:rPr lang="en-US" b="0" i="1" smtClean="0">
+                            <a:latin typeface="Cambria Math" panose="02040503050406030204" pitchFamily="18" charset="0"/>
+                          </a:rPr>
+                          <m:t>h𝑑𝑚𝑦</m:t>
+                        </m:r>
+                      </m:sub>
+                    </m:sSub>
+                    <m:r>
+                      <m:rPr>
+                        <m:sty m:val="p"/>
+                      </m:rPr>
+                      <a:rPr lang="en-US" b="0" i="1" smtClean="0">
+                        <a:latin typeface="Cambria Math" panose="02040503050406030204" pitchFamily="18" charset="0"/>
+                      </a:rPr>
+                      <m:t>γ</m:t>
+                    </m:r>
+                    <m:r>
+                      <a:rPr lang="en-US" b="0" i="0" smtClean="0">
+                        <a:latin typeface="Cambria Math" panose="02040503050406030204" pitchFamily="18" charset="0"/>
+                      </a:rPr>
+                      <m:t>+</m:t>
+                    </m:r>
+                    <m:sSub>
+                      <m:sSubPr>
+                        <m:ctrlPr>
+                          <a:rPr lang="en-US" b="0" i="1" smtClean="0">
+                            <a:latin typeface="Cambria Math" panose="02040503050406030204" pitchFamily="18" charset="0"/>
+                          </a:rPr>
+                        </m:ctrlPr>
+                      </m:sSubPr>
+                      <m:e>
+                        <m:r>
+                          <m:rPr>
+                            <m:sty m:val="p"/>
+                          </m:rPr>
+                          <a:rPr lang="en-US" b="0" i="0" smtClean="0">
+                            <a:latin typeface="Cambria Math" panose="02040503050406030204" pitchFamily="18" charset="0"/>
+                          </a:rPr>
+                          <m:t>Weather</m:t>
+                        </m:r>
+                      </m:e>
+                      <m:sub>
+                        <m:r>
+                          <m:rPr>
+                            <m:sty m:val="p"/>
+                          </m:rPr>
+                          <a:rPr lang="en-US" b="0" i="0" smtClean="0">
+                            <a:latin typeface="Cambria Math" panose="02040503050406030204" pitchFamily="18" charset="0"/>
+                          </a:rPr>
+                          <m:t>hdmy</m:t>
+                        </m:r>
+                      </m:sub>
+                    </m:sSub>
+                    <m:r>
+                      <m:rPr>
+                        <m:sty m:val="p"/>
+                      </m:rPr>
+                      <a:rPr lang="en-US" b="0" i="1" smtClean="0">
+                        <a:latin typeface="Cambria Math" panose="02040503050406030204" pitchFamily="18" charset="0"/>
+                      </a:rPr>
+                      <m:t>Ω</m:t>
+                    </m:r>
+                    <m:r>
+                      <a:rPr lang="en-US" b="0" i="1" smtClean="0">
+                        <a:latin typeface="Cambria Math" panose="02040503050406030204" pitchFamily="18" charset="0"/>
+                      </a:rPr>
+                      <m:t>+</m:t>
+                    </m:r>
+                    <m:nary>
+                      <m:naryPr>
+                        <m:chr m:val="∑"/>
+                        <m:ctrlPr>
+                          <a:rPr lang="en-US" b="0" i="1" smtClean="0">
+                            <a:latin typeface="Cambria Math" panose="02040503050406030204" pitchFamily="18" charset="0"/>
+                          </a:rPr>
+                        </m:ctrlPr>
+                      </m:naryPr>
+                      <m:sub>
+                        <m:r>
+                          <m:rPr>
+                            <m:brk m:alnAt="23"/>
+                          </m:rPr>
+                          <a:rPr lang="en-US" b="0" i="1" smtClean="0">
+                            <a:latin typeface="Cambria Math" panose="02040503050406030204" pitchFamily="18" charset="0"/>
+                          </a:rPr>
+                          <m:t>𝑖</m:t>
+                        </m:r>
+                        <m:r>
+                          <a:rPr lang="en-US" b="0" i="1" smtClean="0">
+                            <a:latin typeface="Cambria Math" panose="02040503050406030204" pitchFamily="18" charset="0"/>
+                          </a:rPr>
+                          <m:t>=1</m:t>
+                        </m:r>
+                      </m:sub>
+                      <m:sup>
+                        <m:r>
+                          <a:rPr lang="en-US" b="0" i="1" smtClean="0">
+                            <a:latin typeface="Cambria Math" panose="02040503050406030204" pitchFamily="18" charset="0"/>
+                          </a:rPr>
+                          <m:t>23</m:t>
+                        </m:r>
+                      </m:sup>
+                      <m:e>
+                        <m:sSub>
+                          <m:sSubPr>
+                            <m:ctrlPr>
+                              <a:rPr lang="en-US" i="1">
+                                <a:latin typeface="Cambria Math" panose="02040503050406030204" pitchFamily="18" charset="0"/>
+                              </a:rPr>
+                            </m:ctrlPr>
+                          </m:sSubPr>
+                          <m:e>
+                            <m:r>
+                              <a:rPr lang="en-US" i="1">
+                                <a:latin typeface="Cambria Math" panose="02040503050406030204" pitchFamily="18" charset="0"/>
+                              </a:rPr>
+                              <m:t>𝜂</m:t>
+                            </m:r>
+                          </m:e>
+                          <m:sub>
+                            <m:r>
+                              <a:rPr lang="en-US" i="1">
+                                <a:latin typeface="Cambria Math" panose="02040503050406030204" pitchFamily="18" charset="0"/>
+                              </a:rPr>
+                              <m:t>𝑖</m:t>
+                            </m:r>
+                          </m:sub>
+                        </m:sSub>
+                        <m:r>
+                          <a:rPr lang="en-US" i="1">
+                            <a:latin typeface="Cambria Math" panose="02040503050406030204" pitchFamily="18" charset="0"/>
+                          </a:rPr>
+                          <m:t>𝟙</m:t>
+                        </m:r>
+                        <m:d>
+                          <m:dPr>
+                            <m:ctrlPr>
+                              <a:rPr lang="en-US" i="1">
+                                <a:latin typeface="Cambria Math" panose="02040503050406030204" pitchFamily="18" charset="0"/>
+                              </a:rPr>
+                            </m:ctrlPr>
+                          </m:dPr>
+                          <m:e>
+                            <m:r>
+                              <a:rPr lang="en-US" i="1">
+                                <a:latin typeface="Cambria Math" panose="02040503050406030204" pitchFamily="18" charset="0"/>
+                              </a:rPr>
+                              <m:t>𝐻𝑜𝑢</m:t>
+                            </m:r>
+                            <m:sSub>
+                              <m:sSubPr>
+                                <m:ctrlPr>
+                                  <a:rPr lang="en-US" i="1">
+                                    <a:latin typeface="Cambria Math" panose="02040503050406030204" pitchFamily="18" charset="0"/>
+                                  </a:rPr>
+                                </m:ctrlPr>
+                              </m:sSubPr>
+                              <m:e>
+                                <m:r>
+                                  <a:rPr lang="en-US" i="1">
+                                    <a:latin typeface="Cambria Math" panose="02040503050406030204" pitchFamily="18" charset="0"/>
+                                  </a:rPr>
+                                  <m:t>𝑟</m:t>
+                                </m:r>
+                              </m:e>
+                              <m:sub>
+                                <m:r>
+                                  <a:rPr lang="en-US" i="1">
+                                    <a:latin typeface="Cambria Math" panose="02040503050406030204" pitchFamily="18" charset="0"/>
+                                  </a:rPr>
+                                  <m:t>h</m:t>
+                                </m:r>
+                              </m:sub>
+                            </m:sSub>
+                            <m:r>
+                              <a:rPr lang="en-US" i="1">
+                                <a:latin typeface="Cambria Math" panose="02040503050406030204" pitchFamily="18" charset="0"/>
+                              </a:rPr>
+                              <m:t>=</m:t>
+                            </m:r>
+                            <m:r>
+                              <a:rPr lang="en-US" i="1">
+                                <a:latin typeface="Cambria Math" panose="02040503050406030204" pitchFamily="18" charset="0"/>
+                              </a:rPr>
+                              <m:t>𝑖</m:t>
+                            </m:r>
+                          </m:e>
+                        </m:d>
+                      </m:e>
+                    </m:nary>
+                    <m:r>
+                      <a:rPr lang="en-US" b="0" i="1" smtClean="0">
+                        <a:latin typeface="Cambria Math" panose="02040503050406030204" pitchFamily="18" charset="0"/>
+                      </a:rPr>
+                      <m:t>+</m:t>
+                    </m:r>
+                    <m:nary>
+                      <m:naryPr>
+                        <m:chr m:val="∑"/>
+                        <m:ctrlPr>
+                          <a:rPr lang="en-US" i="1" smtClean="0">
+                            <a:latin typeface="Cambria Math" panose="02040503050406030204" pitchFamily="18" charset="0"/>
+                          </a:rPr>
+                        </m:ctrlPr>
+                      </m:naryPr>
+                      <m:sub>
+                        <m:r>
+                          <m:rPr>
+                            <m:brk m:alnAt="23"/>
+                          </m:rPr>
+                          <a:rPr lang="en-US" i="1">
+                            <a:latin typeface="Cambria Math" panose="02040503050406030204" pitchFamily="18" charset="0"/>
+                          </a:rPr>
+                          <m:t>𝑖</m:t>
+                        </m:r>
+                        <m:r>
+                          <a:rPr lang="en-US" i="1">
+                            <a:latin typeface="Cambria Math" panose="02040503050406030204" pitchFamily="18" charset="0"/>
+                          </a:rPr>
+                          <m:t>=1</m:t>
+                        </m:r>
+                      </m:sub>
+                      <m:sup>
+                        <m:r>
+                          <a:rPr lang="en-US" b="0" i="1" smtClean="0">
+                            <a:latin typeface="Cambria Math" panose="02040503050406030204" pitchFamily="18" charset="0"/>
+                          </a:rPr>
+                          <m:t>6</m:t>
+                        </m:r>
+                      </m:sup>
+                      <m:e>
+                        <m:sSub>
+                          <m:sSubPr>
+                            <m:ctrlPr>
+                              <a:rPr lang="en-US" i="1">
+                                <a:latin typeface="Cambria Math" panose="02040503050406030204" pitchFamily="18" charset="0"/>
+                              </a:rPr>
+                            </m:ctrlPr>
+                          </m:sSubPr>
+                          <m:e>
+                            <m:r>
+                              <a:rPr lang="en-US" i="1">
+                                <a:latin typeface="Cambria Math" panose="02040503050406030204" pitchFamily="18" charset="0"/>
+                              </a:rPr>
+                              <m:t>𝛿</m:t>
+                            </m:r>
+                          </m:e>
+                          <m:sub>
+                            <m:r>
+                              <a:rPr lang="en-US" i="1">
+                                <a:latin typeface="Cambria Math" panose="02040503050406030204" pitchFamily="18" charset="0"/>
+                              </a:rPr>
+                              <m:t>𝑖</m:t>
+                            </m:r>
+                          </m:sub>
+                        </m:sSub>
+                        <m:r>
+                          <a:rPr lang="en-US" i="1">
+                            <a:latin typeface="Cambria Math" panose="02040503050406030204" pitchFamily="18" charset="0"/>
+                          </a:rPr>
+                          <m:t>𝟙</m:t>
+                        </m:r>
+                        <m:d>
+                          <m:dPr>
+                            <m:ctrlPr>
+                              <a:rPr lang="en-US" i="1">
+                                <a:latin typeface="Cambria Math" panose="02040503050406030204" pitchFamily="18" charset="0"/>
+                              </a:rPr>
+                            </m:ctrlPr>
+                          </m:dPr>
+                          <m:e>
+                            <m:r>
+                              <a:rPr lang="en-US" i="1">
+                                <a:latin typeface="Cambria Math" panose="02040503050406030204" pitchFamily="18" charset="0"/>
+                              </a:rPr>
+                              <m:t>𝐷𝑎</m:t>
+                            </m:r>
+                            <m:sSub>
+                              <m:sSubPr>
+                                <m:ctrlPr>
+                                  <a:rPr lang="en-US" i="1">
+                                    <a:latin typeface="Cambria Math" panose="02040503050406030204" pitchFamily="18" charset="0"/>
+                                  </a:rPr>
+                                </m:ctrlPr>
+                              </m:sSubPr>
+                              <m:e>
+                                <m:r>
+                                  <a:rPr lang="en-US" i="1">
+                                    <a:latin typeface="Cambria Math" panose="02040503050406030204" pitchFamily="18" charset="0"/>
+                                  </a:rPr>
+                                  <m:t>𝑦</m:t>
+                                </m:r>
+                              </m:e>
+                              <m:sub>
+                                <m:r>
+                                  <a:rPr lang="en-US" i="1">
+                                    <a:latin typeface="Cambria Math" panose="02040503050406030204" pitchFamily="18" charset="0"/>
+                                  </a:rPr>
+                                  <m:t>𝑑</m:t>
+                                </m:r>
+                              </m:sub>
+                            </m:sSub>
+                            <m:r>
+                              <a:rPr lang="en-US" b="0" i="1" smtClean="0">
+                                <a:latin typeface="Cambria Math" panose="02040503050406030204" pitchFamily="18" charset="0"/>
+                              </a:rPr>
+                              <m:t>=</m:t>
+                            </m:r>
+                            <m:r>
+                              <a:rPr lang="en-US" b="0" i="1" smtClean="0">
+                                <a:latin typeface="Cambria Math" panose="02040503050406030204" pitchFamily="18" charset="0"/>
+                              </a:rPr>
+                              <m:t>𝑖</m:t>
+                            </m:r>
+                          </m:e>
+                        </m:d>
+                      </m:e>
+                    </m:nary>
+                    <m:r>
+                      <a:rPr lang="en-US" b="0" i="1" smtClean="0">
+                        <a:latin typeface="Cambria Math" panose="02040503050406030204" pitchFamily="18" charset="0"/>
+                      </a:rPr>
+                      <m:t>+</m:t>
+                    </m:r>
+                  </m:oMath>
+                </a14:m>
+                <a:r>
+                  <a:rPr lang="en-US" dirty="0"/>
+                  <a:t> </a:t>
+                </a:r>
+                <a14:m>
+                  <m:oMath xmlns:m="http://schemas.openxmlformats.org/officeDocument/2006/math">
+                    <m:nary>
+                      <m:naryPr>
+                        <m:chr m:val="∑"/>
+                        <m:ctrlPr>
+                          <a:rPr lang="en-US" i="1" smtClean="0">
+                            <a:latin typeface="Cambria Math" panose="02040503050406030204" pitchFamily="18" charset="0"/>
+                          </a:rPr>
+                        </m:ctrlPr>
+                      </m:naryPr>
+                      <m:sub>
+                        <m:r>
+                          <m:rPr>
+                            <m:brk m:alnAt="23"/>
+                          </m:rPr>
+                          <a:rPr lang="en-US" i="1">
+                            <a:latin typeface="Cambria Math" panose="02040503050406030204" pitchFamily="18" charset="0"/>
+                          </a:rPr>
+                          <m:t>𝑖</m:t>
+                        </m:r>
+                        <m:r>
+                          <a:rPr lang="en-US" i="1">
+                            <a:latin typeface="Cambria Math" panose="02040503050406030204" pitchFamily="18" charset="0"/>
+                          </a:rPr>
+                          <m:t>=1</m:t>
+                        </m:r>
+                      </m:sub>
+                      <m:sup>
+                        <m:r>
+                          <a:rPr lang="en-US" b="0" i="1" smtClean="0">
+                            <a:latin typeface="Cambria Math" panose="02040503050406030204" pitchFamily="18" charset="0"/>
+                          </a:rPr>
+                          <m:t>11</m:t>
+                        </m:r>
+                      </m:sup>
+                      <m:e>
+                        <m:sSub>
+                          <m:sSubPr>
+                            <m:ctrlPr>
+                              <a:rPr lang="en-US" i="1">
+                                <a:latin typeface="Cambria Math" panose="02040503050406030204" pitchFamily="18" charset="0"/>
+                              </a:rPr>
+                            </m:ctrlPr>
+                          </m:sSubPr>
+                          <m:e>
+                            <m:r>
+                              <a:rPr lang="en-US" i="1">
+                                <a:latin typeface="Cambria Math" panose="02040503050406030204" pitchFamily="18" charset="0"/>
+                              </a:rPr>
+                              <m:t>𝜇</m:t>
+                            </m:r>
+                          </m:e>
+                          <m:sub>
+                            <m:r>
+                              <a:rPr lang="en-US" i="1">
+                                <a:latin typeface="Cambria Math" panose="02040503050406030204" pitchFamily="18" charset="0"/>
+                              </a:rPr>
+                              <m:t>𝑖</m:t>
+                            </m:r>
+                          </m:sub>
+                        </m:sSub>
+                        <m:r>
+                          <a:rPr lang="en-US" i="1">
+                            <a:latin typeface="Cambria Math" panose="02040503050406030204" pitchFamily="18" charset="0"/>
+                          </a:rPr>
+                          <m:t>𝟙</m:t>
+                        </m:r>
+                        <m:d>
+                          <m:dPr>
+                            <m:ctrlPr>
+                              <a:rPr lang="en-US" i="1">
+                                <a:latin typeface="Cambria Math" panose="02040503050406030204" pitchFamily="18" charset="0"/>
+                              </a:rPr>
+                            </m:ctrlPr>
+                          </m:dPr>
+                          <m:e>
+                            <m:r>
+                              <a:rPr lang="en-US" i="1">
+                                <a:latin typeface="Cambria Math" panose="02040503050406030204" pitchFamily="18" charset="0"/>
+                              </a:rPr>
+                              <m:t>𝑀𝑜𝑛𝑡</m:t>
+                            </m:r>
+                            <m:sSub>
+                              <m:sSubPr>
+                                <m:ctrlPr>
+                                  <a:rPr lang="en-US" i="1">
+                                    <a:latin typeface="Cambria Math" panose="02040503050406030204" pitchFamily="18" charset="0"/>
+                                  </a:rPr>
+                                </m:ctrlPr>
+                              </m:sSubPr>
+                              <m:e>
+                                <m:r>
+                                  <a:rPr lang="en-US" i="1">
+                                    <a:latin typeface="Cambria Math" panose="02040503050406030204" pitchFamily="18" charset="0"/>
+                                  </a:rPr>
+                                  <m:t>h</m:t>
+                                </m:r>
+                              </m:e>
+                              <m:sub>
+                                <m:r>
+                                  <a:rPr lang="en-US" i="1">
+                                    <a:latin typeface="Cambria Math" panose="02040503050406030204" pitchFamily="18" charset="0"/>
+                                  </a:rPr>
+                                  <m:t>𝑚</m:t>
+                                </m:r>
+                              </m:sub>
+                            </m:sSub>
+                            <m:r>
+                              <a:rPr lang="en-US" i="1">
+                                <a:latin typeface="Cambria Math" panose="02040503050406030204" pitchFamily="18" charset="0"/>
+                              </a:rPr>
+                              <m:t>=</m:t>
+                            </m:r>
+                            <m:r>
+                              <a:rPr lang="en-US" i="1">
+                                <a:latin typeface="Cambria Math" panose="02040503050406030204" pitchFamily="18" charset="0"/>
+                              </a:rPr>
+                              <m:t>𝑖</m:t>
+                            </m:r>
+                          </m:e>
+                        </m:d>
+                        <m:r>
+                          <m:rPr>
+                            <m:nor/>
+                          </m:rPr>
+                          <a:rPr lang="en-US" dirty="0"/>
+                          <m:t> </m:t>
+                        </m:r>
+                      </m:e>
+                    </m:nary>
+                    <m:r>
+                      <a:rPr lang="en-US" b="0" i="1" smtClean="0">
+                        <a:latin typeface="Cambria Math" panose="02040503050406030204" pitchFamily="18" charset="0"/>
+                      </a:rPr>
+                      <m:t>+</m:t>
+                    </m:r>
+                    <m:nary>
+                      <m:naryPr>
+                        <m:chr m:val="∑"/>
+                        <m:ctrlPr>
+                          <a:rPr lang="en-US" b="0" i="1" smtClean="0">
+                            <a:latin typeface="Cambria Math" panose="02040503050406030204" pitchFamily="18" charset="0"/>
+                          </a:rPr>
+                        </m:ctrlPr>
+                      </m:naryPr>
+                      <m:sub>
+                        <m:r>
+                          <m:rPr>
+                            <m:brk m:alnAt="23"/>
+                          </m:rPr>
+                          <a:rPr lang="en-US" b="0" i="1" smtClean="0">
+                            <a:latin typeface="Cambria Math" panose="02040503050406030204" pitchFamily="18" charset="0"/>
+                          </a:rPr>
+                          <m:t>𝑖</m:t>
+                        </m:r>
+                        <m:r>
+                          <a:rPr lang="en-US" b="0" i="1" smtClean="0">
+                            <a:latin typeface="Cambria Math" panose="02040503050406030204" pitchFamily="18" charset="0"/>
+                          </a:rPr>
+                          <m:t>=1</m:t>
+                        </m:r>
+                      </m:sub>
+                      <m:sup>
+                        <m:r>
+                          <a:rPr lang="en-US" b="0" i="1" smtClean="0">
+                            <a:latin typeface="Cambria Math" panose="02040503050406030204" pitchFamily="18" charset="0"/>
+                          </a:rPr>
+                          <m:t>23</m:t>
+                        </m:r>
+                      </m:sup>
+                      <m:e>
+                        <m:nary>
+                          <m:naryPr>
+                            <m:chr m:val="∑"/>
+                            <m:ctrlPr>
+                              <a:rPr lang="en-US" b="0" i="1" smtClean="0">
+                                <a:latin typeface="Cambria Math" panose="02040503050406030204" pitchFamily="18" charset="0"/>
+                              </a:rPr>
+                            </m:ctrlPr>
+                          </m:naryPr>
+                          <m:sub>
+                            <m:r>
+                              <m:rPr>
+                                <m:brk m:alnAt="23"/>
+                              </m:rPr>
+                              <a:rPr lang="en-US" b="0" i="1" smtClean="0">
+                                <a:latin typeface="Cambria Math" panose="02040503050406030204" pitchFamily="18" charset="0"/>
+                              </a:rPr>
+                              <m:t>𝑗</m:t>
+                            </m:r>
+                            <m:r>
+                              <a:rPr lang="en-US" b="0" i="1" smtClean="0">
+                                <a:latin typeface="Cambria Math" panose="02040503050406030204" pitchFamily="18" charset="0"/>
+                              </a:rPr>
+                              <m:t>=1</m:t>
+                            </m:r>
+                          </m:sub>
+                          <m:sup>
+                            <m:r>
+                              <a:rPr lang="en-US" b="0" i="1" smtClean="0">
+                                <a:latin typeface="Cambria Math" panose="02040503050406030204" pitchFamily="18" charset="0"/>
+                              </a:rPr>
+                              <m:t>6</m:t>
+                            </m:r>
+                          </m:sup>
+                          <m:e>
+                            <m:sSub>
+                              <m:sSubPr>
+                                <m:ctrlPr>
+                                  <a:rPr lang="en-US" i="1">
+                                    <a:latin typeface="Cambria Math" panose="02040503050406030204" pitchFamily="18" charset="0"/>
+                                  </a:rPr>
+                                </m:ctrlPr>
+                              </m:sSubPr>
+                              <m:e>
+                                <m:r>
+                                  <a:rPr lang="en-US" i="1">
+                                    <a:latin typeface="Cambria Math" panose="02040503050406030204" pitchFamily="18" charset="0"/>
+                                  </a:rPr>
+                                  <m:t>𝜉</m:t>
+                                </m:r>
+                              </m:e>
+                              <m:sub>
+                                <m:r>
+                                  <a:rPr lang="en-US" i="1">
+                                    <a:latin typeface="Cambria Math" panose="02040503050406030204" pitchFamily="18" charset="0"/>
+                                  </a:rPr>
+                                  <m:t>6</m:t>
+                                </m:r>
+                                <m:d>
+                                  <m:dPr>
+                                    <m:ctrlPr>
+                                      <a:rPr lang="en-US" i="1">
+                                        <a:latin typeface="Cambria Math" panose="02040503050406030204" pitchFamily="18" charset="0"/>
+                                      </a:rPr>
+                                    </m:ctrlPr>
+                                  </m:dPr>
+                                  <m:e>
+                                    <m:r>
+                                      <a:rPr lang="en-US" b="0" i="1" smtClean="0">
+                                        <a:latin typeface="Cambria Math" panose="02040503050406030204" pitchFamily="18" charset="0"/>
+                                      </a:rPr>
+                                      <m:t>𝑖</m:t>
+                                    </m:r>
+                                    <m:r>
+                                      <a:rPr lang="en-US" i="1">
+                                        <a:latin typeface="Cambria Math" panose="02040503050406030204" pitchFamily="18" charset="0"/>
+                                      </a:rPr>
+                                      <m:t>−1</m:t>
+                                    </m:r>
+                                  </m:e>
+                                </m:d>
+                                <m:r>
+                                  <a:rPr lang="en-US" b="0" i="1" smtClean="0">
+                                    <a:latin typeface="Cambria Math" panose="02040503050406030204" pitchFamily="18" charset="0"/>
+                                  </a:rPr>
+                                  <m:t>+</m:t>
+                                </m:r>
+                                <m:r>
+                                  <a:rPr lang="en-US" b="0" i="1" smtClean="0">
+                                    <a:latin typeface="Cambria Math" panose="02040503050406030204" pitchFamily="18" charset="0"/>
+                                  </a:rPr>
+                                  <m:t>𝑗</m:t>
+                                </m:r>
+                              </m:sub>
+                            </m:sSub>
+                            <m:r>
+                              <m:rPr>
+                                <m:nor/>
+                              </m:rPr>
+                              <a:rPr lang="en-US" dirty="0"/>
+                              <m:t> </m:t>
+                            </m:r>
+                            <m:r>
+                              <a:rPr lang="en-US" i="1">
+                                <a:latin typeface="Cambria Math" panose="02040503050406030204" pitchFamily="18" charset="0"/>
+                              </a:rPr>
+                              <m:t>𝟙</m:t>
+                            </m:r>
+                            <m:d>
+                              <m:dPr>
+                                <m:ctrlPr>
+                                  <a:rPr lang="en-US" i="1">
+                                    <a:latin typeface="Cambria Math" panose="02040503050406030204" pitchFamily="18" charset="0"/>
+                                  </a:rPr>
+                                </m:ctrlPr>
+                              </m:dPr>
+                              <m:e>
+                                <m:r>
+                                  <a:rPr lang="en-US" i="1">
+                                    <a:latin typeface="Cambria Math" panose="02040503050406030204" pitchFamily="18" charset="0"/>
+                                  </a:rPr>
+                                  <m:t>𝐻𝑜𝑢</m:t>
+                                </m:r>
+                                <m:sSub>
+                                  <m:sSubPr>
+                                    <m:ctrlPr>
+                                      <a:rPr lang="en-US" i="1">
+                                        <a:latin typeface="Cambria Math" panose="02040503050406030204" pitchFamily="18" charset="0"/>
+                                      </a:rPr>
+                                    </m:ctrlPr>
+                                  </m:sSubPr>
+                                  <m:e>
+                                    <m:r>
+                                      <a:rPr lang="en-US" i="1">
+                                        <a:latin typeface="Cambria Math" panose="02040503050406030204" pitchFamily="18" charset="0"/>
+                                      </a:rPr>
+                                      <m:t>𝑟</m:t>
+                                    </m:r>
+                                  </m:e>
+                                  <m:sub>
+                                    <m:r>
+                                      <a:rPr lang="en-US" i="1">
+                                        <a:latin typeface="Cambria Math" panose="02040503050406030204" pitchFamily="18" charset="0"/>
+                                      </a:rPr>
+                                      <m:t>h</m:t>
+                                    </m:r>
+                                  </m:sub>
+                                </m:sSub>
+                                <m:r>
+                                  <a:rPr lang="en-US" i="1">
+                                    <a:latin typeface="Cambria Math" panose="02040503050406030204" pitchFamily="18" charset="0"/>
+                                  </a:rPr>
+                                  <m:t>=</m:t>
+                                </m:r>
+                                <m:r>
+                                  <a:rPr lang="en-US" i="1">
+                                    <a:latin typeface="Cambria Math" panose="02040503050406030204" pitchFamily="18" charset="0"/>
+                                  </a:rPr>
+                                  <m:t>𝑖</m:t>
+                                </m:r>
+                              </m:e>
+                            </m:d>
+                            <m:r>
+                              <m:rPr>
+                                <m:nor/>
+                              </m:rPr>
+                              <a:rPr lang="en-US" dirty="0"/>
+                              <m:t> </m:t>
+                            </m:r>
+                            <m:r>
+                              <a:rPr lang="en-US" i="1">
+                                <a:latin typeface="Cambria Math" panose="02040503050406030204" pitchFamily="18" charset="0"/>
+                              </a:rPr>
+                              <m:t>𝟙</m:t>
+                            </m:r>
+                            <m:d>
+                              <m:dPr>
+                                <m:ctrlPr>
+                                  <a:rPr lang="en-US" i="1">
+                                    <a:latin typeface="Cambria Math" panose="02040503050406030204" pitchFamily="18" charset="0"/>
+                                  </a:rPr>
+                                </m:ctrlPr>
+                              </m:dPr>
+                              <m:e>
+                                <m:r>
+                                  <a:rPr lang="en-US" i="1">
+                                    <a:latin typeface="Cambria Math" panose="02040503050406030204" pitchFamily="18" charset="0"/>
+                                  </a:rPr>
+                                  <m:t>𝐷𝑎</m:t>
+                                </m:r>
+                                <m:sSub>
+                                  <m:sSubPr>
+                                    <m:ctrlPr>
+                                      <a:rPr lang="en-US" i="1">
+                                        <a:latin typeface="Cambria Math" panose="02040503050406030204" pitchFamily="18" charset="0"/>
+                                      </a:rPr>
+                                    </m:ctrlPr>
+                                  </m:sSubPr>
+                                  <m:e>
+                                    <m:r>
+                                      <a:rPr lang="en-US" i="1">
+                                        <a:latin typeface="Cambria Math" panose="02040503050406030204" pitchFamily="18" charset="0"/>
+                                      </a:rPr>
+                                      <m:t>𝑦</m:t>
+                                    </m:r>
+                                  </m:e>
+                                  <m:sub>
+                                    <m:r>
+                                      <a:rPr lang="en-US" i="1">
+                                        <a:latin typeface="Cambria Math" panose="02040503050406030204" pitchFamily="18" charset="0"/>
+                                      </a:rPr>
+                                      <m:t>𝑑</m:t>
+                                    </m:r>
+                                  </m:sub>
+                                </m:sSub>
+                                <m:r>
+                                  <a:rPr lang="en-US" i="1">
+                                    <a:latin typeface="Cambria Math" panose="02040503050406030204" pitchFamily="18" charset="0"/>
+                                  </a:rPr>
+                                  <m:t>=</m:t>
+                                </m:r>
+                                <m:r>
+                                  <a:rPr lang="en-US" i="1">
+                                    <a:latin typeface="Cambria Math" panose="02040503050406030204" pitchFamily="18" charset="0"/>
+                                  </a:rPr>
+                                  <m:t>𝑗</m:t>
+                                </m:r>
+                              </m:e>
+                            </m:d>
+                          </m:e>
+                        </m:nary>
+                      </m:e>
+                    </m:nary>
+                    <m:r>
+                      <a:rPr lang="en-US" b="0" i="1" smtClean="0">
+                        <a:latin typeface="Cambria Math" panose="02040503050406030204" pitchFamily="18" charset="0"/>
+                      </a:rPr>
+                      <m:t>+</m:t>
+                    </m:r>
+                    <m:nary>
+                      <m:naryPr>
+                        <m:chr m:val="∑"/>
+                        <m:limLoc m:val="subSup"/>
+                        <m:ctrlPr>
+                          <a:rPr lang="en-US" b="0" i="1" smtClean="0">
+                            <a:latin typeface="Cambria Math" panose="02040503050406030204" pitchFamily="18" charset="0"/>
+                          </a:rPr>
+                        </m:ctrlPr>
+                      </m:naryPr>
+                      <m:sub>
+                        <m:r>
+                          <m:rPr>
+                            <m:brk m:alnAt="25"/>
+                          </m:rPr>
+                          <a:rPr lang="en-US" b="0" i="1" smtClean="0">
+                            <a:latin typeface="Cambria Math" panose="02040503050406030204" pitchFamily="18" charset="0"/>
+                          </a:rPr>
+                          <m:t>𝑖</m:t>
+                        </m:r>
+                        <m:r>
+                          <a:rPr lang="en-US" b="0" i="1" smtClean="0">
+                            <a:latin typeface="Cambria Math" panose="02040503050406030204" pitchFamily="18" charset="0"/>
+                          </a:rPr>
+                          <m:t>=1</m:t>
+                        </m:r>
+                      </m:sub>
+                      <m:sup>
+                        <m:r>
+                          <a:rPr lang="en-US" b="0" i="1" smtClean="0">
+                            <a:latin typeface="Cambria Math" panose="02040503050406030204" pitchFamily="18" charset="0"/>
+                          </a:rPr>
+                          <m:t>24</m:t>
+                        </m:r>
+                      </m:sup>
+                      <m:e>
+                        <m:sSub>
+                          <m:sSubPr>
+                            <m:ctrlPr>
+                              <a:rPr lang="en-US" i="1">
+                                <a:latin typeface="Cambria Math" panose="02040503050406030204" pitchFamily="18" charset="0"/>
+                              </a:rPr>
+                            </m:ctrlPr>
+                          </m:sSubPr>
+                          <m:e>
+                            <m:r>
+                              <a:rPr lang="en-US" i="1">
+                                <a:latin typeface="Cambria Math" panose="02040503050406030204" pitchFamily="18" charset="0"/>
+                              </a:rPr>
+                              <m:t>𝜓</m:t>
+                            </m:r>
+                          </m:e>
+                          <m:sub>
+                            <m:r>
+                              <m:rPr>
+                                <m:sty m:val="p"/>
+                              </m:rPr>
+                              <a:rPr lang="en-US">
+                                <a:latin typeface="Cambria Math" panose="02040503050406030204" pitchFamily="18" charset="0"/>
+                              </a:rPr>
+                              <m:t>i</m:t>
+                            </m:r>
+                          </m:sub>
+                        </m:sSub>
+                        <m:d>
+                          <m:dPr>
+                            <m:ctrlPr>
+                              <a:rPr lang="en-US" i="1">
+                                <a:latin typeface="Cambria Math" panose="02040503050406030204" pitchFamily="18" charset="0"/>
+                              </a:rPr>
+                            </m:ctrlPr>
+                          </m:dPr>
+                          <m:e>
+                            <m:sSub>
+                              <m:sSubPr>
+                                <m:ctrlPr>
+                                  <a:rPr lang="en-US" i="1">
+                                    <a:latin typeface="Cambria Math" panose="02040503050406030204" pitchFamily="18" charset="0"/>
+                                  </a:rPr>
+                                </m:ctrlPr>
+                              </m:sSubPr>
+                              <m:e>
+                                <m:r>
+                                  <a:rPr lang="en-US" i="1">
+                                    <a:latin typeface="Cambria Math" panose="02040503050406030204" pitchFamily="18" charset="0"/>
+                                  </a:rPr>
+                                  <m:t>𝑌</m:t>
+                                </m:r>
+                              </m:e>
+                              <m:sub>
+                                <m:r>
+                                  <a:rPr lang="en-US" i="1">
+                                    <a:latin typeface="Cambria Math" panose="02040503050406030204" pitchFamily="18" charset="0"/>
+                                  </a:rPr>
+                                  <m:t>h𝑑𝑚𝑦</m:t>
+                                </m:r>
+                              </m:sub>
+                            </m:sSub>
+                            <m:r>
+                              <a:rPr lang="en-US" i="1">
+                                <a:latin typeface="Cambria Math" panose="02040503050406030204" pitchFamily="18" charset="0"/>
+                              </a:rPr>
+                              <m:t>−</m:t>
+                            </m:r>
+                            <m:sSub>
+                              <m:sSubPr>
+                                <m:ctrlPr>
+                                  <a:rPr lang="en-US" i="1">
+                                    <a:latin typeface="Cambria Math" panose="02040503050406030204" pitchFamily="18" charset="0"/>
+                                  </a:rPr>
+                                </m:ctrlPr>
+                              </m:sSubPr>
+                              <m:e>
+                                <m:r>
+                                  <a:rPr lang="en-US" i="1">
+                                    <a:latin typeface="Cambria Math" panose="02040503050406030204" pitchFamily="18" charset="0"/>
+                                  </a:rPr>
+                                  <m:t>𝑌</m:t>
+                                </m:r>
+                              </m:e>
+                              <m:sub>
+                                <m:d>
+                                  <m:dPr>
+                                    <m:ctrlPr>
+                                      <a:rPr lang="en-US" i="1">
+                                        <a:latin typeface="Cambria Math" panose="02040503050406030204" pitchFamily="18" charset="0"/>
+                                      </a:rPr>
+                                    </m:ctrlPr>
+                                  </m:dPr>
+                                  <m:e>
+                                    <m:r>
+                                      <a:rPr lang="en-US" i="1">
+                                        <a:latin typeface="Cambria Math" panose="02040503050406030204" pitchFamily="18" charset="0"/>
+                                      </a:rPr>
+                                      <m:t>h</m:t>
+                                    </m:r>
+                                    <m:r>
+                                      <a:rPr lang="en-US" i="1">
+                                        <a:latin typeface="Cambria Math" panose="02040503050406030204" pitchFamily="18" charset="0"/>
+                                      </a:rPr>
+                                      <m:t>−</m:t>
+                                    </m:r>
+                                    <m:r>
+                                      <a:rPr lang="en-US" i="1">
+                                        <a:latin typeface="Cambria Math" panose="02040503050406030204" pitchFamily="18" charset="0"/>
+                                      </a:rPr>
+                                      <m:t>𝑖</m:t>
+                                    </m:r>
+                                  </m:e>
+                                </m:d>
+                                <m:r>
+                                  <a:rPr lang="en-US" i="1">
+                                    <a:latin typeface="Cambria Math" panose="02040503050406030204" pitchFamily="18" charset="0"/>
+                                  </a:rPr>
+                                  <m:t>𝑑𝑚𝑦</m:t>
+                                </m:r>
+                              </m:sub>
+                            </m:sSub>
+                          </m:e>
+                        </m:d>
+                      </m:e>
+                    </m:nary>
+                    <m:r>
+                      <a:rPr lang="en-US" b="0" i="1" smtClean="0">
+                        <a:latin typeface="Cambria Math" panose="02040503050406030204" pitchFamily="18" charset="0"/>
+                      </a:rPr>
+                      <m:t>+</m:t>
+                    </m:r>
+                    <m:sSub>
+                      <m:sSubPr>
+                        <m:ctrlPr>
+                          <a:rPr lang="en-US" i="1">
+                            <a:latin typeface="Cambria Math" panose="02040503050406030204" pitchFamily="18" charset="0"/>
+                          </a:rPr>
+                        </m:ctrlPr>
+                      </m:sSubPr>
+                      <m:e>
+                        <m:r>
+                          <a:rPr lang="en-US" i="1">
+                            <a:latin typeface="Cambria Math" panose="02040503050406030204" pitchFamily="18" charset="0"/>
+                          </a:rPr>
+                          <m:t>𝜖</m:t>
+                        </m:r>
+                      </m:e>
+                      <m:sub>
+                        <m:r>
+                          <a:rPr lang="en-US" i="1">
+                            <a:latin typeface="Cambria Math" panose="02040503050406030204" pitchFamily="18" charset="0"/>
+                          </a:rPr>
+                          <m:t>h𝑑𝑚𝑦</m:t>
+                        </m:r>
+                      </m:sub>
+                    </m:sSub>
+                    <m:r>
+                      <a:rPr lang="en-US" b="0" i="1" smtClean="0">
+                        <a:latin typeface="Cambria Math" panose="02040503050406030204" pitchFamily="18" charset="0"/>
+                      </a:rPr>
+                      <m:t>}</m:t>
+                    </m:r>
+                  </m:oMath>
+                </a14:m>
+                <a:endParaRPr lang="en-US" b="0" dirty="0"/>
+              </a:p>
+            </p:txBody>
+          </p:sp>
+        </mc:Choice>
+        <mc:Fallback>
+          <p:sp>
+            <p:nvSpPr>
+              <p:cNvPr id="3" name="Subtitle 2">
+                <a:extLst>
+                  <a:ext uri="{FF2B5EF4-FFF2-40B4-BE49-F238E27FC236}">
+                    <a16:creationId xmlns:a16="http://schemas.microsoft.com/office/drawing/2014/main" id="{D9DE4C28-59E7-E7D3-4B20-4FD0304518B7}"/>
+                  </a:ext>
+                </a:extLst>
+              </p:cNvPr>
+              <p:cNvSpPr>
+                <a:spLocks noGrp="1" noRot="1" noChangeAspect="1" noMove="1" noResize="1" noEditPoints="1" noAdjustHandles="1" noChangeArrowheads="1" noChangeShapeType="1" noTextEdit="1"/>
+              </p:cNvSpPr>
+              <p:nvPr>
+                <p:ph type="subTitle" idx="1"/>
+              </p:nvPr>
+            </p:nvSpPr>
+            <p:spPr>
+              <a:xfrm>
+                <a:off x="922712" y="2019438"/>
+                <a:ext cx="10598727" cy="4065477"/>
+              </a:xfrm>
+              <a:blipFill>
+                <a:blip r:embed="rId3"/>
+                <a:stretch>
+                  <a:fillRect/>
+                </a:stretch>
+              </a:blipFill>
+            </p:spPr>
+            <p:txBody>
+              <a:bodyPr/>
+              <a:lstStyle/>
+              <a:p>
+                <a:r>
+                  <a:rPr lang="en-US">
+                    <a:noFill/>
+                  </a:rPr>
+                  <a:t> </a:t>
+                </a:r>
+              </a:p>
+            </p:txBody>
+          </p:sp>
+        </mc:Fallback>
+      </mc:AlternateContent>
+      <p:sp>
+        <p:nvSpPr>
+          <p:cNvPr id="4" name="TextBox 3">
+            <a:extLst>
+              <a:ext uri="{FF2B5EF4-FFF2-40B4-BE49-F238E27FC236}">
+                <a16:creationId xmlns:a16="http://schemas.microsoft.com/office/drawing/2014/main" id="{FC6C21BF-CF50-1E2E-B435-251254187385}"/>
+              </a:ext>
+            </a:extLst>
+          </p:cNvPr>
+          <p:cNvSpPr txBox="1"/>
+          <p:nvPr/>
+        </p:nvSpPr>
+        <p:spPr>
+          <a:xfrm>
+            <a:off x="7373815" y="3118338"/>
+            <a:ext cx="184731" cy="369332"/>
+          </a:xfrm>
+          <a:prstGeom prst="rect">
+            <a:avLst/>
+          </a:prstGeom>
+          <a:noFill/>
+        </p:spPr>
+        <p:txBody>
+          <a:bodyPr wrap="none" rtlCol="0">
+            <a:spAutoFit/>
+          </a:bodyPr>
+          <a:lstStyle/>
+          <a:p>
+            <a:endParaRPr lang="en-US" dirty="0"/>
+          </a:p>
+        </p:txBody>
+      </p:sp>
+      <p:cxnSp>
+        <p:nvCxnSpPr>
+          <p:cNvPr id="6" name="Connector: Curved 5">
+            <a:extLst>
+              <a:ext uri="{FF2B5EF4-FFF2-40B4-BE49-F238E27FC236}">
+                <a16:creationId xmlns:a16="http://schemas.microsoft.com/office/drawing/2014/main" id="{4D5D9339-8186-F148-EE9E-5E5F23743F40}"/>
+              </a:ext>
+            </a:extLst>
+          </p:cNvPr>
+          <p:cNvCxnSpPr/>
+          <p:nvPr/>
+        </p:nvCxnSpPr>
+        <p:spPr>
+          <a:xfrm rot="16200000" flipV="1">
+            <a:off x="1131443" y="2109504"/>
+            <a:ext cx="856527" cy="769682"/>
+          </a:xfrm>
+          <a:prstGeom prst="curvedConnector3">
+            <a:avLst/>
+          </a:prstGeom>
+          <a:ln>
+            <a:solidFill>
+              <a:schemeClr val="tx1"/>
+            </a:solidFill>
+            <a:tailEnd type="triangle"/>
+          </a:ln>
+        </p:spPr>
+        <p:style>
+          <a:lnRef idx="2">
+            <a:schemeClr val="accent1"/>
+          </a:lnRef>
+          <a:fillRef idx="0">
+            <a:schemeClr val="accent1"/>
+          </a:fillRef>
+          <a:effectRef idx="1">
+            <a:schemeClr val="accent1"/>
+          </a:effectRef>
+          <a:fontRef idx="minor">
+            <a:schemeClr val="tx1"/>
+          </a:fontRef>
+        </p:style>
+      </p:cxnSp>
+      <p:sp>
+        <p:nvSpPr>
+          <p:cNvPr id="7" name="TextBox 6">
+            <a:extLst>
+              <a:ext uri="{FF2B5EF4-FFF2-40B4-BE49-F238E27FC236}">
+                <a16:creationId xmlns:a16="http://schemas.microsoft.com/office/drawing/2014/main" id="{1C4D6D11-4F1C-9179-6876-A94BB7FC8851}"/>
+              </a:ext>
+            </a:extLst>
+          </p:cNvPr>
+          <p:cNvSpPr txBox="1"/>
+          <p:nvPr/>
+        </p:nvSpPr>
+        <p:spPr>
+          <a:xfrm>
+            <a:off x="185194" y="1696749"/>
+            <a:ext cx="2575367" cy="369332"/>
+          </a:xfrm>
+          <a:prstGeom prst="rect">
+            <a:avLst/>
+          </a:prstGeom>
+          <a:noFill/>
+        </p:spPr>
+        <p:txBody>
+          <a:bodyPr wrap="square" rtlCol="0">
+            <a:spAutoFit/>
+          </a:bodyPr>
+          <a:lstStyle/>
+          <a:p>
+            <a:r>
+              <a:rPr lang="en-US" dirty="0"/>
+              <a:t>Hour, Day, Month, Year</a:t>
+            </a:r>
+          </a:p>
+        </p:txBody>
+      </p:sp>
+    </p:spTree>
+    <p:extLst>
+      <p:ext uri="{BB962C8B-B14F-4D97-AF65-F5344CB8AC3E}">
+        <p14:creationId xmlns:p14="http://schemas.microsoft.com/office/powerpoint/2010/main" val="1963972251"/>
+      </p:ext>
+    </p:extLst>
+  </p:cSld>
+  <p:clrMapOvr>
+    <a:masterClrMapping/>
+  </p:clrMapOvr>
+</p:sld>
+</file>
+
+<file path=ppt/slides/slide6.xml><?xml version="1.0" encoding="utf-8"?>
+<p:sld xmlns:a="http://schemas.openxmlformats.org/drawingml/2006/main" xmlns:r="http://schemas.openxmlformats.org/officeDocument/2006/relationships" xmlns:p="http://schemas.openxmlformats.org/presentationml/2006/main">
+  <p:cSld>
+    <p:spTree>
+      <p:nvGrpSpPr>
+        <p:cNvPr id="1" name=""/>
+        <p:cNvGrpSpPr/>
+        <p:nvPr/>
+      </p:nvGrpSpPr>
+      <p:grpSpPr>
+        <a:xfrm>
+          <a:off x="0" y="0"/>
+          <a:ext cx="0" cy="0"/>
+          <a:chOff x="0" y="0"/>
+          <a:chExt cx="0" cy="0"/>
+        </a:xfrm>
+      </p:grpSpPr>
+      <p:sp>
+        <p:nvSpPr>
+          <p:cNvPr id="2" name="Title 1">
+            <a:extLst>
+              <a:ext uri="{FF2B5EF4-FFF2-40B4-BE49-F238E27FC236}">
+                <a16:creationId xmlns:a16="http://schemas.microsoft.com/office/drawing/2014/main" id="{9F6C1502-DDA4-4194-0B16-DC36D7632194}"/>
+              </a:ext>
+            </a:extLst>
+          </p:cNvPr>
+          <p:cNvSpPr>
+            <a:spLocks noGrp="1"/>
+          </p:cNvSpPr>
+          <p:nvPr>
+            <p:ph type="ctrTitle"/>
+          </p:nvPr>
+        </p:nvSpPr>
+        <p:spPr>
+          <a:xfrm>
+            <a:off x="1174865" y="0"/>
+            <a:ext cx="10005753" cy="1831908"/>
+          </a:xfrm>
+        </p:spPr>
+        <p:txBody>
+          <a:bodyPr>
+            <a:normAutofit/>
+          </a:bodyPr>
+          <a:lstStyle/>
+          <a:p>
+            <a:r>
+              <a:rPr lang="en-US" sz="3600" dirty="0"/>
+              <a:t>Bayesian Autoregressive Zero-Inflated Poisson Regression</a:t>
+            </a:r>
+          </a:p>
+        </p:txBody>
+      </p:sp>
+      <mc:AlternateContent xmlns:mc="http://schemas.openxmlformats.org/markup-compatibility/2006">
+        <mc:Choice xmlns:a14="http://schemas.microsoft.com/office/drawing/2010/main" Requires="a14">
+          <p:sp>
+            <p:nvSpPr>
+              <p:cNvPr id="3" name="Subtitle 2">
+                <a:extLst>
+                  <a:ext uri="{FF2B5EF4-FFF2-40B4-BE49-F238E27FC236}">
+                    <a16:creationId xmlns:a16="http://schemas.microsoft.com/office/drawing/2014/main" id="{D9DE4C28-59E7-E7D3-4B20-4FD0304518B7}"/>
+                  </a:ext>
+                </a:extLst>
+              </p:cNvPr>
+              <p:cNvSpPr>
+                <a:spLocks noGrp="1"/>
+              </p:cNvSpPr>
+              <p:nvPr>
+                <p:ph type="subTitle" idx="1"/>
+              </p:nvPr>
+            </p:nvSpPr>
+            <p:spPr>
+              <a:xfrm>
+                <a:off x="922712" y="2019438"/>
+                <a:ext cx="10598727" cy="4065477"/>
+              </a:xfrm>
+            </p:spPr>
+            <p:txBody>
+              <a:bodyPr>
+                <a:normAutofit/>
+              </a:bodyPr>
+              <a:lstStyle/>
+              <a:p>
+                <a:pPr/>
+                <a14:m>
+                  <m:oMathPara xmlns:m="http://schemas.openxmlformats.org/officeDocument/2006/math">
+                    <m:oMathParaPr>
+                      <m:jc m:val="centerGroup"/>
+                    </m:oMathParaPr>
+                    <m:oMath xmlns:m="http://schemas.openxmlformats.org/officeDocument/2006/math">
+                      <m:sSub>
+                        <m:sSubPr>
+                          <m:ctrlPr>
+                            <a:rPr lang="en-US" b="0" i="1" smtClean="0">
+                              <a:latin typeface="Cambria Math" panose="02040503050406030204" pitchFamily="18" charset="0"/>
+                            </a:rPr>
+                          </m:ctrlPr>
+                        </m:sSubPr>
+                        <m:e>
+                          <m:r>
+                            <a:rPr lang="en-US" b="0" i="1" smtClean="0">
+                              <a:latin typeface="Cambria Math" panose="02040503050406030204" pitchFamily="18" charset="0"/>
+                            </a:rPr>
+                            <m:t>𝑌</m:t>
+                          </m:r>
+                        </m:e>
+                        <m:sub>
+                          <m:r>
+                            <a:rPr lang="en-US" b="0" i="1" smtClean="0">
+                              <a:latin typeface="Cambria Math" panose="02040503050406030204" pitchFamily="18" charset="0"/>
+                            </a:rPr>
+                            <m:t>h𝑑𝑚𝑦</m:t>
+                          </m:r>
+                        </m:sub>
+                      </m:sSub>
+                      <m:r>
+                        <a:rPr lang="en-US" b="0" i="1" smtClean="0">
+                          <a:latin typeface="Cambria Math" panose="02040503050406030204" pitchFamily="18" charset="0"/>
+                        </a:rPr>
+                        <m:t>~</m:t>
+                      </m:r>
+                      <m:r>
+                        <a:rPr lang="en-US" b="0" i="1" smtClean="0">
+                          <a:latin typeface="Cambria Math" panose="02040503050406030204" pitchFamily="18" charset="0"/>
+                        </a:rPr>
+                        <m:t>𝑍𝐼𝑃</m:t>
+                      </m:r>
+                      <m:d>
+                        <m:dPr>
+                          <m:ctrlPr>
+                            <a:rPr lang="en-US" b="0" i="1" smtClean="0">
+                              <a:latin typeface="Cambria Math" panose="02040503050406030204" pitchFamily="18" charset="0"/>
+                            </a:rPr>
+                          </m:ctrlPr>
+                        </m:dPr>
+                        <m:e>
+                          <m:sSub>
+                            <m:sSubPr>
+                              <m:ctrlPr>
+                                <a:rPr lang="en-US" b="0" i="1" smtClean="0">
+                                  <a:latin typeface="Cambria Math" panose="02040503050406030204" pitchFamily="18" charset="0"/>
+                                </a:rPr>
+                              </m:ctrlPr>
+                            </m:sSubPr>
+                            <m:e>
+                              <m:r>
+                                <a:rPr lang="en-US" b="0" i="1" smtClean="0">
+                                  <a:latin typeface="Cambria Math" panose="02040503050406030204" pitchFamily="18" charset="0"/>
+                                </a:rPr>
+                                <m:t>𝜆</m:t>
+                              </m:r>
+                            </m:e>
+                            <m:sub>
+                              <m:r>
+                                <a:rPr lang="en-US" b="0" i="1" smtClean="0">
+                                  <a:latin typeface="Cambria Math" panose="02040503050406030204" pitchFamily="18" charset="0"/>
+                                </a:rPr>
+                                <m:t>h𝑑𝑚𝑦</m:t>
+                              </m:r>
+                            </m:sub>
+                          </m:sSub>
+                          <m:r>
+                            <a:rPr lang="en-US" b="0" i="1" smtClean="0">
+                              <a:latin typeface="Cambria Math" panose="02040503050406030204" pitchFamily="18" charset="0"/>
+                            </a:rPr>
+                            <m:t>,</m:t>
+                          </m:r>
+                          <m:r>
+                            <a:rPr lang="en-US" b="0" i="1" smtClean="0">
+                              <a:latin typeface="Cambria Math" panose="02040503050406030204" pitchFamily="18" charset="0"/>
+                            </a:rPr>
+                            <m:t>𝜋</m:t>
+                          </m:r>
+                        </m:e>
+                      </m:d>
+                    </m:oMath>
+                  </m:oMathPara>
+                </a14:m>
+                <a:endParaRPr lang="en-US" b="0" dirty="0"/>
+              </a:p>
+              <a:p>
+                <a:pPr>
+                  <a:lnSpc>
+                    <a:spcPct val="150000"/>
+                  </a:lnSpc>
+                </a:pPr>
+                <a14:m>
+                  <m:oMath xmlns:m="http://schemas.openxmlformats.org/officeDocument/2006/math">
+                    <m:sSub>
+                      <m:sSubPr>
+                        <m:ctrlPr>
+                          <a:rPr lang="en-US" b="0" i="1" smtClean="0">
+                            <a:latin typeface="Cambria Math" panose="02040503050406030204" pitchFamily="18" charset="0"/>
+                          </a:rPr>
+                        </m:ctrlPr>
+                      </m:sSubPr>
+                      <m:e>
+                        <m:r>
+                          <a:rPr lang="en-US" b="0" i="1" smtClean="0">
+                            <a:latin typeface="Cambria Math" panose="02040503050406030204" pitchFamily="18" charset="0"/>
+                          </a:rPr>
+                          <m:t>𝜆</m:t>
+                        </m:r>
+                      </m:e>
+                      <m:sub>
+                        <m:r>
+                          <a:rPr lang="en-US" b="0" i="1" smtClean="0">
+                            <a:highlight>
+                              <a:srgbClr val="FFFF00"/>
+                            </a:highlight>
+                            <a:latin typeface="Cambria Math" panose="02040503050406030204" pitchFamily="18" charset="0"/>
+                          </a:rPr>
+                          <m:t>h𝑑𝑚𝑦</m:t>
+                        </m:r>
+                        <m:r>
+                          <a:rPr lang="en-US" b="0" i="1" smtClean="0">
+                            <a:highlight>
+                              <a:srgbClr val="FFFF00"/>
+                            </a:highlight>
+                            <a:latin typeface="Cambria Math" panose="02040503050406030204" pitchFamily="18" charset="0"/>
+                          </a:rPr>
+                          <m:t> </m:t>
+                        </m:r>
+                      </m:sub>
+                    </m:sSub>
+                    <m:r>
+                      <a:rPr lang="en-US" b="0" i="1" smtClean="0">
+                        <a:latin typeface="Cambria Math" panose="02040503050406030204" pitchFamily="18" charset="0"/>
+                      </a:rPr>
+                      <m:t>=</m:t>
+                    </m:r>
+                    <m:r>
+                      <a:rPr lang="en-US" b="0" i="0" smtClean="0">
+                        <a:latin typeface="Cambria Math" panose="02040503050406030204" pitchFamily="18" charset="0"/>
+                      </a:rPr>
+                      <m:t> </m:t>
+                    </m:r>
+                    <m:r>
+                      <m:rPr>
+                        <m:sty m:val="p"/>
+                      </m:rPr>
+                      <a:rPr lang="en-US" b="0" i="0" smtClean="0">
+                        <a:latin typeface="Cambria Math" panose="02040503050406030204" pitchFamily="18" charset="0"/>
+                      </a:rPr>
+                      <m:t>exp</m:t>
+                    </m:r>
+                    <m:r>
+                      <a:rPr lang="en-US" b="0" i="1" smtClean="0">
+                        <a:latin typeface="Cambria Math" panose="02040503050406030204" pitchFamily="18" charset="0"/>
+                      </a:rPr>
+                      <m:t>⁡{</m:t>
+                    </m:r>
+                    <m:sSub>
+                      <m:sSubPr>
+                        <m:ctrlPr>
+                          <a:rPr lang="en-US" b="0" i="1" smtClean="0">
+                            <a:latin typeface="Cambria Math" panose="02040503050406030204" pitchFamily="18" charset="0"/>
+                          </a:rPr>
+                        </m:ctrlPr>
+                      </m:sSubPr>
+                      <m:e>
+                        <m:r>
+                          <a:rPr lang="en-US" b="0" i="1" smtClean="0">
+                            <a:latin typeface="Cambria Math" panose="02040503050406030204" pitchFamily="18" charset="0"/>
+                          </a:rPr>
+                          <m:t>𝛽</m:t>
+                        </m:r>
+                      </m:e>
+                      <m:sub>
+                        <m:r>
+                          <a:rPr lang="en-US" b="0" i="1" smtClean="0">
+                            <a:latin typeface="Cambria Math" panose="02040503050406030204" pitchFamily="18" charset="0"/>
+                          </a:rPr>
+                          <m:t>0</m:t>
+                        </m:r>
+                      </m:sub>
+                    </m:sSub>
+                    <m:r>
+                      <a:rPr lang="en-US" b="0" i="1" smtClean="0">
+                        <a:latin typeface="Cambria Math" panose="02040503050406030204" pitchFamily="18" charset="0"/>
+                      </a:rPr>
+                      <m:t>+</m:t>
+                    </m:r>
+                    <m:sSub>
+                      <m:sSubPr>
+                        <m:ctrlPr>
+                          <a:rPr lang="en-US" b="0" i="1" smtClean="0">
+                            <a:highlight>
+                              <a:srgbClr val="FFFF00"/>
+                            </a:highlight>
+                            <a:latin typeface="Cambria Math" panose="02040503050406030204" pitchFamily="18" charset="0"/>
+                          </a:rPr>
+                        </m:ctrlPr>
+                      </m:sSubPr>
+                      <m:e>
+                        <m:r>
+                          <a:rPr lang="en-US" b="0" i="1" smtClean="0">
+                            <a:highlight>
+                              <a:srgbClr val="FFFF00"/>
+                            </a:highlight>
+                            <a:latin typeface="Cambria Math" panose="02040503050406030204" pitchFamily="18" charset="0"/>
+                          </a:rPr>
+                          <m:t>𝛽</m:t>
+                        </m:r>
+                      </m:e>
+                      <m:sub>
+                        <m:r>
+                          <a:rPr lang="en-US" b="0" i="1" smtClean="0">
+                            <a:highlight>
+                              <a:srgbClr val="FFFF00"/>
+                            </a:highlight>
+                            <a:latin typeface="Cambria Math" panose="02040503050406030204" pitchFamily="18" charset="0"/>
+                          </a:rPr>
+                          <m:t>1</m:t>
+                        </m:r>
+                      </m:sub>
+                    </m:sSub>
+                    <m:r>
+                      <a:rPr lang="en-US" b="0" i="1" smtClean="0">
+                        <a:latin typeface="Cambria Math" panose="02040503050406030204" pitchFamily="18" charset="0"/>
+                      </a:rPr>
+                      <m:t>𝐹𝑢𝑙𝑙𝑀𝑜𝑜</m:t>
+                    </m:r>
+                    <m:sSub>
+                      <m:sSubPr>
+                        <m:ctrlPr>
+                          <a:rPr lang="en-US" b="0" i="1" smtClean="0">
+                            <a:latin typeface="Cambria Math" panose="02040503050406030204" pitchFamily="18" charset="0"/>
+                          </a:rPr>
+                        </m:ctrlPr>
+                      </m:sSubPr>
+                      <m:e>
+                        <m:r>
+                          <a:rPr lang="en-US" b="0" i="1" smtClean="0">
+                            <a:latin typeface="Cambria Math" panose="02040503050406030204" pitchFamily="18" charset="0"/>
+                          </a:rPr>
+                          <m:t>𝑛</m:t>
+                        </m:r>
+                      </m:e>
+                      <m:sub>
+                        <m:r>
+                          <a:rPr lang="en-US" b="0" i="1" smtClean="0">
+                            <a:latin typeface="Cambria Math" panose="02040503050406030204" pitchFamily="18" charset="0"/>
+                          </a:rPr>
+                          <m:t>𝑑𝑚𝑦</m:t>
+                        </m:r>
+                      </m:sub>
+                    </m:sSub>
+                    <m:r>
+                      <a:rPr lang="en-US" b="0" i="1" smtClean="0">
+                        <a:latin typeface="Cambria Math" panose="02040503050406030204" pitchFamily="18" charset="0"/>
+                      </a:rPr>
+                      <m:t>+</m:t>
+                    </m:r>
+                    <m:sSub>
+                      <m:sSubPr>
+                        <m:ctrlPr>
+                          <a:rPr lang="en-US" b="0" i="1" smtClean="0">
+                            <a:latin typeface="Cambria Math" panose="02040503050406030204" pitchFamily="18" charset="0"/>
+                          </a:rPr>
+                        </m:ctrlPr>
+                      </m:sSubPr>
+                      <m:e>
+                        <m:r>
+                          <a:rPr lang="en-US" b="0" i="1" smtClean="0">
+                            <a:latin typeface="Cambria Math" panose="02040503050406030204" pitchFamily="18" charset="0"/>
+                          </a:rPr>
+                          <m:t>𝛽</m:t>
+                        </m:r>
+                      </m:e>
+                      <m:sub>
+                        <m:r>
+                          <a:rPr lang="en-US" b="0" i="1" smtClean="0">
+                            <a:latin typeface="Cambria Math" panose="02040503050406030204" pitchFamily="18" charset="0"/>
+                          </a:rPr>
+                          <m:t>2</m:t>
+                        </m:r>
+                      </m:sub>
+                    </m:sSub>
+                    <m:r>
+                      <a:rPr lang="en-US" b="0" i="1" smtClean="0">
+                        <a:latin typeface="Cambria Math" panose="02040503050406030204" pitchFamily="18" charset="0"/>
+                      </a:rPr>
+                      <m:t>𝑈𝑛𝑒𝑚𝑝𝑙𝑜𝑦𝑚𝑒𝑛</m:t>
+                    </m:r>
+                    <m:sSub>
+                      <m:sSubPr>
+                        <m:ctrlPr>
+                          <a:rPr lang="en-US" b="0" i="1" smtClean="0">
+                            <a:latin typeface="Cambria Math" panose="02040503050406030204" pitchFamily="18" charset="0"/>
+                          </a:rPr>
+                        </m:ctrlPr>
+                      </m:sSubPr>
+                      <m:e>
+                        <m:r>
+                          <a:rPr lang="en-US" b="0" i="1" smtClean="0">
+                            <a:latin typeface="Cambria Math" panose="02040503050406030204" pitchFamily="18" charset="0"/>
+                          </a:rPr>
+                          <m:t>𝑡</m:t>
+                        </m:r>
+                      </m:e>
+                      <m:sub>
+                        <m:r>
+                          <a:rPr lang="en-US" b="0" i="1" smtClean="0">
+                            <a:latin typeface="Cambria Math" panose="02040503050406030204" pitchFamily="18" charset="0"/>
+                          </a:rPr>
+                          <m:t>𝑚𝑦</m:t>
+                        </m:r>
+                      </m:sub>
+                    </m:sSub>
+                    <m:r>
+                      <a:rPr lang="en-US" b="0" i="1" smtClean="0">
+                        <a:latin typeface="Cambria Math" panose="02040503050406030204" pitchFamily="18" charset="0"/>
+                      </a:rPr>
+                      <m:t>+</m:t>
+                    </m:r>
+                    <m:sSub>
+                      <m:sSubPr>
+                        <m:ctrlPr>
+                          <a:rPr lang="en-US" b="0" i="1" smtClean="0">
+                            <a:latin typeface="Cambria Math" panose="02040503050406030204" pitchFamily="18" charset="0"/>
+                          </a:rPr>
+                        </m:ctrlPr>
+                      </m:sSubPr>
+                      <m:e>
+                        <m:r>
+                          <a:rPr lang="en-US" b="0" i="1" smtClean="0">
+                            <a:latin typeface="Cambria Math" panose="02040503050406030204" pitchFamily="18" charset="0"/>
+                          </a:rPr>
+                          <m:t>𝑋</m:t>
+                        </m:r>
+                      </m:e>
+                      <m:sub>
+                        <m:r>
+                          <a:rPr lang="en-US" b="0" i="1" smtClean="0">
+                            <a:latin typeface="Cambria Math" panose="02040503050406030204" pitchFamily="18" charset="0"/>
+                          </a:rPr>
+                          <m:t>h𝑑𝑚𝑦</m:t>
+                        </m:r>
+                      </m:sub>
+                    </m:sSub>
+                    <m:r>
+                      <m:rPr>
+                        <m:sty m:val="p"/>
+                      </m:rPr>
+                      <a:rPr lang="en-US" b="0" i="1" smtClean="0">
+                        <a:latin typeface="Cambria Math" panose="02040503050406030204" pitchFamily="18" charset="0"/>
+                      </a:rPr>
+                      <m:t>γ</m:t>
+                    </m:r>
+                    <m:r>
+                      <a:rPr lang="en-US" b="0" i="0" smtClean="0">
+                        <a:latin typeface="Cambria Math" panose="02040503050406030204" pitchFamily="18" charset="0"/>
+                      </a:rPr>
+                      <m:t>+</m:t>
+                    </m:r>
+                    <m:sSub>
+                      <m:sSubPr>
+                        <m:ctrlPr>
+                          <a:rPr lang="en-US" b="0" i="1" smtClean="0">
+                            <a:latin typeface="Cambria Math" panose="02040503050406030204" pitchFamily="18" charset="0"/>
+                          </a:rPr>
+                        </m:ctrlPr>
+                      </m:sSubPr>
+                      <m:e>
+                        <m:r>
+                          <m:rPr>
+                            <m:sty m:val="p"/>
+                          </m:rPr>
+                          <a:rPr lang="en-US" b="0" i="0" smtClean="0">
+                            <a:latin typeface="Cambria Math" panose="02040503050406030204" pitchFamily="18" charset="0"/>
+                          </a:rPr>
+                          <m:t>Weather</m:t>
+                        </m:r>
+                      </m:e>
+                      <m:sub>
+                        <m:r>
+                          <m:rPr>
+                            <m:sty m:val="p"/>
+                          </m:rPr>
+                          <a:rPr lang="en-US" b="0" i="0" smtClean="0">
+                            <a:latin typeface="Cambria Math" panose="02040503050406030204" pitchFamily="18" charset="0"/>
+                          </a:rPr>
+                          <m:t>hdmy</m:t>
+                        </m:r>
+                      </m:sub>
+                    </m:sSub>
+                    <m:r>
+                      <m:rPr>
+                        <m:sty m:val="p"/>
+                      </m:rPr>
+                      <a:rPr lang="en-US" b="0" i="1" smtClean="0">
+                        <a:latin typeface="Cambria Math" panose="02040503050406030204" pitchFamily="18" charset="0"/>
+                      </a:rPr>
+                      <m:t>Ω</m:t>
+                    </m:r>
+                    <m:r>
+                      <a:rPr lang="en-US" b="0" i="1" smtClean="0">
+                        <a:latin typeface="Cambria Math" panose="02040503050406030204" pitchFamily="18" charset="0"/>
+                      </a:rPr>
+                      <m:t>+</m:t>
+                    </m:r>
+                    <m:nary>
+                      <m:naryPr>
+                        <m:chr m:val="∑"/>
+                        <m:ctrlPr>
+                          <a:rPr lang="en-US" b="0" i="1" smtClean="0">
+                            <a:latin typeface="Cambria Math" panose="02040503050406030204" pitchFamily="18" charset="0"/>
+                          </a:rPr>
+                        </m:ctrlPr>
+                      </m:naryPr>
+                      <m:sub>
+                        <m:r>
+                          <m:rPr>
+                            <m:brk m:alnAt="23"/>
+                          </m:rPr>
+                          <a:rPr lang="en-US" b="0" i="1" smtClean="0">
+                            <a:latin typeface="Cambria Math" panose="02040503050406030204" pitchFamily="18" charset="0"/>
+                          </a:rPr>
+                          <m:t>𝑖</m:t>
+                        </m:r>
+                        <m:r>
+                          <a:rPr lang="en-US" b="0" i="1" smtClean="0">
+                            <a:latin typeface="Cambria Math" panose="02040503050406030204" pitchFamily="18" charset="0"/>
+                          </a:rPr>
+                          <m:t>=1</m:t>
+                        </m:r>
+                      </m:sub>
+                      <m:sup>
+                        <m:r>
+                          <a:rPr lang="en-US" b="0" i="1" smtClean="0">
+                            <a:latin typeface="Cambria Math" panose="02040503050406030204" pitchFamily="18" charset="0"/>
+                          </a:rPr>
+                          <m:t>23</m:t>
+                        </m:r>
+                      </m:sup>
+                      <m:e>
+                        <m:sSub>
+                          <m:sSubPr>
+                            <m:ctrlPr>
+                              <a:rPr lang="en-US" i="1">
+                                <a:latin typeface="Cambria Math" panose="02040503050406030204" pitchFamily="18" charset="0"/>
+                              </a:rPr>
+                            </m:ctrlPr>
+                          </m:sSubPr>
+                          <m:e>
+                            <m:r>
+                              <a:rPr lang="en-US" i="1">
+                                <a:latin typeface="Cambria Math" panose="02040503050406030204" pitchFamily="18" charset="0"/>
+                              </a:rPr>
+                              <m:t>𝜂</m:t>
+                            </m:r>
+                          </m:e>
+                          <m:sub>
+                            <m:r>
+                              <a:rPr lang="en-US" i="1">
+                                <a:latin typeface="Cambria Math" panose="02040503050406030204" pitchFamily="18" charset="0"/>
+                              </a:rPr>
+                              <m:t>𝑖</m:t>
+                            </m:r>
+                          </m:sub>
+                        </m:sSub>
+                        <m:r>
+                          <a:rPr lang="en-US" i="1">
+                            <a:latin typeface="Cambria Math" panose="02040503050406030204" pitchFamily="18" charset="0"/>
+                          </a:rPr>
+                          <m:t>𝟙</m:t>
+                        </m:r>
+                        <m:d>
+                          <m:dPr>
+                            <m:ctrlPr>
+                              <a:rPr lang="en-US" i="1">
+                                <a:latin typeface="Cambria Math" panose="02040503050406030204" pitchFamily="18" charset="0"/>
+                              </a:rPr>
+                            </m:ctrlPr>
+                          </m:dPr>
+                          <m:e>
+                            <m:r>
+                              <a:rPr lang="en-US" i="1">
+                                <a:latin typeface="Cambria Math" panose="02040503050406030204" pitchFamily="18" charset="0"/>
+                              </a:rPr>
+                              <m:t>𝐻𝑜𝑢</m:t>
+                            </m:r>
+                            <m:sSub>
+                              <m:sSubPr>
+                                <m:ctrlPr>
+                                  <a:rPr lang="en-US" i="1">
+                                    <a:latin typeface="Cambria Math" panose="02040503050406030204" pitchFamily="18" charset="0"/>
+                                  </a:rPr>
+                                </m:ctrlPr>
+                              </m:sSubPr>
+                              <m:e>
+                                <m:r>
+                                  <a:rPr lang="en-US" i="1">
+                                    <a:latin typeface="Cambria Math" panose="02040503050406030204" pitchFamily="18" charset="0"/>
+                                  </a:rPr>
+                                  <m:t>𝑟</m:t>
+                                </m:r>
+                              </m:e>
+                              <m:sub>
+                                <m:r>
+                                  <a:rPr lang="en-US" i="1">
+                                    <a:latin typeface="Cambria Math" panose="02040503050406030204" pitchFamily="18" charset="0"/>
+                                  </a:rPr>
+                                  <m:t>h</m:t>
+                                </m:r>
+                              </m:sub>
+                            </m:sSub>
+                            <m:r>
+                              <a:rPr lang="en-US" i="1">
+                                <a:latin typeface="Cambria Math" panose="02040503050406030204" pitchFamily="18" charset="0"/>
+                              </a:rPr>
+                              <m:t>=</m:t>
+                            </m:r>
+                            <m:r>
+                              <a:rPr lang="en-US" i="1">
+                                <a:latin typeface="Cambria Math" panose="02040503050406030204" pitchFamily="18" charset="0"/>
+                              </a:rPr>
+                              <m:t>𝑖</m:t>
+                            </m:r>
+                          </m:e>
+                        </m:d>
+                      </m:e>
+                    </m:nary>
+                    <m:r>
+                      <a:rPr lang="en-US" b="0" i="1" smtClean="0">
+                        <a:latin typeface="Cambria Math" panose="02040503050406030204" pitchFamily="18" charset="0"/>
+                      </a:rPr>
+                      <m:t>+</m:t>
+                    </m:r>
+                    <m:nary>
+                      <m:naryPr>
+                        <m:chr m:val="∑"/>
+                        <m:ctrlPr>
+                          <a:rPr lang="en-US" i="1" smtClean="0">
+                            <a:latin typeface="Cambria Math" panose="02040503050406030204" pitchFamily="18" charset="0"/>
+                          </a:rPr>
+                        </m:ctrlPr>
+                      </m:naryPr>
+                      <m:sub>
+                        <m:r>
+                          <m:rPr>
+                            <m:brk m:alnAt="23"/>
+                          </m:rPr>
+                          <a:rPr lang="en-US" i="1">
+                            <a:latin typeface="Cambria Math" panose="02040503050406030204" pitchFamily="18" charset="0"/>
+                          </a:rPr>
+                          <m:t>𝑖</m:t>
+                        </m:r>
+                        <m:r>
+                          <a:rPr lang="en-US" i="1">
+                            <a:latin typeface="Cambria Math" panose="02040503050406030204" pitchFamily="18" charset="0"/>
+                          </a:rPr>
+                          <m:t>=1</m:t>
+                        </m:r>
+                      </m:sub>
+                      <m:sup>
+                        <m:r>
+                          <a:rPr lang="en-US" b="0" i="1" smtClean="0">
+                            <a:latin typeface="Cambria Math" panose="02040503050406030204" pitchFamily="18" charset="0"/>
+                          </a:rPr>
+                          <m:t>6</m:t>
+                        </m:r>
+                      </m:sup>
+                      <m:e>
+                        <m:sSub>
+                          <m:sSubPr>
+                            <m:ctrlPr>
+                              <a:rPr lang="en-US" i="1">
+                                <a:latin typeface="Cambria Math" panose="02040503050406030204" pitchFamily="18" charset="0"/>
+                              </a:rPr>
+                            </m:ctrlPr>
+                          </m:sSubPr>
+                          <m:e>
+                            <m:r>
+                              <a:rPr lang="en-US" i="1">
+                                <a:latin typeface="Cambria Math" panose="02040503050406030204" pitchFamily="18" charset="0"/>
+                              </a:rPr>
+                              <m:t>𝛿</m:t>
+                            </m:r>
+                          </m:e>
+                          <m:sub>
+                            <m:r>
+                              <a:rPr lang="en-US" i="1">
+                                <a:latin typeface="Cambria Math" panose="02040503050406030204" pitchFamily="18" charset="0"/>
+                              </a:rPr>
+                              <m:t>𝑖</m:t>
+                            </m:r>
+                          </m:sub>
+                        </m:sSub>
+                        <m:r>
+                          <a:rPr lang="en-US" i="1">
+                            <a:latin typeface="Cambria Math" panose="02040503050406030204" pitchFamily="18" charset="0"/>
+                          </a:rPr>
+                          <m:t>𝟙</m:t>
+                        </m:r>
+                        <m:d>
+                          <m:dPr>
+                            <m:ctrlPr>
+                              <a:rPr lang="en-US" i="1">
+                                <a:latin typeface="Cambria Math" panose="02040503050406030204" pitchFamily="18" charset="0"/>
+                              </a:rPr>
+                            </m:ctrlPr>
+                          </m:dPr>
+                          <m:e>
+                            <m:r>
+                              <a:rPr lang="en-US" i="1">
+                                <a:latin typeface="Cambria Math" panose="02040503050406030204" pitchFamily="18" charset="0"/>
+                              </a:rPr>
+                              <m:t>𝐷𝑎</m:t>
+                            </m:r>
+                            <m:sSub>
+                              <m:sSubPr>
+                                <m:ctrlPr>
+                                  <a:rPr lang="en-US" i="1">
+                                    <a:latin typeface="Cambria Math" panose="02040503050406030204" pitchFamily="18" charset="0"/>
+                                  </a:rPr>
+                                </m:ctrlPr>
+                              </m:sSubPr>
+                              <m:e>
+                                <m:r>
+                                  <a:rPr lang="en-US" i="1">
+                                    <a:latin typeface="Cambria Math" panose="02040503050406030204" pitchFamily="18" charset="0"/>
+                                  </a:rPr>
+                                  <m:t>𝑦</m:t>
+                                </m:r>
+                              </m:e>
+                              <m:sub>
+                                <m:r>
+                                  <a:rPr lang="en-US" i="1">
+                                    <a:latin typeface="Cambria Math" panose="02040503050406030204" pitchFamily="18" charset="0"/>
+                                  </a:rPr>
+                                  <m:t>𝑑</m:t>
+                                </m:r>
+                              </m:sub>
+                            </m:sSub>
+                            <m:r>
+                              <a:rPr lang="en-US" b="0" i="1" smtClean="0">
+                                <a:latin typeface="Cambria Math" panose="02040503050406030204" pitchFamily="18" charset="0"/>
+                              </a:rPr>
+                              <m:t>=</m:t>
+                            </m:r>
+                            <m:r>
+                              <a:rPr lang="en-US" b="0" i="1" smtClean="0">
+                                <a:latin typeface="Cambria Math" panose="02040503050406030204" pitchFamily="18" charset="0"/>
+                              </a:rPr>
+                              <m:t>𝑖</m:t>
+                            </m:r>
+                          </m:e>
+                        </m:d>
+                      </m:e>
+                    </m:nary>
+                    <m:r>
+                      <a:rPr lang="en-US" b="0" i="1" smtClean="0">
+                        <a:latin typeface="Cambria Math" panose="02040503050406030204" pitchFamily="18" charset="0"/>
+                      </a:rPr>
+                      <m:t>+</m:t>
+                    </m:r>
+                  </m:oMath>
+                </a14:m>
+                <a:r>
+                  <a:rPr lang="en-US" dirty="0"/>
+                  <a:t> </a:t>
+                </a:r>
+                <a14:m>
+                  <m:oMath xmlns:m="http://schemas.openxmlformats.org/officeDocument/2006/math">
+                    <m:nary>
+                      <m:naryPr>
+                        <m:chr m:val="∑"/>
+                        <m:ctrlPr>
+                          <a:rPr lang="en-US" i="1" smtClean="0">
+                            <a:latin typeface="Cambria Math" panose="02040503050406030204" pitchFamily="18" charset="0"/>
+                          </a:rPr>
+                        </m:ctrlPr>
+                      </m:naryPr>
+                      <m:sub>
+                        <m:r>
+                          <m:rPr>
+                            <m:brk m:alnAt="23"/>
+                          </m:rPr>
+                          <a:rPr lang="en-US" i="1">
+                            <a:latin typeface="Cambria Math" panose="02040503050406030204" pitchFamily="18" charset="0"/>
+                          </a:rPr>
+                          <m:t>𝑖</m:t>
+                        </m:r>
+                        <m:r>
+                          <a:rPr lang="en-US" i="1">
+                            <a:latin typeface="Cambria Math" panose="02040503050406030204" pitchFamily="18" charset="0"/>
+                          </a:rPr>
+                          <m:t>=1</m:t>
+                        </m:r>
+                      </m:sub>
+                      <m:sup>
+                        <m:r>
+                          <a:rPr lang="en-US" b="0" i="1" smtClean="0">
+                            <a:latin typeface="Cambria Math" panose="02040503050406030204" pitchFamily="18" charset="0"/>
+                          </a:rPr>
+                          <m:t>11</m:t>
+                        </m:r>
+                      </m:sup>
+                      <m:e>
+                        <m:sSub>
+                          <m:sSubPr>
+                            <m:ctrlPr>
+                              <a:rPr lang="en-US" i="1">
+                                <a:latin typeface="Cambria Math" panose="02040503050406030204" pitchFamily="18" charset="0"/>
+                              </a:rPr>
+                            </m:ctrlPr>
+                          </m:sSubPr>
+                          <m:e>
+                            <m:r>
+                              <a:rPr lang="en-US" i="1">
+                                <a:latin typeface="Cambria Math" panose="02040503050406030204" pitchFamily="18" charset="0"/>
+                              </a:rPr>
+                              <m:t>𝜇</m:t>
+                            </m:r>
+                          </m:e>
+                          <m:sub>
+                            <m:r>
+                              <a:rPr lang="en-US" i="1">
+                                <a:latin typeface="Cambria Math" panose="02040503050406030204" pitchFamily="18" charset="0"/>
+                              </a:rPr>
+                              <m:t>𝑖</m:t>
+                            </m:r>
+                          </m:sub>
+                        </m:sSub>
+                        <m:r>
+                          <a:rPr lang="en-US" i="1">
+                            <a:latin typeface="Cambria Math" panose="02040503050406030204" pitchFamily="18" charset="0"/>
+                          </a:rPr>
+                          <m:t>𝟙</m:t>
+                        </m:r>
+                        <m:d>
+                          <m:dPr>
+                            <m:ctrlPr>
+                              <a:rPr lang="en-US" i="1">
+                                <a:latin typeface="Cambria Math" panose="02040503050406030204" pitchFamily="18" charset="0"/>
+                              </a:rPr>
+                            </m:ctrlPr>
+                          </m:dPr>
+                          <m:e>
+                            <m:r>
+                              <a:rPr lang="en-US" i="1">
+                                <a:latin typeface="Cambria Math" panose="02040503050406030204" pitchFamily="18" charset="0"/>
+                              </a:rPr>
+                              <m:t>𝑀𝑜𝑛𝑡</m:t>
+                            </m:r>
+                            <m:sSub>
+                              <m:sSubPr>
+                                <m:ctrlPr>
+                                  <a:rPr lang="en-US" i="1">
+                                    <a:latin typeface="Cambria Math" panose="02040503050406030204" pitchFamily="18" charset="0"/>
+                                  </a:rPr>
+                                </m:ctrlPr>
+                              </m:sSubPr>
+                              <m:e>
+                                <m:r>
+                                  <a:rPr lang="en-US" i="1">
+                                    <a:latin typeface="Cambria Math" panose="02040503050406030204" pitchFamily="18" charset="0"/>
+                                  </a:rPr>
+                                  <m:t>h</m:t>
+                                </m:r>
+                              </m:e>
+                              <m:sub>
+                                <m:r>
+                                  <a:rPr lang="en-US" i="1">
+                                    <a:latin typeface="Cambria Math" panose="02040503050406030204" pitchFamily="18" charset="0"/>
+                                  </a:rPr>
+                                  <m:t>𝑚</m:t>
+                                </m:r>
+                              </m:sub>
+                            </m:sSub>
+                            <m:r>
+                              <a:rPr lang="en-US" i="1">
+                                <a:latin typeface="Cambria Math" panose="02040503050406030204" pitchFamily="18" charset="0"/>
+                              </a:rPr>
+                              <m:t>=</m:t>
+                            </m:r>
+                            <m:r>
+                              <a:rPr lang="en-US" i="1">
+                                <a:latin typeface="Cambria Math" panose="02040503050406030204" pitchFamily="18" charset="0"/>
+                              </a:rPr>
+                              <m:t>𝑖</m:t>
+                            </m:r>
+                          </m:e>
+                        </m:d>
+                        <m:r>
+                          <m:rPr>
+                            <m:nor/>
+                          </m:rPr>
+                          <a:rPr lang="en-US" dirty="0"/>
+                          <m:t> </m:t>
+                        </m:r>
+                      </m:e>
+                    </m:nary>
+                    <m:r>
+                      <a:rPr lang="en-US" b="0" i="1" smtClean="0">
+                        <a:latin typeface="Cambria Math" panose="02040503050406030204" pitchFamily="18" charset="0"/>
+                      </a:rPr>
+                      <m:t>+</m:t>
+                    </m:r>
+                    <m:nary>
+                      <m:naryPr>
+                        <m:chr m:val="∑"/>
+                        <m:ctrlPr>
+                          <a:rPr lang="en-US" b="0" i="1" smtClean="0">
+                            <a:latin typeface="Cambria Math" panose="02040503050406030204" pitchFamily="18" charset="0"/>
+                          </a:rPr>
+                        </m:ctrlPr>
+                      </m:naryPr>
+                      <m:sub>
+                        <m:r>
+                          <m:rPr>
+                            <m:brk m:alnAt="23"/>
+                          </m:rPr>
+                          <a:rPr lang="en-US" b="0" i="1" smtClean="0">
+                            <a:latin typeface="Cambria Math" panose="02040503050406030204" pitchFamily="18" charset="0"/>
+                          </a:rPr>
+                          <m:t>𝑖</m:t>
+                        </m:r>
+                        <m:r>
+                          <a:rPr lang="en-US" b="0" i="1" smtClean="0">
+                            <a:latin typeface="Cambria Math" panose="02040503050406030204" pitchFamily="18" charset="0"/>
+                          </a:rPr>
+                          <m:t>=1</m:t>
+                        </m:r>
+                      </m:sub>
+                      <m:sup>
+                        <m:r>
+                          <a:rPr lang="en-US" b="0" i="1" smtClean="0">
+                            <a:latin typeface="Cambria Math" panose="02040503050406030204" pitchFamily="18" charset="0"/>
+                          </a:rPr>
+                          <m:t>23</m:t>
+                        </m:r>
+                      </m:sup>
+                      <m:e>
+                        <m:nary>
+                          <m:naryPr>
+                            <m:chr m:val="∑"/>
+                            <m:ctrlPr>
+                              <a:rPr lang="en-US" b="0" i="1" smtClean="0">
+                                <a:latin typeface="Cambria Math" panose="02040503050406030204" pitchFamily="18" charset="0"/>
+                              </a:rPr>
+                            </m:ctrlPr>
+                          </m:naryPr>
+                          <m:sub>
+                            <m:r>
+                              <m:rPr>
+                                <m:brk m:alnAt="23"/>
+                              </m:rPr>
+                              <a:rPr lang="en-US" b="0" i="1" smtClean="0">
+                                <a:latin typeface="Cambria Math" panose="02040503050406030204" pitchFamily="18" charset="0"/>
+                              </a:rPr>
+                              <m:t>𝑗</m:t>
+                            </m:r>
+                            <m:r>
+                              <a:rPr lang="en-US" b="0" i="1" smtClean="0">
+                                <a:latin typeface="Cambria Math" panose="02040503050406030204" pitchFamily="18" charset="0"/>
+                              </a:rPr>
+                              <m:t>=1</m:t>
+                            </m:r>
+                          </m:sub>
+                          <m:sup>
+                            <m:r>
+                              <a:rPr lang="en-US" b="0" i="1" smtClean="0">
+                                <a:latin typeface="Cambria Math" panose="02040503050406030204" pitchFamily="18" charset="0"/>
+                              </a:rPr>
+                              <m:t>6</m:t>
+                            </m:r>
+                          </m:sup>
+                          <m:e>
+                            <m:sSub>
+                              <m:sSubPr>
+                                <m:ctrlPr>
+                                  <a:rPr lang="en-US" i="1">
+                                    <a:latin typeface="Cambria Math" panose="02040503050406030204" pitchFamily="18" charset="0"/>
+                                  </a:rPr>
+                                </m:ctrlPr>
+                              </m:sSubPr>
+                              <m:e>
+                                <m:r>
+                                  <a:rPr lang="en-US" i="1">
+                                    <a:latin typeface="Cambria Math" panose="02040503050406030204" pitchFamily="18" charset="0"/>
+                                  </a:rPr>
+                                  <m:t>𝜉</m:t>
+                                </m:r>
+                              </m:e>
+                              <m:sub>
+                                <m:r>
+                                  <a:rPr lang="en-US" i="1">
+                                    <a:latin typeface="Cambria Math" panose="02040503050406030204" pitchFamily="18" charset="0"/>
+                                  </a:rPr>
+                                  <m:t>6</m:t>
+                                </m:r>
+                                <m:d>
+                                  <m:dPr>
+                                    <m:ctrlPr>
+                                      <a:rPr lang="en-US" i="1">
+                                        <a:latin typeface="Cambria Math" panose="02040503050406030204" pitchFamily="18" charset="0"/>
+                                      </a:rPr>
+                                    </m:ctrlPr>
+                                  </m:dPr>
+                                  <m:e>
+                                    <m:r>
+                                      <a:rPr lang="en-US" b="0" i="1" smtClean="0">
+                                        <a:latin typeface="Cambria Math" panose="02040503050406030204" pitchFamily="18" charset="0"/>
+                                      </a:rPr>
+                                      <m:t>𝑖</m:t>
+                                    </m:r>
+                                    <m:r>
+                                      <a:rPr lang="en-US" i="1">
+                                        <a:latin typeface="Cambria Math" panose="02040503050406030204" pitchFamily="18" charset="0"/>
+                                      </a:rPr>
+                                      <m:t>−1</m:t>
+                                    </m:r>
+                                  </m:e>
+                                </m:d>
+                                <m:r>
+                                  <a:rPr lang="en-US" b="0" i="1" smtClean="0">
+                                    <a:latin typeface="Cambria Math" panose="02040503050406030204" pitchFamily="18" charset="0"/>
+                                  </a:rPr>
+                                  <m:t>+</m:t>
+                                </m:r>
+                                <m:r>
+                                  <a:rPr lang="en-US" b="0" i="1" smtClean="0">
+                                    <a:latin typeface="Cambria Math" panose="02040503050406030204" pitchFamily="18" charset="0"/>
+                                  </a:rPr>
+                                  <m:t>𝑗</m:t>
+                                </m:r>
+                              </m:sub>
+                            </m:sSub>
+                            <m:r>
+                              <m:rPr>
+                                <m:nor/>
+                              </m:rPr>
+                              <a:rPr lang="en-US" dirty="0"/>
+                              <m:t> </m:t>
+                            </m:r>
+                            <m:r>
+                              <a:rPr lang="en-US" i="1">
+                                <a:latin typeface="Cambria Math" panose="02040503050406030204" pitchFamily="18" charset="0"/>
+                              </a:rPr>
+                              <m:t>𝟙</m:t>
+                            </m:r>
+                            <m:d>
+                              <m:dPr>
+                                <m:ctrlPr>
+                                  <a:rPr lang="en-US" i="1">
+                                    <a:latin typeface="Cambria Math" panose="02040503050406030204" pitchFamily="18" charset="0"/>
+                                  </a:rPr>
+                                </m:ctrlPr>
+                              </m:dPr>
+                              <m:e>
+                                <m:r>
+                                  <a:rPr lang="en-US" i="1">
+                                    <a:latin typeface="Cambria Math" panose="02040503050406030204" pitchFamily="18" charset="0"/>
+                                  </a:rPr>
+                                  <m:t>𝐻𝑜𝑢</m:t>
+                                </m:r>
+                                <m:sSub>
+                                  <m:sSubPr>
+                                    <m:ctrlPr>
+                                      <a:rPr lang="en-US" i="1">
+                                        <a:latin typeface="Cambria Math" panose="02040503050406030204" pitchFamily="18" charset="0"/>
+                                      </a:rPr>
+                                    </m:ctrlPr>
+                                  </m:sSubPr>
+                                  <m:e>
+                                    <m:r>
+                                      <a:rPr lang="en-US" i="1">
+                                        <a:latin typeface="Cambria Math" panose="02040503050406030204" pitchFamily="18" charset="0"/>
+                                      </a:rPr>
+                                      <m:t>𝑟</m:t>
+                                    </m:r>
+                                  </m:e>
+                                  <m:sub>
+                                    <m:r>
+                                      <a:rPr lang="en-US" i="1">
+                                        <a:latin typeface="Cambria Math" panose="02040503050406030204" pitchFamily="18" charset="0"/>
+                                      </a:rPr>
+                                      <m:t>h</m:t>
+                                    </m:r>
+                                  </m:sub>
+                                </m:sSub>
+                                <m:r>
+                                  <a:rPr lang="en-US" i="1">
+                                    <a:latin typeface="Cambria Math" panose="02040503050406030204" pitchFamily="18" charset="0"/>
+                                  </a:rPr>
+                                  <m:t>=</m:t>
+                                </m:r>
+                                <m:r>
+                                  <a:rPr lang="en-US" i="1">
+                                    <a:latin typeface="Cambria Math" panose="02040503050406030204" pitchFamily="18" charset="0"/>
+                                  </a:rPr>
+                                  <m:t>𝑖</m:t>
+                                </m:r>
+                              </m:e>
+                            </m:d>
+                            <m:r>
+                              <m:rPr>
+                                <m:nor/>
+                              </m:rPr>
+                              <a:rPr lang="en-US" dirty="0"/>
+                              <m:t> </m:t>
+                            </m:r>
+                            <m:r>
+                              <a:rPr lang="en-US" i="1">
+                                <a:latin typeface="Cambria Math" panose="02040503050406030204" pitchFamily="18" charset="0"/>
+                              </a:rPr>
+                              <m:t>𝟙</m:t>
+                            </m:r>
+                            <m:d>
+                              <m:dPr>
+                                <m:ctrlPr>
+                                  <a:rPr lang="en-US" i="1">
+                                    <a:latin typeface="Cambria Math" panose="02040503050406030204" pitchFamily="18" charset="0"/>
+                                  </a:rPr>
+                                </m:ctrlPr>
+                              </m:dPr>
+                              <m:e>
+                                <m:r>
+                                  <a:rPr lang="en-US" i="1">
+                                    <a:latin typeface="Cambria Math" panose="02040503050406030204" pitchFamily="18" charset="0"/>
+                                  </a:rPr>
+                                  <m:t>𝐷𝑎</m:t>
+                                </m:r>
+                                <m:sSub>
+                                  <m:sSubPr>
+                                    <m:ctrlPr>
+                                      <a:rPr lang="en-US" i="1">
+                                        <a:latin typeface="Cambria Math" panose="02040503050406030204" pitchFamily="18" charset="0"/>
+                                      </a:rPr>
+                                    </m:ctrlPr>
+                                  </m:sSubPr>
+                                  <m:e>
+                                    <m:r>
+                                      <a:rPr lang="en-US" i="1">
+                                        <a:latin typeface="Cambria Math" panose="02040503050406030204" pitchFamily="18" charset="0"/>
+                                      </a:rPr>
+                                      <m:t>𝑦</m:t>
+                                    </m:r>
+                                  </m:e>
+                                  <m:sub>
+                                    <m:r>
+                                      <a:rPr lang="en-US" i="1">
+                                        <a:latin typeface="Cambria Math" panose="02040503050406030204" pitchFamily="18" charset="0"/>
+                                      </a:rPr>
+                                      <m:t>𝑑</m:t>
+                                    </m:r>
+                                  </m:sub>
+                                </m:sSub>
+                                <m:r>
+                                  <a:rPr lang="en-US" i="1">
+                                    <a:latin typeface="Cambria Math" panose="02040503050406030204" pitchFamily="18" charset="0"/>
+                                  </a:rPr>
+                                  <m:t>=</m:t>
+                                </m:r>
+                                <m:r>
+                                  <a:rPr lang="en-US" i="1">
+                                    <a:latin typeface="Cambria Math" panose="02040503050406030204" pitchFamily="18" charset="0"/>
+                                  </a:rPr>
+                                  <m:t>𝑗</m:t>
+                                </m:r>
+                              </m:e>
+                            </m:d>
+                          </m:e>
+                        </m:nary>
+                      </m:e>
+                    </m:nary>
+                    <m:r>
+                      <a:rPr lang="en-US" b="0" i="1" smtClean="0">
+                        <a:latin typeface="Cambria Math" panose="02040503050406030204" pitchFamily="18" charset="0"/>
+                      </a:rPr>
+                      <m:t>+</m:t>
+                    </m:r>
+                    <m:nary>
+                      <m:naryPr>
+                        <m:chr m:val="∑"/>
+                        <m:limLoc m:val="subSup"/>
+                        <m:ctrlPr>
+                          <a:rPr lang="en-US" b="0" i="1" smtClean="0">
+                            <a:latin typeface="Cambria Math" panose="02040503050406030204" pitchFamily="18" charset="0"/>
+                          </a:rPr>
+                        </m:ctrlPr>
+                      </m:naryPr>
+                      <m:sub>
+                        <m:r>
+                          <m:rPr>
+                            <m:brk m:alnAt="25"/>
+                          </m:rPr>
+                          <a:rPr lang="en-US" b="0" i="1" smtClean="0">
+                            <a:latin typeface="Cambria Math" panose="02040503050406030204" pitchFamily="18" charset="0"/>
+                          </a:rPr>
+                          <m:t>𝑖</m:t>
+                        </m:r>
+                        <m:r>
+                          <a:rPr lang="en-US" b="0" i="1" smtClean="0">
+                            <a:latin typeface="Cambria Math" panose="02040503050406030204" pitchFamily="18" charset="0"/>
+                          </a:rPr>
+                          <m:t>=1</m:t>
+                        </m:r>
+                      </m:sub>
+                      <m:sup>
+                        <m:r>
+                          <a:rPr lang="en-US" b="0" i="1" smtClean="0">
+                            <a:latin typeface="Cambria Math" panose="02040503050406030204" pitchFamily="18" charset="0"/>
+                          </a:rPr>
+                          <m:t>24</m:t>
+                        </m:r>
+                      </m:sup>
+                      <m:e>
+                        <m:sSub>
+                          <m:sSubPr>
+                            <m:ctrlPr>
+                              <a:rPr lang="en-US" i="1">
+                                <a:latin typeface="Cambria Math" panose="02040503050406030204" pitchFamily="18" charset="0"/>
+                              </a:rPr>
+                            </m:ctrlPr>
+                          </m:sSubPr>
+                          <m:e>
+                            <m:r>
+                              <a:rPr lang="en-US" i="1">
+                                <a:latin typeface="Cambria Math" panose="02040503050406030204" pitchFamily="18" charset="0"/>
+                              </a:rPr>
+                              <m:t>𝜓</m:t>
+                            </m:r>
+                          </m:e>
+                          <m:sub>
+                            <m:r>
+                              <m:rPr>
+                                <m:sty m:val="p"/>
+                              </m:rPr>
+                              <a:rPr lang="en-US">
+                                <a:latin typeface="Cambria Math" panose="02040503050406030204" pitchFamily="18" charset="0"/>
+                              </a:rPr>
+                              <m:t>i</m:t>
+                            </m:r>
+                          </m:sub>
+                        </m:sSub>
+                        <m:d>
+                          <m:dPr>
+                            <m:ctrlPr>
+                              <a:rPr lang="en-US" i="1">
+                                <a:latin typeface="Cambria Math" panose="02040503050406030204" pitchFamily="18" charset="0"/>
+                              </a:rPr>
+                            </m:ctrlPr>
+                          </m:dPr>
+                          <m:e>
+                            <m:sSub>
+                              <m:sSubPr>
+                                <m:ctrlPr>
+                                  <a:rPr lang="en-US" i="1">
+                                    <a:latin typeface="Cambria Math" panose="02040503050406030204" pitchFamily="18" charset="0"/>
+                                  </a:rPr>
+                                </m:ctrlPr>
+                              </m:sSubPr>
+                              <m:e>
+                                <m:r>
+                                  <a:rPr lang="en-US" i="1">
+                                    <a:latin typeface="Cambria Math" panose="02040503050406030204" pitchFamily="18" charset="0"/>
+                                  </a:rPr>
+                                  <m:t>𝑌</m:t>
+                                </m:r>
+                              </m:e>
+                              <m:sub>
+                                <m:r>
+                                  <a:rPr lang="en-US" i="1">
+                                    <a:latin typeface="Cambria Math" panose="02040503050406030204" pitchFamily="18" charset="0"/>
+                                  </a:rPr>
+                                  <m:t>h𝑑𝑚𝑦</m:t>
+                                </m:r>
+                              </m:sub>
+                            </m:sSub>
+                            <m:r>
+                              <a:rPr lang="en-US" i="1">
+                                <a:latin typeface="Cambria Math" panose="02040503050406030204" pitchFamily="18" charset="0"/>
+                              </a:rPr>
+                              <m:t>−</m:t>
+                            </m:r>
+                            <m:sSub>
+                              <m:sSubPr>
+                                <m:ctrlPr>
+                                  <a:rPr lang="en-US" i="1">
+                                    <a:latin typeface="Cambria Math" panose="02040503050406030204" pitchFamily="18" charset="0"/>
+                                  </a:rPr>
+                                </m:ctrlPr>
+                              </m:sSubPr>
+                              <m:e>
+                                <m:r>
+                                  <a:rPr lang="en-US" i="1">
+                                    <a:latin typeface="Cambria Math" panose="02040503050406030204" pitchFamily="18" charset="0"/>
+                                  </a:rPr>
+                                  <m:t>𝑌</m:t>
+                                </m:r>
+                              </m:e>
+                              <m:sub>
+                                <m:d>
+                                  <m:dPr>
+                                    <m:ctrlPr>
+                                      <a:rPr lang="en-US" i="1">
+                                        <a:latin typeface="Cambria Math" panose="02040503050406030204" pitchFamily="18" charset="0"/>
+                                      </a:rPr>
+                                    </m:ctrlPr>
+                                  </m:dPr>
+                                  <m:e>
+                                    <m:r>
+                                      <a:rPr lang="en-US" i="1">
+                                        <a:latin typeface="Cambria Math" panose="02040503050406030204" pitchFamily="18" charset="0"/>
+                                      </a:rPr>
+                                      <m:t>h</m:t>
+                                    </m:r>
+                                    <m:r>
+                                      <a:rPr lang="en-US" i="1">
+                                        <a:latin typeface="Cambria Math" panose="02040503050406030204" pitchFamily="18" charset="0"/>
+                                      </a:rPr>
+                                      <m:t>−</m:t>
+                                    </m:r>
+                                    <m:r>
+                                      <a:rPr lang="en-US" i="1">
+                                        <a:latin typeface="Cambria Math" panose="02040503050406030204" pitchFamily="18" charset="0"/>
+                                      </a:rPr>
+                                      <m:t>𝑖</m:t>
+                                    </m:r>
+                                  </m:e>
+                                </m:d>
+                                <m:r>
+                                  <a:rPr lang="en-US" i="1">
+                                    <a:latin typeface="Cambria Math" panose="02040503050406030204" pitchFamily="18" charset="0"/>
+                                  </a:rPr>
+                                  <m:t>𝑑𝑚𝑦</m:t>
+                                </m:r>
+                              </m:sub>
+                            </m:sSub>
+                          </m:e>
+                        </m:d>
+                      </m:e>
+                    </m:nary>
+                    <m:r>
+                      <a:rPr lang="en-US" b="0" i="1" smtClean="0">
+                        <a:latin typeface="Cambria Math" panose="02040503050406030204" pitchFamily="18" charset="0"/>
+                      </a:rPr>
+                      <m:t>+</m:t>
+                    </m:r>
+                    <m:sSub>
+                      <m:sSubPr>
+                        <m:ctrlPr>
+                          <a:rPr lang="en-US" i="1">
+                            <a:latin typeface="Cambria Math" panose="02040503050406030204" pitchFamily="18" charset="0"/>
+                          </a:rPr>
+                        </m:ctrlPr>
+                      </m:sSubPr>
+                      <m:e>
+                        <m:r>
+                          <a:rPr lang="en-US" i="1">
+                            <a:latin typeface="Cambria Math" panose="02040503050406030204" pitchFamily="18" charset="0"/>
+                          </a:rPr>
+                          <m:t>𝜖</m:t>
+                        </m:r>
+                      </m:e>
+                      <m:sub>
+                        <m:r>
+                          <a:rPr lang="en-US" i="1">
+                            <a:latin typeface="Cambria Math" panose="02040503050406030204" pitchFamily="18" charset="0"/>
+                          </a:rPr>
+                          <m:t>h𝑑𝑚𝑦</m:t>
+                        </m:r>
+                      </m:sub>
+                    </m:sSub>
+                    <m:r>
+                      <a:rPr lang="en-US" b="0" i="1" smtClean="0">
+                        <a:latin typeface="Cambria Math" panose="02040503050406030204" pitchFamily="18" charset="0"/>
+                      </a:rPr>
+                      <m:t>}</m:t>
+                    </m:r>
+                  </m:oMath>
+                </a14:m>
+                <a:endParaRPr lang="en-US" b="0" dirty="0"/>
+              </a:p>
+            </p:txBody>
+          </p:sp>
+        </mc:Choice>
+        <mc:Fallback>
+          <p:sp>
+            <p:nvSpPr>
+              <p:cNvPr id="3" name="Subtitle 2">
+                <a:extLst>
+                  <a:ext uri="{FF2B5EF4-FFF2-40B4-BE49-F238E27FC236}">
+                    <a16:creationId xmlns:a16="http://schemas.microsoft.com/office/drawing/2014/main" id="{D9DE4C28-59E7-E7D3-4B20-4FD0304518B7}"/>
+                  </a:ext>
+                </a:extLst>
+              </p:cNvPr>
+              <p:cNvSpPr>
+                <a:spLocks noGrp="1" noRot="1" noChangeAspect="1" noMove="1" noResize="1" noEditPoints="1" noAdjustHandles="1" noChangeArrowheads="1" noChangeShapeType="1" noTextEdit="1"/>
+              </p:cNvSpPr>
+              <p:nvPr>
+                <p:ph type="subTitle" idx="1"/>
+              </p:nvPr>
+            </p:nvSpPr>
+            <p:spPr>
+              <a:xfrm>
+                <a:off x="922712" y="2019438"/>
+                <a:ext cx="10598727" cy="4065477"/>
+              </a:xfrm>
+              <a:blipFill>
+                <a:blip r:embed="rId3"/>
+                <a:stretch>
+                  <a:fillRect/>
+                </a:stretch>
+              </a:blipFill>
+            </p:spPr>
+            <p:txBody>
+              <a:bodyPr/>
+              <a:lstStyle/>
+              <a:p>
+                <a:r>
+                  <a:rPr lang="en-US">
+                    <a:noFill/>
+                  </a:rPr>
+                  <a:t> </a:t>
+                </a:r>
+              </a:p>
+            </p:txBody>
+          </p:sp>
+        </mc:Fallback>
+      </mc:AlternateContent>
+      <p:sp>
+        <p:nvSpPr>
+          <p:cNvPr id="4" name="TextBox 3">
+            <a:extLst>
+              <a:ext uri="{FF2B5EF4-FFF2-40B4-BE49-F238E27FC236}">
+                <a16:creationId xmlns:a16="http://schemas.microsoft.com/office/drawing/2014/main" id="{FC6C21BF-CF50-1E2E-B435-251254187385}"/>
+              </a:ext>
+            </a:extLst>
+          </p:cNvPr>
+          <p:cNvSpPr txBox="1"/>
+          <p:nvPr/>
+        </p:nvSpPr>
+        <p:spPr>
+          <a:xfrm>
+            <a:off x="7373815" y="3118338"/>
+            <a:ext cx="184731" cy="369332"/>
+          </a:xfrm>
+          <a:prstGeom prst="rect">
+            <a:avLst/>
+          </a:prstGeom>
+          <a:noFill/>
+        </p:spPr>
+        <p:txBody>
+          <a:bodyPr wrap="none" rtlCol="0">
+            <a:spAutoFit/>
+          </a:bodyPr>
+          <a:lstStyle/>
+          <a:p>
+            <a:endParaRPr lang="en-US" dirty="0"/>
+          </a:p>
+        </p:txBody>
+      </p:sp>
+      <p:cxnSp>
+        <p:nvCxnSpPr>
+          <p:cNvPr id="6" name="Connector: Curved 5">
+            <a:extLst>
+              <a:ext uri="{FF2B5EF4-FFF2-40B4-BE49-F238E27FC236}">
+                <a16:creationId xmlns:a16="http://schemas.microsoft.com/office/drawing/2014/main" id="{4D5D9339-8186-F148-EE9E-5E5F23743F40}"/>
+              </a:ext>
+            </a:extLst>
+          </p:cNvPr>
+          <p:cNvCxnSpPr/>
+          <p:nvPr/>
+        </p:nvCxnSpPr>
+        <p:spPr>
+          <a:xfrm rot="16200000" flipV="1">
+            <a:off x="1131443" y="2109504"/>
+            <a:ext cx="856527" cy="769682"/>
+          </a:xfrm>
+          <a:prstGeom prst="curvedConnector3">
+            <a:avLst/>
+          </a:prstGeom>
+          <a:ln>
+            <a:solidFill>
+              <a:schemeClr val="tx1"/>
+            </a:solidFill>
+            <a:tailEnd type="triangle"/>
+          </a:ln>
+        </p:spPr>
+        <p:style>
+          <a:lnRef idx="2">
+            <a:schemeClr val="accent1"/>
+          </a:lnRef>
+          <a:fillRef idx="0">
+            <a:schemeClr val="accent1"/>
+          </a:fillRef>
+          <a:effectRef idx="1">
+            <a:schemeClr val="accent1"/>
+          </a:effectRef>
+          <a:fontRef idx="minor">
+            <a:schemeClr val="tx1"/>
+          </a:fontRef>
+        </p:style>
+      </p:cxnSp>
+      <p:sp>
+        <p:nvSpPr>
+          <p:cNvPr id="7" name="TextBox 6">
+            <a:extLst>
+              <a:ext uri="{FF2B5EF4-FFF2-40B4-BE49-F238E27FC236}">
+                <a16:creationId xmlns:a16="http://schemas.microsoft.com/office/drawing/2014/main" id="{1C4D6D11-4F1C-9179-6876-A94BB7FC8851}"/>
+              </a:ext>
+            </a:extLst>
+          </p:cNvPr>
+          <p:cNvSpPr txBox="1"/>
+          <p:nvPr/>
+        </p:nvSpPr>
+        <p:spPr>
+          <a:xfrm>
+            <a:off x="185194" y="1696749"/>
+            <a:ext cx="2575367" cy="369332"/>
+          </a:xfrm>
+          <a:prstGeom prst="rect">
+            <a:avLst/>
+          </a:prstGeom>
+          <a:noFill/>
+        </p:spPr>
+        <p:txBody>
+          <a:bodyPr wrap="square" rtlCol="0">
+            <a:spAutoFit/>
+          </a:bodyPr>
+          <a:lstStyle/>
+          <a:p>
+            <a:r>
+              <a:rPr lang="en-US" dirty="0"/>
+              <a:t>Hour, Day, Month, Year</a:t>
+            </a:r>
+          </a:p>
+        </p:txBody>
+      </p:sp>
+      <p:cxnSp>
+        <p:nvCxnSpPr>
+          <p:cNvPr id="8" name="Connector: Curved 7">
+            <a:extLst>
+              <a:ext uri="{FF2B5EF4-FFF2-40B4-BE49-F238E27FC236}">
+                <a16:creationId xmlns:a16="http://schemas.microsoft.com/office/drawing/2014/main" id="{9F260F93-2480-7EDE-9EBC-16B024C38E8F}"/>
+              </a:ext>
+            </a:extLst>
+          </p:cNvPr>
+          <p:cNvCxnSpPr/>
+          <p:nvPr/>
+        </p:nvCxnSpPr>
+        <p:spPr>
+          <a:xfrm rot="16200000" flipV="1">
+            <a:off x="3920924" y="2456727"/>
+            <a:ext cx="312516" cy="260430"/>
+          </a:xfrm>
+          <a:prstGeom prst="curvedConnector3">
+            <a:avLst/>
+          </a:prstGeom>
+          <a:ln>
+            <a:solidFill>
+              <a:schemeClr val="tx1"/>
+            </a:solidFill>
+            <a:tailEnd type="triangle"/>
+          </a:ln>
+        </p:spPr>
+        <p:style>
+          <a:lnRef idx="2">
+            <a:schemeClr val="accent1"/>
+          </a:lnRef>
+          <a:fillRef idx="0">
+            <a:schemeClr val="accent1"/>
+          </a:fillRef>
+          <a:effectRef idx="1">
+            <a:schemeClr val="accent1"/>
+          </a:effectRef>
+          <a:fontRef idx="minor">
+            <a:schemeClr val="tx1"/>
+          </a:fontRef>
+        </p:style>
+      </p:cxnSp>
+      <p:sp>
+        <p:nvSpPr>
+          <p:cNvPr id="10" name="TextBox 9">
+            <a:extLst>
+              <a:ext uri="{FF2B5EF4-FFF2-40B4-BE49-F238E27FC236}">
+                <a16:creationId xmlns:a16="http://schemas.microsoft.com/office/drawing/2014/main" id="{35E56398-BD87-24D3-3860-9B93EC66A775}"/>
+              </a:ext>
+            </a:extLst>
+          </p:cNvPr>
+          <p:cNvSpPr txBox="1"/>
+          <p:nvPr/>
+        </p:nvSpPr>
+        <p:spPr>
+          <a:xfrm>
+            <a:off x="2196701" y="2105457"/>
+            <a:ext cx="2575367" cy="369332"/>
+          </a:xfrm>
+          <a:prstGeom prst="rect">
+            <a:avLst/>
+          </a:prstGeom>
+          <a:noFill/>
+        </p:spPr>
+        <p:txBody>
+          <a:bodyPr wrap="square" rtlCol="0">
+            <a:spAutoFit/>
+          </a:bodyPr>
+          <a:lstStyle/>
+          <a:p>
+            <a:r>
+              <a:rPr lang="en-US" dirty="0"/>
+              <a:t>Main Effect of Interest</a:t>
+            </a:r>
+          </a:p>
+        </p:txBody>
+      </p:sp>
+    </p:spTree>
+    <p:extLst>
+      <p:ext uri="{BB962C8B-B14F-4D97-AF65-F5344CB8AC3E}">
+        <p14:creationId xmlns:p14="http://schemas.microsoft.com/office/powerpoint/2010/main" val="3820963602"/>
+      </p:ext>
+    </p:extLst>
+  </p:cSld>
+  <p:clrMapOvr>
+    <a:masterClrMapping/>
+  </p:clrMapOvr>
+</p:sld>
+</file>
+
+<file path=ppt/slides/slide7.xml><?xml version="1.0" encoding="utf-8"?>
+<p:sld xmlns:a="http://schemas.openxmlformats.org/drawingml/2006/main" xmlns:r="http://schemas.openxmlformats.org/officeDocument/2006/relationships" xmlns:p="http://schemas.openxmlformats.org/presentationml/2006/main">
+  <p:cSld>
+    <p:spTree>
+      <p:nvGrpSpPr>
+        <p:cNvPr id="1" name=""/>
+        <p:cNvGrpSpPr/>
+        <p:nvPr/>
+      </p:nvGrpSpPr>
+      <p:grpSpPr>
+        <a:xfrm>
+          <a:off x="0" y="0"/>
+          <a:ext cx="0" cy="0"/>
+          <a:chOff x="0" y="0"/>
+          <a:chExt cx="0" cy="0"/>
+        </a:xfrm>
+      </p:grpSpPr>
+      <p:sp>
+        <p:nvSpPr>
+          <p:cNvPr id="2" name="Title 1">
+            <a:extLst>
+              <a:ext uri="{FF2B5EF4-FFF2-40B4-BE49-F238E27FC236}">
+                <a16:creationId xmlns:a16="http://schemas.microsoft.com/office/drawing/2014/main" id="{9F6C1502-DDA4-4194-0B16-DC36D7632194}"/>
+              </a:ext>
+            </a:extLst>
+          </p:cNvPr>
+          <p:cNvSpPr>
+            <a:spLocks noGrp="1"/>
+          </p:cNvSpPr>
+          <p:nvPr>
+            <p:ph type="ctrTitle"/>
+          </p:nvPr>
+        </p:nvSpPr>
+        <p:spPr>
+          <a:xfrm>
+            <a:off x="1174865" y="0"/>
+            <a:ext cx="10005753" cy="1831908"/>
+          </a:xfrm>
+        </p:spPr>
+        <p:txBody>
+          <a:bodyPr>
+            <a:normAutofit/>
+          </a:bodyPr>
+          <a:lstStyle/>
+          <a:p>
+            <a:r>
+              <a:rPr lang="en-US" sz="3600" dirty="0"/>
+              <a:t>Bayesian Autoregressive Zero-Inflated Poisson Regression</a:t>
+            </a:r>
+          </a:p>
+        </p:txBody>
+      </p:sp>
+      <mc:AlternateContent xmlns:mc="http://schemas.openxmlformats.org/markup-compatibility/2006">
+        <mc:Choice xmlns:a14="http://schemas.microsoft.com/office/drawing/2010/main" Requires="a14">
+          <p:sp>
+            <p:nvSpPr>
+              <p:cNvPr id="3" name="Subtitle 2">
+                <a:extLst>
+                  <a:ext uri="{FF2B5EF4-FFF2-40B4-BE49-F238E27FC236}">
+                    <a16:creationId xmlns:a16="http://schemas.microsoft.com/office/drawing/2014/main" id="{D9DE4C28-59E7-E7D3-4B20-4FD0304518B7}"/>
+                  </a:ext>
+                </a:extLst>
+              </p:cNvPr>
+              <p:cNvSpPr>
+                <a:spLocks noGrp="1"/>
+              </p:cNvSpPr>
+              <p:nvPr>
+                <p:ph type="subTitle" idx="1"/>
+              </p:nvPr>
+            </p:nvSpPr>
+            <p:spPr>
+              <a:xfrm>
+                <a:off x="922712" y="2019438"/>
+                <a:ext cx="10598727" cy="4065477"/>
+              </a:xfrm>
+            </p:spPr>
+            <p:txBody>
+              <a:bodyPr>
+                <a:normAutofit/>
+              </a:bodyPr>
+              <a:lstStyle/>
+              <a:p>
+                <a:pPr/>
+                <a14:m>
+                  <m:oMathPara xmlns:m="http://schemas.openxmlformats.org/officeDocument/2006/math">
+                    <m:oMathParaPr>
+                      <m:jc m:val="centerGroup"/>
+                    </m:oMathParaPr>
+                    <m:oMath xmlns:m="http://schemas.openxmlformats.org/officeDocument/2006/math">
+                      <m:sSub>
+                        <m:sSubPr>
+                          <m:ctrlPr>
+                            <a:rPr lang="en-US" b="0" i="1" smtClean="0">
+                              <a:latin typeface="Cambria Math" panose="02040503050406030204" pitchFamily="18" charset="0"/>
+                            </a:rPr>
+                          </m:ctrlPr>
+                        </m:sSubPr>
+                        <m:e>
+                          <m:r>
+                            <a:rPr lang="en-US" b="0" i="1" smtClean="0">
+                              <a:latin typeface="Cambria Math" panose="02040503050406030204" pitchFamily="18" charset="0"/>
+                            </a:rPr>
+                            <m:t>𝑌</m:t>
+                          </m:r>
+                        </m:e>
+                        <m:sub>
+                          <m:r>
+                            <a:rPr lang="en-US" b="0" i="1" smtClean="0">
+                              <a:latin typeface="Cambria Math" panose="02040503050406030204" pitchFamily="18" charset="0"/>
+                            </a:rPr>
+                            <m:t>h𝑑𝑚𝑦</m:t>
+                          </m:r>
+                        </m:sub>
+                      </m:sSub>
+                      <m:r>
+                        <a:rPr lang="en-US" b="0" i="1" smtClean="0">
+                          <a:latin typeface="Cambria Math" panose="02040503050406030204" pitchFamily="18" charset="0"/>
+                        </a:rPr>
+                        <m:t>~</m:t>
+                      </m:r>
+                      <m:r>
+                        <a:rPr lang="en-US" b="0" i="1" smtClean="0">
+                          <a:latin typeface="Cambria Math" panose="02040503050406030204" pitchFamily="18" charset="0"/>
+                        </a:rPr>
+                        <m:t>𝑍𝐼𝑃</m:t>
+                      </m:r>
+                      <m:d>
+                        <m:dPr>
+                          <m:ctrlPr>
+                            <a:rPr lang="en-US" b="0" i="1" smtClean="0">
+                              <a:latin typeface="Cambria Math" panose="02040503050406030204" pitchFamily="18" charset="0"/>
+                            </a:rPr>
+                          </m:ctrlPr>
+                        </m:dPr>
+                        <m:e>
+                          <m:sSub>
+                            <m:sSubPr>
+                              <m:ctrlPr>
+                                <a:rPr lang="en-US" b="0" i="1" smtClean="0">
+                                  <a:latin typeface="Cambria Math" panose="02040503050406030204" pitchFamily="18" charset="0"/>
+                                </a:rPr>
+                              </m:ctrlPr>
+                            </m:sSubPr>
+                            <m:e>
+                              <m:r>
+                                <a:rPr lang="en-US" b="0" i="1" smtClean="0">
+                                  <a:latin typeface="Cambria Math" panose="02040503050406030204" pitchFamily="18" charset="0"/>
+                                </a:rPr>
+                                <m:t>𝜆</m:t>
+                              </m:r>
+                            </m:e>
+                            <m:sub>
+                              <m:r>
+                                <a:rPr lang="en-US" b="0" i="1" smtClean="0">
+                                  <a:latin typeface="Cambria Math" panose="02040503050406030204" pitchFamily="18" charset="0"/>
+                                </a:rPr>
+                                <m:t>h𝑑𝑚𝑦</m:t>
+                              </m:r>
+                            </m:sub>
+                          </m:sSub>
+                          <m:r>
+                            <a:rPr lang="en-US" b="0" i="1" smtClean="0">
+                              <a:latin typeface="Cambria Math" panose="02040503050406030204" pitchFamily="18" charset="0"/>
+                            </a:rPr>
+                            <m:t>,</m:t>
+                          </m:r>
+                          <m:r>
+                            <a:rPr lang="en-US" b="0" i="1" smtClean="0">
+                              <a:latin typeface="Cambria Math" panose="02040503050406030204" pitchFamily="18" charset="0"/>
+                            </a:rPr>
+                            <m:t>𝜋</m:t>
+                          </m:r>
+                        </m:e>
+                      </m:d>
+                    </m:oMath>
+                  </m:oMathPara>
+                </a14:m>
+                <a:endParaRPr lang="en-US" b="0" dirty="0"/>
+              </a:p>
+              <a:p>
+                <a:pPr>
+                  <a:lnSpc>
+                    <a:spcPct val="150000"/>
+                  </a:lnSpc>
+                </a:pPr>
+                <a14:m>
+                  <m:oMath xmlns:m="http://schemas.openxmlformats.org/officeDocument/2006/math">
+                    <m:sSub>
+                      <m:sSubPr>
+                        <m:ctrlPr>
+                          <a:rPr lang="en-US" b="0" i="1" smtClean="0">
+                            <a:latin typeface="Cambria Math" panose="02040503050406030204" pitchFamily="18" charset="0"/>
+                          </a:rPr>
+                        </m:ctrlPr>
+                      </m:sSubPr>
+                      <m:e>
+                        <m:r>
+                          <a:rPr lang="en-US" b="0" i="1" smtClean="0">
+                            <a:latin typeface="Cambria Math" panose="02040503050406030204" pitchFamily="18" charset="0"/>
+                          </a:rPr>
+                          <m:t>𝜆</m:t>
+                        </m:r>
+                      </m:e>
+                      <m:sub>
+                        <m:r>
+                          <a:rPr lang="en-US" b="0" i="1" smtClean="0">
+                            <a:highlight>
+                              <a:srgbClr val="FFFF00"/>
+                            </a:highlight>
+                            <a:latin typeface="Cambria Math" panose="02040503050406030204" pitchFamily="18" charset="0"/>
+                          </a:rPr>
+                          <m:t>h𝑑𝑚𝑦</m:t>
+                        </m:r>
+                        <m:r>
+                          <a:rPr lang="en-US" b="0" i="1" smtClean="0">
+                            <a:highlight>
+                              <a:srgbClr val="FFFF00"/>
+                            </a:highlight>
+                            <a:latin typeface="Cambria Math" panose="02040503050406030204" pitchFamily="18" charset="0"/>
+                          </a:rPr>
+                          <m:t> </m:t>
+                        </m:r>
+                      </m:sub>
+                    </m:sSub>
+                    <m:r>
+                      <a:rPr lang="en-US" b="0" i="1" smtClean="0">
+                        <a:latin typeface="Cambria Math" panose="02040503050406030204" pitchFamily="18" charset="0"/>
+                      </a:rPr>
+                      <m:t>=</m:t>
+                    </m:r>
+                    <m:r>
+                      <a:rPr lang="en-US" b="0" i="0" smtClean="0">
+                        <a:latin typeface="Cambria Math" panose="02040503050406030204" pitchFamily="18" charset="0"/>
+                      </a:rPr>
+                      <m:t> </m:t>
+                    </m:r>
+                    <m:r>
+                      <m:rPr>
+                        <m:sty m:val="p"/>
+                      </m:rPr>
+                      <a:rPr lang="en-US" b="0" i="0" smtClean="0">
+                        <a:latin typeface="Cambria Math" panose="02040503050406030204" pitchFamily="18" charset="0"/>
+                      </a:rPr>
+                      <m:t>exp</m:t>
+                    </m:r>
+                    <m:r>
+                      <a:rPr lang="en-US" b="0" i="1" smtClean="0">
+                        <a:latin typeface="Cambria Math" panose="02040503050406030204" pitchFamily="18" charset="0"/>
+                      </a:rPr>
+                      <m:t>⁡{</m:t>
+                    </m:r>
+                    <m:sSub>
+                      <m:sSubPr>
+                        <m:ctrlPr>
+                          <a:rPr lang="en-US" b="0" i="1" smtClean="0">
+                            <a:latin typeface="Cambria Math" panose="02040503050406030204" pitchFamily="18" charset="0"/>
+                          </a:rPr>
+                        </m:ctrlPr>
+                      </m:sSubPr>
+                      <m:e>
+                        <m:r>
+                          <a:rPr lang="en-US" b="0" i="1" smtClean="0">
+                            <a:latin typeface="Cambria Math" panose="02040503050406030204" pitchFamily="18" charset="0"/>
+                          </a:rPr>
+                          <m:t>𝛽</m:t>
+                        </m:r>
+                      </m:e>
+                      <m:sub>
+                        <m:r>
+                          <a:rPr lang="en-US" b="0" i="1" smtClean="0">
+                            <a:latin typeface="Cambria Math" panose="02040503050406030204" pitchFamily="18" charset="0"/>
+                          </a:rPr>
+                          <m:t>0</m:t>
+                        </m:r>
+                      </m:sub>
+                    </m:sSub>
+                    <m:r>
+                      <a:rPr lang="en-US" b="0" i="1" smtClean="0">
+                        <a:latin typeface="Cambria Math" panose="02040503050406030204" pitchFamily="18" charset="0"/>
+                      </a:rPr>
+                      <m:t>+</m:t>
+                    </m:r>
+                    <m:sSub>
+                      <m:sSubPr>
+                        <m:ctrlPr>
+                          <a:rPr lang="en-US" b="0" i="1" smtClean="0">
+                            <a:highlight>
+                              <a:srgbClr val="FFFF00"/>
+                            </a:highlight>
+                            <a:latin typeface="Cambria Math" panose="02040503050406030204" pitchFamily="18" charset="0"/>
+                          </a:rPr>
+                        </m:ctrlPr>
+                      </m:sSubPr>
+                      <m:e>
+                        <m:r>
+                          <a:rPr lang="en-US" b="0" i="1" smtClean="0">
+                            <a:highlight>
+                              <a:srgbClr val="FFFF00"/>
+                            </a:highlight>
+                            <a:latin typeface="Cambria Math" panose="02040503050406030204" pitchFamily="18" charset="0"/>
+                          </a:rPr>
+                          <m:t>𝛽</m:t>
+                        </m:r>
+                      </m:e>
+                      <m:sub>
+                        <m:r>
+                          <a:rPr lang="en-US" b="0" i="1" smtClean="0">
+                            <a:highlight>
+                              <a:srgbClr val="FFFF00"/>
+                            </a:highlight>
+                            <a:latin typeface="Cambria Math" panose="02040503050406030204" pitchFamily="18" charset="0"/>
+                          </a:rPr>
+                          <m:t>1</m:t>
+                        </m:r>
+                      </m:sub>
+                    </m:sSub>
+                    <m:r>
+                      <a:rPr lang="en-US" b="0" i="1" smtClean="0">
+                        <a:latin typeface="Cambria Math" panose="02040503050406030204" pitchFamily="18" charset="0"/>
+                      </a:rPr>
+                      <m:t>𝐹𝑢𝑙𝑙𝑀𝑜𝑜</m:t>
+                    </m:r>
+                    <m:sSub>
+                      <m:sSubPr>
+                        <m:ctrlPr>
+                          <a:rPr lang="en-US" b="0" i="1" smtClean="0">
+                            <a:latin typeface="Cambria Math" panose="02040503050406030204" pitchFamily="18" charset="0"/>
+                          </a:rPr>
+                        </m:ctrlPr>
+                      </m:sSubPr>
+                      <m:e>
+                        <m:r>
+                          <a:rPr lang="en-US" b="0" i="1" smtClean="0">
+                            <a:latin typeface="Cambria Math" panose="02040503050406030204" pitchFamily="18" charset="0"/>
+                          </a:rPr>
+                          <m:t>𝑛</m:t>
+                        </m:r>
+                      </m:e>
+                      <m:sub>
+                        <m:r>
+                          <a:rPr lang="en-US" b="0" i="1" smtClean="0">
+                            <a:latin typeface="Cambria Math" panose="02040503050406030204" pitchFamily="18" charset="0"/>
+                          </a:rPr>
+                          <m:t>𝑑𝑚𝑦</m:t>
+                        </m:r>
+                      </m:sub>
+                    </m:sSub>
+                    <m:r>
+                      <a:rPr lang="en-US" b="0" i="1" smtClean="0">
+                        <a:latin typeface="Cambria Math" panose="02040503050406030204" pitchFamily="18" charset="0"/>
+                      </a:rPr>
+                      <m:t>+</m:t>
+                    </m:r>
+                    <m:sSub>
+                      <m:sSubPr>
+                        <m:ctrlPr>
+                          <a:rPr lang="en-US" b="0" i="1" smtClean="0">
+                            <a:latin typeface="Cambria Math" panose="02040503050406030204" pitchFamily="18" charset="0"/>
+                          </a:rPr>
+                        </m:ctrlPr>
+                      </m:sSubPr>
+                      <m:e>
+                        <m:r>
+                          <a:rPr lang="en-US" b="0" i="1" smtClean="0">
+                            <a:latin typeface="Cambria Math" panose="02040503050406030204" pitchFamily="18" charset="0"/>
+                          </a:rPr>
+                          <m:t>𝛽</m:t>
+                        </m:r>
+                      </m:e>
+                      <m:sub>
+                        <m:r>
+                          <a:rPr lang="en-US" b="0" i="1" smtClean="0">
+                            <a:latin typeface="Cambria Math" panose="02040503050406030204" pitchFamily="18" charset="0"/>
+                          </a:rPr>
+                          <m:t>2</m:t>
+                        </m:r>
+                      </m:sub>
+                    </m:sSub>
+                    <m:r>
+                      <a:rPr lang="en-US" b="0" i="1" smtClean="0">
+                        <a:latin typeface="Cambria Math" panose="02040503050406030204" pitchFamily="18" charset="0"/>
+                      </a:rPr>
+                      <m:t>𝑈𝑛𝑒𝑚𝑝𝑙𝑜𝑦𝑚𝑒𝑛</m:t>
+                    </m:r>
+                    <m:sSub>
+                      <m:sSubPr>
+                        <m:ctrlPr>
+                          <a:rPr lang="en-US" b="0" i="1" smtClean="0">
+                            <a:latin typeface="Cambria Math" panose="02040503050406030204" pitchFamily="18" charset="0"/>
+                          </a:rPr>
+                        </m:ctrlPr>
+                      </m:sSubPr>
+                      <m:e>
+                        <m:r>
+                          <a:rPr lang="en-US" b="0" i="1" smtClean="0">
+                            <a:latin typeface="Cambria Math" panose="02040503050406030204" pitchFamily="18" charset="0"/>
+                          </a:rPr>
+                          <m:t>𝑡</m:t>
+                        </m:r>
+                      </m:e>
+                      <m:sub>
+                        <m:r>
+                          <a:rPr lang="en-US" b="0" i="1" smtClean="0">
+                            <a:latin typeface="Cambria Math" panose="02040503050406030204" pitchFamily="18" charset="0"/>
+                          </a:rPr>
+                          <m:t>𝑚𝑦</m:t>
+                        </m:r>
+                      </m:sub>
+                    </m:sSub>
+                    <m:r>
+                      <a:rPr lang="en-US" b="0" i="1" smtClean="0">
+                        <a:latin typeface="Cambria Math" panose="02040503050406030204" pitchFamily="18" charset="0"/>
+                      </a:rPr>
+                      <m:t>+</m:t>
+                    </m:r>
+                    <m:sSub>
+                      <m:sSubPr>
+                        <m:ctrlPr>
+                          <a:rPr lang="en-US" b="0" i="1" smtClean="0">
+                            <a:latin typeface="Cambria Math" panose="02040503050406030204" pitchFamily="18" charset="0"/>
+                          </a:rPr>
+                        </m:ctrlPr>
+                      </m:sSubPr>
+                      <m:e>
+                        <m:r>
+                          <a:rPr lang="en-US" b="0" i="1" smtClean="0">
+                            <a:latin typeface="Cambria Math" panose="02040503050406030204" pitchFamily="18" charset="0"/>
+                          </a:rPr>
+                          <m:t>𝑋</m:t>
+                        </m:r>
+                      </m:e>
+                      <m:sub>
+                        <m:r>
+                          <a:rPr lang="en-US" b="0" i="1" smtClean="0">
+                            <a:latin typeface="Cambria Math" panose="02040503050406030204" pitchFamily="18" charset="0"/>
+                          </a:rPr>
+                          <m:t>h𝑑𝑚𝑦</m:t>
+                        </m:r>
+                      </m:sub>
+                    </m:sSub>
+                    <m:r>
+                      <m:rPr>
+                        <m:sty m:val="p"/>
+                      </m:rPr>
+                      <a:rPr lang="en-US" b="0" i="1" smtClean="0">
+                        <a:latin typeface="Cambria Math" panose="02040503050406030204" pitchFamily="18" charset="0"/>
+                      </a:rPr>
+                      <m:t>γ</m:t>
+                    </m:r>
+                    <m:r>
+                      <a:rPr lang="en-US" b="0" i="0" smtClean="0">
+                        <a:latin typeface="Cambria Math" panose="02040503050406030204" pitchFamily="18" charset="0"/>
+                      </a:rPr>
+                      <m:t>+</m:t>
+                    </m:r>
+                    <m:sSub>
+                      <m:sSubPr>
+                        <m:ctrlPr>
+                          <a:rPr lang="en-US" b="0" i="1" smtClean="0">
+                            <a:latin typeface="Cambria Math" panose="02040503050406030204" pitchFamily="18" charset="0"/>
+                          </a:rPr>
+                        </m:ctrlPr>
+                      </m:sSubPr>
+                      <m:e>
+                        <m:r>
+                          <m:rPr>
+                            <m:sty m:val="p"/>
+                          </m:rPr>
+                          <a:rPr lang="en-US" b="0" i="0" smtClean="0">
+                            <a:latin typeface="Cambria Math" panose="02040503050406030204" pitchFamily="18" charset="0"/>
+                          </a:rPr>
+                          <m:t>Weather</m:t>
+                        </m:r>
+                      </m:e>
+                      <m:sub>
+                        <m:r>
+                          <m:rPr>
+                            <m:sty m:val="p"/>
+                          </m:rPr>
+                          <a:rPr lang="en-US" b="0" i="0" smtClean="0">
+                            <a:latin typeface="Cambria Math" panose="02040503050406030204" pitchFamily="18" charset="0"/>
+                          </a:rPr>
+                          <m:t>hdmy</m:t>
+                        </m:r>
+                      </m:sub>
+                    </m:sSub>
+                    <m:r>
+                      <m:rPr>
+                        <m:sty m:val="p"/>
+                      </m:rPr>
+                      <a:rPr lang="en-US" b="0" i="1" smtClean="0">
+                        <a:latin typeface="Cambria Math" panose="02040503050406030204" pitchFamily="18" charset="0"/>
+                      </a:rPr>
+                      <m:t>Ω</m:t>
+                    </m:r>
+                    <m:r>
+                      <a:rPr lang="en-US" b="0" i="1" smtClean="0">
+                        <a:latin typeface="Cambria Math" panose="02040503050406030204" pitchFamily="18" charset="0"/>
+                      </a:rPr>
+                      <m:t>+</m:t>
+                    </m:r>
+                    <m:nary>
+                      <m:naryPr>
+                        <m:chr m:val="∑"/>
+                        <m:ctrlPr>
+                          <a:rPr lang="en-US" b="0" i="1" smtClean="0">
+                            <a:latin typeface="Cambria Math" panose="02040503050406030204" pitchFamily="18" charset="0"/>
+                          </a:rPr>
+                        </m:ctrlPr>
+                      </m:naryPr>
+                      <m:sub>
+                        <m:r>
+                          <m:rPr>
+                            <m:brk m:alnAt="23"/>
+                          </m:rPr>
+                          <a:rPr lang="en-US" b="0" i="1" smtClean="0">
+                            <a:latin typeface="Cambria Math" panose="02040503050406030204" pitchFamily="18" charset="0"/>
+                          </a:rPr>
+                          <m:t>𝑖</m:t>
+                        </m:r>
+                        <m:r>
+                          <a:rPr lang="en-US" b="0" i="1" smtClean="0">
+                            <a:latin typeface="Cambria Math" panose="02040503050406030204" pitchFamily="18" charset="0"/>
+                          </a:rPr>
+                          <m:t>=1</m:t>
+                        </m:r>
+                      </m:sub>
+                      <m:sup>
+                        <m:r>
+                          <a:rPr lang="en-US" b="0" i="1" smtClean="0">
+                            <a:latin typeface="Cambria Math" panose="02040503050406030204" pitchFamily="18" charset="0"/>
+                          </a:rPr>
+                          <m:t>23</m:t>
+                        </m:r>
+                      </m:sup>
+                      <m:e>
+                        <m:sSub>
+                          <m:sSubPr>
+                            <m:ctrlPr>
+                              <a:rPr lang="en-US" i="1">
+                                <a:highlight>
+                                  <a:srgbClr val="FFFF00"/>
+                                </a:highlight>
+                                <a:latin typeface="Cambria Math" panose="02040503050406030204" pitchFamily="18" charset="0"/>
+                              </a:rPr>
+                            </m:ctrlPr>
+                          </m:sSubPr>
+                          <m:e>
+                            <m:r>
+                              <a:rPr lang="en-US" i="1">
+                                <a:highlight>
+                                  <a:srgbClr val="FFFF00"/>
+                                </a:highlight>
+                                <a:latin typeface="Cambria Math" panose="02040503050406030204" pitchFamily="18" charset="0"/>
+                              </a:rPr>
+                              <m:t>𝜂</m:t>
+                            </m:r>
+                          </m:e>
+                          <m:sub>
+                            <m:r>
+                              <a:rPr lang="en-US" i="1">
+                                <a:highlight>
+                                  <a:srgbClr val="FFFF00"/>
+                                </a:highlight>
+                                <a:latin typeface="Cambria Math" panose="02040503050406030204" pitchFamily="18" charset="0"/>
+                              </a:rPr>
+                              <m:t>𝑖</m:t>
+                            </m:r>
+                          </m:sub>
+                        </m:sSub>
+                        <m:r>
+                          <a:rPr lang="en-US" i="1">
+                            <a:latin typeface="Cambria Math" panose="02040503050406030204" pitchFamily="18" charset="0"/>
+                          </a:rPr>
+                          <m:t>𝟙</m:t>
+                        </m:r>
+                        <m:d>
+                          <m:dPr>
+                            <m:ctrlPr>
+                              <a:rPr lang="en-US" i="1">
+                                <a:latin typeface="Cambria Math" panose="02040503050406030204" pitchFamily="18" charset="0"/>
+                              </a:rPr>
+                            </m:ctrlPr>
+                          </m:dPr>
+                          <m:e>
+                            <m:r>
+                              <a:rPr lang="en-US" i="1">
+                                <a:latin typeface="Cambria Math" panose="02040503050406030204" pitchFamily="18" charset="0"/>
+                              </a:rPr>
+                              <m:t>𝐻𝑜𝑢</m:t>
+                            </m:r>
+                            <m:sSub>
+                              <m:sSubPr>
+                                <m:ctrlPr>
+                                  <a:rPr lang="en-US" i="1">
+                                    <a:latin typeface="Cambria Math" panose="02040503050406030204" pitchFamily="18" charset="0"/>
+                                  </a:rPr>
+                                </m:ctrlPr>
+                              </m:sSubPr>
+                              <m:e>
+                                <m:r>
+                                  <a:rPr lang="en-US" i="1">
+                                    <a:latin typeface="Cambria Math" panose="02040503050406030204" pitchFamily="18" charset="0"/>
+                                  </a:rPr>
+                                  <m:t>𝑟</m:t>
+                                </m:r>
+                              </m:e>
+                              <m:sub>
+                                <m:r>
+                                  <a:rPr lang="en-US" i="1">
+                                    <a:latin typeface="Cambria Math" panose="02040503050406030204" pitchFamily="18" charset="0"/>
+                                  </a:rPr>
+                                  <m:t>h</m:t>
+                                </m:r>
+                              </m:sub>
+                            </m:sSub>
+                            <m:r>
+                              <a:rPr lang="en-US" i="1">
+                                <a:latin typeface="Cambria Math" panose="02040503050406030204" pitchFamily="18" charset="0"/>
+                              </a:rPr>
+                              <m:t>=</m:t>
+                            </m:r>
+                            <m:r>
+                              <a:rPr lang="en-US" i="1">
+                                <a:latin typeface="Cambria Math" panose="02040503050406030204" pitchFamily="18" charset="0"/>
+                              </a:rPr>
+                              <m:t>𝑖</m:t>
+                            </m:r>
+                          </m:e>
+                        </m:d>
+                      </m:e>
+                    </m:nary>
+                    <m:r>
+                      <a:rPr lang="en-US" b="0" i="1" smtClean="0">
+                        <a:latin typeface="Cambria Math" panose="02040503050406030204" pitchFamily="18" charset="0"/>
+                      </a:rPr>
+                      <m:t>+</m:t>
+                    </m:r>
+                    <m:nary>
+                      <m:naryPr>
+                        <m:chr m:val="∑"/>
+                        <m:ctrlPr>
+                          <a:rPr lang="en-US" i="1" smtClean="0">
+                            <a:latin typeface="Cambria Math" panose="02040503050406030204" pitchFamily="18" charset="0"/>
+                          </a:rPr>
+                        </m:ctrlPr>
+                      </m:naryPr>
+                      <m:sub>
+                        <m:r>
+                          <m:rPr>
+                            <m:brk m:alnAt="23"/>
+                          </m:rPr>
+                          <a:rPr lang="en-US" i="1">
+                            <a:latin typeface="Cambria Math" panose="02040503050406030204" pitchFamily="18" charset="0"/>
+                          </a:rPr>
+                          <m:t>𝑖</m:t>
+                        </m:r>
+                        <m:r>
+                          <a:rPr lang="en-US" i="1">
+                            <a:latin typeface="Cambria Math" panose="02040503050406030204" pitchFamily="18" charset="0"/>
+                          </a:rPr>
+                          <m:t>=1</m:t>
+                        </m:r>
+                      </m:sub>
+                      <m:sup>
+                        <m:r>
+                          <a:rPr lang="en-US" b="0" i="1" smtClean="0">
+                            <a:latin typeface="Cambria Math" panose="02040503050406030204" pitchFamily="18" charset="0"/>
+                          </a:rPr>
+                          <m:t>6</m:t>
+                        </m:r>
+                      </m:sup>
+                      <m:e>
+                        <m:sSub>
+                          <m:sSubPr>
+                            <m:ctrlPr>
+                              <a:rPr lang="en-US" i="1">
+                                <a:highlight>
+                                  <a:srgbClr val="FFFF00"/>
+                                </a:highlight>
+                                <a:latin typeface="Cambria Math" panose="02040503050406030204" pitchFamily="18" charset="0"/>
+                              </a:rPr>
+                            </m:ctrlPr>
+                          </m:sSubPr>
+                          <m:e>
+                            <m:r>
+                              <a:rPr lang="en-US" i="1">
+                                <a:highlight>
+                                  <a:srgbClr val="FFFF00"/>
+                                </a:highlight>
+                                <a:latin typeface="Cambria Math" panose="02040503050406030204" pitchFamily="18" charset="0"/>
+                              </a:rPr>
+                              <m:t>𝛿</m:t>
+                            </m:r>
+                          </m:e>
+                          <m:sub>
+                            <m:r>
+                              <a:rPr lang="en-US" i="1">
+                                <a:highlight>
+                                  <a:srgbClr val="FFFF00"/>
+                                </a:highlight>
+                                <a:latin typeface="Cambria Math" panose="02040503050406030204" pitchFamily="18" charset="0"/>
+                              </a:rPr>
+                              <m:t>𝑖</m:t>
+                            </m:r>
+                          </m:sub>
+                        </m:sSub>
+                        <m:r>
+                          <a:rPr lang="en-US" i="1">
+                            <a:latin typeface="Cambria Math" panose="02040503050406030204" pitchFamily="18" charset="0"/>
+                          </a:rPr>
+                          <m:t>𝟙</m:t>
+                        </m:r>
+                        <m:d>
+                          <m:dPr>
+                            <m:ctrlPr>
+                              <a:rPr lang="en-US" i="1">
+                                <a:latin typeface="Cambria Math" panose="02040503050406030204" pitchFamily="18" charset="0"/>
+                              </a:rPr>
+                            </m:ctrlPr>
+                          </m:dPr>
+                          <m:e>
+                            <m:r>
+                              <a:rPr lang="en-US" i="1">
+                                <a:latin typeface="Cambria Math" panose="02040503050406030204" pitchFamily="18" charset="0"/>
+                              </a:rPr>
+                              <m:t>𝐷𝑎</m:t>
+                            </m:r>
+                            <m:sSub>
+                              <m:sSubPr>
+                                <m:ctrlPr>
+                                  <a:rPr lang="en-US" i="1">
+                                    <a:latin typeface="Cambria Math" panose="02040503050406030204" pitchFamily="18" charset="0"/>
+                                  </a:rPr>
+                                </m:ctrlPr>
+                              </m:sSubPr>
+                              <m:e>
+                                <m:r>
+                                  <a:rPr lang="en-US" i="1">
+                                    <a:latin typeface="Cambria Math" panose="02040503050406030204" pitchFamily="18" charset="0"/>
+                                  </a:rPr>
+                                  <m:t>𝑦</m:t>
+                                </m:r>
+                              </m:e>
+                              <m:sub>
+                                <m:r>
+                                  <a:rPr lang="en-US" i="1">
+                                    <a:latin typeface="Cambria Math" panose="02040503050406030204" pitchFamily="18" charset="0"/>
+                                  </a:rPr>
+                                  <m:t>𝑑</m:t>
+                                </m:r>
+                              </m:sub>
+                            </m:sSub>
+                            <m:r>
+                              <a:rPr lang="en-US" b="0" i="1" smtClean="0">
+                                <a:latin typeface="Cambria Math" panose="02040503050406030204" pitchFamily="18" charset="0"/>
+                              </a:rPr>
+                              <m:t>=</m:t>
+                            </m:r>
+                            <m:r>
+                              <a:rPr lang="en-US" b="0" i="1" smtClean="0">
+                                <a:latin typeface="Cambria Math" panose="02040503050406030204" pitchFamily="18" charset="0"/>
+                              </a:rPr>
+                              <m:t>𝑖</m:t>
+                            </m:r>
+                          </m:e>
+                        </m:d>
+                      </m:e>
+                    </m:nary>
+                    <m:r>
+                      <a:rPr lang="en-US" b="0" i="1" smtClean="0">
+                        <a:latin typeface="Cambria Math" panose="02040503050406030204" pitchFamily="18" charset="0"/>
+                      </a:rPr>
+                      <m:t>+</m:t>
+                    </m:r>
+                  </m:oMath>
+                </a14:m>
+                <a:r>
+                  <a:rPr lang="en-US" dirty="0"/>
+                  <a:t> </a:t>
+                </a:r>
+                <a14:m>
+                  <m:oMath xmlns:m="http://schemas.openxmlformats.org/officeDocument/2006/math">
+                    <m:nary>
+                      <m:naryPr>
+                        <m:chr m:val="∑"/>
+                        <m:ctrlPr>
+                          <a:rPr lang="en-US" i="1" smtClean="0">
+                            <a:latin typeface="Cambria Math" panose="02040503050406030204" pitchFamily="18" charset="0"/>
+                          </a:rPr>
+                        </m:ctrlPr>
+                      </m:naryPr>
+                      <m:sub>
+                        <m:r>
+                          <m:rPr>
+                            <m:brk m:alnAt="23"/>
+                          </m:rPr>
+                          <a:rPr lang="en-US" i="1">
+                            <a:latin typeface="Cambria Math" panose="02040503050406030204" pitchFamily="18" charset="0"/>
+                          </a:rPr>
+                          <m:t>𝑖</m:t>
+                        </m:r>
+                        <m:r>
+                          <a:rPr lang="en-US" i="1">
+                            <a:latin typeface="Cambria Math" panose="02040503050406030204" pitchFamily="18" charset="0"/>
+                          </a:rPr>
+                          <m:t>=1</m:t>
+                        </m:r>
+                      </m:sub>
+                      <m:sup>
+                        <m:r>
+                          <a:rPr lang="en-US" b="0" i="1" smtClean="0">
+                            <a:latin typeface="Cambria Math" panose="02040503050406030204" pitchFamily="18" charset="0"/>
+                          </a:rPr>
+                          <m:t>11</m:t>
+                        </m:r>
+                      </m:sup>
+                      <m:e>
+                        <m:sSub>
+                          <m:sSubPr>
+                            <m:ctrlPr>
+                              <a:rPr lang="en-US" i="1">
+                                <a:highlight>
+                                  <a:srgbClr val="FFFF00"/>
+                                </a:highlight>
+                                <a:latin typeface="Cambria Math" panose="02040503050406030204" pitchFamily="18" charset="0"/>
+                              </a:rPr>
+                            </m:ctrlPr>
+                          </m:sSubPr>
+                          <m:e>
+                            <m:r>
+                              <a:rPr lang="en-US" i="1">
+                                <a:highlight>
+                                  <a:srgbClr val="FFFF00"/>
+                                </a:highlight>
+                                <a:latin typeface="Cambria Math" panose="02040503050406030204" pitchFamily="18" charset="0"/>
+                              </a:rPr>
+                              <m:t>𝜇</m:t>
+                            </m:r>
+                          </m:e>
+                          <m:sub>
+                            <m:r>
+                              <a:rPr lang="en-US" i="1">
+                                <a:highlight>
+                                  <a:srgbClr val="FFFF00"/>
+                                </a:highlight>
+                                <a:latin typeface="Cambria Math" panose="02040503050406030204" pitchFamily="18" charset="0"/>
+                              </a:rPr>
+                              <m:t>𝑖</m:t>
+                            </m:r>
+                          </m:sub>
+                        </m:sSub>
+                        <m:r>
+                          <a:rPr lang="en-US" i="1">
+                            <a:latin typeface="Cambria Math" panose="02040503050406030204" pitchFamily="18" charset="0"/>
+                          </a:rPr>
+                          <m:t>𝟙</m:t>
+                        </m:r>
+                        <m:d>
+                          <m:dPr>
+                            <m:ctrlPr>
+                              <a:rPr lang="en-US" i="1">
+                                <a:latin typeface="Cambria Math" panose="02040503050406030204" pitchFamily="18" charset="0"/>
+                              </a:rPr>
+                            </m:ctrlPr>
+                          </m:dPr>
+                          <m:e>
+                            <m:r>
+                              <a:rPr lang="en-US" i="1">
+                                <a:latin typeface="Cambria Math" panose="02040503050406030204" pitchFamily="18" charset="0"/>
+                              </a:rPr>
+                              <m:t>𝑀𝑜𝑛𝑡</m:t>
+                            </m:r>
+                            <m:sSub>
+                              <m:sSubPr>
+                                <m:ctrlPr>
+                                  <a:rPr lang="en-US" i="1">
+                                    <a:latin typeface="Cambria Math" panose="02040503050406030204" pitchFamily="18" charset="0"/>
+                                  </a:rPr>
+                                </m:ctrlPr>
+                              </m:sSubPr>
+                              <m:e>
+                                <m:r>
+                                  <a:rPr lang="en-US" i="1">
+                                    <a:latin typeface="Cambria Math" panose="02040503050406030204" pitchFamily="18" charset="0"/>
+                                  </a:rPr>
+                                  <m:t>h</m:t>
+                                </m:r>
+                              </m:e>
+                              <m:sub>
+                                <m:r>
+                                  <a:rPr lang="en-US" i="1">
+                                    <a:latin typeface="Cambria Math" panose="02040503050406030204" pitchFamily="18" charset="0"/>
+                                  </a:rPr>
+                                  <m:t>𝑚</m:t>
+                                </m:r>
+                              </m:sub>
+                            </m:sSub>
+                            <m:r>
+                              <a:rPr lang="en-US" i="1">
+                                <a:latin typeface="Cambria Math" panose="02040503050406030204" pitchFamily="18" charset="0"/>
+                              </a:rPr>
+                              <m:t>=</m:t>
+                            </m:r>
+                            <m:r>
+                              <a:rPr lang="en-US" i="1">
+                                <a:latin typeface="Cambria Math" panose="02040503050406030204" pitchFamily="18" charset="0"/>
+                              </a:rPr>
+                              <m:t>𝑖</m:t>
+                            </m:r>
+                          </m:e>
+                        </m:d>
+                        <m:r>
+                          <m:rPr>
+                            <m:nor/>
+                          </m:rPr>
+                          <a:rPr lang="en-US" dirty="0"/>
+                          <m:t> </m:t>
+                        </m:r>
+                      </m:e>
+                    </m:nary>
+                    <m:r>
+                      <a:rPr lang="en-US" b="0" i="1" smtClean="0">
+                        <a:latin typeface="Cambria Math" panose="02040503050406030204" pitchFamily="18" charset="0"/>
+                      </a:rPr>
+                      <m:t>+</m:t>
+                    </m:r>
+                    <m:nary>
+                      <m:naryPr>
+                        <m:chr m:val="∑"/>
+                        <m:ctrlPr>
+                          <a:rPr lang="en-US" b="0" i="1" smtClean="0">
+                            <a:latin typeface="Cambria Math" panose="02040503050406030204" pitchFamily="18" charset="0"/>
+                          </a:rPr>
+                        </m:ctrlPr>
+                      </m:naryPr>
+                      <m:sub>
+                        <m:r>
+                          <m:rPr>
+                            <m:brk m:alnAt="23"/>
+                          </m:rPr>
+                          <a:rPr lang="en-US" b="0" i="1" smtClean="0">
+                            <a:latin typeface="Cambria Math" panose="02040503050406030204" pitchFamily="18" charset="0"/>
+                          </a:rPr>
+                          <m:t>𝑖</m:t>
+                        </m:r>
+                        <m:r>
+                          <a:rPr lang="en-US" b="0" i="1" smtClean="0">
+                            <a:latin typeface="Cambria Math" panose="02040503050406030204" pitchFamily="18" charset="0"/>
+                          </a:rPr>
+                          <m:t>=1</m:t>
+                        </m:r>
+                      </m:sub>
+                      <m:sup>
+                        <m:r>
+                          <a:rPr lang="en-US" b="0" i="1" smtClean="0">
+                            <a:latin typeface="Cambria Math" panose="02040503050406030204" pitchFamily="18" charset="0"/>
+                          </a:rPr>
+                          <m:t>23</m:t>
+                        </m:r>
+                      </m:sup>
+                      <m:e>
+                        <m:nary>
+                          <m:naryPr>
+                            <m:chr m:val="∑"/>
+                            <m:ctrlPr>
+                              <a:rPr lang="en-US" b="0" i="1" smtClean="0">
+                                <a:latin typeface="Cambria Math" panose="02040503050406030204" pitchFamily="18" charset="0"/>
+                              </a:rPr>
+                            </m:ctrlPr>
+                          </m:naryPr>
+                          <m:sub>
+                            <m:r>
+                              <m:rPr>
+                                <m:brk m:alnAt="23"/>
+                              </m:rPr>
+                              <a:rPr lang="en-US" b="0" i="1" smtClean="0">
+                                <a:latin typeface="Cambria Math" panose="02040503050406030204" pitchFamily="18" charset="0"/>
+                              </a:rPr>
+                              <m:t>𝑗</m:t>
+                            </m:r>
+                            <m:r>
+                              <a:rPr lang="en-US" b="0" i="1" smtClean="0">
+                                <a:latin typeface="Cambria Math" panose="02040503050406030204" pitchFamily="18" charset="0"/>
+                              </a:rPr>
+                              <m:t>=1</m:t>
+                            </m:r>
+                          </m:sub>
+                          <m:sup>
+                            <m:r>
+                              <a:rPr lang="en-US" b="0" i="1" smtClean="0">
+                                <a:latin typeface="Cambria Math" panose="02040503050406030204" pitchFamily="18" charset="0"/>
+                              </a:rPr>
+                              <m:t>6</m:t>
+                            </m:r>
+                          </m:sup>
+                          <m:e>
+                            <m:sSub>
+                              <m:sSubPr>
+                                <m:ctrlPr>
+                                  <a:rPr lang="en-US" i="1">
+                                    <a:highlight>
+                                      <a:srgbClr val="FFFF00"/>
+                                    </a:highlight>
+                                    <a:latin typeface="Cambria Math" panose="02040503050406030204" pitchFamily="18" charset="0"/>
+                                  </a:rPr>
+                                </m:ctrlPr>
+                              </m:sSubPr>
+                              <m:e>
+                                <m:r>
+                                  <a:rPr lang="en-US" i="1">
+                                    <a:highlight>
+                                      <a:srgbClr val="FFFF00"/>
+                                    </a:highlight>
+                                    <a:latin typeface="Cambria Math" panose="02040503050406030204" pitchFamily="18" charset="0"/>
+                                  </a:rPr>
+                                  <m:t>𝜉</m:t>
+                                </m:r>
+                              </m:e>
+                              <m:sub>
+                                <m:r>
+                                  <a:rPr lang="en-US" i="1">
+                                    <a:highlight>
+                                      <a:srgbClr val="FFFF00"/>
+                                    </a:highlight>
+                                    <a:latin typeface="Cambria Math" panose="02040503050406030204" pitchFamily="18" charset="0"/>
+                                  </a:rPr>
+                                  <m:t>6</m:t>
+                                </m:r>
+                                <m:d>
+                                  <m:dPr>
+                                    <m:ctrlPr>
+                                      <a:rPr lang="en-US" i="1">
+                                        <a:highlight>
+                                          <a:srgbClr val="FFFF00"/>
+                                        </a:highlight>
+                                        <a:latin typeface="Cambria Math" panose="02040503050406030204" pitchFamily="18" charset="0"/>
+                                      </a:rPr>
+                                    </m:ctrlPr>
+                                  </m:dPr>
+                                  <m:e>
+                                    <m:r>
+                                      <a:rPr lang="en-US" b="0" i="1" smtClean="0">
+                                        <a:highlight>
+                                          <a:srgbClr val="FFFF00"/>
+                                        </a:highlight>
+                                        <a:latin typeface="Cambria Math" panose="02040503050406030204" pitchFamily="18" charset="0"/>
+                                      </a:rPr>
+                                      <m:t>𝑖</m:t>
+                                    </m:r>
+                                    <m:r>
+                                      <a:rPr lang="en-US" i="1">
+                                        <a:highlight>
+                                          <a:srgbClr val="FFFF00"/>
+                                        </a:highlight>
+                                        <a:latin typeface="Cambria Math" panose="02040503050406030204" pitchFamily="18" charset="0"/>
+                                      </a:rPr>
+                                      <m:t>−1</m:t>
+                                    </m:r>
+                                  </m:e>
+                                </m:d>
+                                <m:r>
+                                  <a:rPr lang="en-US" b="0" i="1" smtClean="0">
+                                    <a:highlight>
+                                      <a:srgbClr val="FFFF00"/>
+                                    </a:highlight>
+                                    <a:latin typeface="Cambria Math" panose="02040503050406030204" pitchFamily="18" charset="0"/>
+                                  </a:rPr>
+                                  <m:t>+</m:t>
+                                </m:r>
+                                <m:r>
+                                  <a:rPr lang="en-US" b="0" i="1" smtClean="0">
+                                    <a:highlight>
+                                      <a:srgbClr val="FFFF00"/>
+                                    </a:highlight>
+                                    <a:latin typeface="Cambria Math" panose="02040503050406030204" pitchFamily="18" charset="0"/>
+                                  </a:rPr>
+                                  <m:t>𝑗</m:t>
+                                </m:r>
+                              </m:sub>
+                            </m:sSub>
+                            <m:r>
+                              <m:rPr>
+                                <m:nor/>
+                              </m:rPr>
+                              <a:rPr lang="en-US" dirty="0"/>
+                              <m:t> </m:t>
+                            </m:r>
+                            <m:r>
+                              <a:rPr lang="en-US" i="1">
+                                <a:latin typeface="Cambria Math" panose="02040503050406030204" pitchFamily="18" charset="0"/>
+                              </a:rPr>
+                              <m:t>𝟙</m:t>
+                            </m:r>
+                            <m:d>
+                              <m:dPr>
+                                <m:ctrlPr>
+                                  <a:rPr lang="en-US" i="1">
+                                    <a:latin typeface="Cambria Math" panose="02040503050406030204" pitchFamily="18" charset="0"/>
+                                  </a:rPr>
+                                </m:ctrlPr>
+                              </m:dPr>
+                              <m:e>
+                                <m:r>
+                                  <a:rPr lang="en-US" i="1">
+                                    <a:latin typeface="Cambria Math" panose="02040503050406030204" pitchFamily="18" charset="0"/>
+                                  </a:rPr>
+                                  <m:t>𝐻𝑜𝑢</m:t>
+                                </m:r>
+                                <m:sSub>
+                                  <m:sSubPr>
+                                    <m:ctrlPr>
+                                      <a:rPr lang="en-US" i="1">
+                                        <a:latin typeface="Cambria Math" panose="02040503050406030204" pitchFamily="18" charset="0"/>
+                                      </a:rPr>
+                                    </m:ctrlPr>
+                                  </m:sSubPr>
+                                  <m:e>
+                                    <m:r>
+                                      <a:rPr lang="en-US" i="1">
+                                        <a:latin typeface="Cambria Math" panose="02040503050406030204" pitchFamily="18" charset="0"/>
+                                      </a:rPr>
+                                      <m:t>𝑟</m:t>
+                                    </m:r>
+                                  </m:e>
+                                  <m:sub>
+                                    <m:r>
+                                      <a:rPr lang="en-US" i="1">
+                                        <a:latin typeface="Cambria Math" panose="02040503050406030204" pitchFamily="18" charset="0"/>
+                                      </a:rPr>
+                                      <m:t>h</m:t>
+                                    </m:r>
+                                  </m:sub>
+                                </m:sSub>
+                                <m:r>
+                                  <a:rPr lang="en-US" i="1">
+                                    <a:latin typeface="Cambria Math" panose="02040503050406030204" pitchFamily="18" charset="0"/>
+                                  </a:rPr>
+                                  <m:t>=</m:t>
+                                </m:r>
+                                <m:r>
+                                  <a:rPr lang="en-US" i="1">
+                                    <a:latin typeface="Cambria Math" panose="02040503050406030204" pitchFamily="18" charset="0"/>
+                                  </a:rPr>
+                                  <m:t>𝑖</m:t>
+                                </m:r>
+                              </m:e>
+                            </m:d>
+                            <m:r>
+                              <m:rPr>
+                                <m:nor/>
+                              </m:rPr>
+                              <a:rPr lang="en-US" dirty="0"/>
+                              <m:t> </m:t>
+                            </m:r>
+                            <m:r>
+                              <a:rPr lang="en-US" i="1">
+                                <a:latin typeface="Cambria Math" panose="02040503050406030204" pitchFamily="18" charset="0"/>
+                              </a:rPr>
+                              <m:t>𝟙</m:t>
+                            </m:r>
+                            <m:d>
+                              <m:dPr>
+                                <m:ctrlPr>
+                                  <a:rPr lang="en-US" i="1">
+                                    <a:latin typeface="Cambria Math" panose="02040503050406030204" pitchFamily="18" charset="0"/>
+                                  </a:rPr>
+                                </m:ctrlPr>
+                              </m:dPr>
+                              <m:e>
+                                <m:r>
+                                  <a:rPr lang="en-US" i="1">
+                                    <a:latin typeface="Cambria Math" panose="02040503050406030204" pitchFamily="18" charset="0"/>
+                                  </a:rPr>
+                                  <m:t>𝐷𝑎</m:t>
+                                </m:r>
+                                <m:sSub>
+                                  <m:sSubPr>
+                                    <m:ctrlPr>
+                                      <a:rPr lang="en-US" i="1">
+                                        <a:latin typeface="Cambria Math" panose="02040503050406030204" pitchFamily="18" charset="0"/>
+                                      </a:rPr>
+                                    </m:ctrlPr>
+                                  </m:sSubPr>
+                                  <m:e>
+                                    <m:r>
+                                      <a:rPr lang="en-US" i="1">
+                                        <a:latin typeface="Cambria Math" panose="02040503050406030204" pitchFamily="18" charset="0"/>
+                                      </a:rPr>
+                                      <m:t>𝑦</m:t>
+                                    </m:r>
+                                  </m:e>
+                                  <m:sub>
+                                    <m:r>
+                                      <a:rPr lang="en-US" i="1">
+                                        <a:latin typeface="Cambria Math" panose="02040503050406030204" pitchFamily="18" charset="0"/>
+                                      </a:rPr>
+                                      <m:t>𝑑</m:t>
+                                    </m:r>
+                                  </m:sub>
+                                </m:sSub>
+                                <m:r>
+                                  <a:rPr lang="en-US" i="1">
+                                    <a:latin typeface="Cambria Math" panose="02040503050406030204" pitchFamily="18" charset="0"/>
+                                  </a:rPr>
+                                  <m:t>=</m:t>
+                                </m:r>
+                                <m:r>
+                                  <a:rPr lang="en-US" i="1">
+                                    <a:latin typeface="Cambria Math" panose="02040503050406030204" pitchFamily="18" charset="0"/>
+                                  </a:rPr>
+                                  <m:t>𝑗</m:t>
+                                </m:r>
+                              </m:e>
+                            </m:d>
+                          </m:e>
+                        </m:nary>
+                      </m:e>
+                    </m:nary>
+                    <m:r>
+                      <a:rPr lang="en-US" b="0" i="1" smtClean="0">
+                        <a:latin typeface="Cambria Math" panose="02040503050406030204" pitchFamily="18" charset="0"/>
+                      </a:rPr>
+                      <m:t>+</m:t>
+                    </m:r>
+                    <m:nary>
+                      <m:naryPr>
+                        <m:chr m:val="∑"/>
+                        <m:limLoc m:val="subSup"/>
+                        <m:ctrlPr>
+                          <a:rPr lang="en-US" b="0" i="1" smtClean="0">
+                            <a:latin typeface="Cambria Math" panose="02040503050406030204" pitchFamily="18" charset="0"/>
+                          </a:rPr>
+                        </m:ctrlPr>
+                      </m:naryPr>
+                      <m:sub>
+                        <m:r>
+                          <m:rPr>
+                            <m:brk m:alnAt="25"/>
+                          </m:rPr>
+                          <a:rPr lang="en-US" b="0" i="1" smtClean="0">
+                            <a:latin typeface="Cambria Math" panose="02040503050406030204" pitchFamily="18" charset="0"/>
+                          </a:rPr>
+                          <m:t>𝑖</m:t>
+                        </m:r>
+                        <m:r>
+                          <a:rPr lang="en-US" b="0" i="1" smtClean="0">
+                            <a:latin typeface="Cambria Math" panose="02040503050406030204" pitchFamily="18" charset="0"/>
+                          </a:rPr>
+                          <m:t>=1</m:t>
+                        </m:r>
+                      </m:sub>
+                      <m:sup>
+                        <m:r>
+                          <a:rPr lang="en-US" b="0" i="1" smtClean="0">
+                            <a:latin typeface="Cambria Math" panose="02040503050406030204" pitchFamily="18" charset="0"/>
+                          </a:rPr>
+                          <m:t>24</m:t>
+                        </m:r>
+                      </m:sup>
+                      <m:e>
+                        <m:sSub>
+                          <m:sSubPr>
+                            <m:ctrlPr>
+                              <a:rPr lang="en-US" i="1">
+                                <a:latin typeface="Cambria Math" panose="02040503050406030204" pitchFamily="18" charset="0"/>
+                              </a:rPr>
+                            </m:ctrlPr>
+                          </m:sSubPr>
+                          <m:e>
+                            <m:r>
+                              <a:rPr lang="en-US" i="1">
+                                <a:latin typeface="Cambria Math" panose="02040503050406030204" pitchFamily="18" charset="0"/>
+                              </a:rPr>
+                              <m:t>𝜓</m:t>
+                            </m:r>
+                          </m:e>
+                          <m:sub>
+                            <m:r>
+                              <m:rPr>
+                                <m:sty m:val="p"/>
+                              </m:rPr>
+                              <a:rPr lang="en-US">
+                                <a:latin typeface="Cambria Math" panose="02040503050406030204" pitchFamily="18" charset="0"/>
+                              </a:rPr>
+                              <m:t>i</m:t>
+                            </m:r>
+                          </m:sub>
+                        </m:sSub>
+                        <m:d>
+                          <m:dPr>
+                            <m:ctrlPr>
+                              <a:rPr lang="en-US" i="1">
+                                <a:latin typeface="Cambria Math" panose="02040503050406030204" pitchFamily="18" charset="0"/>
+                              </a:rPr>
+                            </m:ctrlPr>
+                          </m:dPr>
+                          <m:e>
+                            <m:sSub>
+                              <m:sSubPr>
+                                <m:ctrlPr>
+                                  <a:rPr lang="en-US" i="1">
+                                    <a:latin typeface="Cambria Math" panose="02040503050406030204" pitchFamily="18" charset="0"/>
+                                  </a:rPr>
+                                </m:ctrlPr>
+                              </m:sSubPr>
+                              <m:e>
+                                <m:r>
+                                  <a:rPr lang="en-US" i="1">
+                                    <a:latin typeface="Cambria Math" panose="02040503050406030204" pitchFamily="18" charset="0"/>
+                                  </a:rPr>
+                                  <m:t>𝑌</m:t>
+                                </m:r>
+                              </m:e>
+                              <m:sub>
+                                <m:r>
+                                  <a:rPr lang="en-US" i="1">
+                                    <a:latin typeface="Cambria Math" panose="02040503050406030204" pitchFamily="18" charset="0"/>
+                                  </a:rPr>
+                                  <m:t>h𝑑𝑚𝑦</m:t>
+                                </m:r>
+                              </m:sub>
+                            </m:sSub>
+                            <m:r>
+                              <a:rPr lang="en-US" i="1">
+                                <a:latin typeface="Cambria Math" panose="02040503050406030204" pitchFamily="18" charset="0"/>
+                              </a:rPr>
+                              <m:t>−</m:t>
+                            </m:r>
+                            <m:sSub>
+                              <m:sSubPr>
+                                <m:ctrlPr>
+                                  <a:rPr lang="en-US" i="1">
+                                    <a:latin typeface="Cambria Math" panose="02040503050406030204" pitchFamily="18" charset="0"/>
+                                  </a:rPr>
+                                </m:ctrlPr>
+                              </m:sSubPr>
+                              <m:e>
+                                <m:r>
+                                  <a:rPr lang="en-US" i="1">
+                                    <a:latin typeface="Cambria Math" panose="02040503050406030204" pitchFamily="18" charset="0"/>
+                                  </a:rPr>
+                                  <m:t>𝑌</m:t>
+                                </m:r>
+                              </m:e>
+                              <m:sub>
+                                <m:d>
+                                  <m:dPr>
+                                    <m:ctrlPr>
+                                      <a:rPr lang="en-US" i="1">
+                                        <a:latin typeface="Cambria Math" panose="02040503050406030204" pitchFamily="18" charset="0"/>
+                                      </a:rPr>
+                                    </m:ctrlPr>
+                                  </m:dPr>
+                                  <m:e>
+                                    <m:r>
+                                      <a:rPr lang="en-US" i="1">
+                                        <a:latin typeface="Cambria Math" panose="02040503050406030204" pitchFamily="18" charset="0"/>
+                                      </a:rPr>
+                                      <m:t>h</m:t>
+                                    </m:r>
+                                    <m:r>
+                                      <a:rPr lang="en-US" i="1">
+                                        <a:latin typeface="Cambria Math" panose="02040503050406030204" pitchFamily="18" charset="0"/>
+                                      </a:rPr>
+                                      <m:t>−</m:t>
+                                    </m:r>
+                                    <m:r>
+                                      <a:rPr lang="en-US" i="1">
+                                        <a:latin typeface="Cambria Math" panose="02040503050406030204" pitchFamily="18" charset="0"/>
+                                      </a:rPr>
+                                      <m:t>𝑖</m:t>
+                                    </m:r>
+                                  </m:e>
+                                </m:d>
+                                <m:r>
+                                  <a:rPr lang="en-US" i="1">
+                                    <a:latin typeface="Cambria Math" panose="02040503050406030204" pitchFamily="18" charset="0"/>
+                                  </a:rPr>
+                                  <m:t>𝑑𝑚𝑦</m:t>
+                                </m:r>
+                              </m:sub>
+                            </m:sSub>
+                          </m:e>
+                        </m:d>
+                      </m:e>
+                    </m:nary>
+                    <m:r>
+                      <a:rPr lang="en-US" b="0" i="1" smtClean="0">
+                        <a:latin typeface="Cambria Math" panose="02040503050406030204" pitchFamily="18" charset="0"/>
+                      </a:rPr>
+                      <m:t>+</m:t>
+                    </m:r>
+                    <m:sSub>
+                      <m:sSubPr>
+                        <m:ctrlPr>
+                          <a:rPr lang="en-US" i="1">
+                            <a:latin typeface="Cambria Math" panose="02040503050406030204" pitchFamily="18" charset="0"/>
+                          </a:rPr>
+                        </m:ctrlPr>
+                      </m:sSubPr>
+                      <m:e>
+                        <m:r>
+                          <a:rPr lang="en-US" i="1">
+                            <a:latin typeface="Cambria Math" panose="02040503050406030204" pitchFamily="18" charset="0"/>
+                          </a:rPr>
+                          <m:t>𝜖</m:t>
+                        </m:r>
+                      </m:e>
+                      <m:sub>
+                        <m:r>
+                          <a:rPr lang="en-US" i="1">
+                            <a:latin typeface="Cambria Math" panose="02040503050406030204" pitchFamily="18" charset="0"/>
+                          </a:rPr>
+                          <m:t>h𝑑𝑚𝑦</m:t>
+                        </m:r>
+                      </m:sub>
+                    </m:sSub>
+                    <m:r>
+                      <a:rPr lang="en-US" b="0" i="1" smtClean="0">
+                        <a:latin typeface="Cambria Math" panose="02040503050406030204" pitchFamily="18" charset="0"/>
+                      </a:rPr>
+                      <m:t>}</m:t>
+                    </m:r>
+                  </m:oMath>
+                </a14:m>
+                <a:endParaRPr lang="en-US" b="0" dirty="0"/>
+              </a:p>
+            </p:txBody>
+          </p:sp>
+        </mc:Choice>
+        <mc:Fallback>
+          <p:sp>
+            <p:nvSpPr>
+              <p:cNvPr id="3" name="Subtitle 2">
+                <a:extLst>
+                  <a:ext uri="{FF2B5EF4-FFF2-40B4-BE49-F238E27FC236}">
+                    <a16:creationId xmlns:a16="http://schemas.microsoft.com/office/drawing/2014/main" id="{D9DE4C28-59E7-E7D3-4B20-4FD0304518B7}"/>
+                  </a:ext>
+                </a:extLst>
+              </p:cNvPr>
+              <p:cNvSpPr>
+                <a:spLocks noGrp="1" noRot="1" noChangeAspect="1" noMove="1" noResize="1" noEditPoints="1" noAdjustHandles="1" noChangeArrowheads="1" noChangeShapeType="1" noTextEdit="1"/>
+              </p:cNvSpPr>
+              <p:nvPr>
+                <p:ph type="subTitle" idx="1"/>
+              </p:nvPr>
+            </p:nvSpPr>
+            <p:spPr>
+              <a:xfrm>
+                <a:off x="922712" y="2019438"/>
+                <a:ext cx="10598727" cy="4065477"/>
+              </a:xfrm>
+              <a:blipFill>
+                <a:blip r:embed="rId3"/>
+                <a:stretch>
+                  <a:fillRect/>
+                </a:stretch>
+              </a:blipFill>
+            </p:spPr>
+            <p:txBody>
+              <a:bodyPr/>
+              <a:lstStyle/>
+              <a:p>
+                <a:r>
+                  <a:rPr lang="en-US">
+                    <a:noFill/>
+                  </a:rPr>
+                  <a:t> </a:t>
+                </a:r>
+              </a:p>
+            </p:txBody>
+          </p:sp>
+        </mc:Fallback>
+      </mc:AlternateContent>
+      <p:sp>
+        <p:nvSpPr>
+          <p:cNvPr id="4" name="TextBox 3">
+            <a:extLst>
+              <a:ext uri="{FF2B5EF4-FFF2-40B4-BE49-F238E27FC236}">
+                <a16:creationId xmlns:a16="http://schemas.microsoft.com/office/drawing/2014/main" id="{FC6C21BF-CF50-1E2E-B435-251254187385}"/>
+              </a:ext>
+            </a:extLst>
+          </p:cNvPr>
+          <p:cNvSpPr txBox="1"/>
+          <p:nvPr/>
+        </p:nvSpPr>
+        <p:spPr>
+          <a:xfrm>
+            <a:off x="7373815" y="3118338"/>
+            <a:ext cx="184731" cy="369332"/>
+          </a:xfrm>
+          <a:prstGeom prst="rect">
+            <a:avLst/>
+          </a:prstGeom>
+          <a:noFill/>
+        </p:spPr>
+        <p:txBody>
+          <a:bodyPr wrap="none" rtlCol="0">
+            <a:spAutoFit/>
+          </a:bodyPr>
+          <a:lstStyle/>
+          <a:p>
+            <a:endParaRPr lang="en-US" dirty="0"/>
+          </a:p>
+        </p:txBody>
+      </p:sp>
+      <p:cxnSp>
+        <p:nvCxnSpPr>
+          <p:cNvPr id="6" name="Connector: Curved 5">
+            <a:extLst>
+              <a:ext uri="{FF2B5EF4-FFF2-40B4-BE49-F238E27FC236}">
+                <a16:creationId xmlns:a16="http://schemas.microsoft.com/office/drawing/2014/main" id="{4D5D9339-8186-F148-EE9E-5E5F23743F40}"/>
+              </a:ext>
+            </a:extLst>
+          </p:cNvPr>
+          <p:cNvCxnSpPr/>
+          <p:nvPr/>
+        </p:nvCxnSpPr>
+        <p:spPr>
+          <a:xfrm rot="16200000" flipV="1">
+            <a:off x="1131443" y="2109504"/>
+            <a:ext cx="856527" cy="769682"/>
+          </a:xfrm>
+          <a:prstGeom prst="curvedConnector3">
+            <a:avLst/>
+          </a:prstGeom>
+          <a:ln>
+            <a:solidFill>
+              <a:schemeClr val="tx1"/>
+            </a:solidFill>
+            <a:tailEnd type="triangle"/>
+          </a:ln>
+        </p:spPr>
+        <p:style>
+          <a:lnRef idx="2">
+            <a:schemeClr val="accent1"/>
+          </a:lnRef>
+          <a:fillRef idx="0">
+            <a:schemeClr val="accent1"/>
+          </a:fillRef>
+          <a:effectRef idx="1">
+            <a:schemeClr val="accent1"/>
+          </a:effectRef>
+          <a:fontRef idx="minor">
+            <a:schemeClr val="tx1"/>
+          </a:fontRef>
+        </p:style>
+      </p:cxnSp>
+      <p:sp>
+        <p:nvSpPr>
+          <p:cNvPr id="7" name="TextBox 6">
+            <a:extLst>
+              <a:ext uri="{FF2B5EF4-FFF2-40B4-BE49-F238E27FC236}">
+                <a16:creationId xmlns:a16="http://schemas.microsoft.com/office/drawing/2014/main" id="{1C4D6D11-4F1C-9179-6876-A94BB7FC8851}"/>
+              </a:ext>
+            </a:extLst>
+          </p:cNvPr>
+          <p:cNvSpPr txBox="1"/>
+          <p:nvPr/>
+        </p:nvSpPr>
+        <p:spPr>
+          <a:xfrm>
+            <a:off x="185194" y="1696749"/>
+            <a:ext cx="2575367" cy="369332"/>
+          </a:xfrm>
+          <a:prstGeom prst="rect">
+            <a:avLst/>
+          </a:prstGeom>
+          <a:noFill/>
+        </p:spPr>
+        <p:txBody>
+          <a:bodyPr wrap="square" rtlCol="0">
+            <a:spAutoFit/>
+          </a:bodyPr>
+          <a:lstStyle/>
+          <a:p>
+            <a:r>
+              <a:rPr lang="en-US" dirty="0"/>
+              <a:t>Hour, Day, Month, Year</a:t>
+            </a:r>
+          </a:p>
+        </p:txBody>
+      </p:sp>
+      <p:cxnSp>
+        <p:nvCxnSpPr>
+          <p:cNvPr id="8" name="Connector: Curved 7">
+            <a:extLst>
+              <a:ext uri="{FF2B5EF4-FFF2-40B4-BE49-F238E27FC236}">
+                <a16:creationId xmlns:a16="http://schemas.microsoft.com/office/drawing/2014/main" id="{9F260F93-2480-7EDE-9EBC-16B024C38E8F}"/>
+              </a:ext>
+            </a:extLst>
+          </p:cNvPr>
+          <p:cNvCxnSpPr/>
+          <p:nvPr/>
+        </p:nvCxnSpPr>
+        <p:spPr>
+          <a:xfrm rot="16200000" flipV="1">
+            <a:off x="3920924" y="2456727"/>
+            <a:ext cx="312516" cy="260430"/>
+          </a:xfrm>
+          <a:prstGeom prst="curvedConnector3">
+            <a:avLst/>
+          </a:prstGeom>
+          <a:ln>
+            <a:solidFill>
+              <a:schemeClr val="tx1"/>
+            </a:solidFill>
+            <a:tailEnd type="triangle"/>
+          </a:ln>
+        </p:spPr>
+        <p:style>
+          <a:lnRef idx="2">
+            <a:schemeClr val="accent1"/>
+          </a:lnRef>
+          <a:fillRef idx="0">
+            <a:schemeClr val="accent1"/>
+          </a:fillRef>
+          <a:effectRef idx="1">
+            <a:schemeClr val="accent1"/>
+          </a:effectRef>
+          <a:fontRef idx="minor">
+            <a:schemeClr val="tx1"/>
+          </a:fontRef>
+        </p:style>
+      </p:cxnSp>
+      <p:sp>
+        <p:nvSpPr>
+          <p:cNvPr id="10" name="TextBox 9">
+            <a:extLst>
+              <a:ext uri="{FF2B5EF4-FFF2-40B4-BE49-F238E27FC236}">
+                <a16:creationId xmlns:a16="http://schemas.microsoft.com/office/drawing/2014/main" id="{35E56398-BD87-24D3-3860-9B93EC66A775}"/>
+              </a:ext>
+            </a:extLst>
+          </p:cNvPr>
+          <p:cNvSpPr txBox="1"/>
+          <p:nvPr/>
+        </p:nvSpPr>
+        <p:spPr>
+          <a:xfrm>
+            <a:off x="2196701" y="2105457"/>
+            <a:ext cx="2575367" cy="369332"/>
+          </a:xfrm>
+          <a:prstGeom prst="rect">
+            <a:avLst/>
+          </a:prstGeom>
+          <a:noFill/>
+        </p:spPr>
+        <p:txBody>
+          <a:bodyPr wrap="square" rtlCol="0">
+            <a:spAutoFit/>
+          </a:bodyPr>
+          <a:lstStyle/>
+          <a:p>
+            <a:r>
+              <a:rPr lang="en-US" dirty="0"/>
+              <a:t>Main Effect of Interest</a:t>
+            </a:r>
+          </a:p>
+        </p:txBody>
+      </p:sp>
+      <p:cxnSp>
+        <p:nvCxnSpPr>
+          <p:cNvPr id="9" name="Connector: Curved 8">
+            <a:extLst>
+              <a:ext uri="{FF2B5EF4-FFF2-40B4-BE49-F238E27FC236}">
+                <a16:creationId xmlns:a16="http://schemas.microsoft.com/office/drawing/2014/main" id="{3F0FACCC-FA43-A9BF-7A59-B9FA1F340F34}"/>
+              </a:ext>
+            </a:extLst>
+          </p:cNvPr>
+          <p:cNvCxnSpPr>
+            <a:cxnSpLocks/>
+          </p:cNvCxnSpPr>
+          <p:nvPr/>
+        </p:nvCxnSpPr>
+        <p:spPr>
+          <a:xfrm rot="5400000" flipH="1" flipV="1">
+            <a:off x="8048746" y="2785159"/>
+            <a:ext cx="761037" cy="526651"/>
+          </a:xfrm>
+          <a:prstGeom prst="curvedConnector3">
+            <a:avLst>
+              <a:gd name="adj1" fmla="val 50000"/>
+            </a:avLst>
+          </a:prstGeom>
+          <a:ln>
+            <a:solidFill>
+              <a:schemeClr val="tx1"/>
+            </a:solidFill>
+            <a:tailEnd type="triangle"/>
+          </a:ln>
+        </p:spPr>
+        <p:style>
+          <a:lnRef idx="2">
+            <a:schemeClr val="accent1"/>
+          </a:lnRef>
+          <a:fillRef idx="0">
+            <a:schemeClr val="accent1"/>
+          </a:fillRef>
+          <a:effectRef idx="1">
+            <a:schemeClr val="accent1"/>
+          </a:effectRef>
+          <a:fontRef idx="minor">
+            <a:schemeClr val="tx1"/>
+          </a:fontRef>
+        </p:style>
+      </p:cxnSp>
+      <p:cxnSp>
+        <p:nvCxnSpPr>
+          <p:cNvPr id="12" name="Connector: Curved 11">
+            <a:extLst>
+              <a:ext uri="{FF2B5EF4-FFF2-40B4-BE49-F238E27FC236}">
+                <a16:creationId xmlns:a16="http://schemas.microsoft.com/office/drawing/2014/main" id="{784FF2F7-D4A5-39FA-556D-09B4EFC0B029}"/>
+              </a:ext>
+            </a:extLst>
+          </p:cNvPr>
+          <p:cNvCxnSpPr/>
+          <p:nvPr/>
+        </p:nvCxnSpPr>
+        <p:spPr>
+          <a:xfrm flipV="1">
+            <a:off x="5191246" y="2384385"/>
+            <a:ext cx="3136739" cy="1103285"/>
+          </a:xfrm>
+          <a:prstGeom prst="curvedConnector3">
+            <a:avLst/>
+          </a:prstGeom>
+          <a:ln>
+            <a:solidFill>
+              <a:schemeClr val="tx1"/>
+            </a:solidFill>
+            <a:tailEnd type="triangle"/>
+          </a:ln>
+        </p:spPr>
+        <p:style>
+          <a:lnRef idx="2">
+            <a:schemeClr val="accent1"/>
+          </a:lnRef>
+          <a:fillRef idx="0">
+            <a:schemeClr val="accent1"/>
+          </a:fillRef>
+          <a:effectRef idx="1">
+            <a:schemeClr val="accent1"/>
+          </a:effectRef>
+          <a:fontRef idx="minor">
+            <a:schemeClr val="tx1"/>
+          </a:fontRef>
+        </p:style>
+      </p:cxnSp>
+      <p:cxnSp>
+        <p:nvCxnSpPr>
+          <p:cNvPr id="14" name="Connector: Curved 13">
+            <a:extLst>
+              <a:ext uri="{FF2B5EF4-FFF2-40B4-BE49-F238E27FC236}">
+                <a16:creationId xmlns:a16="http://schemas.microsoft.com/office/drawing/2014/main" id="{CF67FDFC-CCEF-387F-4AB5-3070A3CCA77E}"/>
+              </a:ext>
+            </a:extLst>
+          </p:cNvPr>
+          <p:cNvCxnSpPr>
+            <a:cxnSpLocks/>
+          </p:cNvCxnSpPr>
+          <p:nvPr/>
+        </p:nvCxnSpPr>
+        <p:spPr>
+          <a:xfrm flipV="1">
+            <a:off x="2448172" y="1941085"/>
+            <a:ext cx="5862577" cy="2332299"/>
+          </a:xfrm>
+          <a:prstGeom prst="curvedConnector3">
+            <a:avLst>
+              <a:gd name="adj1" fmla="val 40721"/>
+            </a:avLst>
+          </a:prstGeom>
+          <a:ln>
+            <a:solidFill>
+              <a:schemeClr val="tx1"/>
+            </a:solidFill>
+            <a:tailEnd type="triangle"/>
+          </a:ln>
+        </p:spPr>
+        <p:style>
+          <a:lnRef idx="2">
+            <a:schemeClr val="accent1"/>
+          </a:lnRef>
+          <a:fillRef idx="0">
+            <a:schemeClr val="accent1"/>
+          </a:fillRef>
+          <a:effectRef idx="1">
+            <a:schemeClr val="accent1"/>
+          </a:effectRef>
+          <a:fontRef idx="minor">
+            <a:schemeClr val="tx1"/>
+          </a:fontRef>
+        </p:style>
+      </p:cxnSp>
+      <p:cxnSp>
+        <p:nvCxnSpPr>
+          <p:cNvPr id="18" name="Connector: Curved 17">
+            <a:extLst>
+              <a:ext uri="{FF2B5EF4-FFF2-40B4-BE49-F238E27FC236}">
+                <a16:creationId xmlns:a16="http://schemas.microsoft.com/office/drawing/2014/main" id="{75E53775-8D10-3F42-8374-A7BE5B177B49}"/>
+              </a:ext>
+            </a:extLst>
+          </p:cNvPr>
+          <p:cNvCxnSpPr>
+            <a:cxnSpLocks/>
+          </p:cNvCxnSpPr>
+          <p:nvPr/>
+        </p:nvCxnSpPr>
+        <p:spPr>
+          <a:xfrm flipV="1">
+            <a:off x="6313990" y="2105457"/>
+            <a:ext cx="3784921" cy="2003556"/>
+          </a:xfrm>
+          <a:prstGeom prst="curvedConnector3">
+            <a:avLst>
+              <a:gd name="adj1" fmla="val 134862"/>
+            </a:avLst>
+          </a:prstGeom>
+          <a:ln>
+            <a:solidFill>
+              <a:schemeClr val="tx1"/>
+            </a:solidFill>
+            <a:tailEnd type="triangle"/>
+          </a:ln>
+        </p:spPr>
+        <p:style>
+          <a:lnRef idx="2">
+            <a:schemeClr val="accent1"/>
+          </a:lnRef>
+          <a:fillRef idx="0">
+            <a:schemeClr val="accent1"/>
+          </a:fillRef>
+          <a:effectRef idx="1">
+            <a:schemeClr val="accent1"/>
+          </a:effectRef>
+          <a:fontRef idx="minor">
+            <a:schemeClr val="tx1"/>
+          </a:fontRef>
+        </p:style>
+      </p:cxnSp>
+      <p:sp>
+        <p:nvSpPr>
+          <p:cNvPr id="32" name="TextBox 31">
+            <a:extLst>
+              <a:ext uri="{FF2B5EF4-FFF2-40B4-BE49-F238E27FC236}">
+                <a16:creationId xmlns:a16="http://schemas.microsoft.com/office/drawing/2014/main" id="{A96C4A4F-7C70-C752-D8B2-8C2FC66EF454}"/>
+              </a:ext>
+            </a:extLst>
+          </p:cNvPr>
+          <p:cNvSpPr txBox="1"/>
+          <p:nvPr/>
+        </p:nvSpPr>
+        <p:spPr>
+          <a:xfrm>
+            <a:off x="8293947" y="1471087"/>
+            <a:ext cx="2147104" cy="923330"/>
+          </a:xfrm>
+          <a:prstGeom prst="rect">
+            <a:avLst/>
+          </a:prstGeom>
+          <a:noFill/>
+        </p:spPr>
+        <p:txBody>
+          <a:bodyPr wrap="square" rtlCol="0">
+            <a:spAutoFit/>
+          </a:bodyPr>
+          <a:lstStyle/>
+          <a:p>
+            <a:r>
+              <a:rPr lang="en-US" dirty="0"/>
+              <a:t>Hourly, Daily, and Monthly Saturated Fixed Effects</a:t>
+            </a:r>
+          </a:p>
+        </p:txBody>
+      </p:sp>
+    </p:spTree>
+    <p:extLst>
+      <p:ext uri="{BB962C8B-B14F-4D97-AF65-F5344CB8AC3E}">
+        <p14:creationId xmlns:p14="http://schemas.microsoft.com/office/powerpoint/2010/main" val="3185892869"/>
+      </p:ext>
+    </p:extLst>
+  </p:cSld>
+  <p:clrMapOvr>
+    <a:masterClrMapping/>
+  </p:clrMapOvr>
+</p:sld>
+</file>
+
+<file path=ppt/slides/slide8.xml><?xml version="1.0" encoding="utf-8"?>
+<p:sld xmlns:a="http://schemas.openxmlformats.org/drawingml/2006/main" xmlns:r="http://schemas.openxmlformats.org/officeDocument/2006/relationships" xmlns:p="http://schemas.openxmlformats.org/presentationml/2006/main">
+  <p:cSld>
+    <p:spTree>
+      <p:nvGrpSpPr>
+        <p:cNvPr id="1" name=""/>
+        <p:cNvGrpSpPr/>
+        <p:nvPr/>
+      </p:nvGrpSpPr>
+      <p:grpSpPr>
+        <a:xfrm>
+          <a:off x="0" y="0"/>
+          <a:ext cx="0" cy="0"/>
+          <a:chOff x="0" y="0"/>
+          <a:chExt cx="0" cy="0"/>
+        </a:xfrm>
+      </p:grpSpPr>
+      <p:sp>
+        <p:nvSpPr>
+          <p:cNvPr id="2" name="Title 1">
+            <a:extLst>
+              <a:ext uri="{FF2B5EF4-FFF2-40B4-BE49-F238E27FC236}">
+                <a16:creationId xmlns:a16="http://schemas.microsoft.com/office/drawing/2014/main" id="{9F6C1502-DDA4-4194-0B16-DC36D7632194}"/>
+              </a:ext>
+            </a:extLst>
+          </p:cNvPr>
+          <p:cNvSpPr>
+            <a:spLocks noGrp="1"/>
+          </p:cNvSpPr>
+          <p:nvPr>
+            <p:ph type="ctrTitle"/>
+          </p:nvPr>
+        </p:nvSpPr>
+        <p:spPr>
+          <a:xfrm>
+            <a:off x="1174865" y="0"/>
+            <a:ext cx="10005753" cy="1831908"/>
+          </a:xfrm>
+        </p:spPr>
+        <p:txBody>
+          <a:bodyPr>
+            <a:normAutofit/>
+          </a:bodyPr>
+          <a:lstStyle/>
+          <a:p>
+            <a:r>
+              <a:rPr lang="en-US" sz="3600" dirty="0"/>
+              <a:t>Bayesian Autoregressive Zero-Inflated Poisson Regression</a:t>
+            </a:r>
+          </a:p>
+        </p:txBody>
+      </p:sp>
+      <mc:AlternateContent xmlns:mc="http://schemas.openxmlformats.org/markup-compatibility/2006">
+        <mc:Choice xmlns:a14="http://schemas.microsoft.com/office/drawing/2010/main" Requires="a14">
+          <p:sp>
+            <p:nvSpPr>
+              <p:cNvPr id="3" name="Subtitle 2">
+                <a:extLst>
+                  <a:ext uri="{FF2B5EF4-FFF2-40B4-BE49-F238E27FC236}">
+                    <a16:creationId xmlns:a16="http://schemas.microsoft.com/office/drawing/2014/main" id="{D9DE4C28-59E7-E7D3-4B20-4FD0304518B7}"/>
+                  </a:ext>
+                </a:extLst>
+              </p:cNvPr>
+              <p:cNvSpPr>
+                <a:spLocks noGrp="1"/>
+              </p:cNvSpPr>
+              <p:nvPr>
+                <p:ph type="subTitle" idx="1"/>
+              </p:nvPr>
+            </p:nvSpPr>
+            <p:spPr>
+              <a:xfrm>
+                <a:off x="922712" y="2019438"/>
+                <a:ext cx="10598727" cy="4065477"/>
+              </a:xfrm>
+            </p:spPr>
+            <p:txBody>
+              <a:bodyPr>
+                <a:normAutofit/>
+              </a:bodyPr>
+              <a:lstStyle/>
+              <a:p>
+                <a:pPr/>
+                <a14:m>
+                  <m:oMathPara xmlns:m="http://schemas.openxmlformats.org/officeDocument/2006/math">
+                    <m:oMathParaPr>
+                      <m:jc m:val="centerGroup"/>
+                    </m:oMathParaPr>
+                    <m:oMath xmlns:m="http://schemas.openxmlformats.org/officeDocument/2006/math">
+                      <m:sSub>
+                        <m:sSubPr>
+                          <m:ctrlPr>
+                            <a:rPr lang="en-US" b="0" i="1" smtClean="0">
+                              <a:latin typeface="Cambria Math" panose="02040503050406030204" pitchFamily="18" charset="0"/>
+                            </a:rPr>
+                          </m:ctrlPr>
+                        </m:sSubPr>
+                        <m:e>
+                          <m:r>
+                            <a:rPr lang="en-US" b="0" i="1" smtClean="0">
+                              <a:latin typeface="Cambria Math" panose="02040503050406030204" pitchFamily="18" charset="0"/>
+                            </a:rPr>
+                            <m:t>𝑌</m:t>
+                          </m:r>
+                        </m:e>
+                        <m:sub>
+                          <m:r>
+                            <a:rPr lang="en-US" b="0" i="1" smtClean="0">
+                              <a:latin typeface="Cambria Math" panose="02040503050406030204" pitchFamily="18" charset="0"/>
+                            </a:rPr>
+                            <m:t>h𝑑𝑚𝑦</m:t>
+                          </m:r>
+                        </m:sub>
+                      </m:sSub>
+                      <m:r>
+                        <a:rPr lang="en-US" b="0" i="1" smtClean="0">
+                          <a:latin typeface="Cambria Math" panose="02040503050406030204" pitchFamily="18" charset="0"/>
+                        </a:rPr>
+                        <m:t>~</m:t>
+                      </m:r>
+                      <m:r>
+                        <a:rPr lang="en-US" b="0" i="1" smtClean="0">
+                          <a:latin typeface="Cambria Math" panose="02040503050406030204" pitchFamily="18" charset="0"/>
+                        </a:rPr>
+                        <m:t>𝑍𝐼𝑃</m:t>
+                      </m:r>
+                      <m:d>
+                        <m:dPr>
+                          <m:ctrlPr>
+                            <a:rPr lang="en-US" b="0" i="1" smtClean="0">
+                              <a:latin typeface="Cambria Math" panose="02040503050406030204" pitchFamily="18" charset="0"/>
+                            </a:rPr>
+                          </m:ctrlPr>
+                        </m:dPr>
+                        <m:e>
+                          <m:sSub>
+                            <m:sSubPr>
+                              <m:ctrlPr>
+                                <a:rPr lang="en-US" b="0" i="1" smtClean="0">
+                                  <a:latin typeface="Cambria Math" panose="02040503050406030204" pitchFamily="18" charset="0"/>
+                                </a:rPr>
+                              </m:ctrlPr>
+                            </m:sSubPr>
+                            <m:e>
+                              <m:r>
+                                <a:rPr lang="en-US" b="0" i="1" smtClean="0">
+                                  <a:latin typeface="Cambria Math" panose="02040503050406030204" pitchFamily="18" charset="0"/>
+                                </a:rPr>
+                                <m:t>𝜆</m:t>
+                              </m:r>
+                            </m:e>
+                            <m:sub>
+                              <m:r>
+                                <a:rPr lang="en-US" b="0" i="1" smtClean="0">
+                                  <a:latin typeface="Cambria Math" panose="02040503050406030204" pitchFamily="18" charset="0"/>
+                                </a:rPr>
+                                <m:t>h𝑑𝑚𝑦</m:t>
+                              </m:r>
+                            </m:sub>
+                          </m:sSub>
+                          <m:r>
+                            <a:rPr lang="en-US" b="0" i="1" smtClean="0">
+                              <a:latin typeface="Cambria Math" panose="02040503050406030204" pitchFamily="18" charset="0"/>
+                            </a:rPr>
+                            <m:t>,</m:t>
+                          </m:r>
+                          <m:r>
+                            <a:rPr lang="en-US" b="0" i="1" smtClean="0">
+                              <a:latin typeface="Cambria Math" panose="02040503050406030204" pitchFamily="18" charset="0"/>
+                            </a:rPr>
+                            <m:t>𝜋</m:t>
+                          </m:r>
+                        </m:e>
+                      </m:d>
+                    </m:oMath>
+                  </m:oMathPara>
+                </a14:m>
+                <a:endParaRPr lang="en-US" b="0" dirty="0"/>
+              </a:p>
+              <a:p>
+                <a:pPr>
+                  <a:lnSpc>
+                    <a:spcPct val="150000"/>
+                  </a:lnSpc>
+                </a:pPr>
+                <a14:m>
+                  <m:oMath xmlns:m="http://schemas.openxmlformats.org/officeDocument/2006/math">
+                    <m:sSub>
+                      <m:sSubPr>
+                        <m:ctrlPr>
+                          <a:rPr lang="en-US" b="0" i="1" smtClean="0">
+                            <a:latin typeface="Cambria Math" panose="02040503050406030204" pitchFamily="18" charset="0"/>
+                          </a:rPr>
+                        </m:ctrlPr>
+                      </m:sSubPr>
+                      <m:e>
+                        <m:r>
+                          <a:rPr lang="en-US" b="0" i="1" smtClean="0">
+                            <a:latin typeface="Cambria Math" panose="02040503050406030204" pitchFamily="18" charset="0"/>
+                          </a:rPr>
+                          <m:t>𝜆</m:t>
+                        </m:r>
+                      </m:e>
+                      <m:sub>
+                        <m:r>
+                          <a:rPr lang="en-US" b="0" i="1" smtClean="0">
+                            <a:highlight>
+                              <a:srgbClr val="FFFF00"/>
+                            </a:highlight>
+                            <a:latin typeface="Cambria Math" panose="02040503050406030204" pitchFamily="18" charset="0"/>
+                          </a:rPr>
+                          <m:t>h𝑑𝑚𝑦</m:t>
+                        </m:r>
+                        <m:r>
+                          <a:rPr lang="en-US" b="0" i="1" smtClean="0">
+                            <a:highlight>
+                              <a:srgbClr val="FFFF00"/>
+                            </a:highlight>
+                            <a:latin typeface="Cambria Math" panose="02040503050406030204" pitchFamily="18" charset="0"/>
+                          </a:rPr>
+                          <m:t> </m:t>
+                        </m:r>
+                      </m:sub>
+                    </m:sSub>
+                    <m:r>
+                      <a:rPr lang="en-US" b="0" i="1" smtClean="0">
+                        <a:latin typeface="Cambria Math" panose="02040503050406030204" pitchFamily="18" charset="0"/>
+                      </a:rPr>
+                      <m:t>=</m:t>
+                    </m:r>
+                    <m:r>
+                      <a:rPr lang="en-US" b="0" i="0" smtClean="0">
+                        <a:latin typeface="Cambria Math" panose="02040503050406030204" pitchFamily="18" charset="0"/>
+                      </a:rPr>
+                      <m:t> </m:t>
+                    </m:r>
+                    <m:r>
+                      <m:rPr>
+                        <m:sty m:val="p"/>
+                      </m:rPr>
+                      <a:rPr lang="en-US" b="0" i="0" smtClean="0">
+                        <a:latin typeface="Cambria Math" panose="02040503050406030204" pitchFamily="18" charset="0"/>
+                      </a:rPr>
+                      <m:t>exp</m:t>
+                    </m:r>
+                    <m:r>
+                      <a:rPr lang="en-US" b="0" i="1" smtClean="0">
+                        <a:latin typeface="Cambria Math" panose="02040503050406030204" pitchFamily="18" charset="0"/>
+                      </a:rPr>
+                      <m:t>⁡{</m:t>
+                    </m:r>
+                    <m:sSub>
+                      <m:sSubPr>
+                        <m:ctrlPr>
+                          <a:rPr lang="en-US" b="0" i="1" smtClean="0">
+                            <a:latin typeface="Cambria Math" panose="02040503050406030204" pitchFamily="18" charset="0"/>
+                          </a:rPr>
+                        </m:ctrlPr>
+                      </m:sSubPr>
+                      <m:e>
+                        <m:r>
+                          <a:rPr lang="en-US" b="0" i="1" smtClean="0">
+                            <a:latin typeface="Cambria Math" panose="02040503050406030204" pitchFamily="18" charset="0"/>
+                          </a:rPr>
+                          <m:t>𝛽</m:t>
+                        </m:r>
+                      </m:e>
+                      <m:sub>
+                        <m:r>
+                          <a:rPr lang="en-US" b="0" i="1" smtClean="0">
+                            <a:latin typeface="Cambria Math" panose="02040503050406030204" pitchFamily="18" charset="0"/>
+                          </a:rPr>
+                          <m:t>0</m:t>
+                        </m:r>
+                      </m:sub>
+                    </m:sSub>
+                    <m:r>
+                      <a:rPr lang="en-US" b="0" i="1" smtClean="0">
+                        <a:latin typeface="Cambria Math" panose="02040503050406030204" pitchFamily="18" charset="0"/>
+                      </a:rPr>
+                      <m:t>+</m:t>
+                    </m:r>
+                    <m:sSub>
+                      <m:sSubPr>
+                        <m:ctrlPr>
+                          <a:rPr lang="en-US" b="0" i="1" smtClean="0">
+                            <a:highlight>
+                              <a:srgbClr val="FFFF00"/>
+                            </a:highlight>
+                            <a:latin typeface="Cambria Math" panose="02040503050406030204" pitchFamily="18" charset="0"/>
+                          </a:rPr>
+                        </m:ctrlPr>
+                      </m:sSubPr>
+                      <m:e>
+                        <m:r>
+                          <a:rPr lang="en-US" b="0" i="1" smtClean="0">
+                            <a:highlight>
+                              <a:srgbClr val="FFFF00"/>
+                            </a:highlight>
+                            <a:latin typeface="Cambria Math" panose="02040503050406030204" pitchFamily="18" charset="0"/>
+                          </a:rPr>
+                          <m:t>𝛽</m:t>
+                        </m:r>
+                      </m:e>
+                      <m:sub>
+                        <m:r>
+                          <a:rPr lang="en-US" b="0" i="1" smtClean="0">
+                            <a:highlight>
+                              <a:srgbClr val="FFFF00"/>
+                            </a:highlight>
+                            <a:latin typeface="Cambria Math" panose="02040503050406030204" pitchFamily="18" charset="0"/>
+                          </a:rPr>
+                          <m:t>1</m:t>
+                        </m:r>
+                      </m:sub>
+                    </m:sSub>
+                    <m:r>
+                      <a:rPr lang="en-US" b="0" i="1" smtClean="0">
+                        <a:latin typeface="Cambria Math" panose="02040503050406030204" pitchFamily="18" charset="0"/>
+                      </a:rPr>
+                      <m:t>𝐹𝑢𝑙𝑙𝑀𝑜𝑜</m:t>
+                    </m:r>
+                    <m:sSub>
+                      <m:sSubPr>
+                        <m:ctrlPr>
+                          <a:rPr lang="en-US" b="0" i="1" smtClean="0">
+                            <a:latin typeface="Cambria Math" panose="02040503050406030204" pitchFamily="18" charset="0"/>
+                          </a:rPr>
+                        </m:ctrlPr>
+                      </m:sSubPr>
+                      <m:e>
+                        <m:r>
+                          <a:rPr lang="en-US" b="0" i="1" smtClean="0">
+                            <a:latin typeface="Cambria Math" panose="02040503050406030204" pitchFamily="18" charset="0"/>
+                          </a:rPr>
+                          <m:t>𝑛</m:t>
+                        </m:r>
+                      </m:e>
+                      <m:sub>
+                        <m:r>
+                          <a:rPr lang="en-US" b="0" i="1" smtClean="0">
+                            <a:latin typeface="Cambria Math" panose="02040503050406030204" pitchFamily="18" charset="0"/>
+                          </a:rPr>
+                          <m:t>𝑑𝑚𝑦</m:t>
+                        </m:r>
+                      </m:sub>
+                    </m:sSub>
+                    <m:r>
+                      <a:rPr lang="en-US" b="0" i="1" smtClean="0">
+                        <a:latin typeface="Cambria Math" panose="02040503050406030204" pitchFamily="18" charset="0"/>
+                      </a:rPr>
+                      <m:t>+</m:t>
+                    </m:r>
+                    <m:sSub>
+                      <m:sSubPr>
+                        <m:ctrlPr>
+                          <a:rPr lang="en-US" b="0" i="1" smtClean="0">
+                            <a:latin typeface="Cambria Math" panose="02040503050406030204" pitchFamily="18" charset="0"/>
+                          </a:rPr>
+                        </m:ctrlPr>
+                      </m:sSubPr>
+                      <m:e>
+                        <m:r>
+                          <a:rPr lang="en-US" b="0" i="1" smtClean="0">
+                            <a:latin typeface="Cambria Math" panose="02040503050406030204" pitchFamily="18" charset="0"/>
+                          </a:rPr>
+                          <m:t>𝛽</m:t>
+                        </m:r>
+                      </m:e>
+                      <m:sub>
+                        <m:r>
+                          <a:rPr lang="en-US" b="0" i="1" smtClean="0">
+                            <a:latin typeface="Cambria Math" panose="02040503050406030204" pitchFamily="18" charset="0"/>
+                          </a:rPr>
+                          <m:t>2</m:t>
+                        </m:r>
+                      </m:sub>
+                    </m:sSub>
+                    <m:r>
+                      <a:rPr lang="en-US" b="0" i="1" smtClean="0">
+                        <a:latin typeface="Cambria Math" panose="02040503050406030204" pitchFamily="18" charset="0"/>
+                      </a:rPr>
+                      <m:t>𝑈𝑛𝑒𝑚𝑝𝑙𝑜𝑦𝑚𝑒𝑛</m:t>
+                    </m:r>
+                    <m:sSub>
+                      <m:sSubPr>
+                        <m:ctrlPr>
+                          <a:rPr lang="en-US" b="0" i="1" smtClean="0">
+                            <a:latin typeface="Cambria Math" panose="02040503050406030204" pitchFamily="18" charset="0"/>
+                          </a:rPr>
+                        </m:ctrlPr>
+                      </m:sSubPr>
+                      <m:e>
+                        <m:r>
+                          <a:rPr lang="en-US" b="0" i="1" smtClean="0">
+                            <a:latin typeface="Cambria Math" panose="02040503050406030204" pitchFamily="18" charset="0"/>
+                          </a:rPr>
+                          <m:t>𝑡</m:t>
+                        </m:r>
+                      </m:e>
+                      <m:sub>
+                        <m:r>
+                          <a:rPr lang="en-US" b="0" i="1" smtClean="0">
+                            <a:latin typeface="Cambria Math" panose="02040503050406030204" pitchFamily="18" charset="0"/>
+                          </a:rPr>
+                          <m:t>𝑚𝑦</m:t>
+                        </m:r>
+                      </m:sub>
+                    </m:sSub>
+                    <m:r>
+                      <a:rPr lang="en-US" b="0" i="1" smtClean="0">
+                        <a:latin typeface="Cambria Math" panose="02040503050406030204" pitchFamily="18" charset="0"/>
+                      </a:rPr>
+                      <m:t>+</m:t>
+                    </m:r>
+                    <m:sSub>
+                      <m:sSubPr>
+                        <m:ctrlPr>
+                          <a:rPr lang="en-US" b="0" i="1" smtClean="0">
+                            <a:latin typeface="Cambria Math" panose="02040503050406030204" pitchFamily="18" charset="0"/>
+                          </a:rPr>
+                        </m:ctrlPr>
+                      </m:sSubPr>
+                      <m:e>
+                        <m:r>
+                          <a:rPr lang="en-US" b="0" i="1" smtClean="0">
+                            <a:latin typeface="Cambria Math" panose="02040503050406030204" pitchFamily="18" charset="0"/>
+                          </a:rPr>
+                          <m:t>𝑋</m:t>
+                        </m:r>
+                      </m:e>
+                      <m:sub>
+                        <m:r>
+                          <a:rPr lang="en-US" b="0" i="1" smtClean="0">
+                            <a:latin typeface="Cambria Math" panose="02040503050406030204" pitchFamily="18" charset="0"/>
+                          </a:rPr>
+                          <m:t>h𝑑𝑚𝑦</m:t>
+                        </m:r>
+                      </m:sub>
+                    </m:sSub>
+                    <m:r>
+                      <m:rPr>
+                        <m:sty m:val="p"/>
+                      </m:rPr>
+                      <a:rPr lang="en-US" b="0" i="1" smtClean="0">
+                        <a:latin typeface="Cambria Math" panose="02040503050406030204" pitchFamily="18" charset="0"/>
+                      </a:rPr>
+                      <m:t>γ</m:t>
+                    </m:r>
+                    <m:r>
+                      <a:rPr lang="en-US" b="0" i="0" smtClean="0">
+                        <a:latin typeface="Cambria Math" panose="02040503050406030204" pitchFamily="18" charset="0"/>
+                      </a:rPr>
+                      <m:t>+</m:t>
+                    </m:r>
+                    <m:sSub>
+                      <m:sSubPr>
+                        <m:ctrlPr>
+                          <a:rPr lang="en-US" b="0" i="1" smtClean="0">
+                            <a:latin typeface="Cambria Math" panose="02040503050406030204" pitchFamily="18" charset="0"/>
+                          </a:rPr>
+                        </m:ctrlPr>
+                      </m:sSubPr>
+                      <m:e>
+                        <m:r>
+                          <m:rPr>
+                            <m:sty m:val="p"/>
+                          </m:rPr>
+                          <a:rPr lang="en-US" b="0" i="0" smtClean="0">
+                            <a:latin typeface="Cambria Math" panose="02040503050406030204" pitchFamily="18" charset="0"/>
+                          </a:rPr>
+                          <m:t>Weather</m:t>
+                        </m:r>
+                      </m:e>
+                      <m:sub>
+                        <m:r>
+                          <m:rPr>
+                            <m:sty m:val="p"/>
+                          </m:rPr>
+                          <a:rPr lang="en-US" b="0" i="0" smtClean="0">
+                            <a:latin typeface="Cambria Math" panose="02040503050406030204" pitchFamily="18" charset="0"/>
+                          </a:rPr>
+                          <m:t>hdmy</m:t>
+                        </m:r>
+                      </m:sub>
+                    </m:sSub>
+                    <m:r>
+                      <m:rPr>
+                        <m:sty m:val="p"/>
+                      </m:rPr>
+                      <a:rPr lang="en-US" b="0" i="1" smtClean="0">
+                        <a:latin typeface="Cambria Math" panose="02040503050406030204" pitchFamily="18" charset="0"/>
+                      </a:rPr>
+                      <m:t>Ω</m:t>
+                    </m:r>
+                    <m:r>
+                      <a:rPr lang="en-US" b="0" i="1" smtClean="0">
+                        <a:latin typeface="Cambria Math" panose="02040503050406030204" pitchFamily="18" charset="0"/>
+                      </a:rPr>
+                      <m:t>+</m:t>
+                    </m:r>
+                    <m:nary>
+                      <m:naryPr>
+                        <m:chr m:val="∑"/>
+                        <m:ctrlPr>
+                          <a:rPr lang="en-US" b="0" i="1" smtClean="0">
+                            <a:latin typeface="Cambria Math" panose="02040503050406030204" pitchFamily="18" charset="0"/>
+                          </a:rPr>
+                        </m:ctrlPr>
+                      </m:naryPr>
+                      <m:sub>
+                        <m:r>
+                          <m:rPr>
+                            <m:brk m:alnAt="23"/>
+                          </m:rPr>
+                          <a:rPr lang="en-US" b="0" i="1" smtClean="0">
+                            <a:latin typeface="Cambria Math" panose="02040503050406030204" pitchFamily="18" charset="0"/>
+                          </a:rPr>
+                          <m:t>𝑖</m:t>
+                        </m:r>
+                        <m:r>
+                          <a:rPr lang="en-US" b="0" i="1" smtClean="0">
+                            <a:latin typeface="Cambria Math" panose="02040503050406030204" pitchFamily="18" charset="0"/>
+                          </a:rPr>
+                          <m:t>=1</m:t>
+                        </m:r>
+                      </m:sub>
+                      <m:sup>
+                        <m:r>
+                          <a:rPr lang="en-US" b="0" i="1" smtClean="0">
+                            <a:latin typeface="Cambria Math" panose="02040503050406030204" pitchFamily="18" charset="0"/>
+                          </a:rPr>
+                          <m:t>23</m:t>
+                        </m:r>
+                      </m:sup>
+                      <m:e>
+                        <m:sSub>
+                          <m:sSubPr>
+                            <m:ctrlPr>
+                              <a:rPr lang="en-US" i="1">
+                                <a:highlight>
+                                  <a:srgbClr val="FFFF00"/>
+                                </a:highlight>
+                                <a:latin typeface="Cambria Math" panose="02040503050406030204" pitchFamily="18" charset="0"/>
+                              </a:rPr>
+                            </m:ctrlPr>
+                          </m:sSubPr>
+                          <m:e>
+                            <m:r>
+                              <a:rPr lang="en-US" i="1">
+                                <a:highlight>
+                                  <a:srgbClr val="FFFF00"/>
+                                </a:highlight>
+                                <a:latin typeface="Cambria Math" panose="02040503050406030204" pitchFamily="18" charset="0"/>
+                              </a:rPr>
+                              <m:t>𝜂</m:t>
+                            </m:r>
+                          </m:e>
+                          <m:sub>
+                            <m:r>
+                              <a:rPr lang="en-US" i="1">
+                                <a:highlight>
+                                  <a:srgbClr val="FFFF00"/>
+                                </a:highlight>
+                                <a:latin typeface="Cambria Math" panose="02040503050406030204" pitchFamily="18" charset="0"/>
+                              </a:rPr>
+                              <m:t>𝑖</m:t>
+                            </m:r>
+                          </m:sub>
+                        </m:sSub>
+                        <m:r>
+                          <a:rPr lang="en-US" i="1">
+                            <a:latin typeface="Cambria Math" panose="02040503050406030204" pitchFamily="18" charset="0"/>
+                          </a:rPr>
+                          <m:t>𝟙</m:t>
+                        </m:r>
+                        <m:d>
+                          <m:dPr>
+                            <m:ctrlPr>
+                              <a:rPr lang="en-US" i="1">
+                                <a:latin typeface="Cambria Math" panose="02040503050406030204" pitchFamily="18" charset="0"/>
+                              </a:rPr>
+                            </m:ctrlPr>
+                          </m:dPr>
+                          <m:e>
+                            <m:r>
+                              <a:rPr lang="en-US" i="1">
+                                <a:latin typeface="Cambria Math" panose="02040503050406030204" pitchFamily="18" charset="0"/>
+                              </a:rPr>
+                              <m:t>𝐻𝑜𝑢</m:t>
+                            </m:r>
+                            <m:sSub>
+                              <m:sSubPr>
+                                <m:ctrlPr>
+                                  <a:rPr lang="en-US" i="1">
+                                    <a:latin typeface="Cambria Math" panose="02040503050406030204" pitchFamily="18" charset="0"/>
+                                  </a:rPr>
+                                </m:ctrlPr>
+                              </m:sSubPr>
+                              <m:e>
+                                <m:r>
+                                  <a:rPr lang="en-US" i="1">
+                                    <a:latin typeface="Cambria Math" panose="02040503050406030204" pitchFamily="18" charset="0"/>
+                                  </a:rPr>
+                                  <m:t>𝑟</m:t>
+                                </m:r>
+                              </m:e>
+                              <m:sub>
+                                <m:r>
+                                  <a:rPr lang="en-US" i="1">
+                                    <a:latin typeface="Cambria Math" panose="02040503050406030204" pitchFamily="18" charset="0"/>
+                                  </a:rPr>
+                                  <m:t>h</m:t>
+                                </m:r>
+                              </m:sub>
+                            </m:sSub>
+                            <m:r>
+                              <a:rPr lang="en-US" i="1">
+                                <a:latin typeface="Cambria Math" panose="02040503050406030204" pitchFamily="18" charset="0"/>
+                              </a:rPr>
+                              <m:t>=</m:t>
+                            </m:r>
+                            <m:r>
+                              <a:rPr lang="en-US" i="1">
+                                <a:latin typeface="Cambria Math" panose="02040503050406030204" pitchFamily="18" charset="0"/>
+                              </a:rPr>
+                              <m:t>𝑖</m:t>
+                            </m:r>
+                          </m:e>
+                        </m:d>
+                      </m:e>
+                    </m:nary>
+                    <m:r>
+                      <a:rPr lang="en-US" b="0" i="1" smtClean="0">
+                        <a:latin typeface="Cambria Math" panose="02040503050406030204" pitchFamily="18" charset="0"/>
+                      </a:rPr>
+                      <m:t>+</m:t>
+                    </m:r>
+                    <m:nary>
+                      <m:naryPr>
+                        <m:chr m:val="∑"/>
+                        <m:ctrlPr>
+                          <a:rPr lang="en-US" i="1" smtClean="0">
+                            <a:latin typeface="Cambria Math" panose="02040503050406030204" pitchFamily="18" charset="0"/>
+                          </a:rPr>
+                        </m:ctrlPr>
+                      </m:naryPr>
+                      <m:sub>
+                        <m:r>
+                          <m:rPr>
+                            <m:brk m:alnAt="23"/>
+                          </m:rPr>
+                          <a:rPr lang="en-US" i="1">
+                            <a:latin typeface="Cambria Math" panose="02040503050406030204" pitchFamily="18" charset="0"/>
+                          </a:rPr>
+                          <m:t>𝑖</m:t>
+                        </m:r>
+                        <m:r>
+                          <a:rPr lang="en-US" i="1">
+                            <a:latin typeface="Cambria Math" panose="02040503050406030204" pitchFamily="18" charset="0"/>
+                          </a:rPr>
+                          <m:t>=1</m:t>
+                        </m:r>
+                      </m:sub>
+                      <m:sup>
+                        <m:r>
+                          <a:rPr lang="en-US" b="0" i="1" smtClean="0">
+                            <a:latin typeface="Cambria Math" panose="02040503050406030204" pitchFamily="18" charset="0"/>
+                          </a:rPr>
+                          <m:t>6</m:t>
+                        </m:r>
+                      </m:sup>
+                      <m:e>
+                        <m:sSub>
+                          <m:sSubPr>
+                            <m:ctrlPr>
+                              <a:rPr lang="en-US" i="1">
+                                <a:highlight>
+                                  <a:srgbClr val="FFFF00"/>
+                                </a:highlight>
+                                <a:latin typeface="Cambria Math" panose="02040503050406030204" pitchFamily="18" charset="0"/>
+                              </a:rPr>
+                            </m:ctrlPr>
+                          </m:sSubPr>
+                          <m:e>
+                            <m:r>
+                              <a:rPr lang="en-US" i="1">
+                                <a:highlight>
+                                  <a:srgbClr val="FFFF00"/>
+                                </a:highlight>
+                                <a:latin typeface="Cambria Math" panose="02040503050406030204" pitchFamily="18" charset="0"/>
+                              </a:rPr>
+                              <m:t>𝛿</m:t>
+                            </m:r>
+                          </m:e>
+                          <m:sub>
+                            <m:r>
+                              <a:rPr lang="en-US" i="1">
+                                <a:highlight>
+                                  <a:srgbClr val="FFFF00"/>
+                                </a:highlight>
+                                <a:latin typeface="Cambria Math" panose="02040503050406030204" pitchFamily="18" charset="0"/>
+                              </a:rPr>
+                              <m:t>𝑖</m:t>
+                            </m:r>
+                          </m:sub>
+                        </m:sSub>
+                        <m:r>
+                          <a:rPr lang="en-US" i="1">
+                            <a:latin typeface="Cambria Math" panose="02040503050406030204" pitchFamily="18" charset="0"/>
+                          </a:rPr>
+                          <m:t>𝟙</m:t>
+                        </m:r>
+                        <m:d>
+                          <m:dPr>
+                            <m:ctrlPr>
+                              <a:rPr lang="en-US" i="1">
+                                <a:latin typeface="Cambria Math" panose="02040503050406030204" pitchFamily="18" charset="0"/>
+                              </a:rPr>
+                            </m:ctrlPr>
+                          </m:dPr>
+                          <m:e>
+                            <m:r>
+                              <a:rPr lang="en-US" i="1">
+                                <a:latin typeface="Cambria Math" panose="02040503050406030204" pitchFamily="18" charset="0"/>
+                              </a:rPr>
+                              <m:t>𝐷𝑎</m:t>
+                            </m:r>
+                            <m:sSub>
+                              <m:sSubPr>
+                                <m:ctrlPr>
+                                  <a:rPr lang="en-US" i="1">
+                                    <a:latin typeface="Cambria Math" panose="02040503050406030204" pitchFamily="18" charset="0"/>
+                                  </a:rPr>
+                                </m:ctrlPr>
+                              </m:sSubPr>
+                              <m:e>
+                                <m:r>
+                                  <a:rPr lang="en-US" i="1">
+                                    <a:latin typeface="Cambria Math" panose="02040503050406030204" pitchFamily="18" charset="0"/>
+                                  </a:rPr>
+                                  <m:t>𝑦</m:t>
+                                </m:r>
+                              </m:e>
+                              <m:sub>
+                                <m:r>
+                                  <a:rPr lang="en-US" i="1">
+                                    <a:latin typeface="Cambria Math" panose="02040503050406030204" pitchFamily="18" charset="0"/>
+                                  </a:rPr>
+                                  <m:t>𝑑</m:t>
+                                </m:r>
+                              </m:sub>
+                            </m:sSub>
+                            <m:r>
+                              <a:rPr lang="en-US" b="0" i="1" smtClean="0">
+                                <a:latin typeface="Cambria Math" panose="02040503050406030204" pitchFamily="18" charset="0"/>
+                              </a:rPr>
+                              <m:t>=</m:t>
+                            </m:r>
+                            <m:r>
+                              <a:rPr lang="en-US" b="0" i="1" smtClean="0">
+                                <a:latin typeface="Cambria Math" panose="02040503050406030204" pitchFamily="18" charset="0"/>
+                              </a:rPr>
+                              <m:t>𝑖</m:t>
+                            </m:r>
+                          </m:e>
+                        </m:d>
+                      </m:e>
+                    </m:nary>
+                    <m:r>
+                      <a:rPr lang="en-US" b="0" i="1" smtClean="0">
+                        <a:latin typeface="Cambria Math" panose="02040503050406030204" pitchFamily="18" charset="0"/>
+                      </a:rPr>
+                      <m:t>+</m:t>
+                    </m:r>
+                  </m:oMath>
+                </a14:m>
+                <a:r>
+                  <a:rPr lang="en-US" dirty="0"/>
+                  <a:t> </a:t>
+                </a:r>
+                <a14:m>
+                  <m:oMath xmlns:m="http://schemas.openxmlformats.org/officeDocument/2006/math">
+                    <m:nary>
+                      <m:naryPr>
+                        <m:chr m:val="∑"/>
+                        <m:ctrlPr>
+                          <a:rPr lang="en-US" i="1" smtClean="0">
+                            <a:latin typeface="Cambria Math" panose="02040503050406030204" pitchFamily="18" charset="0"/>
+                          </a:rPr>
+                        </m:ctrlPr>
+                      </m:naryPr>
+                      <m:sub>
+                        <m:r>
+                          <m:rPr>
+                            <m:brk m:alnAt="23"/>
+                          </m:rPr>
+                          <a:rPr lang="en-US" i="1">
+                            <a:latin typeface="Cambria Math" panose="02040503050406030204" pitchFamily="18" charset="0"/>
+                          </a:rPr>
+                          <m:t>𝑖</m:t>
+                        </m:r>
+                        <m:r>
+                          <a:rPr lang="en-US" i="1">
+                            <a:latin typeface="Cambria Math" panose="02040503050406030204" pitchFamily="18" charset="0"/>
+                          </a:rPr>
+                          <m:t>=1</m:t>
+                        </m:r>
+                      </m:sub>
+                      <m:sup>
+                        <m:r>
+                          <a:rPr lang="en-US" b="0" i="1" smtClean="0">
+                            <a:latin typeface="Cambria Math" panose="02040503050406030204" pitchFamily="18" charset="0"/>
+                          </a:rPr>
+                          <m:t>11</m:t>
+                        </m:r>
+                      </m:sup>
+                      <m:e>
+                        <m:sSub>
+                          <m:sSubPr>
+                            <m:ctrlPr>
+                              <a:rPr lang="en-US" i="1">
+                                <a:latin typeface="Cambria Math" panose="02040503050406030204" pitchFamily="18" charset="0"/>
+                              </a:rPr>
+                            </m:ctrlPr>
+                          </m:sSubPr>
+                          <m:e>
+                            <m:r>
+                              <a:rPr lang="en-US" i="1">
+                                <a:latin typeface="Cambria Math" panose="02040503050406030204" pitchFamily="18" charset="0"/>
+                              </a:rPr>
+                              <m:t>𝜇</m:t>
+                            </m:r>
+                          </m:e>
+                          <m:sub>
+                            <m:r>
+                              <a:rPr lang="en-US" i="1">
+                                <a:latin typeface="Cambria Math" panose="02040503050406030204" pitchFamily="18" charset="0"/>
+                              </a:rPr>
+                              <m:t>𝑖</m:t>
+                            </m:r>
+                          </m:sub>
+                        </m:sSub>
+                        <m:r>
+                          <a:rPr lang="en-US" i="1">
+                            <a:latin typeface="Cambria Math" panose="02040503050406030204" pitchFamily="18" charset="0"/>
+                          </a:rPr>
+                          <m:t>𝟙</m:t>
+                        </m:r>
+                        <m:d>
+                          <m:dPr>
+                            <m:ctrlPr>
+                              <a:rPr lang="en-US" i="1">
+                                <a:latin typeface="Cambria Math" panose="02040503050406030204" pitchFamily="18" charset="0"/>
+                              </a:rPr>
+                            </m:ctrlPr>
+                          </m:dPr>
+                          <m:e>
+                            <m:r>
+                              <a:rPr lang="en-US" i="1">
+                                <a:latin typeface="Cambria Math" panose="02040503050406030204" pitchFamily="18" charset="0"/>
+                              </a:rPr>
+                              <m:t>𝑀𝑜𝑛𝑡</m:t>
+                            </m:r>
+                            <m:sSub>
+                              <m:sSubPr>
+                                <m:ctrlPr>
+                                  <a:rPr lang="en-US" i="1">
+                                    <a:latin typeface="Cambria Math" panose="02040503050406030204" pitchFamily="18" charset="0"/>
+                                  </a:rPr>
+                                </m:ctrlPr>
+                              </m:sSubPr>
+                              <m:e>
+                                <m:r>
+                                  <a:rPr lang="en-US" i="1">
+                                    <a:latin typeface="Cambria Math" panose="02040503050406030204" pitchFamily="18" charset="0"/>
+                                  </a:rPr>
+                                  <m:t>h</m:t>
+                                </m:r>
+                              </m:e>
+                              <m:sub>
+                                <m:r>
+                                  <a:rPr lang="en-US" i="1">
+                                    <a:latin typeface="Cambria Math" panose="02040503050406030204" pitchFamily="18" charset="0"/>
+                                  </a:rPr>
+                                  <m:t>𝑚</m:t>
+                                </m:r>
+                              </m:sub>
+                            </m:sSub>
+                            <m:r>
+                              <a:rPr lang="en-US" i="1">
+                                <a:latin typeface="Cambria Math" panose="02040503050406030204" pitchFamily="18" charset="0"/>
+                              </a:rPr>
+                              <m:t>=</m:t>
+                            </m:r>
+                            <m:r>
+                              <a:rPr lang="en-US" i="1">
+                                <a:latin typeface="Cambria Math" panose="02040503050406030204" pitchFamily="18" charset="0"/>
+                              </a:rPr>
+                              <m:t>𝑖</m:t>
+                            </m:r>
+                          </m:e>
+                        </m:d>
+                        <m:r>
+                          <m:rPr>
+                            <m:nor/>
+                          </m:rPr>
+                          <a:rPr lang="en-US" dirty="0"/>
+                          <m:t> </m:t>
+                        </m:r>
+                      </m:e>
+                    </m:nary>
+                    <m:r>
+                      <a:rPr lang="en-US" b="0" i="1" smtClean="0">
+                        <a:latin typeface="Cambria Math" panose="02040503050406030204" pitchFamily="18" charset="0"/>
+                      </a:rPr>
+                      <m:t>+</m:t>
+                    </m:r>
+                    <m:nary>
+                      <m:naryPr>
+                        <m:chr m:val="∑"/>
+                        <m:ctrlPr>
+                          <a:rPr lang="en-US" b="0" i="1" smtClean="0">
+                            <a:latin typeface="Cambria Math" panose="02040503050406030204" pitchFamily="18" charset="0"/>
+                          </a:rPr>
+                        </m:ctrlPr>
+                      </m:naryPr>
+                      <m:sub>
+                        <m:r>
+                          <m:rPr>
+                            <m:brk m:alnAt="23"/>
+                          </m:rPr>
+                          <a:rPr lang="en-US" b="0" i="1" smtClean="0">
+                            <a:latin typeface="Cambria Math" panose="02040503050406030204" pitchFamily="18" charset="0"/>
+                          </a:rPr>
+                          <m:t>𝑖</m:t>
+                        </m:r>
+                        <m:r>
+                          <a:rPr lang="en-US" b="0" i="1" smtClean="0">
+                            <a:latin typeface="Cambria Math" panose="02040503050406030204" pitchFamily="18" charset="0"/>
+                          </a:rPr>
+                          <m:t>=1</m:t>
+                        </m:r>
+                      </m:sub>
+                      <m:sup>
+                        <m:r>
+                          <a:rPr lang="en-US" b="0" i="1" smtClean="0">
+                            <a:latin typeface="Cambria Math" panose="02040503050406030204" pitchFamily="18" charset="0"/>
+                          </a:rPr>
+                          <m:t>23</m:t>
+                        </m:r>
+                      </m:sup>
+                      <m:e>
+                        <m:nary>
+                          <m:naryPr>
+                            <m:chr m:val="∑"/>
+                            <m:ctrlPr>
+                              <a:rPr lang="en-US" b="0" i="1" smtClean="0">
+                                <a:latin typeface="Cambria Math" panose="02040503050406030204" pitchFamily="18" charset="0"/>
+                              </a:rPr>
+                            </m:ctrlPr>
+                          </m:naryPr>
+                          <m:sub>
+                            <m:r>
+                              <m:rPr>
+                                <m:brk m:alnAt="23"/>
+                              </m:rPr>
+                              <a:rPr lang="en-US" b="0" i="1" smtClean="0">
+                                <a:latin typeface="Cambria Math" panose="02040503050406030204" pitchFamily="18" charset="0"/>
+                              </a:rPr>
+                              <m:t>𝑗</m:t>
+                            </m:r>
+                            <m:r>
+                              <a:rPr lang="en-US" b="0" i="1" smtClean="0">
+                                <a:latin typeface="Cambria Math" panose="02040503050406030204" pitchFamily="18" charset="0"/>
+                              </a:rPr>
+                              <m:t>=1</m:t>
+                            </m:r>
+                          </m:sub>
+                          <m:sup>
+                            <m:r>
+                              <a:rPr lang="en-US" b="0" i="1" smtClean="0">
+                                <a:latin typeface="Cambria Math" panose="02040503050406030204" pitchFamily="18" charset="0"/>
+                              </a:rPr>
+                              <m:t>6</m:t>
+                            </m:r>
+                          </m:sup>
+                          <m:e>
+                            <m:sSub>
+                              <m:sSubPr>
+                                <m:ctrlPr>
+                                  <a:rPr lang="en-US" i="1">
+                                    <a:highlight>
+                                      <a:srgbClr val="FFFF00"/>
+                                    </a:highlight>
+                                    <a:latin typeface="Cambria Math" panose="02040503050406030204" pitchFamily="18" charset="0"/>
+                                  </a:rPr>
+                                </m:ctrlPr>
+                              </m:sSubPr>
+                              <m:e>
+                                <m:r>
+                                  <a:rPr lang="en-US" i="1">
+                                    <a:highlight>
+                                      <a:srgbClr val="FFFF00"/>
+                                    </a:highlight>
+                                    <a:latin typeface="Cambria Math" panose="02040503050406030204" pitchFamily="18" charset="0"/>
+                                  </a:rPr>
+                                  <m:t>𝜉</m:t>
+                                </m:r>
+                              </m:e>
+                              <m:sub>
+                                <m:r>
+                                  <a:rPr lang="en-US" i="1">
+                                    <a:highlight>
+                                      <a:srgbClr val="FFFF00"/>
+                                    </a:highlight>
+                                    <a:latin typeface="Cambria Math" panose="02040503050406030204" pitchFamily="18" charset="0"/>
+                                  </a:rPr>
+                                  <m:t>6</m:t>
+                                </m:r>
+                                <m:d>
+                                  <m:dPr>
+                                    <m:ctrlPr>
+                                      <a:rPr lang="en-US" i="1">
+                                        <a:highlight>
+                                          <a:srgbClr val="FFFF00"/>
+                                        </a:highlight>
+                                        <a:latin typeface="Cambria Math" panose="02040503050406030204" pitchFamily="18" charset="0"/>
+                                      </a:rPr>
+                                    </m:ctrlPr>
+                                  </m:dPr>
+                                  <m:e>
+                                    <m:r>
+                                      <a:rPr lang="en-US" b="0" i="1" smtClean="0">
+                                        <a:highlight>
+                                          <a:srgbClr val="FFFF00"/>
+                                        </a:highlight>
+                                        <a:latin typeface="Cambria Math" panose="02040503050406030204" pitchFamily="18" charset="0"/>
+                                      </a:rPr>
+                                      <m:t>𝑖</m:t>
+                                    </m:r>
+                                    <m:r>
+                                      <a:rPr lang="en-US" i="1">
+                                        <a:highlight>
+                                          <a:srgbClr val="FFFF00"/>
+                                        </a:highlight>
+                                        <a:latin typeface="Cambria Math" panose="02040503050406030204" pitchFamily="18" charset="0"/>
+                                      </a:rPr>
+                                      <m:t>−1</m:t>
+                                    </m:r>
+                                  </m:e>
+                                </m:d>
+                                <m:r>
+                                  <a:rPr lang="en-US" b="0" i="1" smtClean="0">
+                                    <a:highlight>
+                                      <a:srgbClr val="FFFF00"/>
+                                    </a:highlight>
+                                    <a:latin typeface="Cambria Math" panose="02040503050406030204" pitchFamily="18" charset="0"/>
+                                  </a:rPr>
+                                  <m:t>+</m:t>
+                                </m:r>
+                                <m:r>
+                                  <a:rPr lang="en-US" b="0" i="1" smtClean="0">
+                                    <a:highlight>
+                                      <a:srgbClr val="FFFF00"/>
+                                    </a:highlight>
+                                    <a:latin typeface="Cambria Math" panose="02040503050406030204" pitchFamily="18" charset="0"/>
+                                  </a:rPr>
+                                  <m:t>𝑗</m:t>
+                                </m:r>
+                              </m:sub>
+                            </m:sSub>
+                            <m:r>
+                              <m:rPr>
+                                <m:nor/>
+                              </m:rPr>
+                              <a:rPr lang="en-US" dirty="0"/>
+                              <m:t> </m:t>
+                            </m:r>
+                            <m:r>
+                              <a:rPr lang="en-US" i="1">
+                                <a:latin typeface="Cambria Math" panose="02040503050406030204" pitchFamily="18" charset="0"/>
+                              </a:rPr>
+                              <m:t>𝟙</m:t>
+                            </m:r>
+                            <m:d>
+                              <m:dPr>
+                                <m:ctrlPr>
+                                  <a:rPr lang="en-US" i="1">
+                                    <a:latin typeface="Cambria Math" panose="02040503050406030204" pitchFamily="18" charset="0"/>
+                                  </a:rPr>
+                                </m:ctrlPr>
+                              </m:dPr>
+                              <m:e>
+                                <m:r>
+                                  <a:rPr lang="en-US" i="1">
+                                    <a:latin typeface="Cambria Math" panose="02040503050406030204" pitchFamily="18" charset="0"/>
+                                  </a:rPr>
+                                  <m:t>𝐻𝑜𝑢</m:t>
+                                </m:r>
+                                <m:sSub>
+                                  <m:sSubPr>
+                                    <m:ctrlPr>
+                                      <a:rPr lang="en-US" i="1">
+                                        <a:latin typeface="Cambria Math" panose="02040503050406030204" pitchFamily="18" charset="0"/>
+                                      </a:rPr>
+                                    </m:ctrlPr>
+                                  </m:sSubPr>
+                                  <m:e>
+                                    <m:r>
+                                      <a:rPr lang="en-US" i="1">
+                                        <a:latin typeface="Cambria Math" panose="02040503050406030204" pitchFamily="18" charset="0"/>
+                                      </a:rPr>
+                                      <m:t>𝑟</m:t>
+                                    </m:r>
+                                  </m:e>
+                                  <m:sub>
+                                    <m:r>
+                                      <a:rPr lang="en-US" i="1">
+                                        <a:latin typeface="Cambria Math" panose="02040503050406030204" pitchFamily="18" charset="0"/>
+                                      </a:rPr>
+                                      <m:t>h</m:t>
+                                    </m:r>
+                                  </m:sub>
+                                </m:sSub>
+                                <m:r>
+                                  <a:rPr lang="en-US" i="1">
+                                    <a:latin typeface="Cambria Math" panose="02040503050406030204" pitchFamily="18" charset="0"/>
+                                  </a:rPr>
+                                  <m:t>=</m:t>
+                                </m:r>
+                                <m:r>
+                                  <a:rPr lang="en-US" i="1">
+                                    <a:latin typeface="Cambria Math" panose="02040503050406030204" pitchFamily="18" charset="0"/>
+                                  </a:rPr>
+                                  <m:t>𝑖</m:t>
+                                </m:r>
+                              </m:e>
+                            </m:d>
+                            <m:r>
+                              <m:rPr>
+                                <m:nor/>
+                              </m:rPr>
+                              <a:rPr lang="en-US" dirty="0"/>
+                              <m:t> </m:t>
+                            </m:r>
+                            <m:r>
+                              <a:rPr lang="en-US" i="1">
+                                <a:latin typeface="Cambria Math" panose="02040503050406030204" pitchFamily="18" charset="0"/>
+                              </a:rPr>
+                              <m:t>𝟙</m:t>
+                            </m:r>
+                            <m:d>
+                              <m:dPr>
+                                <m:ctrlPr>
+                                  <a:rPr lang="en-US" i="1">
+                                    <a:latin typeface="Cambria Math" panose="02040503050406030204" pitchFamily="18" charset="0"/>
+                                  </a:rPr>
+                                </m:ctrlPr>
+                              </m:dPr>
+                              <m:e>
+                                <m:r>
+                                  <a:rPr lang="en-US" i="1">
+                                    <a:latin typeface="Cambria Math" panose="02040503050406030204" pitchFamily="18" charset="0"/>
+                                  </a:rPr>
+                                  <m:t>𝐷𝑎</m:t>
+                                </m:r>
+                                <m:sSub>
+                                  <m:sSubPr>
+                                    <m:ctrlPr>
+                                      <a:rPr lang="en-US" i="1">
+                                        <a:latin typeface="Cambria Math" panose="02040503050406030204" pitchFamily="18" charset="0"/>
+                                      </a:rPr>
+                                    </m:ctrlPr>
+                                  </m:sSubPr>
+                                  <m:e>
+                                    <m:r>
+                                      <a:rPr lang="en-US" i="1">
+                                        <a:latin typeface="Cambria Math" panose="02040503050406030204" pitchFamily="18" charset="0"/>
+                                      </a:rPr>
+                                      <m:t>𝑦</m:t>
+                                    </m:r>
+                                  </m:e>
+                                  <m:sub>
+                                    <m:r>
+                                      <a:rPr lang="en-US" i="1">
+                                        <a:latin typeface="Cambria Math" panose="02040503050406030204" pitchFamily="18" charset="0"/>
+                                      </a:rPr>
+                                      <m:t>𝑑</m:t>
+                                    </m:r>
+                                  </m:sub>
+                                </m:sSub>
+                                <m:r>
+                                  <a:rPr lang="en-US" i="1">
+                                    <a:latin typeface="Cambria Math" panose="02040503050406030204" pitchFamily="18" charset="0"/>
+                                  </a:rPr>
+                                  <m:t>=</m:t>
+                                </m:r>
+                                <m:r>
+                                  <a:rPr lang="en-US" i="1">
+                                    <a:latin typeface="Cambria Math" panose="02040503050406030204" pitchFamily="18" charset="0"/>
+                                  </a:rPr>
+                                  <m:t>𝑗</m:t>
+                                </m:r>
+                              </m:e>
+                            </m:d>
+                          </m:e>
+                        </m:nary>
+                      </m:e>
+                    </m:nary>
+                    <m:r>
+                      <a:rPr lang="en-US" b="0" i="1" smtClean="0">
+                        <a:latin typeface="Cambria Math" panose="02040503050406030204" pitchFamily="18" charset="0"/>
+                      </a:rPr>
+                      <m:t>+</m:t>
+                    </m:r>
+                    <m:nary>
+                      <m:naryPr>
+                        <m:chr m:val="∑"/>
+                        <m:limLoc m:val="subSup"/>
+                        <m:ctrlPr>
+                          <a:rPr lang="en-US" b="0" i="1" smtClean="0">
+                            <a:latin typeface="Cambria Math" panose="02040503050406030204" pitchFamily="18" charset="0"/>
+                          </a:rPr>
+                        </m:ctrlPr>
+                      </m:naryPr>
+                      <m:sub>
+                        <m:r>
+                          <m:rPr>
+                            <m:brk m:alnAt="25"/>
+                          </m:rPr>
+                          <a:rPr lang="en-US" b="0" i="1" smtClean="0">
+                            <a:latin typeface="Cambria Math" panose="02040503050406030204" pitchFamily="18" charset="0"/>
+                          </a:rPr>
+                          <m:t>𝑖</m:t>
+                        </m:r>
+                        <m:r>
+                          <a:rPr lang="en-US" b="0" i="1" smtClean="0">
+                            <a:latin typeface="Cambria Math" panose="02040503050406030204" pitchFamily="18" charset="0"/>
+                          </a:rPr>
+                          <m:t>=1</m:t>
+                        </m:r>
+                      </m:sub>
+                      <m:sup>
+                        <m:r>
+                          <a:rPr lang="en-US" b="0" i="1" smtClean="0">
+                            <a:latin typeface="Cambria Math" panose="02040503050406030204" pitchFamily="18" charset="0"/>
+                          </a:rPr>
+                          <m:t>24</m:t>
+                        </m:r>
+                      </m:sup>
+                      <m:e>
+                        <m:sSub>
+                          <m:sSubPr>
+                            <m:ctrlPr>
+                              <a:rPr lang="en-US" i="1">
+                                <a:highlight>
+                                  <a:srgbClr val="FFFF00"/>
+                                </a:highlight>
+                                <a:latin typeface="Cambria Math" panose="02040503050406030204" pitchFamily="18" charset="0"/>
+                              </a:rPr>
+                            </m:ctrlPr>
+                          </m:sSubPr>
+                          <m:e>
+                            <m:r>
+                              <a:rPr lang="en-US" i="1">
+                                <a:highlight>
+                                  <a:srgbClr val="FFFF00"/>
+                                </a:highlight>
+                                <a:latin typeface="Cambria Math" panose="02040503050406030204" pitchFamily="18" charset="0"/>
+                              </a:rPr>
+                              <m:t>𝜓</m:t>
+                            </m:r>
+                          </m:e>
+                          <m:sub>
+                            <m:r>
+                              <m:rPr>
+                                <m:sty m:val="p"/>
+                              </m:rPr>
+                              <a:rPr lang="en-US">
+                                <a:highlight>
+                                  <a:srgbClr val="FFFF00"/>
+                                </a:highlight>
+                                <a:latin typeface="Cambria Math" panose="02040503050406030204" pitchFamily="18" charset="0"/>
+                              </a:rPr>
+                              <m:t>i</m:t>
+                            </m:r>
+                          </m:sub>
+                        </m:sSub>
+                        <m:d>
+                          <m:dPr>
+                            <m:ctrlPr>
+                              <a:rPr lang="en-US" i="1">
+                                <a:latin typeface="Cambria Math" panose="02040503050406030204" pitchFamily="18" charset="0"/>
+                              </a:rPr>
+                            </m:ctrlPr>
+                          </m:dPr>
+                          <m:e>
+                            <m:sSub>
+                              <m:sSubPr>
+                                <m:ctrlPr>
+                                  <a:rPr lang="en-US" i="1">
+                                    <a:latin typeface="Cambria Math" panose="02040503050406030204" pitchFamily="18" charset="0"/>
+                                  </a:rPr>
+                                </m:ctrlPr>
+                              </m:sSubPr>
+                              <m:e>
+                                <m:r>
+                                  <a:rPr lang="en-US" i="1">
+                                    <a:latin typeface="Cambria Math" panose="02040503050406030204" pitchFamily="18" charset="0"/>
+                                  </a:rPr>
+                                  <m:t>𝑌</m:t>
+                                </m:r>
+                              </m:e>
+                              <m:sub>
+                                <m:r>
+                                  <a:rPr lang="en-US" i="1">
+                                    <a:latin typeface="Cambria Math" panose="02040503050406030204" pitchFamily="18" charset="0"/>
+                                  </a:rPr>
+                                  <m:t>h𝑑𝑚𝑦</m:t>
+                                </m:r>
+                              </m:sub>
+                            </m:sSub>
+                            <m:r>
+                              <a:rPr lang="en-US" i="1">
+                                <a:latin typeface="Cambria Math" panose="02040503050406030204" pitchFamily="18" charset="0"/>
+                              </a:rPr>
+                              <m:t>−</m:t>
+                            </m:r>
+                            <m:sSub>
+                              <m:sSubPr>
+                                <m:ctrlPr>
+                                  <a:rPr lang="en-US" i="1">
+                                    <a:latin typeface="Cambria Math" panose="02040503050406030204" pitchFamily="18" charset="0"/>
+                                  </a:rPr>
+                                </m:ctrlPr>
+                              </m:sSubPr>
+                              <m:e>
+                                <m:r>
+                                  <a:rPr lang="en-US" i="1">
+                                    <a:latin typeface="Cambria Math" panose="02040503050406030204" pitchFamily="18" charset="0"/>
+                                  </a:rPr>
+                                  <m:t>𝑌</m:t>
+                                </m:r>
+                              </m:e>
+                              <m:sub>
+                                <m:d>
+                                  <m:dPr>
+                                    <m:ctrlPr>
+                                      <a:rPr lang="en-US" i="1">
+                                        <a:latin typeface="Cambria Math" panose="02040503050406030204" pitchFamily="18" charset="0"/>
+                                      </a:rPr>
+                                    </m:ctrlPr>
+                                  </m:dPr>
+                                  <m:e>
+                                    <m:r>
+                                      <a:rPr lang="en-US" i="1">
+                                        <a:latin typeface="Cambria Math" panose="02040503050406030204" pitchFamily="18" charset="0"/>
+                                      </a:rPr>
+                                      <m:t>h</m:t>
+                                    </m:r>
+                                    <m:r>
+                                      <a:rPr lang="en-US" i="1">
+                                        <a:latin typeface="Cambria Math" panose="02040503050406030204" pitchFamily="18" charset="0"/>
+                                      </a:rPr>
+                                      <m:t>−</m:t>
+                                    </m:r>
+                                    <m:r>
+                                      <a:rPr lang="en-US" i="1">
+                                        <a:latin typeface="Cambria Math" panose="02040503050406030204" pitchFamily="18" charset="0"/>
+                                      </a:rPr>
+                                      <m:t>𝑖</m:t>
+                                    </m:r>
+                                  </m:e>
+                                </m:d>
+                                <m:r>
+                                  <a:rPr lang="en-US" i="1">
+                                    <a:latin typeface="Cambria Math" panose="02040503050406030204" pitchFamily="18" charset="0"/>
+                                  </a:rPr>
+                                  <m:t>𝑑𝑚𝑦</m:t>
+                                </m:r>
+                              </m:sub>
+                            </m:sSub>
+                          </m:e>
+                        </m:d>
+                      </m:e>
+                    </m:nary>
+                    <m:r>
+                      <a:rPr lang="en-US" b="0" i="1" smtClean="0">
+                        <a:latin typeface="Cambria Math" panose="02040503050406030204" pitchFamily="18" charset="0"/>
+                      </a:rPr>
+                      <m:t>+</m:t>
+                    </m:r>
+                    <m:sSub>
+                      <m:sSubPr>
+                        <m:ctrlPr>
+                          <a:rPr lang="en-US" i="1">
+                            <a:latin typeface="Cambria Math" panose="02040503050406030204" pitchFamily="18" charset="0"/>
+                          </a:rPr>
+                        </m:ctrlPr>
+                      </m:sSubPr>
+                      <m:e>
+                        <m:r>
+                          <a:rPr lang="en-US" i="1">
+                            <a:latin typeface="Cambria Math" panose="02040503050406030204" pitchFamily="18" charset="0"/>
+                          </a:rPr>
+                          <m:t>𝜖</m:t>
+                        </m:r>
+                      </m:e>
+                      <m:sub>
+                        <m:r>
+                          <a:rPr lang="en-US" i="1">
+                            <a:latin typeface="Cambria Math" panose="02040503050406030204" pitchFamily="18" charset="0"/>
+                          </a:rPr>
+                          <m:t>h𝑑𝑚𝑦</m:t>
+                        </m:r>
+                      </m:sub>
+                    </m:sSub>
+                    <m:r>
+                      <a:rPr lang="en-US" b="0" i="1" smtClean="0">
+                        <a:latin typeface="Cambria Math" panose="02040503050406030204" pitchFamily="18" charset="0"/>
+                      </a:rPr>
+                      <m:t>}</m:t>
+                    </m:r>
+                  </m:oMath>
+                </a14:m>
+                <a:endParaRPr lang="en-US" b="0" dirty="0"/>
+              </a:p>
+            </p:txBody>
+          </p:sp>
+        </mc:Choice>
+        <mc:Fallback>
+          <p:sp>
+            <p:nvSpPr>
+              <p:cNvPr id="3" name="Subtitle 2">
+                <a:extLst>
+                  <a:ext uri="{FF2B5EF4-FFF2-40B4-BE49-F238E27FC236}">
+                    <a16:creationId xmlns:a16="http://schemas.microsoft.com/office/drawing/2014/main" id="{D9DE4C28-59E7-E7D3-4B20-4FD0304518B7}"/>
+                  </a:ext>
+                </a:extLst>
+              </p:cNvPr>
+              <p:cNvSpPr>
+                <a:spLocks noGrp="1" noRot="1" noChangeAspect="1" noMove="1" noResize="1" noEditPoints="1" noAdjustHandles="1" noChangeArrowheads="1" noChangeShapeType="1" noTextEdit="1"/>
+              </p:cNvSpPr>
+              <p:nvPr>
+                <p:ph type="subTitle" idx="1"/>
+              </p:nvPr>
+            </p:nvSpPr>
+            <p:spPr>
+              <a:xfrm>
+                <a:off x="922712" y="2019438"/>
+                <a:ext cx="10598727" cy="4065477"/>
+              </a:xfrm>
+              <a:blipFill>
+                <a:blip r:embed="rId3"/>
+                <a:stretch>
+                  <a:fillRect/>
+                </a:stretch>
+              </a:blipFill>
+            </p:spPr>
+            <p:txBody>
+              <a:bodyPr/>
+              <a:lstStyle/>
+              <a:p>
+                <a:r>
+                  <a:rPr lang="en-US">
+                    <a:noFill/>
+                  </a:rPr>
+                  <a:t> </a:t>
+                </a:r>
+              </a:p>
+            </p:txBody>
+          </p:sp>
+        </mc:Fallback>
+      </mc:AlternateContent>
+      <p:sp>
+        <p:nvSpPr>
+          <p:cNvPr id="4" name="TextBox 3">
+            <a:extLst>
+              <a:ext uri="{FF2B5EF4-FFF2-40B4-BE49-F238E27FC236}">
+                <a16:creationId xmlns:a16="http://schemas.microsoft.com/office/drawing/2014/main" id="{FC6C21BF-CF50-1E2E-B435-251254187385}"/>
+              </a:ext>
+            </a:extLst>
+          </p:cNvPr>
+          <p:cNvSpPr txBox="1"/>
+          <p:nvPr/>
+        </p:nvSpPr>
+        <p:spPr>
+          <a:xfrm>
+            <a:off x="7373815" y="3118338"/>
+            <a:ext cx="184731" cy="369332"/>
+          </a:xfrm>
+          <a:prstGeom prst="rect">
+            <a:avLst/>
+          </a:prstGeom>
+          <a:noFill/>
+        </p:spPr>
+        <p:txBody>
+          <a:bodyPr wrap="none" rtlCol="0">
+            <a:spAutoFit/>
+          </a:bodyPr>
+          <a:lstStyle/>
+          <a:p>
+            <a:endParaRPr lang="en-US" dirty="0"/>
+          </a:p>
+        </p:txBody>
+      </p:sp>
+      <p:cxnSp>
+        <p:nvCxnSpPr>
+          <p:cNvPr id="6" name="Connector: Curved 5">
+            <a:extLst>
+              <a:ext uri="{FF2B5EF4-FFF2-40B4-BE49-F238E27FC236}">
+                <a16:creationId xmlns:a16="http://schemas.microsoft.com/office/drawing/2014/main" id="{4D5D9339-8186-F148-EE9E-5E5F23743F40}"/>
+              </a:ext>
+            </a:extLst>
+          </p:cNvPr>
+          <p:cNvCxnSpPr/>
+          <p:nvPr/>
+        </p:nvCxnSpPr>
+        <p:spPr>
+          <a:xfrm rot="16200000" flipV="1">
+            <a:off x="1131443" y="2109504"/>
+            <a:ext cx="856527" cy="769682"/>
+          </a:xfrm>
+          <a:prstGeom prst="curvedConnector3">
+            <a:avLst/>
+          </a:prstGeom>
+          <a:ln>
+            <a:solidFill>
+              <a:schemeClr val="tx1"/>
+            </a:solidFill>
+            <a:tailEnd type="triangle"/>
+          </a:ln>
+        </p:spPr>
+        <p:style>
+          <a:lnRef idx="2">
+            <a:schemeClr val="accent1"/>
+          </a:lnRef>
+          <a:fillRef idx="0">
+            <a:schemeClr val="accent1"/>
+          </a:fillRef>
+          <a:effectRef idx="1">
+            <a:schemeClr val="accent1"/>
+          </a:effectRef>
+          <a:fontRef idx="minor">
+            <a:schemeClr val="tx1"/>
+          </a:fontRef>
+        </p:style>
+      </p:cxnSp>
+      <p:sp>
+        <p:nvSpPr>
+          <p:cNvPr id="7" name="TextBox 6">
+            <a:extLst>
+              <a:ext uri="{FF2B5EF4-FFF2-40B4-BE49-F238E27FC236}">
+                <a16:creationId xmlns:a16="http://schemas.microsoft.com/office/drawing/2014/main" id="{1C4D6D11-4F1C-9179-6876-A94BB7FC8851}"/>
+              </a:ext>
+            </a:extLst>
+          </p:cNvPr>
+          <p:cNvSpPr txBox="1"/>
+          <p:nvPr/>
+        </p:nvSpPr>
+        <p:spPr>
+          <a:xfrm>
+            <a:off x="185194" y="1696749"/>
+            <a:ext cx="2575367" cy="369332"/>
+          </a:xfrm>
+          <a:prstGeom prst="rect">
+            <a:avLst/>
+          </a:prstGeom>
+          <a:noFill/>
+        </p:spPr>
+        <p:txBody>
+          <a:bodyPr wrap="square" rtlCol="0">
+            <a:spAutoFit/>
+          </a:bodyPr>
+          <a:lstStyle/>
+          <a:p>
+            <a:r>
+              <a:rPr lang="en-US" dirty="0"/>
+              <a:t>Hour, Day, Month, Year</a:t>
+            </a:r>
+          </a:p>
+        </p:txBody>
+      </p:sp>
+      <p:cxnSp>
+        <p:nvCxnSpPr>
+          <p:cNvPr id="8" name="Connector: Curved 7">
+            <a:extLst>
+              <a:ext uri="{FF2B5EF4-FFF2-40B4-BE49-F238E27FC236}">
+                <a16:creationId xmlns:a16="http://schemas.microsoft.com/office/drawing/2014/main" id="{9F260F93-2480-7EDE-9EBC-16B024C38E8F}"/>
+              </a:ext>
+            </a:extLst>
+          </p:cNvPr>
+          <p:cNvCxnSpPr/>
+          <p:nvPr/>
+        </p:nvCxnSpPr>
+        <p:spPr>
+          <a:xfrm rot="16200000" flipV="1">
+            <a:off x="3920924" y="2456727"/>
+            <a:ext cx="312516" cy="260430"/>
+          </a:xfrm>
+          <a:prstGeom prst="curvedConnector3">
+            <a:avLst/>
+          </a:prstGeom>
+          <a:ln>
+            <a:solidFill>
+              <a:schemeClr val="tx1"/>
+            </a:solidFill>
+            <a:tailEnd type="triangle"/>
+          </a:ln>
+        </p:spPr>
+        <p:style>
+          <a:lnRef idx="2">
+            <a:schemeClr val="accent1"/>
+          </a:lnRef>
+          <a:fillRef idx="0">
+            <a:schemeClr val="accent1"/>
+          </a:fillRef>
+          <a:effectRef idx="1">
+            <a:schemeClr val="accent1"/>
+          </a:effectRef>
+          <a:fontRef idx="minor">
+            <a:schemeClr val="tx1"/>
+          </a:fontRef>
+        </p:style>
+      </p:cxnSp>
+      <p:sp>
+        <p:nvSpPr>
+          <p:cNvPr id="10" name="TextBox 9">
+            <a:extLst>
+              <a:ext uri="{FF2B5EF4-FFF2-40B4-BE49-F238E27FC236}">
+                <a16:creationId xmlns:a16="http://schemas.microsoft.com/office/drawing/2014/main" id="{35E56398-BD87-24D3-3860-9B93EC66A775}"/>
+              </a:ext>
+            </a:extLst>
+          </p:cNvPr>
+          <p:cNvSpPr txBox="1"/>
+          <p:nvPr/>
+        </p:nvSpPr>
+        <p:spPr>
+          <a:xfrm>
+            <a:off x="2196701" y="2105457"/>
+            <a:ext cx="2575367" cy="369332"/>
+          </a:xfrm>
+          <a:prstGeom prst="rect">
+            <a:avLst/>
+          </a:prstGeom>
+          <a:noFill/>
+        </p:spPr>
+        <p:txBody>
+          <a:bodyPr wrap="square" rtlCol="0">
+            <a:spAutoFit/>
+          </a:bodyPr>
+          <a:lstStyle/>
+          <a:p>
+            <a:r>
+              <a:rPr lang="en-US" dirty="0"/>
+              <a:t>Main Effect of Interest</a:t>
+            </a:r>
+          </a:p>
+        </p:txBody>
+      </p:sp>
+      <p:cxnSp>
+        <p:nvCxnSpPr>
+          <p:cNvPr id="9" name="Connector: Curved 8">
+            <a:extLst>
+              <a:ext uri="{FF2B5EF4-FFF2-40B4-BE49-F238E27FC236}">
+                <a16:creationId xmlns:a16="http://schemas.microsoft.com/office/drawing/2014/main" id="{3F0FACCC-FA43-A9BF-7A59-B9FA1F340F34}"/>
+              </a:ext>
+            </a:extLst>
+          </p:cNvPr>
+          <p:cNvCxnSpPr>
+            <a:cxnSpLocks/>
+          </p:cNvCxnSpPr>
+          <p:nvPr/>
+        </p:nvCxnSpPr>
+        <p:spPr>
+          <a:xfrm rot="5400000" flipH="1" flipV="1">
+            <a:off x="8048746" y="2785159"/>
+            <a:ext cx="761037" cy="526651"/>
+          </a:xfrm>
+          <a:prstGeom prst="curvedConnector3">
+            <a:avLst>
+              <a:gd name="adj1" fmla="val 50000"/>
+            </a:avLst>
+          </a:prstGeom>
+          <a:ln>
+            <a:solidFill>
+              <a:schemeClr val="tx1"/>
+            </a:solidFill>
+            <a:tailEnd type="triangle"/>
+          </a:ln>
+        </p:spPr>
+        <p:style>
+          <a:lnRef idx="2">
+            <a:schemeClr val="accent1"/>
+          </a:lnRef>
+          <a:fillRef idx="0">
+            <a:schemeClr val="accent1"/>
+          </a:fillRef>
+          <a:effectRef idx="1">
+            <a:schemeClr val="accent1"/>
+          </a:effectRef>
+          <a:fontRef idx="minor">
+            <a:schemeClr val="tx1"/>
+          </a:fontRef>
+        </p:style>
+      </p:cxnSp>
+      <p:cxnSp>
+        <p:nvCxnSpPr>
+          <p:cNvPr id="12" name="Connector: Curved 11">
+            <a:extLst>
+              <a:ext uri="{FF2B5EF4-FFF2-40B4-BE49-F238E27FC236}">
+                <a16:creationId xmlns:a16="http://schemas.microsoft.com/office/drawing/2014/main" id="{784FF2F7-D4A5-39FA-556D-09B4EFC0B029}"/>
+              </a:ext>
+            </a:extLst>
+          </p:cNvPr>
+          <p:cNvCxnSpPr/>
+          <p:nvPr/>
+        </p:nvCxnSpPr>
+        <p:spPr>
+          <a:xfrm flipV="1">
+            <a:off x="5191246" y="2384385"/>
+            <a:ext cx="3136739" cy="1103285"/>
+          </a:xfrm>
+          <a:prstGeom prst="curvedConnector3">
+            <a:avLst/>
+          </a:prstGeom>
+          <a:ln>
+            <a:solidFill>
+              <a:schemeClr val="tx1"/>
+            </a:solidFill>
+            <a:tailEnd type="triangle"/>
+          </a:ln>
+        </p:spPr>
+        <p:style>
+          <a:lnRef idx="2">
+            <a:schemeClr val="accent1"/>
+          </a:lnRef>
+          <a:fillRef idx="0">
+            <a:schemeClr val="accent1"/>
+          </a:fillRef>
+          <a:effectRef idx="1">
+            <a:schemeClr val="accent1"/>
+          </a:effectRef>
+          <a:fontRef idx="minor">
+            <a:schemeClr val="tx1"/>
+          </a:fontRef>
+        </p:style>
+      </p:cxnSp>
+      <p:cxnSp>
+        <p:nvCxnSpPr>
+          <p:cNvPr id="14" name="Connector: Curved 13">
+            <a:extLst>
+              <a:ext uri="{FF2B5EF4-FFF2-40B4-BE49-F238E27FC236}">
+                <a16:creationId xmlns:a16="http://schemas.microsoft.com/office/drawing/2014/main" id="{CF67FDFC-CCEF-387F-4AB5-3070A3CCA77E}"/>
+              </a:ext>
+            </a:extLst>
+          </p:cNvPr>
+          <p:cNvCxnSpPr>
+            <a:cxnSpLocks/>
+          </p:cNvCxnSpPr>
+          <p:nvPr/>
+        </p:nvCxnSpPr>
+        <p:spPr>
+          <a:xfrm flipV="1">
+            <a:off x="2448172" y="1941085"/>
+            <a:ext cx="5862577" cy="2332299"/>
+          </a:xfrm>
+          <a:prstGeom prst="curvedConnector3">
+            <a:avLst>
+              <a:gd name="adj1" fmla="val 40721"/>
+            </a:avLst>
+          </a:prstGeom>
+          <a:ln>
+            <a:solidFill>
+              <a:schemeClr val="tx1"/>
+            </a:solidFill>
+            <a:tailEnd type="triangle"/>
+          </a:ln>
+        </p:spPr>
+        <p:style>
+          <a:lnRef idx="2">
+            <a:schemeClr val="accent1"/>
+          </a:lnRef>
+          <a:fillRef idx="0">
+            <a:schemeClr val="accent1"/>
+          </a:fillRef>
+          <a:effectRef idx="1">
+            <a:schemeClr val="accent1"/>
+          </a:effectRef>
+          <a:fontRef idx="minor">
+            <a:schemeClr val="tx1"/>
+          </a:fontRef>
+        </p:style>
+      </p:cxnSp>
+      <p:cxnSp>
+        <p:nvCxnSpPr>
+          <p:cNvPr id="18" name="Connector: Curved 17">
+            <a:extLst>
+              <a:ext uri="{FF2B5EF4-FFF2-40B4-BE49-F238E27FC236}">
+                <a16:creationId xmlns:a16="http://schemas.microsoft.com/office/drawing/2014/main" id="{75E53775-8D10-3F42-8374-A7BE5B177B49}"/>
+              </a:ext>
+            </a:extLst>
+          </p:cNvPr>
+          <p:cNvCxnSpPr>
+            <a:cxnSpLocks/>
+          </p:cNvCxnSpPr>
+          <p:nvPr/>
+        </p:nvCxnSpPr>
+        <p:spPr>
+          <a:xfrm flipV="1">
+            <a:off x="6313990" y="2105457"/>
+            <a:ext cx="3784921" cy="2003556"/>
+          </a:xfrm>
+          <a:prstGeom prst="curvedConnector3">
+            <a:avLst>
+              <a:gd name="adj1" fmla="val 134862"/>
+            </a:avLst>
+          </a:prstGeom>
+          <a:ln>
+            <a:solidFill>
+              <a:schemeClr val="tx1"/>
+            </a:solidFill>
+            <a:tailEnd type="triangle"/>
+          </a:ln>
+        </p:spPr>
+        <p:style>
+          <a:lnRef idx="2">
+            <a:schemeClr val="accent1"/>
+          </a:lnRef>
+          <a:fillRef idx="0">
+            <a:schemeClr val="accent1"/>
+          </a:fillRef>
+          <a:effectRef idx="1">
+            <a:schemeClr val="accent1"/>
+          </a:effectRef>
+          <a:fontRef idx="minor">
+            <a:schemeClr val="tx1"/>
+          </a:fontRef>
+        </p:style>
+      </p:cxnSp>
+      <p:sp>
+        <p:nvSpPr>
+          <p:cNvPr id="32" name="TextBox 31">
+            <a:extLst>
+              <a:ext uri="{FF2B5EF4-FFF2-40B4-BE49-F238E27FC236}">
+                <a16:creationId xmlns:a16="http://schemas.microsoft.com/office/drawing/2014/main" id="{A96C4A4F-7C70-C752-D8B2-8C2FC66EF454}"/>
+              </a:ext>
+            </a:extLst>
+          </p:cNvPr>
+          <p:cNvSpPr txBox="1"/>
+          <p:nvPr/>
+        </p:nvSpPr>
+        <p:spPr>
+          <a:xfrm>
+            <a:off x="8293947" y="1471087"/>
+            <a:ext cx="2147104" cy="923330"/>
+          </a:xfrm>
+          <a:prstGeom prst="rect">
+            <a:avLst/>
+          </a:prstGeom>
+          <a:noFill/>
+        </p:spPr>
+        <p:txBody>
+          <a:bodyPr wrap="square" rtlCol="0">
+            <a:spAutoFit/>
+          </a:bodyPr>
+          <a:lstStyle/>
+          <a:p>
+            <a:r>
+              <a:rPr lang="en-US" dirty="0"/>
+              <a:t>Hourly, Daily, and Monthly Saturated Fixed Effects</a:t>
+            </a:r>
+          </a:p>
+        </p:txBody>
+      </p:sp>
+      <p:cxnSp>
+        <p:nvCxnSpPr>
+          <p:cNvPr id="11" name="Connector: Curved 10">
+            <a:extLst>
+              <a:ext uri="{FF2B5EF4-FFF2-40B4-BE49-F238E27FC236}">
+                <a16:creationId xmlns:a16="http://schemas.microsoft.com/office/drawing/2014/main" id="{AB6E3CFB-EAEB-54B7-FFBA-8E1B670E4BBF}"/>
+              </a:ext>
+            </a:extLst>
+          </p:cNvPr>
+          <p:cNvCxnSpPr/>
+          <p:nvPr/>
+        </p:nvCxnSpPr>
+        <p:spPr>
+          <a:xfrm>
+            <a:off x="4572000" y="4994476"/>
+            <a:ext cx="1342663" cy="989635"/>
+          </a:xfrm>
+          <a:prstGeom prst="curvedConnector3">
+            <a:avLst>
+              <a:gd name="adj1" fmla="val -52155"/>
+            </a:avLst>
+          </a:prstGeom>
+          <a:ln>
+            <a:solidFill>
+              <a:schemeClr val="tx1"/>
+            </a:solidFill>
+            <a:tailEnd type="triangle"/>
+          </a:ln>
+        </p:spPr>
+        <p:style>
+          <a:lnRef idx="2">
+            <a:schemeClr val="accent1"/>
+          </a:lnRef>
+          <a:fillRef idx="0">
+            <a:schemeClr val="accent1"/>
+          </a:fillRef>
+          <a:effectRef idx="1">
+            <a:schemeClr val="accent1"/>
+          </a:effectRef>
+          <a:fontRef idx="minor">
+            <a:schemeClr val="tx1"/>
+          </a:fontRef>
+        </p:style>
+      </p:cxnSp>
+      <p:sp>
+        <p:nvSpPr>
+          <p:cNvPr id="15" name="TextBox 14">
+            <a:extLst>
+              <a:ext uri="{FF2B5EF4-FFF2-40B4-BE49-F238E27FC236}">
+                <a16:creationId xmlns:a16="http://schemas.microsoft.com/office/drawing/2014/main" id="{80E3E9D1-AE29-56B6-35E7-B6950508027A}"/>
+              </a:ext>
+            </a:extLst>
+          </p:cNvPr>
+          <p:cNvSpPr txBox="1"/>
+          <p:nvPr/>
+        </p:nvSpPr>
+        <p:spPr>
+          <a:xfrm>
+            <a:off x="6003402" y="5797769"/>
+            <a:ext cx="3163747" cy="646331"/>
+          </a:xfrm>
+          <a:prstGeom prst="rect">
+            <a:avLst/>
+          </a:prstGeom>
+          <a:noFill/>
+        </p:spPr>
+        <p:txBody>
+          <a:bodyPr wrap="square" rtlCol="0">
+            <a:spAutoFit/>
+          </a:bodyPr>
+          <a:lstStyle/>
+          <a:p>
+            <a:r>
+              <a:rPr lang="en-US" dirty="0"/>
+              <a:t>Autoregressive lag variables from the past 24 hours</a:t>
+            </a:r>
+          </a:p>
+        </p:txBody>
+      </p:sp>
+    </p:spTree>
+    <p:extLst>
+      <p:ext uri="{BB962C8B-B14F-4D97-AF65-F5344CB8AC3E}">
+        <p14:creationId xmlns:p14="http://schemas.microsoft.com/office/powerpoint/2010/main" val="1752935412"/>
+      </p:ext>
+    </p:extLst>
+  </p:cSld>
+  <p:clrMapOvr>
+    <a:masterClrMapping/>
+  </p:clrMapOvr>
+</p:sld>
+</file>
+
+<file path=ppt/slides/slide9.xml><?xml version="1.0" encoding="utf-8"?>
+<p:sld xmlns:a="http://schemas.openxmlformats.org/drawingml/2006/main" xmlns:r="http://schemas.openxmlformats.org/officeDocument/2006/relationships" xmlns:p="http://schemas.openxmlformats.org/presentationml/2006/main">
+  <p:cSld>
+    <p:spTree>
+      <p:nvGrpSpPr>
+        <p:cNvPr id="1" name=""/>
+        <p:cNvGrpSpPr/>
+        <p:nvPr/>
+      </p:nvGrpSpPr>
+      <p:grpSpPr>
+        <a:xfrm>
+          <a:off x="0" y="0"/>
+          <a:ext cx="0" cy="0"/>
+          <a:chOff x="0" y="0"/>
+          <a:chExt cx="0" cy="0"/>
+        </a:xfrm>
+      </p:grpSpPr>
+      <p:sp>
+        <p:nvSpPr>
+          <p:cNvPr id="2" name="Title 1">
+            <a:extLst>
+              <a:ext uri="{FF2B5EF4-FFF2-40B4-BE49-F238E27FC236}">
+                <a16:creationId xmlns:a16="http://schemas.microsoft.com/office/drawing/2014/main" id="{9F6C1502-DDA4-4194-0B16-DC36D7632194}"/>
+              </a:ext>
+            </a:extLst>
+          </p:cNvPr>
+          <p:cNvSpPr>
+            <a:spLocks noGrp="1"/>
+          </p:cNvSpPr>
+          <p:nvPr>
+            <p:ph type="ctrTitle"/>
+          </p:nvPr>
+        </p:nvSpPr>
         <p:spPr/>
         <p:txBody>
           <a:bodyPr/>
@@ -4373,7 +13560,7 @@
           <a:p>
             <a:r>
               <a:rPr lang="en-US" dirty="0"/>
-              <a:t>SLIDE 5</a:t>
+              <a:t>SLIDE 4</a:t>
             </a:r>
           </a:p>
         </p:txBody>
@@ -4403,14 +13590,17 @@
           <a:p>
             <a:r>
               <a:rPr lang="en-US" dirty="0"/>
-              <a:t>includes a summary and conclusions that directly relate to the problem you have been</a:t>
+              <a:t>describe the modeling and/or summarizing efforts that were taken, along with useful</a:t>
             </a:r>
           </a:p>
           <a:p>
             <a:r>
               <a:rPr lang="en-US" dirty="0"/>
-              <a:t>given.</a:t>
+              <a:t>figures or relevant model results.</a:t>
             </a:r>
+          </a:p>
+          <a:p>
+            <a:endParaRPr lang="en-US" dirty="0"/>
           </a:p>
         </p:txBody>
       </p:sp>
@@ -4449,7 +13639,7 @@
     </p:spTree>
     <p:extLst>
       <p:ext uri="{BB962C8B-B14F-4D97-AF65-F5344CB8AC3E}">
-        <p14:creationId xmlns:p14="http://schemas.microsoft.com/office/powerpoint/2010/main" val="38514445"/>
+        <p14:creationId xmlns:p14="http://schemas.microsoft.com/office/powerpoint/2010/main" val="275691449"/>
       </p:ext>
     </p:extLst>
   </p:cSld>
